--- a/figures/Presentation1.pptx
+++ b/figures/Presentation1.pptx
@@ -6,7 +6,9 @@
   </p:sldMasterIdLst>
   <p:sldIdLst>
     <p:sldId id="256" r:id="rId2"/>
-    <p:sldId id="257" r:id="rId3"/>
+    <p:sldId id="258" r:id="rId3"/>
+    <p:sldId id="259" r:id="rId4"/>
+    <p:sldId id="257" r:id="rId5"/>
   </p:sldIdLst>
   <p:sldSz cx="9144000" cy="6858000" type="screen4x3"/>
   <p:notesSz cx="6858000" cy="9144000"/>
@@ -3104,10 +3106,10 @@
         </p:nvGrpSpPr>
         <p:grpSpPr>
           <a:xfrm rot="20431781">
-            <a:off x="2127989" y="1746514"/>
-            <a:ext cx="4828640" cy="4762806"/>
-            <a:chOff x="2127989" y="1746514"/>
-            <a:chExt cx="4828640" cy="4762806"/>
+            <a:off x="3667261" y="3005260"/>
+            <a:ext cx="2189150" cy="2279155"/>
+            <a:chOff x="3649067" y="3077465"/>
+            <a:chExt cx="2189150" cy="2279155"/>
           </a:xfrm>
         </p:grpSpPr>
         <p:cxnSp>
@@ -3117,9 +3119,9 @@
             <p:nvPr/>
           </p:nvCxnSpPr>
           <p:spPr>
-            <a:xfrm flipV="1">
-              <a:off x="4556825" y="4108963"/>
-              <a:ext cx="2399804" cy="18677"/>
+            <a:xfrm rot="1168219" flipV="1">
+              <a:off x="4714862" y="3206489"/>
+              <a:ext cx="1123355" cy="1140993"/>
             </a:xfrm>
             <a:prstGeom prst="straightConnector1">
               <a:avLst/>
@@ -3150,42 +3152,9 @@
             <p:nvPr/>
           </p:nvCxnSpPr>
           <p:spPr>
-            <a:xfrm rot="5400000" flipV="1">
-              <a:off x="3372119" y="5300079"/>
-              <a:ext cx="2399804" cy="18677"/>
-            </a:xfrm>
-            <a:prstGeom prst="straightConnector1">
-              <a:avLst/>
-            </a:prstGeom>
-            <a:ln>
-              <a:tailEnd type="arrow"/>
-            </a:ln>
-          </p:spPr>
-          <p:style>
-            <a:lnRef idx="3">
-              <a:schemeClr val="dk1"/>
-            </a:lnRef>
-            <a:fillRef idx="0">
-              <a:schemeClr val="dk1"/>
-            </a:fillRef>
-            <a:effectRef idx="2">
-              <a:schemeClr val="dk1"/>
-            </a:effectRef>
-            <a:fontRef idx="minor">
-              <a:schemeClr val="tx1"/>
-            </a:fontRef>
-          </p:style>
-        </p:cxnSp>
-        <p:cxnSp>
-          <p:nvCxnSpPr>
-            <p:cNvPr id="14" name="Straight Arrow Connector 13"/>
-            <p:cNvCxnSpPr/>
-            <p:nvPr/>
-          </p:nvCxnSpPr>
-          <p:spPr>
-            <a:xfrm flipH="1" flipV="1">
-              <a:off x="2127989" y="4115480"/>
-              <a:ext cx="2399804" cy="18677"/>
+            <a:xfrm rot="1168219">
+              <a:off x="4348722" y="4135711"/>
+              <a:ext cx="366641" cy="1220909"/>
             </a:xfrm>
             <a:prstGeom prst="straightConnector1">
               <a:avLst/>
@@ -3216,9 +3185,9 @@
             <p:nvPr/>
           </p:nvCxnSpPr>
           <p:spPr>
-            <a:xfrm rot="16200000" flipV="1">
-              <a:off x="3353442" y="2937077"/>
-              <a:ext cx="2399804" cy="18677"/>
+            <a:xfrm rot="1168219" flipH="1" flipV="1">
+              <a:off x="3649067" y="3077465"/>
+              <a:ext cx="1096993" cy="912109"/>
             </a:xfrm>
             <a:prstGeom prst="straightConnector1">
               <a:avLst/>
@@ -3251,8 +3220,8 @@
         </p:nvSpPr>
         <p:spPr>
           <a:xfrm>
-            <a:off x="4366568" y="3954892"/>
-            <a:ext cx="364173" cy="364173"/>
+            <a:off x="4461224" y="4056450"/>
+            <a:ext cx="215287" cy="215287"/>
           </a:xfrm>
           <a:prstGeom prst="ellipse">
             <a:avLst/>
@@ -3407,8 +3376,8 @@
         </p:blipFill>
         <p:spPr>
           <a:xfrm>
-            <a:off x="3691785" y="3587629"/>
-            <a:ext cx="596900" cy="533400"/>
+            <a:off x="4678383" y="4162140"/>
+            <a:ext cx="462331" cy="413147"/>
           </a:xfrm>
           <a:prstGeom prst="rect">
             <a:avLst/>
@@ -3431,7 +3400,7 @@
         </p:blipFill>
         <p:spPr>
           <a:xfrm>
-            <a:off x="6475573" y="2649425"/>
+            <a:off x="5627688" y="3106625"/>
             <a:ext cx="342900" cy="457200"/>
           </a:xfrm>
           <a:prstGeom prst="rect">
@@ -3439,6 +3408,259 @@
           </a:prstGeom>
         </p:spPr>
       </p:pic>
+      <p:cxnSp>
+        <p:nvCxnSpPr>
+          <p:cNvPr id="22" name="Straight Arrow Connector 21"/>
+          <p:cNvCxnSpPr/>
+          <p:nvPr/>
+        </p:nvCxnSpPr>
+        <p:spPr>
+          <a:xfrm flipV="1">
+            <a:off x="4559763" y="2862584"/>
+            <a:ext cx="0" cy="1299555"/>
+          </a:xfrm>
+          <a:prstGeom prst="straightConnector1">
+            <a:avLst/>
+          </a:prstGeom>
+          <a:ln>
+            <a:tailEnd type="arrow"/>
+          </a:ln>
+        </p:spPr>
+        <p:style>
+          <a:lnRef idx="2">
+            <a:schemeClr val="accent2"/>
+          </a:lnRef>
+          <a:fillRef idx="0">
+            <a:schemeClr val="accent2"/>
+          </a:fillRef>
+          <a:effectRef idx="1">
+            <a:schemeClr val="accent2"/>
+          </a:effectRef>
+          <a:fontRef idx="minor">
+            <a:schemeClr val="tx1"/>
+          </a:fontRef>
+        </p:style>
+      </p:cxnSp>
+      <p:cxnSp>
+        <p:nvCxnSpPr>
+          <p:cNvPr id="23" name="Straight Arrow Connector 22"/>
+          <p:cNvCxnSpPr/>
+          <p:nvPr/>
+        </p:nvCxnSpPr>
+        <p:spPr>
+          <a:xfrm flipV="1">
+            <a:off x="4559763" y="4162139"/>
+            <a:ext cx="1442870" cy="1"/>
+          </a:xfrm>
+          <a:prstGeom prst="straightConnector1">
+            <a:avLst/>
+          </a:prstGeom>
+          <a:ln>
+            <a:tailEnd type="arrow"/>
+          </a:ln>
+        </p:spPr>
+        <p:style>
+          <a:lnRef idx="2">
+            <a:schemeClr val="accent2"/>
+          </a:lnRef>
+          <a:fillRef idx="0">
+            <a:schemeClr val="accent2"/>
+          </a:fillRef>
+          <a:effectRef idx="1">
+            <a:schemeClr val="accent2"/>
+          </a:effectRef>
+          <a:fontRef idx="minor">
+            <a:schemeClr val="tx1"/>
+          </a:fontRef>
+        </p:style>
+      </p:cxnSp>
+      <p:cxnSp>
+        <p:nvCxnSpPr>
+          <p:cNvPr id="24" name="Straight Arrow Connector 23"/>
+          <p:cNvCxnSpPr/>
+          <p:nvPr/>
+        </p:nvCxnSpPr>
+        <p:spPr>
+          <a:xfrm flipH="1">
+            <a:off x="3818018" y="4162140"/>
+            <a:ext cx="741746" cy="818425"/>
+          </a:xfrm>
+          <a:prstGeom prst="straightConnector1">
+            <a:avLst/>
+          </a:prstGeom>
+          <a:ln>
+            <a:tailEnd type="arrow"/>
+          </a:ln>
+        </p:spPr>
+        <p:style>
+          <a:lnRef idx="2">
+            <a:schemeClr val="accent2"/>
+          </a:lnRef>
+          <a:fillRef idx="0">
+            <a:schemeClr val="accent2"/>
+          </a:fillRef>
+          <a:effectRef idx="1">
+            <a:schemeClr val="accent2"/>
+          </a:effectRef>
+          <a:fontRef idx="minor">
+            <a:schemeClr val="tx1"/>
+          </a:fontRef>
+        </p:style>
+      </p:cxnSp>
+      <p:pic>
+        <p:nvPicPr>
+          <p:cNvPr id="25" name="Picture 24"/>
+          <p:cNvPicPr>
+            <a:picLocks noChangeAspect="1"/>
+          </p:cNvPicPr>
+          <p:nvPr/>
+        </p:nvPicPr>
+        <p:blipFill>
+          <a:blip r:embed="rId7"/>
+          <a:stretch>
+            <a:fillRect/>
+          </a:stretch>
+        </p:blipFill>
+        <p:spPr>
+          <a:xfrm>
+            <a:off x="5881983" y="4300235"/>
+            <a:ext cx="241300" cy="215900"/>
+          </a:xfrm>
+          <a:prstGeom prst="rect">
+            <a:avLst/>
+          </a:prstGeom>
+        </p:spPr>
+      </p:pic>
+      <p:pic>
+        <p:nvPicPr>
+          <p:cNvPr id="26" name="Picture 25"/>
+          <p:cNvPicPr>
+            <a:picLocks noChangeAspect="1"/>
+          </p:cNvPicPr>
+          <p:nvPr/>
+        </p:nvPicPr>
+        <p:blipFill>
+          <a:blip r:embed="rId8"/>
+          <a:stretch>
+            <a:fillRect/>
+          </a:stretch>
+        </p:blipFill>
+        <p:spPr>
+          <a:xfrm>
+            <a:off x="3965212" y="4872615"/>
+            <a:ext cx="215900" cy="215900"/>
+          </a:xfrm>
+          <a:prstGeom prst="rect">
+            <a:avLst/>
+          </a:prstGeom>
+        </p:spPr>
+      </p:pic>
+      <p:pic>
+        <p:nvPicPr>
+          <p:cNvPr id="27" name="Picture 26"/>
+          <p:cNvPicPr>
+            <a:picLocks noChangeAspect="1"/>
+          </p:cNvPicPr>
+          <p:nvPr/>
+        </p:nvPicPr>
+        <p:blipFill>
+          <a:blip r:embed="rId9"/>
+          <a:stretch>
+            <a:fillRect/>
+          </a:stretch>
+        </p:blipFill>
+        <p:spPr>
+          <a:xfrm>
+            <a:off x="4233912" y="2862584"/>
+            <a:ext cx="215900" cy="304800"/>
+          </a:xfrm>
+          <a:prstGeom prst="rect">
+            <a:avLst/>
+          </a:prstGeom>
+        </p:spPr>
+      </p:pic>
+      <p:sp>
+        <p:nvSpPr>
+          <p:cNvPr id="32" name="Oval 31"/>
+          <p:cNvSpPr/>
+          <p:nvPr/>
+        </p:nvSpPr>
+        <p:spPr>
+          <a:xfrm>
+            <a:off x="3861688" y="3392023"/>
+            <a:ext cx="1411926" cy="1411926"/>
+          </a:xfrm>
+          <a:prstGeom prst="ellipse">
+            <a:avLst/>
+          </a:prstGeom>
+          <a:solidFill>
+            <a:schemeClr val="accent1">
+              <a:lumMod val="60000"/>
+              <a:lumOff val="40000"/>
+              <a:alpha val="27000"/>
+            </a:schemeClr>
+          </a:solidFill>
+          <a:ln>
+            <a:solidFill>
+              <a:schemeClr val="tx1"/>
+            </a:solidFill>
+            <a:prstDash val="sysDash"/>
+          </a:ln>
+          <a:effectLst/>
+        </p:spPr>
+        <p:style>
+          <a:lnRef idx="1">
+            <a:schemeClr val="accent1"/>
+          </a:lnRef>
+          <a:fillRef idx="3">
+            <a:schemeClr val="accent1"/>
+          </a:fillRef>
+          <a:effectRef idx="2">
+            <a:schemeClr val="accent1"/>
+          </a:effectRef>
+          <a:fontRef idx="minor">
+            <a:schemeClr val="lt1"/>
+          </a:fontRef>
+        </p:style>
+        <p:txBody>
+          <a:bodyPr rtlCol="0" anchor="ctr"/>
+          <a:lstStyle/>
+          <a:p>
+            <a:pPr algn="ctr"/>
+            <a:endParaRPr lang="en-US"/>
+          </a:p>
+        </p:txBody>
+      </p:sp>
+      <p:sp>
+        <p:nvSpPr>
+          <p:cNvPr id="34" name="TextBox 33"/>
+          <p:cNvSpPr txBox="1"/>
+          <p:nvPr/>
+        </p:nvSpPr>
+        <p:spPr>
+          <a:xfrm>
+            <a:off x="4922024" y="2390193"/>
+            <a:ext cx="1859103" cy="369332"/>
+          </a:xfrm>
+          <a:prstGeom prst="rect">
+            <a:avLst/>
+          </a:prstGeom>
+          <a:noFill/>
+        </p:spPr>
+        <p:txBody>
+          <a:bodyPr wrap="none" rtlCol="0">
+            <a:spAutoFit/>
+          </a:bodyPr>
+          <a:lstStyle/>
+          <a:p>
+            <a:r>
+              <a:rPr lang="en-US" smtClean="0"/>
+              <a:t>Äquipotentiallinie</a:t>
+            </a:r>
+            <a:endParaRPr lang="en-US" dirty="0"/>
+          </a:p>
+        </p:txBody>
+      </p:sp>
     </p:spTree>
     <p:extLst>
       <p:ext uri="{BB962C8B-B14F-4D97-AF65-F5344CB8AC3E}">
@@ -3453,6 +3675,1627 @@
 </file>
 
 <file path=ppt/slides/slide2.xml><?xml version="1.0" encoding="utf-8"?>
+<p:sld xmlns:a="http://schemas.openxmlformats.org/drawingml/2006/main" xmlns:r="http://schemas.openxmlformats.org/officeDocument/2006/relationships" xmlns:p="http://schemas.openxmlformats.org/presentationml/2006/main">
+  <p:cSld>
+    <p:spTree>
+      <p:nvGrpSpPr>
+        <p:cNvPr id="1" name=""/>
+        <p:cNvGrpSpPr/>
+        <p:nvPr/>
+      </p:nvGrpSpPr>
+      <p:grpSpPr>
+        <a:xfrm>
+          <a:off x="0" y="0"/>
+          <a:ext cx="0" cy="0"/>
+          <a:chOff x="0" y="0"/>
+          <a:chExt cx="0" cy="0"/>
+        </a:xfrm>
+      </p:grpSpPr>
+      <p:cxnSp>
+        <p:nvCxnSpPr>
+          <p:cNvPr id="34" name="Straight Arrow Connector 33"/>
+          <p:cNvCxnSpPr/>
+          <p:nvPr/>
+        </p:nvCxnSpPr>
+        <p:spPr>
+          <a:xfrm flipH="1">
+            <a:off x="4883647" y="2420760"/>
+            <a:ext cx="3744442" cy="1"/>
+          </a:xfrm>
+          <a:prstGeom prst="straightConnector1">
+            <a:avLst/>
+          </a:prstGeom>
+          <a:ln>
+            <a:tailEnd type="arrow"/>
+          </a:ln>
+        </p:spPr>
+        <p:style>
+          <a:lnRef idx="2">
+            <a:schemeClr val="dk1"/>
+          </a:lnRef>
+          <a:fillRef idx="0">
+            <a:schemeClr val="dk1"/>
+          </a:fillRef>
+          <a:effectRef idx="1">
+            <a:schemeClr val="dk1"/>
+          </a:effectRef>
+          <a:fontRef idx="minor">
+            <a:schemeClr val="tx1"/>
+          </a:fontRef>
+        </p:style>
+      </p:cxnSp>
+      <p:cxnSp>
+        <p:nvCxnSpPr>
+          <p:cNvPr id="37" name="Straight Arrow Connector 36"/>
+          <p:cNvCxnSpPr/>
+          <p:nvPr/>
+        </p:nvCxnSpPr>
+        <p:spPr>
+          <a:xfrm flipH="1">
+            <a:off x="4883647" y="2724138"/>
+            <a:ext cx="3744442" cy="1"/>
+          </a:xfrm>
+          <a:prstGeom prst="straightConnector1">
+            <a:avLst/>
+          </a:prstGeom>
+          <a:ln>
+            <a:tailEnd type="arrow"/>
+          </a:ln>
+        </p:spPr>
+        <p:style>
+          <a:lnRef idx="2">
+            <a:schemeClr val="dk1"/>
+          </a:lnRef>
+          <a:fillRef idx="0">
+            <a:schemeClr val="dk1"/>
+          </a:fillRef>
+          <a:effectRef idx="1">
+            <a:schemeClr val="dk1"/>
+          </a:effectRef>
+          <a:fontRef idx="minor">
+            <a:schemeClr val="tx1"/>
+          </a:fontRef>
+        </p:style>
+      </p:cxnSp>
+      <p:cxnSp>
+        <p:nvCxnSpPr>
+          <p:cNvPr id="38" name="Straight Arrow Connector 37"/>
+          <p:cNvCxnSpPr/>
+          <p:nvPr/>
+        </p:nvCxnSpPr>
+        <p:spPr>
+          <a:xfrm flipH="1">
+            <a:off x="4883647" y="3027516"/>
+            <a:ext cx="3744442" cy="1"/>
+          </a:xfrm>
+          <a:prstGeom prst="straightConnector1">
+            <a:avLst/>
+          </a:prstGeom>
+          <a:ln>
+            <a:tailEnd type="arrow"/>
+          </a:ln>
+        </p:spPr>
+        <p:style>
+          <a:lnRef idx="2">
+            <a:schemeClr val="dk1"/>
+          </a:lnRef>
+          <a:fillRef idx="0">
+            <a:schemeClr val="dk1"/>
+          </a:fillRef>
+          <a:effectRef idx="1">
+            <a:schemeClr val="dk1"/>
+          </a:effectRef>
+          <a:fontRef idx="minor">
+            <a:schemeClr val="tx1"/>
+          </a:fontRef>
+        </p:style>
+      </p:cxnSp>
+      <p:cxnSp>
+        <p:nvCxnSpPr>
+          <p:cNvPr id="39" name="Straight Arrow Connector 38"/>
+          <p:cNvCxnSpPr/>
+          <p:nvPr/>
+        </p:nvCxnSpPr>
+        <p:spPr>
+          <a:xfrm flipH="1">
+            <a:off x="4883647" y="3330894"/>
+            <a:ext cx="3744442" cy="1"/>
+          </a:xfrm>
+          <a:prstGeom prst="straightConnector1">
+            <a:avLst/>
+          </a:prstGeom>
+          <a:ln>
+            <a:tailEnd type="arrow"/>
+          </a:ln>
+        </p:spPr>
+        <p:style>
+          <a:lnRef idx="2">
+            <a:schemeClr val="dk1"/>
+          </a:lnRef>
+          <a:fillRef idx="0">
+            <a:schemeClr val="dk1"/>
+          </a:fillRef>
+          <a:effectRef idx="1">
+            <a:schemeClr val="dk1"/>
+          </a:effectRef>
+          <a:fontRef idx="minor">
+            <a:schemeClr val="tx1"/>
+          </a:fontRef>
+        </p:style>
+      </p:cxnSp>
+      <p:cxnSp>
+        <p:nvCxnSpPr>
+          <p:cNvPr id="40" name="Straight Arrow Connector 39"/>
+          <p:cNvCxnSpPr/>
+          <p:nvPr/>
+        </p:nvCxnSpPr>
+        <p:spPr>
+          <a:xfrm flipH="1">
+            <a:off x="4883647" y="3634273"/>
+            <a:ext cx="3744442" cy="1"/>
+          </a:xfrm>
+          <a:prstGeom prst="straightConnector1">
+            <a:avLst/>
+          </a:prstGeom>
+          <a:ln>
+            <a:tailEnd type="arrow"/>
+          </a:ln>
+        </p:spPr>
+        <p:style>
+          <a:lnRef idx="2">
+            <a:schemeClr val="dk1"/>
+          </a:lnRef>
+          <a:fillRef idx="0">
+            <a:schemeClr val="dk1"/>
+          </a:fillRef>
+          <a:effectRef idx="1">
+            <a:schemeClr val="dk1"/>
+          </a:effectRef>
+          <a:fontRef idx="minor">
+            <a:schemeClr val="tx1"/>
+          </a:fontRef>
+        </p:style>
+      </p:cxnSp>
+      <p:sp>
+        <p:nvSpPr>
+          <p:cNvPr id="4" name="Oval 3"/>
+          <p:cNvSpPr/>
+          <p:nvPr/>
+        </p:nvSpPr>
+        <p:spPr>
+          <a:xfrm>
+            <a:off x="1354260" y="4906937"/>
+            <a:ext cx="364173" cy="364173"/>
+          </a:xfrm>
+          <a:prstGeom prst="ellipse">
+            <a:avLst/>
+          </a:prstGeom>
+        </p:spPr>
+        <p:style>
+          <a:lnRef idx="1">
+            <a:schemeClr val="dk1"/>
+          </a:lnRef>
+          <a:fillRef idx="2">
+            <a:schemeClr val="dk1"/>
+          </a:fillRef>
+          <a:effectRef idx="1">
+            <a:schemeClr val="dk1"/>
+          </a:effectRef>
+          <a:fontRef idx="minor">
+            <a:schemeClr val="dk1"/>
+          </a:fontRef>
+        </p:style>
+        <p:txBody>
+          <a:bodyPr rtlCol="0" anchor="ctr"/>
+          <a:lstStyle/>
+          <a:p>
+            <a:pPr algn="ctr"/>
+            <a:endParaRPr lang="en-US"/>
+          </a:p>
+        </p:txBody>
+      </p:sp>
+      <p:sp>
+        <p:nvSpPr>
+          <p:cNvPr id="5" name="Oval 4"/>
+          <p:cNvSpPr/>
+          <p:nvPr/>
+        </p:nvSpPr>
+        <p:spPr>
+          <a:xfrm>
+            <a:off x="5098415" y="1246712"/>
+            <a:ext cx="364173" cy="364173"/>
+          </a:xfrm>
+          <a:prstGeom prst="ellipse">
+            <a:avLst/>
+          </a:prstGeom>
+        </p:spPr>
+        <p:style>
+          <a:lnRef idx="1">
+            <a:schemeClr val="dk1"/>
+          </a:lnRef>
+          <a:fillRef idx="2">
+            <a:schemeClr val="dk1"/>
+          </a:fillRef>
+          <a:effectRef idx="1">
+            <a:schemeClr val="dk1"/>
+          </a:effectRef>
+          <a:fontRef idx="minor">
+            <a:schemeClr val="dk1"/>
+          </a:fontRef>
+        </p:style>
+        <p:txBody>
+          <a:bodyPr rtlCol="0" anchor="ctr"/>
+          <a:lstStyle/>
+          <a:p>
+            <a:pPr algn="ctr"/>
+            <a:endParaRPr lang="en-US"/>
+          </a:p>
+        </p:txBody>
+      </p:sp>
+      <p:pic>
+        <p:nvPicPr>
+          <p:cNvPr id="9" name="Picture 8"/>
+          <p:cNvPicPr>
+            <a:picLocks noChangeAspect="1"/>
+          </p:cNvPicPr>
+          <p:nvPr/>
+        </p:nvPicPr>
+        <p:blipFill>
+          <a:blip r:embed="rId2"/>
+          <a:stretch>
+            <a:fillRect/>
+          </a:stretch>
+        </p:blipFill>
+        <p:spPr>
+          <a:xfrm>
+            <a:off x="4073162" y="939341"/>
+            <a:ext cx="279400" cy="342900"/>
+          </a:xfrm>
+          <a:prstGeom prst="rect">
+            <a:avLst/>
+          </a:prstGeom>
+        </p:spPr>
+      </p:pic>
+      <p:pic>
+        <p:nvPicPr>
+          <p:cNvPr id="10" name="Picture 9"/>
+          <p:cNvPicPr>
+            <a:picLocks noChangeAspect="1"/>
+          </p:cNvPicPr>
+          <p:nvPr/>
+        </p:nvPicPr>
+        <p:blipFill>
+          <a:blip r:embed="rId3"/>
+          <a:stretch>
+            <a:fillRect/>
+          </a:stretch>
+        </p:blipFill>
+        <p:spPr>
+          <a:xfrm>
+            <a:off x="3244383" y="736141"/>
+            <a:ext cx="368300" cy="406400"/>
+          </a:xfrm>
+          <a:prstGeom prst="rect">
+            <a:avLst/>
+          </a:prstGeom>
+        </p:spPr>
+      </p:pic>
+      <p:pic>
+        <p:nvPicPr>
+          <p:cNvPr id="12" name="Picture 11"/>
+          <p:cNvPicPr>
+            <a:picLocks noChangeAspect="1"/>
+          </p:cNvPicPr>
+          <p:nvPr/>
+        </p:nvPicPr>
+        <p:blipFill>
+          <a:blip r:embed="rId4"/>
+          <a:stretch>
+            <a:fillRect/>
+          </a:stretch>
+        </p:blipFill>
+        <p:spPr>
+          <a:xfrm>
+            <a:off x="5462588" y="863141"/>
+            <a:ext cx="508000" cy="419100"/>
+          </a:xfrm>
+          <a:prstGeom prst="rect">
+            <a:avLst/>
+          </a:prstGeom>
+        </p:spPr>
+      </p:pic>
+      <p:pic>
+        <p:nvPicPr>
+          <p:cNvPr id="2" name="Picture 1"/>
+          <p:cNvPicPr>
+            <a:picLocks noChangeAspect="1"/>
+          </p:cNvPicPr>
+          <p:nvPr/>
+        </p:nvPicPr>
+        <p:blipFill>
+          <a:blip r:embed="rId5"/>
+          <a:stretch>
+            <a:fillRect/>
+          </a:stretch>
+        </p:blipFill>
+        <p:spPr>
+          <a:xfrm>
+            <a:off x="1081210" y="4264418"/>
+            <a:ext cx="546100" cy="368300"/>
+          </a:xfrm>
+          <a:prstGeom prst="rect">
+            <a:avLst/>
+          </a:prstGeom>
+        </p:spPr>
+      </p:pic>
+      <p:pic>
+        <p:nvPicPr>
+          <p:cNvPr id="3" name="Picture 2"/>
+          <p:cNvPicPr>
+            <a:picLocks noChangeAspect="1"/>
+          </p:cNvPicPr>
+          <p:nvPr/>
+        </p:nvPicPr>
+        <p:blipFill>
+          <a:blip r:embed="rId6"/>
+          <a:stretch>
+            <a:fillRect/>
+          </a:stretch>
+        </p:blipFill>
+        <p:spPr>
+          <a:xfrm>
+            <a:off x="2994377" y="3816229"/>
+            <a:ext cx="533400" cy="304800"/>
+          </a:xfrm>
+          <a:prstGeom prst="rect">
+            <a:avLst/>
+          </a:prstGeom>
+        </p:spPr>
+      </p:pic>
+      <p:sp>
+        <p:nvSpPr>
+          <p:cNvPr id="22" name="Oval 21"/>
+          <p:cNvSpPr/>
+          <p:nvPr/>
+        </p:nvSpPr>
+        <p:spPr>
+          <a:xfrm>
+            <a:off x="3261077" y="4331854"/>
+            <a:ext cx="364173" cy="364173"/>
+          </a:xfrm>
+          <a:prstGeom prst="ellipse">
+            <a:avLst/>
+          </a:prstGeom>
+        </p:spPr>
+        <p:style>
+          <a:lnRef idx="1">
+            <a:schemeClr val="dk1"/>
+          </a:lnRef>
+          <a:fillRef idx="2">
+            <a:schemeClr val="dk1"/>
+          </a:fillRef>
+          <a:effectRef idx="1">
+            <a:schemeClr val="dk1"/>
+          </a:effectRef>
+          <a:fontRef idx="minor">
+            <a:schemeClr val="dk1"/>
+          </a:fontRef>
+        </p:style>
+        <p:txBody>
+          <a:bodyPr rtlCol="0" anchor="ctr"/>
+          <a:lstStyle/>
+          <a:p>
+            <a:pPr algn="ctr"/>
+            <a:endParaRPr lang="en-US"/>
+          </a:p>
+        </p:txBody>
+      </p:sp>
+      <p:cxnSp>
+        <p:nvCxnSpPr>
+          <p:cNvPr id="14" name="Straight Arrow Connector 13"/>
+          <p:cNvCxnSpPr/>
+          <p:nvPr/>
+        </p:nvCxnSpPr>
+        <p:spPr>
+          <a:xfrm flipH="1" flipV="1">
+            <a:off x="1489657" y="5061007"/>
+            <a:ext cx="1405048" cy="1074422"/>
+          </a:xfrm>
+          <a:prstGeom prst="straightConnector1">
+            <a:avLst/>
+          </a:prstGeom>
+          <a:ln>
+            <a:tailEnd type="arrow"/>
+          </a:ln>
+        </p:spPr>
+        <p:style>
+          <a:lnRef idx="3">
+            <a:schemeClr val="dk1"/>
+          </a:lnRef>
+          <a:fillRef idx="0">
+            <a:schemeClr val="dk1"/>
+          </a:fillRef>
+          <a:effectRef idx="2">
+            <a:schemeClr val="dk1"/>
+          </a:effectRef>
+          <a:fontRef idx="minor">
+            <a:schemeClr val="tx1"/>
+          </a:fontRef>
+        </p:style>
+      </p:cxnSp>
+      <p:cxnSp>
+        <p:nvCxnSpPr>
+          <p:cNvPr id="18" name="Straight Arrow Connector 17"/>
+          <p:cNvCxnSpPr/>
+          <p:nvPr/>
+        </p:nvCxnSpPr>
+        <p:spPr>
+          <a:xfrm flipV="1">
+            <a:off x="2894705" y="4448568"/>
+            <a:ext cx="576473" cy="1686861"/>
+          </a:xfrm>
+          <a:prstGeom prst="straightConnector1">
+            <a:avLst/>
+          </a:prstGeom>
+          <a:ln>
+            <a:tailEnd type="arrow"/>
+          </a:ln>
+        </p:spPr>
+        <p:style>
+          <a:lnRef idx="3">
+            <a:schemeClr val="dk1"/>
+          </a:lnRef>
+          <a:fillRef idx="0">
+            <a:schemeClr val="dk1"/>
+          </a:fillRef>
+          <a:effectRef idx="2">
+            <a:schemeClr val="dk1"/>
+          </a:effectRef>
+          <a:fontRef idx="minor">
+            <a:schemeClr val="tx1"/>
+          </a:fontRef>
+        </p:style>
+      </p:cxnSp>
+      <p:cxnSp>
+        <p:nvCxnSpPr>
+          <p:cNvPr id="7" name="Straight Arrow Connector 6"/>
+          <p:cNvCxnSpPr/>
+          <p:nvPr/>
+        </p:nvCxnSpPr>
+        <p:spPr>
+          <a:xfrm flipH="1">
+            <a:off x="1489657" y="4448568"/>
+            <a:ext cx="1981521" cy="612439"/>
+          </a:xfrm>
+          <a:prstGeom prst="straightConnector1">
+            <a:avLst/>
+          </a:prstGeom>
+          <a:ln>
+            <a:tailEnd type="arrow"/>
+          </a:ln>
+        </p:spPr>
+        <p:style>
+          <a:lnRef idx="3">
+            <a:schemeClr val="accent3"/>
+          </a:lnRef>
+          <a:fillRef idx="0">
+            <a:schemeClr val="accent3"/>
+          </a:fillRef>
+          <a:effectRef idx="2">
+            <a:schemeClr val="accent3"/>
+          </a:effectRef>
+          <a:fontRef idx="minor">
+            <a:schemeClr val="tx1"/>
+          </a:fontRef>
+        </p:style>
+      </p:cxnSp>
+      <p:pic>
+        <p:nvPicPr>
+          <p:cNvPr id="16" name="Picture 15"/>
+          <p:cNvPicPr>
+            <a:picLocks noChangeAspect="1"/>
+          </p:cNvPicPr>
+          <p:nvPr/>
+        </p:nvPicPr>
+        <p:blipFill>
+          <a:blip r:embed="rId7"/>
+          <a:stretch>
+            <a:fillRect/>
+          </a:stretch>
+        </p:blipFill>
+        <p:spPr>
+          <a:xfrm>
+            <a:off x="2390693" y="4175518"/>
+            <a:ext cx="241300" cy="457200"/>
+          </a:xfrm>
+          <a:prstGeom prst="rect">
+            <a:avLst/>
+          </a:prstGeom>
+        </p:spPr>
+      </p:pic>
+      <p:pic>
+        <p:nvPicPr>
+          <p:cNvPr id="26" name="Picture 25"/>
+          <p:cNvPicPr>
+            <a:picLocks noChangeAspect="1"/>
+          </p:cNvPicPr>
+          <p:nvPr/>
+        </p:nvPicPr>
+        <p:blipFill>
+          <a:blip r:embed="rId8"/>
+          <a:stretch>
+            <a:fillRect/>
+          </a:stretch>
+        </p:blipFill>
+        <p:spPr>
+          <a:xfrm>
+            <a:off x="3434883" y="5195558"/>
+            <a:ext cx="355600" cy="406400"/>
+          </a:xfrm>
+          <a:prstGeom prst="rect">
+            <a:avLst/>
+          </a:prstGeom>
+        </p:spPr>
+      </p:pic>
+      <p:pic>
+        <p:nvPicPr>
+          <p:cNvPr id="27" name="Picture 26"/>
+          <p:cNvPicPr>
+            <a:picLocks noChangeAspect="1"/>
+          </p:cNvPicPr>
+          <p:nvPr/>
+        </p:nvPicPr>
+        <p:blipFill>
+          <a:blip r:embed="rId9"/>
+          <a:stretch>
+            <a:fillRect/>
+          </a:stretch>
+        </p:blipFill>
+        <p:spPr>
+          <a:xfrm>
+            <a:off x="1627310" y="5616469"/>
+            <a:ext cx="368300" cy="406400"/>
+          </a:xfrm>
+          <a:prstGeom prst="rect">
+            <a:avLst/>
+          </a:prstGeom>
+        </p:spPr>
+      </p:pic>
+      <p:sp>
+        <p:nvSpPr>
+          <p:cNvPr id="28" name="Oval 27"/>
+          <p:cNvSpPr/>
+          <p:nvPr/>
+        </p:nvSpPr>
+        <p:spPr>
+          <a:xfrm>
+            <a:off x="5615273" y="3032870"/>
+            <a:ext cx="364173" cy="364173"/>
+          </a:xfrm>
+          <a:prstGeom prst="ellipse">
+            <a:avLst/>
+          </a:prstGeom>
+        </p:spPr>
+        <p:style>
+          <a:lnRef idx="1">
+            <a:schemeClr val="dk1"/>
+          </a:lnRef>
+          <a:fillRef idx="2">
+            <a:schemeClr val="dk1"/>
+          </a:fillRef>
+          <a:effectRef idx="1">
+            <a:schemeClr val="dk1"/>
+          </a:effectRef>
+          <a:fontRef idx="minor">
+            <a:schemeClr val="dk1"/>
+          </a:fontRef>
+        </p:style>
+        <p:txBody>
+          <a:bodyPr rtlCol="0" anchor="ctr"/>
+          <a:lstStyle/>
+          <a:p>
+            <a:pPr algn="ctr"/>
+            <a:endParaRPr lang="en-US"/>
+          </a:p>
+        </p:txBody>
+      </p:sp>
+      <p:pic>
+        <p:nvPicPr>
+          <p:cNvPr id="29" name="Picture 28"/>
+          <p:cNvPicPr>
+            <a:picLocks noChangeAspect="1"/>
+          </p:cNvPicPr>
+          <p:nvPr/>
+        </p:nvPicPr>
+        <p:blipFill>
+          <a:blip r:embed="rId5"/>
+          <a:stretch>
+            <a:fillRect/>
+          </a:stretch>
+        </p:blipFill>
+        <p:spPr>
+          <a:xfrm>
+            <a:off x="5204570" y="2710574"/>
+            <a:ext cx="546100" cy="368300"/>
+          </a:xfrm>
+          <a:prstGeom prst="rect">
+            <a:avLst/>
+          </a:prstGeom>
+        </p:spPr>
+      </p:pic>
+      <p:pic>
+        <p:nvPicPr>
+          <p:cNvPr id="30" name="Picture 29"/>
+          <p:cNvPicPr>
+            <a:picLocks noChangeAspect="1"/>
+          </p:cNvPicPr>
+          <p:nvPr/>
+        </p:nvPicPr>
+        <p:blipFill>
+          <a:blip r:embed="rId6"/>
+          <a:stretch>
+            <a:fillRect/>
+          </a:stretch>
+        </p:blipFill>
+        <p:spPr>
+          <a:xfrm>
+            <a:off x="7198791" y="2070189"/>
+            <a:ext cx="533400" cy="304800"/>
+          </a:xfrm>
+          <a:prstGeom prst="rect">
+            <a:avLst/>
+          </a:prstGeom>
+        </p:spPr>
+      </p:pic>
+      <p:sp>
+        <p:nvSpPr>
+          <p:cNvPr id="31" name="Oval 30"/>
+          <p:cNvSpPr/>
+          <p:nvPr/>
+        </p:nvSpPr>
+        <p:spPr>
+          <a:xfrm>
+            <a:off x="7531428" y="2439109"/>
+            <a:ext cx="364173" cy="364173"/>
+          </a:xfrm>
+          <a:prstGeom prst="ellipse">
+            <a:avLst/>
+          </a:prstGeom>
+        </p:spPr>
+        <p:style>
+          <a:lnRef idx="1">
+            <a:schemeClr val="dk1"/>
+          </a:lnRef>
+          <a:fillRef idx="2">
+            <a:schemeClr val="dk1"/>
+          </a:fillRef>
+          <a:effectRef idx="1">
+            <a:schemeClr val="dk1"/>
+          </a:effectRef>
+          <a:fontRef idx="minor">
+            <a:schemeClr val="dk1"/>
+          </a:fontRef>
+        </p:style>
+        <p:txBody>
+          <a:bodyPr rtlCol="0" anchor="ctr"/>
+          <a:lstStyle/>
+          <a:p>
+            <a:pPr algn="ctr"/>
+            <a:endParaRPr lang="en-US"/>
+          </a:p>
+        </p:txBody>
+      </p:sp>
+      <p:cxnSp>
+        <p:nvCxnSpPr>
+          <p:cNvPr id="32" name="Straight Arrow Connector 31"/>
+          <p:cNvCxnSpPr/>
+          <p:nvPr/>
+        </p:nvCxnSpPr>
+        <p:spPr>
+          <a:xfrm flipH="1">
+            <a:off x="5750670" y="2593179"/>
+            <a:ext cx="1981521" cy="612439"/>
+          </a:xfrm>
+          <a:prstGeom prst="straightConnector1">
+            <a:avLst/>
+          </a:prstGeom>
+          <a:ln>
+            <a:tailEnd type="arrow"/>
+          </a:ln>
+        </p:spPr>
+        <p:style>
+          <a:lnRef idx="3">
+            <a:schemeClr val="accent3"/>
+          </a:lnRef>
+          <a:fillRef idx="0">
+            <a:schemeClr val="accent3"/>
+          </a:fillRef>
+          <a:effectRef idx="2">
+            <a:schemeClr val="accent3"/>
+          </a:effectRef>
+          <a:fontRef idx="minor">
+            <a:schemeClr val="tx1"/>
+          </a:fontRef>
+        </p:style>
+      </p:cxnSp>
+      <p:pic>
+        <p:nvPicPr>
+          <p:cNvPr id="33" name="Picture 32"/>
+          <p:cNvPicPr>
+            <a:picLocks noChangeAspect="1"/>
+          </p:cNvPicPr>
+          <p:nvPr/>
+        </p:nvPicPr>
+        <p:blipFill>
+          <a:blip r:embed="rId7"/>
+          <a:stretch>
+            <a:fillRect/>
+          </a:stretch>
+        </p:blipFill>
+        <p:spPr>
+          <a:xfrm>
+            <a:off x="6651706" y="2320129"/>
+            <a:ext cx="241300" cy="457200"/>
+          </a:xfrm>
+          <a:prstGeom prst="rect">
+            <a:avLst/>
+          </a:prstGeom>
+        </p:spPr>
+      </p:pic>
+      <p:pic>
+        <p:nvPicPr>
+          <p:cNvPr id="41" name="Picture 40"/>
+          <p:cNvPicPr>
+            <a:picLocks noChangeAspect="1"/>
+          </p:cNvPicPr>
+          <p:nvPr/>
+        </p:nvPicPr>
+        <p:blipFill>
+          <a:blip r:embed="rId10"/>
+          <a:stretch>
+            <a:fillRect/>
+          </a:stretch>
+        </p:blipFill>
+        <p:spPr>
+          <a:xfrm>
+            <a:off x="7115690" y="2777329"/>
+            <a:ext cx="279400" cy="215900"/>
+          </a:xfrm>
+          <a:prstGeom prst="rect">
+            <a:avLst/>
+          </a:prstGeom>
+        </p:spPr>
+      </p:pic>
+      <p:sp>
+        <p:nvSpPr>
+          <p:cNvPr id="48" name="Arc 47"/>
+          <p:cNvSpPr/>
+          <p:nvPr/>
+        </p:nvSpPr>
+        <p:spPr>
+          <a:xfrm rot="1859988">
+            <a:off x="7044253" y="2602028"/>
+            <a:ext cx="422275" cy="252706"/>
+          </a:xfrm>
+          <a:prstGeom prst="arc">
+            <a:avLst>
+              <a:gd name="adj1" fmla="val 18665397"/>
+              <a:gd name="adj2" fmla="val 1101160"/>
+            </a:avLst>
+          </a:prstGeom>
+        </p:spPr>
+        <p:style>
+          <a:lnRef idx="2">
+            <a:schemeClr val="dk1"/>
+          </a:lnRef>
+          <a:fillRef idx="0">
+            <a:schemeClr val="dk1"/>
+          </a:fillRef>
+          <a:effectRef idx="1">
+            <a:schemeClr val="dk1"/>
+          </a:effectRef>
+          <a:fontRef idx="minor">
+            <a:schemeClr val="tx1"/>
+          </a:fontRef>
+        </p:style>
+        <p:txBody>
+          <a:bodyPr rtlCol="0" anchor="ctr"/>
+          <a:lstStyle/>
+          <a:p>
+            <a:pPr algn="ctr"/>
+            <a:endParaRPr lang="en-US"/>
+          </a:p>
+        </p:txBody>
+      </p:sp>
+      <p:cxnSp>
+        <p:nvCxnSpPr>
+          <p:cNvPr id="50" name="Straight Connector 49"/>
+          <p:cNvCxnSpPr/>
+          <p:nvPr/>
+        </p:nvCxnSpPr>
+        <p:spPr>
+          <a:xfrm>
+            <a:off x="5690603" y="2894724"/>
+            <a:ext cx="2204998" cy="0"/>
+          </a:xfrm>
+          <a:prstGeom prst="line">
+            <a:avLst/>
+          </a:prstGeom>
+          <a:ln>
+            <a:prstDash val="dash"/>
+          </a:ln>
+        </p:spPr>
+        <p:style>
+          <a:lnRef idx="1">
+            <a:schemeClr val="dk1"/>
+          </a:lnRef>
+          <a:fillRef idx="0">
+            <a:schemeClr val="dk1"/>
+          </a:fillRef>
+          <a:effectRef idx="0">
+            <a:schemeClr val="dk1"/>
+          </a:effectRef>
+          <a:fontRef idx="minor">
+            <a:schemeClr val="tx1"/>
+          </a:fontRef>
+        </p:style>
+      </p:cxnSp>
+      <p:cxnSp>
+        <p:nvCxnSpPr>
+          <p:cNvPr id="52" name="Straight Arrow Connector 51"/>
+          <p:cNvCxnSpPr/>
+          <p:nvPr/>
+        </p:nvCxnSpPr>
+        <p:spPr>
+          <a:xfrm>
+            <a:off x="7732191" y="2605613"/>
+            <a:ext cx="667327" cy="0"/>
+          </a:xfrm>
+          <a:prstGeom prst="straightConnector1">
+            <a:avLst/>
+          </a:prstGeom>
+          <a:ln>
+            <a:headEnd type="none"/>
+            <a:tailEnd type="triangle"/>
+          </a:ln>
+        </p:spPr>
+        <p:style>
+          <a:lnRef idx="2">
+            <a:schemeClr val="accent1"/>
+          </a:lnRef>
+          <a:fillRef idx="0">
+            <a:schemeClr val="accent1"/>
+          </a:fillRef>
+          <a:effectRef idx="1">
+            <a:schemeClr val="accent1"/>
+          </a:effectRef>
+          <a:fontRef idx="minor">
+            <a:schemeClr val="tx1"/>
+          </a:fontRef>
+        </p:style>
+      </p:cxnSp>
+      <p:cxnSp>
+        <p:nvCxnSpPr>
+          <p:cNvPr id="53" name="Straight Arrow Connector 52"/>
+          <p:cNvCxnSpPr/>
+          <p:nvPr/>
+        </p:nvCxnSpPr>
+        <p:spPr>
+          <a:xfrm flipH="1">
+            <a:off x="5098415" y="3202941"/>
+            <a:ext cx="667327" cy="0"/>
+          </a:xfrm>
+          <a:prstGeom prst="straightConnector1">
+            <a:avLst/>
+          </a:prstGeom>
+          <a:ln>
+            <a:headEnd type="none"/>
+            <a:tailEnd type="triangle"/>
+          </a:ln>
+        </p:spPr>
+        <p:style>
+          <a:lnRef idx="2">
+            <a:schemeClr val="accent1"/>
+          </a:lnRef>
+          <a:fillRef idx="0">
+            <a:schemeClr val="accent1"/>
+          </a:fillRef>
+          <a:effectRef idx="1">
+            <a:schemeClr val="accent1"/>
+          </a:effectRef>
+          <a:fontRef idx="minor">
+            <a:schemeClr val="tx1"/>
+          </a:fontRef>
+        </p:style>
+      </p:cxnSp>
+      <p:sp>
+        <p:nvSpPr>
+          <p:cNvPr id="54" name="Arc 53"/>
+          <p:cNvSpPr/>
+          <p:nvPr/>
+        </p:nvSpPr>
+        <p:spPr>
+          <a:xfrm rot="11609085">
+            <a:off x="6106366" y="2867732"/>
+            <a:ext cx="175337" cy="318183"/>
+          </a:xfrm>
+          <a:prstGeom prst="arc">
+            <a:avLst>
+              <a:gd name="adj1" fmla="val 16268727"/>
+              <a:gd name="adj2" fmla="val 3105269"/>
+            </a:avLst>
+          </a:prstGeom>
+          <a:ln>
+            <a:headEnd type="none"/>
+            <a:tailEnd type="triangle"/>
+          </a:ln>
+        </p:spPr>
+        <p:style>
+          <a:lnRef idx="2">
+            <a:schemeClr val="dk1"/>
+          </a:lnRef>
+          <a:fillRef idx="0">
+            <a:schemeClr val="dk1"/>
+          </a:fillRef>
+          <a:effectRef idx="1">
+            <a:schemeClr val="dk1"/>
+          </a:effectRef>
+          <a:fontRef idx="minor">
+            <a:schemeClr val="tx1"/>
+          </a:fontRef>
+        </p:style>
+        <p:txBody>
+          <a:bodyPr rtlCol="0" anchor="ctr"/>
+          <a:lstStyle/>
+          <a:p>
+            <a:pPr algn="ctr"/>
+            <a:endParaRPr lang="en-US"/>
+          </a:p>
+        </p:txBody>
+      </p:sp>
+    </p:spTree>
+    <p:extLst>
+      <p:ext uri="{BB962C8B-B14F-4D97-AF65-F5344CB8AC3E}">
+        <p14:creationId xmlns:p14="http://schemas.microsoft.com/office/powerpoint/2010/main" val="1545699439"/>
+      </p:ext>
+    </p:extLst>
+  </p:cSld>
+  <p:clrMapOvr>
+    <a:masterClrMapping/>
+  </p:clrMapOvr>
+</p:sld>
+</file>
+
+<file path=ppt/slides/slide3.xml><?xml version="1.0" encoding="utf-8"?>
+<p:sld xmlns:a="http://schemas.openxmlformats.org/drawingml/2006/main" xmlns:r="http://schemas.openxmlformats.org/officeDocument/2006/relationships" xmlns:p="http://schemas.openxmlformats.org/presentationml/2006/main">
+  <p:cSld>
+    <p:spTree>
+      <p:nvGrpSpPr>
+        <p:cNvPr id="1" name=""/>
+        <p:cNvGrpSpPr/>
+        <p:nvPr/>
+      </p:nvGrpSpPr>
+      <p:grpSpPr>
+        <a:xfrm>
+          <a:off x="0" y="0"/>
+          <a:ext cx="0" cy="0"/>
+          <a:chOff x="0" y="0"/>
+          <a:chExt cx="0" cy="0"/>
+        </a:xfrm>
+      </p:grpSpPr>
+      <p:sp>
+        <p:nvSpPr>
+          <p:cNvPr id="21" name="Freeform 20"/>
+          <p:cNvSpPr/>
+          <p:nvPr/>
+        </p:nvSpPr>
+        <p:spPr>
+          <a:xfrm>
+            <a:off x="1088524" y="1727565"/>
+            <a:ext cx="2437348" cy="1317367"/>
+          </a:xfrm>
+          <a:custGeom>
+            <a:avLst/>
+            <a:gdLst>
+              <a:gd name="connsiteX0" fmla="*/ 0 w 2437348"/>
+              <a:gd name="connsiteY0" fmla="*/ 0 h 1317367"/>
+              <a:gd name="connsiteX1" fmla="*/ 686243 w 2437348"/>
+              <a:gd name="connsiteY1" fmla="*/ 1009719 h 1317367"/>
+              <a:gd name="connsiteX2" fmla="*/ 2437348 w 2437348"/>
+              <a:gd name="connsiteY2" fmla="*/ 1317367 h 1317367"/>
+            </a:gdLst>
+            <a:ahLst/>
+            <a:cxnLst>
+              <a:cxn ang="0">
+                <a:pos x="connsiteX0" y="connsiteY0"/>
+              </a:cxn>
+              <a:cxn ang="0">
+                <a:pos x="connsiteX1" y="connsiteY1"/>
+              </a:cxn>
+              <a:cxn ang="0">
+                <a:pos x="connsiteX2" y="connsiteY2"/>
+              </a:cxn>
+            </a:cxnLst>
+            <a:rect l="l" t="t" r="r" b="b"/>
+            <a:pathLst>
+              <a:path w="2437348" h="1317367">
+                <a:moveTo>
+                  <a:pt x="0" y="0"/>
+                </a:moveTo>
+                <a:cubicBezTo>
+                  <a:pt x="140009" y="395079"/>
+                  <a:pt x="280018" y="790158"/>
+                  <a:pt x="686243" y="1009719"/>
+                </a:cubicBezTo>
+                <a:cubicBezTo>
+                  <a:pt x="1092468" y="1229280"/>
+                  <a:pt x="2437348" y="1317367"/>
+                  <a:pt x="2437348" y="1317367"/>
+                </a:cubicBezTo>
+              </a:path>
+            </a:pathLst>
+          </a:custGeom>
+          <a:ln>
+            <a:headEnd type="none"/>
+            <a:tailEnd type="arrow"/>
+          </a:ln>
+        </p:spPr>
+        <p:style>
+          <a:lnRef idx="2">
+            <a:schemeClr val="dk1"/>
+          </a:lnRef>
+          <a:fillRef idx="0">
+            <a:schemeClr val="dk1"/>
+          </a:fillRef>
+          <a:effectRef idx="1">
+            <a:schemeClr val="dk1"/>
+          </a:effectRef>
+          <a:fontRef idx="minor">
+            <a:schemeClr val="tx1"/>
+          </a:fontRef>
+        </p:style>
+        <p:txBody>
+          <a:bodyPr rtlCol="0" anchor="ctr"/>
+          <a:lstStyle/>
+          <a:p>
+            <a:pPr algn="ctr"/>
+            <a:endParaRPr lang="en-US"/>
+          </a:p>
+        </p:txBody>
+      </p:sp>
+      <p:sp>
+        <p:nvSpPr>
+          <p:cNvPr id="22" name="Freeform 21"/>
+          <p:cNvSpPr/>
+          <p:nvPr/>
+        </p:nvSpPr>
+        <p:spPr>
+          <a:xfrm>
+            <a:off x="1056973" y="2374990"/>
+            <a:ext cx="2468899" cy="882698"/>
+          </a:xfrm>
+          <a:custGeom>
+            <a:avLst/>
+            <a:gdLst>
+              <a:gd name="connsiteX0" fmla="*/ 0 w 2437348"/>
+              <a:gd name="connsiteY0" fmla="*/ 0 h 790079"/>
+              <a:gd name="connsiteX1" fmla="*/ 741459 w 2437348"/>
+              <a:gd name="connsiteY1" fmla="*/ 678405 h 790079"/>
+              <a:gd name="connsiteX2" fmla="*/ 2437348 w 2437348"/>
+              <a:gd name="connsiteY2" fmla="*/ 788843 h 790079"/>
+              <a:gd name="connsiteX0" fmla="*/ 0 w 2437348"/>
+              <a:gd name="connsiteY0" fmla="*/ 0 h 788843"/>
+              <a:gd name="connsiteX1" fmla="*/ 867665 w 2437348"/>
+              <a:gd name="connsiteY1" fmla="*/ 578886 h 788843"/>
+              <a:gd name="connsiteX2" fmla="*/ 2437348 w 2437348"/>
+              <a:gd name="connsiteY2" fmla="*/ 788843 h 788843"/>
+              <a:gd name="connsiteX0" fmla="*/ 0 w 2468899"/>
+              <a:gd name="connsiteY0" fmla="*/ 0 h 742401"/>
+              <a:gd name="connsiteX1" fmla="*/ 867665 w 2468899"/>
+              <a:gd name="connsiteY1" fmla="*/ 578886 h 742401"/>
+              <a:gd name="connsiteX2" fmla="*/ 2468899 w 2468899"/>
+              <a:gd name="connsiteY2" fmla="*/ 742401 h 742401"/>
+            </a:gdLst>
+            <a:ahLst/>
+            <a:cxnLst>
+              <a:cxn ang="0">
+                <a:pos x="connsiteX0" y="connsiteY0"/>
+              </a:cxn>
+              <a:cxn ang="0">
+                <a:pos x="connsiteX1" y="connsiteY1"/>
+              </a:cxn>
+              <a:cxn ang="0">
+                <a:pos x="connsiteX2" y="connsiteY2"/>
+              </a:cxn>
+            </a:cxnLst>
+            <a:rect l="l" t="t" r="r" b="b"/>
+            <a:pathLst>
+              <a:path w="2468899" h="742401">
+                <a:moveTo>
+                  <a:pt x="0" y="0"/>
+                </a:moveTo>
+                <a:cubicBezTo>
+                  <a:pt x="167617" y="273465"/>
+                  <a:pt x="456182" y="455152"/>
+                  <a:pt x="867665" y="578886"/>
+                </a:cubicBezTo>
+                <a:cubicBezTo>
+                  <a:pt x="1279148" y="702620"/>
+                  <a:pt x="2468899" y="742401"/>
+                  <a:pt x="2468899" y="742401"/>
+                </a:cubicBezTo>
+              </a:path>
+            </a:pathLst>
+          </a:custGeom>
+          <a:ln>
+            <a:headEnd type="none"/>
+            <a:tailEnd type="arrow"/>
+          </a:ln>
+        </p:spPr>
+        <p:style>
+          <a:lnRef idx="2">
+            <a:schemeClr val="dk1"/>
+          </a:lnRef>
+          <a:fillRef idx="0">
+            <a:schemeClr val="dk1"/>
+          </a:fillRef>
+          <a:effectRef idx="1">
+            <a:schemeClr val="dk1"/>
+          </a:effectRef>
+          <a:fontRef idx="minor">
+            <a:schemeClr val="tx1"/>
+          </a:fontRef>
+        </p:style>
+        <p:txBody>
+          <a:bodyPr rtlCol="0" anchor="ctr"/>
+          <a:lstStyle/>
+          <a:p>
+            <a:pPr algn="ctr"/>
+            <a:endParaRPr lang="en-US"/>
+          </a:p>
+        </p:txBody>
+      </p:sp>
+      <p:sp>
+        <p:nvSpPr>
+          <p:cNvPr id="23" name="Freeform 22"/>
+          <p:cNvSpPr/>
+          <p:nvPr/>
+        </p:nvSpPr>
+        <p:spPr>
+          <a:xfrm>
+            <a:off x="1143739" y="3076486"/>
+            <a:ext cx="2382133" cy="347838"/>
+          </a:xfrm>
+          <a:custGeom>
+            <a:avLst/>
+            <a:gdLst>
+              <a:gd name="connsiteX0" fmla="*/ 0 w 2382133"/>
+              <a:gd name="connsiteY0" fmla="*/ 0 h 347838"/>
+              <a:gd name="connsiteX1" fmla="*/ 851888 w 2382133"/>
+              <a:gd name="connsiteY1" fmla="*/ 299760 h 347838"/>
+              <a:gd name="connsiteX2" fmla="*/ 2382133 w 2382133"/>
+              <a:gd name="connsiteY2" fmla="*/ 347091 h 347838"/>
+            </a:gdLst>
+            <a:ahLst/>
+            <a:cxnLst>
+              <a:cxn ang="0">
+                <a:pos x="connsiteX0" y="connsiteY0"/>
+              </a:cxn>
+              <a:cxn ang="0">
+                <a:pos x="connsiteX1" y="connsiteY1"/>
+              </a:cxn>
+              <a:cxn ang="0">
+                <a:pos x="connsiteX2" y="connsiteY2"/>
+              </a:cxn>
+            </a:cxnLst>
+            <a:rect l="l" t="t" r="r" b="b"/>
+            <a:pathLst>
+              <a:path w="2382133" h="347838">
+                <a:moveTo>
+                  <a:pt x="0" y="0"/>
+                </a:moveTo>
+                <a:cubicBezTo>
+                  <a:pt x="227433" y="120955"/>
+                  <a:pt x="454866" y="241911"/>
+                  <a:pt x="851888" y="299760"/>
+                </a:cubicBezTo>
+                <a:cubicBezTo>
+                  <a:pt x="1248910" y="357609"/>
+                  <a:pt x="2382133" y="347091"/>
+                  <a:pt x="2382133" y="347091"/>
+                </a:cubicBezTo>
+              </a:path>
+            </a:pathLst>
+          </a:custGeom>
+          <a:ln>
+            <a:headEnd type="none"/>
+            <a:tailEnd type="arrow"/>
+          </a:ln>
+        </p:spPr>
+        <p:style>
+          <a:lnRef idx="2">
+            <a:schemeClr val="dk1"/>
+          </a:lnRef>
+          <a:fillRef idx="0">
+            <a:schemeClr val="dk1"/>
+          </a:fillRef>
+          <a:effectRef idx="1">
+            <a:schemeClr val="dk1"/>
+          </a:effectRef>
+          <a:fontRef idx="minor">
+            <a:schemeClr val="tx1"/>
+          </a:fontRef>
+        </p:style>
+        <p:txBody>
+          <a:bodyPr rtlCol="0" anchor="ctr"/>
+          <a:lstStyle/>
+          <a:p>
+            <a:pPr algn="ctr"/>
+            <a:endParaRPr lang="en-US"/>
+          </a:p>
+        </p:txBody>
+      </p:sp>
+      <p:sp>
+        <p:nvSpPr>
+          <p:cNvPr id="24" name="Freeform 23"/>
+          <p:cNvSpPr/>
+          <p:nvPr/>
+        </p:nvSpPr>
+        <p:spPr>
+          <a:xfrm flipV="1">
+            <a:off x="1088524" y="3725860"/>
+            <a:ext cx="2437348" cy="1317367"/>
+          </a:xfrm>
+          <a:custGeom>
+            <a:avLst/>
+            <a:gdLst>
+              <a:gd name="connsiteX0" fmla="*/ 0 w 2437348"/>
+              <a:gd name="connsiteY0" fmla="*/ 0 h 1317367"/>
+              <a:gd name="connsiteX1" fmla="*/ 686243 w 2437348"/>
+              <a:gd name="connsiteY1" fmla="*/ 1009719 h 1317367"/>
+              <a:gd name="connsiteX2" fmla="*/ 2437348 w 2437348"/>
+              <a:gd name="connsiteY2" fmla="*/ 1317367 h 1317367"/>
+            </a:gdLst>
+            <a:ahLst/>
+            <a:cxnLst>
+              <a:cxn ang="0">
+                <a:pos x="connsiteX0" y="connsiteY0"/>
+              </a:cxn>
+              <a:cxn ang="0">
+                <a:pos x="connsiteX1" y="connsiteY1"/>
+              </a:cxn>
+              <a:cxn ang="0">
+                <a:pos x="connsiteX2" y="connsiteY2"/>
+              </a:cxn>
+            </a:cxnLst>
+            <a:rect l="l" t="t" r="r" b="b"/>
+            <a:pathLst>
+              <a:path w="2437348" h="1317367">
+                <a:moveTo>
+                  <a:pt x="0" y="0"/>
+                </a:moveTo>
+                <a:cubicBezTo>
+                  <a:pt x="140009" y="395079"/>
+                  <a:pt x="280018" y="790158"/>
+                  <a:pt x="686243" y="1009719"/>
+                </a:cubicBezTo>
+                <a:cubicBezTo>
+                  <a:pt x="1092468" y="1229280"/>
+                  <a:pt x="2437348" y="1317367"/>
+                  <a:pt x="2437348" y="1317367"/>
+                </a:cubicBezTo>
+              </a:path>
+            </a:pathLst>
+          </a:custGeom>
+          <a:ln>
+            <a:headEnd type="none"/>
+            <a:tailEnd type="arrow"/>
+          </a:ln>
+        </p:spPr>
+        <p:style>
+          <a:lnRef idx="2">
+            <a:schemeClr val="dk1"/>
+          </a:lnRef>
+          <a:fillRef idx="0">
+            <a:schemeClr val="dk1"/>
+          </a:fillRef>
+          <a:effectRef idx="1">
+            <a:schemeClr val="dk1"/>
+          </a:effectRef>
+          <a:fontRef idx="minor">
+            <a:schemeClr val="tx1"/>
+          </a:fontRef>
+        </p:style>
+        <p:txBody>
+          <a:bodyPr rtlCol="0" anchor="ctr"/>
+          <a:lstStyle/>
+          <a:p>
+            <a:pPr algn="ctr"/>
+            <a:endParaRPr lang="en-US"/>
+          </a:p>
+        </p:txBody>
+      </p:sp>
+      <p:sp>
+        <p:nvSpPr>
+          <p:cNvPr id="25" name="Freeform 24"/>
+          <p:cNvSpPr/>
+          <p:nvPr/>
+        </p:nvSpPr>
+        <p:spPr>
+          <a:xfrm flipV="1">
+            <a:off x="1056973" y="3566315"/>
+            <a:ext cx="2468899" cy="882698"/>
+          </a:xfrm>
+          <a:custGeom>
+            <a:avLst/>
+            <a:gdLst>
+              <a:gd name="connsiteX0" fmla="*/ 0 w 2437348"/>
+              <a:gd name="connsiteY0" fmla="*/ 0 h 790079"/>
+              <a:gd name="connsiteX1" fmla="*/ 741459 w 2437348"/>
+              <a:gd name="connsiteY1" fmla="*/ 678405 h 790079"/>
+              <a:gd name="connsiteX2" fmla="*/ 2437348 w 2437348"/>
+              <a:gd name="connsiteY2" fmla="*/ 788843 h 790079"/>
+              <a:gd name="connsiteX0" fmla="*/ 0 w 2437348"/>
+              <a:gd name="connsiteY0" fmla="*/ 0 h 788843"/>
+              <a:gd name="connsiteX1" fmla="*/ 867665 w 2437348"/>
+              <a:gd name="connsiteY1" fmla="*/ 578886 h 788843"/>
+              <a:gd name="connsiteX2" fmla="*/ 2437348 w 2437348"/>
+              <a:gd name="connsiteY2" fmla="*/ 788843 h 788843"/>
+              <a:gd name="connsiteX0" fmla="*/ 0 w 2468899"/>
+              <a:gd name="connsiteY0" fmla="*/ 0 h 742401"/>
+              <a:gd name="connsiteX1" fmla="*/ 867665 w 2468899"/>
+              <a:gd name="connsiteY1" fmla="*/ 578886 h 742401"/>
+              <a:gd name="connsiteX2" fmla="*/ 2468899 w 2468899"/>
+              <a:gd name="connsiteY2" fmla="*/ 742401 h 742401"/>
+            </a:gdLst>
+            <a:ahLst/>
+            <a:cxnLst>
+              <a:cxn ang="0">
+                <a:pos x="connsiteX0" y="connsiteY0"/>
+              </a:cxn>
+              <a:cxn ang="0">
+                <a:pos x="connsiteX1" y="connsiteY1"/>
+              </a:cxn>
+              <a:cxn ang="0">
+                <a:pos x="connsiteX2" y="connsiteY2"/>
+              </a:cxn>
+            </a:cxnLst>
+            <a:rect l="l" t="t" r="r" b="b"/>
+            <a:pathLst>
+              <a:path w="2468899" h="742401">
+                <a:moveTo>
+                  <a:pt x="0" y="0"/>
+                </a:moveTo>
+                <a:cubicBezTo>
+                  <a:pt x="167617" y="273465"/>
+                  <a:pt x="456182" y="455152"/>
+                  <a:pt x="867665" y="578886"/>
+                </a:cubicBezTo>
+                <a:cubicBezTo>
+                  <a:pt x="1279148" y="702620"/>
+                  <a:pt x="2468899" y="742401"/>
+                  <a:pt x="2468899" y="742401"/>
+                </a:cubicBezTo>
+              </a:path>
+            </a:pathLst>
+          </a:custGeom>
+          <a:ln>
+            <a:headEnd type="none"/>
+            <a:tailEnd type="arrow"/>
+          </a:ln>
+        </p:spPr>
+        <p:style>
+          <a:lnRef idx="2">
+            <a:schemeClr val="dk1"/>
+          </a:lnRef>
+          <a:fillRef idx="0">
+            <a:schemeClr val="dk1"/>
+          </a:fillRef>
+          <a:effectRef idx="1">
+            <a:schemeClr val="dk1"/>
+          </a:effectRef>
+          <a:fontRef idx="minor">
+            <a:schemeClr val="tx1"/>
+          </a:fontRef>
+        </p:style>
+        <p:txBody>
+          <a:bodyPr rtlCol="0" anchor="ctr"/>
+          <a:lstStyle/>
+          <a:p>
+            <a:pPr algn="ctr"/>
+            <a:endParaRPr lang="en-US"/>
+          </a:p>
+        </p:txBody>
+      </p:sp>
+      <p:pic>
+        <p:nvPicPr>
+          <p:cNvPr id="28" name="Picture 27"/>
+          <p:cNvPicPr>
+            <a:picLocks noChangeAspect="1"/>
+          </p:cNvPicPr>
+          <p:nvPr/>
+        </p:nvPicPr>
+        <p:blipFill>
+          <a:blip r:embed="rId2">
+            <a:clrChange>
+              <a:clrFrom>
+                <a:srgbClr val="FFFFFF"/>
+              </a:clrFrom>
+              <a:clrTo>
+                <a:srgbClr val="FFFFFF">
+                  <a:alpha val="0"/>
+                </a:srgbClr>
+              </a:clrTo>
+            </a:clrChange>
+          </a:blip>
+          <a:stretch>
+            <a:fillRect/>
+          </a:stretch>
+        </p:blipFill>
+        <p:spPr>
+          <a:xfrm rot="1095274">
+            <a:off x="1948301" y="2926436"/>
+            <a:ext cx="1397280" cy="662503"/>
+          </a:xfrm>
+          <a:prstGeom prst="rect">
+            <a:avLst/>
+          </a:prstGeom>
+        </p:spPr>
+      </p:pic>
+      <p:cxnSp>
+        <p:nvCxnSpPr>
+          <p:cNvPr id="19" name="Straight Arrow Connector 18"/>
+          <p:cNvCxnSpPr/>
+          <p:nvPr/>
+        </p:nvCxnSpPr>
+        <p:spPr>
+          <a:xfrm flipH="1">
+            <a:off x="1752167" y="3346911"/>
+            <a:ext cx="453308" cy="0"/>
+          </a:xfrm>
+          <a:prstGeom prst="straightConnector1">
+            <a:avLst/>
+          </a:prstGeom>
+          <a:ln>
+            <a:headEnd type="none"/>
+            <a:tailEnd type="triangle"/>
+          </a:ln>
+        </p:spPr>
+        <p:style>
+          <a:lnRef idx="2">
+            <a:schemeClr val="accent1"/>
+          </a:lnRef>
+          <a:fillRef idx="0">
+            <a:schemeClr val="accent1"/>
+          </a:fillRef>
+          <a:effectRef idx="1">
+            <a:schemeClr val="accent1"/>
+          </a:effectRef>
+          <a:fontRef idx="minor">
+            <a:schemeClr val="tx1"/>
+          </a:fontRef>
+        </p:style>
+      </p:cxnSp>
+      <p:cxnSp>
+        <p:nvCxnSpPr>
+          <p:cNvPr id="18" name="Straight Arrow Connector 17"/>
+          <p:cNvCxnSpPr/>
+          <p:nvPr/>
+        </p:nvCxnSpPr>
+        <p:spPr>
+          <a:xfrm>
+            <a:off x="3176432" y="3365120"/>
+            <a:ext cx="862151" cy="0"/>
+          </a:xfrm>
+          <a:prstGeom prst="straightConnector1">
+            <a:avLst/>
+          </a:prstGeom>
+          <a:ln>
+            <a:headEnd type="none"/>
+            <a:tailEnd type="triangle"/>
+          </a:ln>
+        </p:spPr>
+        <p:style>
+          <a:lnRef idx="2">
+            <a:schemeClr val="accent1"/>
+          </a:lnRef>
+          <a:fillRef idx="0">
+            <a:schemeClr val="accent1"/>
+          </a:fillRef>
+          <a:effectRef idx="1">
+            <a:schemeClr val="accent1"/>
+          </a:effectRef>
+          <a:fontRef idx="minor">
+            <a:schemeClr val="tx1"/>
+          </a:fontRef>
+        </p:style>
+      </p:cxnSp>
+      <p:pic>
+        <p:nvPicPr>
+          <p:cNvPr id="32" name="Picture 31"/>
+          <p:cNvPicPr>
+            <a:picLocks noChangeAspect="1"/>
+          </p:cNvPicPr>
+          <p:nvPr/>
+        </p:nvPicPr>
+        <p:blipFill>
+          <a:blip r:embed="rId3"/>
+          <a:stretch>
+            <a:fillRect/>
+          </a:stretch>
+        </p:blipFill>
+        <p:spPr>
+          <a:xfrm>
+            <a:off x="1359111" y="3330894"/>
+            <a:ext cx="292100" cy="355600"/>
+          </a:xfrm>
+          <a:prstGeom prst="rect">
+            <a:avLst/>
+          </a:prstGeom>
+        </p:spPr>
+      </p:pic>
+      <p:pic>
+        <p:nvPicPr>
+          <p:cNvPr id="33" name="Picture 32"/>
+          <p:cNvPicPr>
+            <a:picLocks noChangeAspect="1"/>
+          </p:cNvPicPr>
+          <p:nvPr/>
+        </p:nvPicPr>
+        <p:blipFill>
+          <a:blip r:embed="rId4"/>
+          <a:stretch>
+            <a:fillRect/>
+          </a:stretch>
+        </p:blipFill>
+        <p:spPr>
+          <a:xfrm>
+            <a:off x="3757861" y="2968153"/>
+            <a:ext cx="304800" cy="355600"/>
+          </a:xfrm>
+          <a:prstGeom prst="rect">
+            <a:avLst/>
+          </a:prstGeom>
+        </p:spPr>
+      </p:pic>
+      <p:pic>
+        <p:nvPicPr>
+          <p:cNvPr id="34" name="Picture 33"/>
+          <p:cNvPicPr>
+            <a:picLocks noChangeAspect="1"/>
+          </p:cNvPicPr>
+          <p:nvPr/>
+        </p:nvPicPr>
+        <p:blipFill>
+          <a:blip r:embed="rId5"/>
+          <a:stretch>
+            <a:fillRect/>
+          </a:stretch>
+        </p:blipFill>
+        <p:spPr>
+          <a:xfrm>
+            <a:off x="4062661" y="3508694"/>
+            <a:ext cx="533400" cy="355600"/>
+          </a:xfrm>
+          <a:prstGeom prst="rect">
+            <a:avLst/>
+          </a:prstGeom>
+        </p:spPr>
+      </p:pic>
+    </p:spTree>
+    <p:extLst>
+      <p:ext uri="{BB962C8B-B14F-4D97-AF65-F5344CB8AC3E}">
+        <p14:creationId xmlns:p14="http://schemas.microsoft.com/office/powerpoint/2010/main" val="676003704"/>
+      </p:ext>
+    </p:extLst>
+  </p:cSld>
+  <p:clrMapOvr>
+    <a:masterClrMapping/>
+  </p:clrMapOvr>
+</p:sld>
+</file>
+
+<file path=ppt/slides/slide4.xml><?xml version="1.0" encoding="utf-8"?>
 <p:sld xmlns:a="http://schemas.openxmlformats.org/drawingml/2006/main" xmlns:r="http://schemas.openxmlformats.org/officeDocument/2006/relationships" xmlns:p="http://schemas.openxmlformats.org/presentationml/2006/main">
   <p:cSld>
     <p:spTree>

--- a/figures/Presentation1.pptx
+++ b/figures/Presentation1.pptx
@@ -6,9 +6,13 @@
   </p:sldMasterIdLst>
   <p:sldIdLst>
     <p:sldId id="256" r:id="rId2"/>
-    <p:sldId id="258" r:id="rId3"/>
-    <p:sldId id="259" r:id="rId4"/>
-    <p:sldId id="257" r:id="rId5"/>
+    <p:sldId id="261" r:id="rId3"/>
+    <p:sldId id="262" r:id="rId4"/>
+    <p:sldId id="263" r:id="rId5"/>
+    <p:sldId id="258" r:id="rId6"/>
+    <p:sldId id="259" r:id="rId7"/>
+    <p:sldId id="257" r:id="rId8"/>
+    <p:sldId id="264" r:id="rId9"/>
   </p:sldIdLst>
   <p:sldSz cx="9144000" cy="6858000" type="screen4x3"/>
   <p:notesSz cx="6858000" cy="9144000"/>
@@ -291,7 +295,7 @@
           <a:p>
             <a:fld id="{72DE86F5-D0C9-5448-802F-684C9422712B}" type="datetimeFigureOut">
               <a:rPr lang="en-US" smtClean="0"/>
-              <a:t>19.03.18</a:t>
+              <a:t>28/3/18</a:t>
             </a:fld>
             <a:endParaRPr lang="en-US"/>
           </a:p>
@@ -461,7 +465,7 @@
           <a:p>
             <a:fld id="{72DE86F5-D0C9-5448-802F-684C9422712B}" type="datetimeFigureOut">
               <a:rPr lang="en-US" smtClean="0"/>
-              <a:t>19.03.18</a:t>
+              <a:t>28/3/18</a:t>
             </a:fld>
             <a:endParaRPr lang="en-US"/>
           </a:p>
@@ -641,7 +645,7 @@
           <a:p>
             <a:fld id="{72DE86F5-D0C9-5448-802F-684C9422712B}" type="datetimeFigureOut">
               <a:rPr lang="en-US" smtClean="0"/>
-              <a:t>19.03.18</a:t>
+              <a:t>28/3/18</a:t>
             </a:fld>
             <a:endParaRPr lang="en-US"/>
           </a:p>
@@ -811,7 +815,7 @@
           <a:p>
             <a:fld id="{72DE86F5-D0C9-5448-802F-684C9422712B}" type="datetimeFigureOut">
               <a:rPr lang="en-US" smtClean="0"/>
-              <a:t>19.03.18</a:t>
+              <a:t>28/3/18</a:t>
             </a:fld>
             <a:endParaRPr lang="en-US"/>
           </a:p>
@@ -1057,7 +1061,7 @@
           <a:p>
             <a:fld id="{72DE86F5-D0C9-5448-802F-684C9422712B}" type="datetimeFigureOut">
               <a:rPr lang="en-US" smtClean="0"/>
-              <a:t>19.03.18</a:t>
+              <a:t>28/3/18</a:t>
             </a:fld>
             <a:endParaRPr lang="en-US"/>
           </a:p>
@@ -1345,7 +1349,7 @@
           <a:p>
             <a:fld id="{72DE86F5-D0C9-5448-802F-684C9422712B}" type="datetimeFigureOut">
               <a:rPr lang="en-US" smtClean="0"/>
-              <a:t>19.03.18</a:t>
+              <a:t>28/3/18</a:t>
             </a:fld>
             <a:endParaRPr lang="en-US"/>
           </a:p>
@@ -1767,7 +1771,7 @@
           <a:p>
             <a:fld id="{72DE86F5-D0C9-5448-802F-684C9422712B}" type="datetimeFigureOut">
               <a:rPr lang="en-US" smtClean="0"/>
-              <a:t>19.03.18</a:t>
+              <a:t>28/3/18</a:t>
             </a:fld>
             <a:endParaRPr lang="en-US"/>
           </a:p>
@@ -1885,7 +1889,7 @@
           <a:p>
             <a:fld id="{72DE86F5-D0C9-5448-802F-684C9422712B}" type="datetimeFigureOut">
               <a:rPr lang="en-US" smtClean="0"/>
-              <a:t>19.03.18</a:t>
+              <a:t>28/3/18</a:t>
             </a:fld>
             <a:endParaRPr lang="en-US"/>
           </a:p>
@@ -1980,7 +1984,7 @@
           <a:p>
             <a:fld id="{72DE86F5-D0C9-5448-802F-684C9422712B}" type="datetimeFigureOut">
               <a:rPr lang="en-US" smtClean="0"/>
-              <a:t>19.03.18</a:t>
+              <a:t>28/3/18</a:t>
             </a:fld>
             <a:endParaRPr lang="en-US"/>
           </a:p>
@@ -2257,7 +2261,7 @@
           <a:p>
             <a:fld id="{72DE86F5-D0C9-5448-802F-684C9422712B}" type="datetimeFigureOut">
               <a:rPr lang="en-US" smtClean="0"/>
-              <a:t>19.03.18</a:t>
+              <a:t>28/3/18</a:t>
             </a:fld>
             <a:endParaRPr lang="en-US"/>
           </a:p>
@@ -2510,7 +2514,7 @@
           <a:p>
             <a:fld id="{72DE86F5-D0C9-5448-802F-684C9422712B}" type="datetimeFigureOut">
               <a:rPr lang="en-US" smtClean="0"/>
-              <a:t>19.03.18</a:t>
+              <a:t>28/3/18</a:t>
             </a:fld>
             <a:endParaRPr lang="en-US"/>
           </a:p>
@@ -2723,7 +2727,7 @@
           <a:p>
             <a:fld id="{72DE86F5-D0C9-5448-802F-684C9422712B}" type="datetimeFigureOut">
               <a:rPr lang="en-US" smtClean="0"/>
-              <a:t>19.03.18</a:t>
+              <a:t>28/3/18</a:t>
             </a:fld>
             <a:endParaRPr lang="en-US"/>
           </a:p>
@@ -3654,7 +3658,7 @@
           <a:lstStyle/>
           <a:p>
             <a:r>
-              <a:rPr lang="en-US" smtClean="0"/>
+              <a:rPr lang="en-US" dirty="0" err="1" smtClean="0"/>
               <a:t>Äquipotentiallinie</a:t>
             </a:r>
             <a:endParaRPr lang="en-US" dirty="0"/>
@@ -3691,6 +3695,3214 @@
           <a:chExt cx="0" cy="0"/>
         </a:xfrm>
       </p:grpSpPr>
+      <p:sp>
+        <p:nvSpPr>
+          <p:cNvPr id="6" name="Rectangle 5"/>
+          <p:cNvSpPr/>
+          <p:nvPr/>
+        </p:nvSpPr>
+        <p:spPr>
+          <a:xfrm>
+            <a:off x="1514193" y="6025444"/>
+            <a:ext cx="3782059" cy="451556"/>
+          </a:xfrm>
+          <a:prstGeom prst="rect">
+            <a:avLst/>
+          </a:prstGeom>
+        </p:spPr>
+        <p:style>
+          <a:lnRef idx="1">
+            <a:schemeClr val="accent1"/>
+          </a:lnRef>
+          <a:fillRef idx="3">
+            <a:schemeClr val="accent1"/>
+          </a:fillRef>
+          <a:effectRef idx="2">
+            <a:schemeClr val="accent1"/>
+          </a:effectRef>
+          <a:fontRef idx="minor">
+            <a:schemeClr val="lt1"/>
+          </a:fontRef>
+        </p:style>
+        <p:txBody>
+          <a:bodyPr rtlCol="0" anchor="ctr"/>
+          <a:lstStyle/>
+          <a:p>
+            <a:pPr algn="ctr"/>
+            <a:endParaRPr lang="en-US"/>
+          </a:p>
+        </p:txBody>
+      </p:sp>
+      <p:cxnSp>
+        <p:nvCxnSpPr>
+          <p:cNvPr id="18" name="Straight Arrow Connector 17"/>
+          <p:cNvCxnSpPr/>
+          <p:nvPr/>
+        </p:nvCxnSpPr>
+        <p:spPr>
+          <a:xfrm flipH="1">
+            <a:off x="1713953" y="4719143"/>
+            <a:ext cx="1" cy="1068524"/>
+          </a:xfrm>
+          <a:prstGeom prst="straightConnector1">
+            <a:avLst/>
+          </a:prstGeom>
+          <a:ln>
+            <a:tailEnd type="arrow"/>
+          </a:ln>
+        </p:spPr>
+        <p:style>
+          <a:lnRef idx="3">
+            <a:schemeClr val="dk1"/>
+          </a:lnRef>
+          <a:fillRef idx="0">
+            <a:schemeClr val="dk1"/>
+          </a:fillRef>
+          <a:effectRef idx="2">
+            <a:schemeClr val="dk1"/>
+          </a:effectRef>
+          <a:fontRef idx="minor">
+            <a:schemeClr val="tx1"/>
+          </a:fontRef>
+        </p:style>
+      </p:cxnSp>
+      <p:pic>
+        <p:nvPicPr>
+          <p:cNvPr id="9" name="Picture 8"/>
+          <p:cNvPicPr>
+            <a:picLocks noChangeAspect="1"/>
+          </p:cNvPicPr>
+          <p:nvPr/>
+        </p:nvPicPr>
+        <p:blipFill>
+          <a:blip r:embed="rId2"/>
+          <a:stretch>
+            <a:fillRect/>
+          </a:stretch>
+        </p:blipFill>
+        <p:spPr>
+          <a:xfrm>
+            <a:off x="4073162" y="939341"/>
+            <a:ext cx="279400" cy="342900"/>
+          </a:xfrm>
+          <a:prstGeom prst="rect">
+            <a:avLst/>
+          </a:prstGeom>
+        </p:spPr>
+      </p:pic>
+      <p:pic>
+        <p:nvPicPr>
+          <p:cNvPr id="10" name="Picture 9"/>
+          <p:cNvPicPr>
+            <a:picLocks noChangeAspect="1"/>
+          </p:cNvPicPr>
+          <p:nvPr/>
+        </p:nvPicPr>
+        <p:blipFill>
+          <a:blip r:embed="rId3"/>
+          <a:stretch>
+            <a:fillRect/>
+          </a:stretch>
+        </p:blipFill>
+        <p:spPr>
+          <a:xfrm>
+            <a:off x="3244383" y="736141"/>
+            <a:ext cx="368300" cy="406400"/>
+          </a:xfrm>
+          <a:prstGeom prst="rect">
+            <a:avLst/>
+          </a:prstGeom>
+        </p:spPr>
+      </p:pic>
+      <p:pic>
+        <p:nvPicPr>
+          <p:cNvPr id="12" name="Picture 11"/>
+          <p:cNvPicPr>
+            <a:picLocks noChangeAspect="1"/>
+          </p:cNvPicPr>
+          <p:nvPr/>
+        </p:nvPicPr>
+        <p:blipFill>
+          <a:blip r:embed="rId4"/>
+          <a:stretch>
+            <a:fillRect/>
+          </a:stretch>
+        </p:blipFill>
+        <p:spPr>
+          <a:xfrm>
+            <a:off x="5462588" y="863141"/>
+            <a:ext cx="508000" cy="419100"/>
+          </a:xfrm>
+          <a:prstGeom prst="rect">
+            <a:avLst/>
+          </a:prstGeom>
+        </p:spPr>
+      </p:pic>
+      <p:grpSp>
+        <p:nvGrpSpPr>
+          <p:cNvPr id="3" name="Group 2"/>
+          <p:cNvGrpSpPr/>
+          <p:nvPr/>
+        </p:nvGrpSpPr>
+        <p:grpSpPr>
+          <a:xfrm>
+            <a:off x="1514193" y="5712055"/>
+            <a:ext cx="364173" cy="461665"/>
+            <a:chOff x="1514193" y="5587877"/>
+            <a:chExt cx="364173" cy="461665"/>
+          </a:xfrm>
+        </p:grpSpPr>
+        <p:sp>
+          <p:nvSpPr>
+            <p:cNvPr id="5" name="Oval 4"/>
+            <p:cNvSpPr/>
+            <p:nvPr/>
+          </p:nvSpPr>
+          <p:spPr>
+            <a:xfrm>
+              <a:off x="1514193" y="5663489"/>
+              <a:ext cx="364173" cy="364173"/>
+            </a:xfrm>
+            <a:prstGeom prst="ellipse">
+              <a:avLst/>
+            </a:prstGeom>
+          </p:spPr>
+          <p:style>
+            <a:lnRef idx="1">
+              <a:schemeClr val="dk1"/>
+            </a:lnRef>
+            <a:fillRef idx="2">
+              <a:schemeClr val="dk1"/>
+            </a:fillRef>
+            <a:effectRef idx="1">
+              <a:schemeClr val="dk1"/>
+            </a:effectRef>
+            <a:fontRef idx="minor">
+              <a:schemeClr val="dk1"/>
+            </a:fontRef>
+          </p:style>
+          <p:txBody>
+            <a:bodyPr rtlCol="0" anchor="ctr"/>
+            <a:lstStyle/>
+            <a:p>
+              <a:pPr algn="ctr"/>
+              <a:endParaRPr lang="en-US"/>
+            </a:p>
+          </p:txBody>
+        </p:sp>
+        <p:sp>
+          <p:nvSpPr>
+            <p:cNvPr id="2" name="TextBox 1"/>
+            <p:cNvSpPr txBox="1"/>
+            <p:nvPr/>
+          </p:nvSpPr>
+          <p:spPr>
+            <a:xfrm>
+              <a:off x="1571252" y="5587877"/>
+              <a:ext cx="278892" cy="461665"/>
+            </a:xfrm>
+            <a:prstGeom prst="rect">
+              <a:avLst/>
+            </a:prstGeom>
+            <a:noFill/>
+          </p:spPr>
+          <p:txBody>
+            <a:bodyPr wrap="none" rtlCol="0">
+              <a:spAutoFit/>
+            </a:bodyPr>
+            <a:lstStyle/>
+            <a:p>
+              <a:r>
+                <a:rPr lang="en-US" sz="2400" b="1" dirty="0"/>
+                <a:t>-</a:t>
+              </a:r>
+            </a:p>
+          </p:txBody>
+        </p:sp>
+      </p:grpSp>
+      <p:grpSp>
+        <p:nvGrpSpPr>
+          <p:cNvPr id="28" name="Group 27"/>
+          <p:cNvGrpSpPr/>
+          <p:nvPr/>
+        </p:nvGrpSpPr>
+        <p:grpSpPr>
+          <a:xfrm>
+            <a:off x="2002462" y="5712055"/>
+            <a:ext cx="364173" cy="461665"/>
+            <a:chOff x="1514193" y="5587877"/>
+            <a:chExt cx="364173" cy="461665"/>
+          </a:xfrm>
+        </p:grpSpPr>
+        <p:sp>
+          <p:nvSpPr>
+            <p:cNvPr id="29" name="Oval 28"/>
+            <p:cNvSpPr/>
+            <p:nvPr/>
+          </p:nvSpPr>
+          <p:spPr>
+            <a:xfrm>
+              <a:off x="1514193" y="5663489"/>
+              <a:ext cx="364173" cy="364173"/>
+            </a:xfrm>
+            <a:prstGeom prst="ellipse">
+              <a:avLst/>
+            </a:prstGeom>
+          </p:spPr>
+          <p:style>
+            <a:lnRef idx="1">
+              <a:schemeClr val="dk1"/>
+            </a:lnRef>
+            <a:fillRef idx="2">
+              <a:schemeClr val="dk1"/>
+            </a:fillRef>
+            <a:effectRef idx="1">
+              <a:schemeClr val="dk1"/>
+            </a:effectRef>
+            <a:fontRef idx="minor">
+              <a:schemeClr val="dk1"/>
+            </a:fontRef>
+          </p:style>
+          <p:txBody>
+            <a:bodyPr rtlCol="0" anchor="ctr"/>
+            <a:lstStyle/>
+            <a:p>
+              <a:pPr algn="ctr"/>
+              <a:endParaRPr lang="en-US"/>
+            </a:p>
+          </p:txBody>
+        </p:sp>
+        <p:sp>
+          <p:nvSpPr>
+            <p:cNvPr id="30" name="TextBox 29"/>
+            <p:cNvSpPr txBox="1"/>
+            <p:nvPr/>
+          </p:nvSpPr>
+          <p:spPr>
+            <a:xfrm>
+              <a:off x="1571252" y="5587877"/>
+              <a:ext cx="278892" cy="461665"/>
+            </a:xfrm>
+            <a:prstGeom prst="rect">
+              <a:avLst/>
+            </a:prstGeom>
+            <a:noFill/>
+          </p:spPr>
+          <p:txBody>
+            <a:bodyPr wrap="none" rtlCol="0">
+              <a:spAutoFit/>
+            </a:bodyPr>
+            <a:lstStyle/>
+            <a:p>
+              <a:r>
+                <a:rPr lang="en-US" sz="2400" b="1" dirty="0"/>
+                <a:t>-</a:t>
+              </a:r>
+            </a:p>
+          </p:txBody>
+        </p:sp>
+      </p:grpSp>
+      <p:grpSp>
+        <p:nvGrpSpPr>
+          <p:cNvPr id="31" name="Group 30"/>
+          <p:cNvGrpSpPr/>
+          <p:nvPr/>
+        </p:nvGrpSpPr>
+        <p:grpSpPr>
+          <a:xfrm>
+            <a:off x="2490731" y="5712055"/>
+            <a:ext cx="364173" cy="461665"/>
+            <a:chOff x="1514193" y="5587877"/>
+            <a:chExt cx="364173" cy="461665"/>
+          </a:xfrm>
+        </p:grpSpPr>
+        <p:sp>
+          <p:nvSpPr>
+            <p:cNvPr id="33" name="Oval 32"/>
+            <p:cNvSpPr/>
+            <p:nvPr/>
+          </p:nvSpPr>
+          <p:spPr>
+            <a:xfrm>
+              <a:off x="1514193" y="5663489"/>
+              <a:ext cx="364173" cy="364173"/>
+            </a:xfrm>
+            <a:prstGeom prst="ellipse">
+              <a:avLst/>
+            </a:prstGeom>
+          </p:spPr>
+          <p:style>
+            <a:lnRef idx="1">
+              <a:schemeClr val="dk1"/>
+            </a:lnRef>
+            <a:fillRef idx="2">
+              <a:schemeClr val="dk1"/>
+            </a:fillRef>
+            <a:effectRef idx="1">
+              <a:schemeClr val="dk1"/>
+            </a:effectRef>
+            <a:fontRef idx="minor">
+              <a:schemeClr val="dk1"/>
+            </a:fontRef>
+          </p:style>
+          <p:txBody>
+            <a:bodyPr rtlCol="0" anchor="ctr"/>
+            <a:lstStyle/>
+            <a:p>
+              <a:pPr algn="ctr"/>
+              <a:endParaRPr lang="en-US"/>
+            </a:p>
+          </p:txBody>
+        </p:sp>
+        <p:sp>
+          <p:nvSpPr>
+            <p:cNvPr id="35" name="TextBox 34"/>
+            <p:cNvSpPr txBox="1"/>
+            <p:nvPr/>
+          </p:nvSpPr>
+          <p:spPr>
+            <a:xfrm>
+              <a:off x="1571252" y="5587877"/>
+              <a:ext cx="278892" cy="461665"/>
+            </a:xfrm>
+            <a:prstGeom prst="rect">
+              <a:avLst/>
+            </a:prstGeom>
+            <a:noFill/>
+          </p:spPr>
+          <p:txBody>
+            <a:bodyPr wrap="none" rtlCol="0">
+              <a:spAutoFit/>
+            </a:bodyPr>
+            <a:lstStyle/>
+            <a:p>
+              <a:r>
+                <a:rPr lang="en-US" sz="2400" b="1" dirty="0"/>
+                <a:t>-</a:t>
+              </a:r>
+            </a:p>
+          </p:txBody>
+        </p:sp>
+      </p:grpSp>
+      <p:grpSp>
+        <p:nvGrpSpPr>
+          <p:cNvPr id="36" name="Group 35"/>
+          <p:cNvGrpSpPr/>
+          <p:nvPr/>
+        </p:nvGrpSpPr>
+        <p:grpSpPr>
+          <a:xfrm>
+            <a:off x="2979000" y="5712055"/>
+            <a:ext cx="364173" cy="461665"/>
+            <a:chOff x="1514193" y="5587877"/>
+            <a:chExt cx="364173" cy="461665"/>
+          </a:xfrm>
+        </p:grpSpPr>
+        <p:sp>
+          <p:nvSpPr>
+            <p:cNvPr id="37" name="Oval 36"/>
+            <p:cNvSpPr/>
+            <p:nvPr/>
+          </p:nvSpPr>
+          <p:spPr>
+            <a:xfrm>
+              <a:off x="1514193" y="5663489"/>
+              <a:ext cx="364173" cy="364173"/>
+            </a:xfrm>
+            <a:prstGeom prst="ellipse">
+              <a:avLst/>
+            </a:prstGeom>
+          </p:spPr>
+          <p:style>
+            <a:lnRef idx="1">
+              <a:schemeClr val="dk1"/>
+            </a:lnRef>
+            <a:fillRef idx="2">
+              <a:schemeClr val="dk1"/>
+            </a:fillRef>
+            <a:effectRef idx="1">
+              <a:schemeClr val="dk1"/>
+            </a:effectRef>
+            <a:fontRef idx="minor">
+              <a:schemeClr val="dk1"/>
+            </a:fontRef>
+          </p:style>
+          <p:txBody>
+            <a:bodyPr rtlCol="0" anchor="ctr"/>
+            <a:lstStyle/>
+            <a:p>
+              <a:pPr algn="ctr"/>
+              <a:endParaRPr lang="en-US"/>
+            </a:p>
+          </p:txBody>
+        </p:sp>
+        <p:sp>
+          <p:nvSpPr>
+            <p:cNvPr id="38" name="TextBox 37"/>
+            <p:cNvSpPr txBox="1"/>
+            <p:nvPr/>
+          </p:nvSpPr>
+          <p:spPr>
+            <a:xfrm>
+              <a:off x="1571252" y="5587877"/>
+              <a:ext cx="278892" cy="461665"/>
+            </a:xfrm>
+            <a:prstGeom prst="rect">
+              <a:avLst/>
+            </a:prstGeom>
+            <a:noFill/>
+          </p:spPr>
+          <p:txBody>
+            <a:bodyPr wrap="none" rtlCol="0">
+              <a:spAutoFit/>
+            </a:bodyPr>
+            <a:lstStyle/>
+            <a:p>
+              <a:r>
+                <a:rPr lang="en-US" sz="2400" b="1" dirty="0"/>
+                <a:t>-</a:t>
+              </a:r>
+            </a:p>
+          </p:txBody>
+        </p:sp>
+      </p:grpSp>
+      <p:grpSp>
+        <p:nvGrpSpPr>
+          <p:cNvPr id="39" name="Group 38"/>
+          <p:cNvGrpSpPr/>
+          <p:nvPr/>
+        </p:nvGrpSpPr>
+        <p:grpSpPr>
+          <a:xfrm>
+            <a:off x="3467269" y="5712055"/>
+            <a:ext cx="364173" cy="461665"/>
+            <a:chOff x="1514193" y="5587877"/>
+            <a:chExt cx="364173" cy="461665"/>
+          </a:xfrm>
+        </p:grpSpPr>
+        <p:sp>
+          <p:nvSpPr>
+            <p:cNvPr id="40" name="Oval 39"/>
+            <p:cNvSpPr/>
+            <p:nvPr/>
+          </p:nvSpPr>
+          <p:spPr>
+            <a:xfrm>
+              <a:off x="1514193" y="5663489"/>
+              <a:ext cx="364173" cy="364173"/>
+            </a:xfrm>
+            <a:prstGeom prst="ellipse">
+              <a:avLst/>
+            </a:prstGeom>
+          </p:spPr>
+          <p:style>
+            <a:lnRef idx="1">
+              <a:schemeClr val="dk1"/>
+            </a:lnRef>
+            <a:fillRef idx="2">
+              <a:schemeClr val="dk1"/>
+            </a:fillRef>
+            <a:effectRef idx="1">
+              <a:schemeClr val="dk1"/>
+            </a:effectRef>
+            <a:fontRef idx="minor">
+              <a:schemeClr val="dk1"/>
+            </a:fontRef>
+          </p:style>
+          <p:txBody>
+            <a:bodyPr rtlCol="0" anchor="ctr"/>
+            <a:lstStyle/>
+            <a:p>
+              <a:pPr algn="ctr"/>
+              <a:endParaRPr lang="en-US"/>
+            </a:p>
+          </p:txBody>
+        </p:sp>
+        <p:sp>
+          <p:nvSpPr>
+            <p:cNvPr id="41" name="TextBox 40"/>
+            <p:cNvSpPr txBox="1"/>
+            <p:nvPr/>
+          </p:nvSpPr>
+          <p:spPr>
+            <a:xfrm>
+              <a:off x="1571252" y="5587877"/>
+              <a:ext cx="278892" cy="461665"/>
+            </a:xfrm>
+            <a:prstGeom prst="rect">
+              <a:avLst/>
+            </a:prstGeom>
+            <a:noFill/>
+          </p:spPr>
+          <p:txBody>
+            <a:bodyPr wrap="none" rtlCol="0">
+              <a:spAutoFit/>
+            </a:bodyPr>
+            <a:lstStyle/>
+            <a:p>
+              <a:r>
+                <a:rPr lang="en-US" sz="2400" b="1" dirty="0"/>
+                <a:t>-</a:t>
+              </a:r>
+            </a:p>
+          </p:txBody>
+        </p:sp>
+      </p:grpSp>
+      <p:grpSp>
+        <p:nvGrpSpPr>
+          <p:cNvPr id="42" name="Group 41"/>
+          <p:cNvGrpSpPr/>
+          <p:nvPr/>
+        </p:nvGrpSpPr>
+        <p:grpSpPr>
+          <a:xfrm>
+            <a:off x="3955538" y="5712055"/>
+            <a:ext cx="364173" cy="461665"/>
+            <a:chOff x="1514193" y="5587877"/>
+            <a:chExt cx="364173" cy="461665"/>
+          </a:xfrm>
+        </p:grpSpPr>
+        <p:sp>
+          <p:nvSpPr>
+            <p:cNvPr id="43" name="Oval 42"/>
+            <p:cNvSpPr/>
+            <p:nvPr/>
+          </p:nvSpPr>
+          <p:spPr>
+            <a:xfrm>
+              <a:off x="1514193" y="5663489"/>
+              <a:ext cx="364173" cy="364173"/>
+            </a:xfrm>
+            <a:prstGeom prst="ellipse">
+              <a:avLst/>
+            </a:prstGeom>
+          </p:spPr>
+          <p:style>
+            <a:lnRef idx="1">
+              <a:schemeClr val="dk1"/>
+            </a:lnRef>
+            <a:fillRef idx="2">
+              <a:schemeClr val="dk1"/>
+            </a:fillRef>
+            <a:effectRef idx="1">
+              <a:schemeClr val="dk1"/>
+            </a:effectRef>
+            <a:fontRef idx="minor">
+              <a:schemeClr val="dk1"/>
+            </a:fontRef>
+          </p:style>
+          <p:txBody>
+            <a:bodyPr rtlCol="0" anchor="ctr"/>
+            <a:lstStyle/>
+            <a:p>
+              <a:pPr algn="ctr"/>
+              <a:endParaRPr lang="en-US"/>
+            </a:p>
+          </p:txBody>
+        </p:sp>
+        <p:sp>
+          <p:nvSpPr>
+            <p:cNvPr id="44" name="TextBox 43"/>
+            <p:cNvSpPr txBox="1"/>
+            <p:nvPr/>
+          </p:nvSpPr>
+          <p:spPr>
+            <a:xfrm>
+              <a:off x="1571252" y="5587877"/>
+              <a:ext cx="278892" cy="461665"/>
+            </a:xfrm>
+            <a:prstGeom prst="rect">
+              <a:avLst/>
+            </a:prstGeom>
+            <a:noFill/>
+          </p:spPr>
+          <p:txBody>
+            <a:bodyPr wrap="none" rtlCol="0">
+              <a:spAutoFit/>
+            </a:bodyPr>
+            <a:lstStyle/>
+            <a:p>
+              <a:r>
+                <a:rPr lang="en-US" sz="2400" b="1" dirty="0"/>
+                <a:t>-</a:t>
+              </a:r>
+            </a:p>
+          </p:txBody>
+        </p:sp>
+      </p:grpSp>
+      <p:grpSp>
+        <p:nvGrpSpPr>
+          <p:cNvPr id="45" name="Group 44"/>
+          <p:cNvGrpSpPr/>
+          <p:nvPr/>
+        </p:nvGrpSpPr>
+        <p:grpSpPr>
+          <a:xfrm>
+            <a:off x="4443807" y="5712055"/>
+            <a:ext cx="364173" cy="461665"/>
+            <a:chOff x="1514193" y="5587877"/>
+            <a:chExt cx="364173" cy="461665"/>
+          </a:xfrm>
+        </p:grpSpPr>
+        <p:sp>
+          <p:nvSpPr>
+            <p:cNvPr id="46" name="Oval 45"/>
+            <p:cNvSpPr/>
+            <p:nvPr/>
+          </p:nvSpPr>
+          <p:spPr>
+            <a:xfrm>
+              <a:off x="1514193" y="5663489"/>
+              <a:ext cx="364173" cy="364173"/>
+            </a:xfrm>
+            <a:prstGeom prst="ellipse">
+              <a:avLst/>
+            </a:prstGeom>
+          </p:spPr>
+          <p:style>
+            <a:lnRef idx="1">
+              <a:schemeClr val="dk1"/>
+            </a:lnRef>
+            <a:fillRef idx="2">
+              <a:schemeClr val="dk1"/>
+            </a:fillRef>
+            <a:effectRef idx="1">
+              <a:schemeClr val="dk1"/>
+            </a:effectRef>
+            <a:fontRef idx="minor">
+              <a:schemeClr val="dk1"/>
+            </a:fontRef>
+          </p:style>
+          <p:txBody>
+            <a:bodyPr rtlCol="0" anchor="ctr"/>
+            <a:lstStyle/>
+            <a:p>
+              <a:pPr algn="ctr"/>
+              <a:endParaRPr lang="en-US"/>
+            </a:p>
+          </p:txBody>
+        </p:sp>
+        <p:sp>
+          <p:nvSpPr>
+            <p:cNvPr id="47" name="TextBox 46"/>
+            <p:cNvSpPr txBox="1"/>
+            <p:nvPr/>
+          </p:nvSpPr>
+          <p:spPr>
+            <a:xfrm>
+              <a:off x="1571252" y="5587877"/>
+              <a:ext cx="278892" cy="461665"/>
+            </a:xfrm>
+            <a:prstGeom prst="rect">
+              <a:avLst/>
+            </a:prstGeom>
+            <a:noFill/>
+          </p:spPr>
+          <p:txBody>
+            <a:bodyPr wrap="none" rtlCol="0">
+              <a:spAutoFit/>
+            </a:bodyPr>
+            <a:lstStyle/>
+            <a:p>
+              <a:r>
+                <a:rPr lang="en-US" sz="2400" b="1" dirty="0"/>
+                <a:t>-</a:t>
+              </a:r>
+            </a:p>
+          </p:txBody>
+        </p:sp>
+      </p:grpSp>
+      <p:grpSp>
+        <p:nvGrpSpPr>
+          <p:cNvPr id="48" name="Group 47"/>
+          <p:cNvGrpSpPr/>
+          <p:nvPr/>
+        </p:nvGrpSpPr>
+        <p:grpSpPr>
+          <a:xfrm>
+            <a:off x="4932079" y="5712055"/>
+            <a:ext cx="364173" cy="461665"/>
+            <a:chOff x="1514193" y="5587877"/>
+            <a:chExt cx="364173" cy="461665"/>
+          </a:xfrm>
+        </p:grpSpPr>
+        <p:sp>
+          <p:nvSpPr>
+            <p:cNvPr id="49" name="Oval 48"/>
+            <p:cNvSpPr/>
+            <p:nvPr/>
+          </p:nvSpPr>
+          <p:spPr>
+            <a:xfrm>
+              <a:off x="1514193" y="5663489"/>
+              <a:ext cx="364173" cy="364173"/>
+            </a:xfrm>
+            <a:prstGeom prst="ellipse">
+              <a:avLst/>
+            </a:prstGeom>
+          </p:spPr>
+          <p:style>
+            <a:lnRef idx="1">
+              <a:schemeClr val="dk1"/>
+            </a:lnRef>
+            <a:fillRef idx="2">
+              <a:schemeClr val="dk1"/>
+            </a:fillRef>
+            <a:effectRef idx="1">
+              <a:schemeClr val="dk1"/>
+            </a:effectRef>
+            <a:fontRef idx="minor">
+              <a:schemeClr val="dk1"/>
+            </a:fontRef>
+          </p:style>
+          <p:txBody>
+            <a:bodyPr rtlCol="0" anchor="ctr"/>
+            <a:lstStyle/>
+            <a:p>
+              <a:pPr algn="ctr"/>
+              <a:endParaRPr lang="en-US"/>
+            </a:p>
+          </p:txBody>
+        </p:sp>
+        <p:sp>
+          <p:nvSpPr>
+            <p:cNvPr id="50" name="TextBox 49"/>
+            <p:cNvSpPr txBox="1"/>
+            <p:nvPr/>
+          </p:nvSpPr>
+          <p:spPr>
+            <a:xfrm>
+              <a:off x="1571252" y="5587877"/>
+              <a:ext cx="278892" cy="461665"/>
+            </a:xfrm>
+            <a:prstGeom prst="rect">
+              <a:avLst/>
+            </a:prstGeom>
+            <a:noFill/>
+          </p:spPr>
+          <p:txBody>
+            <a:bodyPr wrap="none" rtlCol="0">
+              <a:spAutoFit/>
+            </a:bodyPr>
+            <a:lstStyle/>
+            <a:p>
+              <a:r>
+                <a:rPr lang="en-US" sz="2400" b="1" dirty="0"/>
+                <a:t>-</a:t>
+              </a:r>
+            </a:p>
+          </p:txBody>
+        </p:sp>
+      </p:grpSp>
+      <p:cxnSp>
+        <p:nvCxnSpPr>
+          <p:cNvPr id="51" name="Straight Arrow Connector 50"/>
+          <p:cNvCxnSpPr/>
+          <p:nvPr/>
+        </p:nvCxnSpPr>
+        <p:spPr>
+          <a:xfrm flipH="1">
+            <a:off x="2201391" y="4719143"/>
+            <a:ext cx="1" cy="1068524"/>
+          </a:xfrm>
+          <a:prstGeom prst="straightConnector1">
+            <a:avLst/>
+          </a:prstGeom>
+          <a:ln>
+            <a:tailEnd type="arrow"/>
+          </a:ln>
+        </p:spPr>
+        <p:style>
+          <a:lnRef idx="3">
+            <a:schemeClr val="dk1"/>
+          </a:lnRef>
+          <a:fillRef idx="0">
+            <a:schemeClr val="dk1"/>
+          </a:fillRef>
+          <a:effectRef idx="2">
+            <a:schemeClr val="dk1"/>
+          </a:effectRef>
+          <a:fontRef idx="minor">
+            <a:schemeClr val="tx1"/>
+          </a:fontRef>
+        </p:style>
+      </p:cxnSp>
+      <p:cxnSp>
+        <p:nvCxnSpPr>
+          <p:cNvPr id="52" name="Straight Arrow Connector 51"/>
+          <p:cNvCxnSpPr/>
+          <p:nvPr/>
+        </p:nvCxnSpPr>
+        <p:spPr>
+          <a:xfrm flipH="1">
+            <a:off x="4151143" y="4719143"/>
+            <a:ext cx="1" cy="1068524"/>
+          </a:xfrm>
+          <a:prstGeom prst="straightConnector1">
+            <a:avLst/>
+          </a:prstGeom>
+          <a:ln>
+            <a:tailEnd type="arrow"/>
+          </a:ln>
+        </p:spPr>
+        <p:style>
+          <a:lnRef idx="3">
+            <a:schemeClr val="dk1"/>
+          </a:lnRef>
+          <a:fillRef idx="0">
+            <a:schemeClr val="dk1"/>
+          </a:fillRef>
+          <a:effectRef idx="2">
+            <a:schemeClr val="dk1"/>
+          </a:effectRef>
+          <a:fontRef idx="minor">
+            <a:schemeClr val="tx1"/>
+          </a:fontRef>
+        </p:style>
+      </p:cxnSp>
+      <p:cxnSp>
+        <p:nvCxnSpPr>
+          <p:cNvPr id="53" name="Straight Arrow Connector 52"/>
+          <p:cNvCxnSpPr/>
+          <p:nvPr/>
+        </p:nvCxnSpPr>
+        <p:spPr>
+          <a:xfrm flipH="1">
+            <a:off x="2688829" y="4719143"/>
+            <a:ext cx="1" cy="1068524"/>
+          </a:xfrm>
+          <a:prstGeom prst="straightConnector1">
+            <a:avLst/>
+          </a:prstGeom>
+          <a:ln>
+            <a:tailEnd type="arrow"/>
+          </a:ln>
+        </p:spPr>
+        <p:style>
+          <a:lnRef idx="3">
+            <a:schemeClr val="dk1"/>
+          </a:lnRef>
+          <a:fillRef idx="0">
+            <a:schemeClr val="dk1"/>
+          </a:fillRef>
+          <a:effectRef idx="2">
+            <a:schemeClr val="dk1"/>
+          </a:effectRef>
+          <a:fontRef idx="minor">
+            <a:schemeClr val="tx1"/>
+          </a:fontRef>
+        </p:style>
+      </p:cxnSp>
+      <p:cxnSp>
+        <p:nvCxnSpPr>
+          <p:cNvPr id="54" name="Straight Arrow Connector 53"/>
+          <p:cNvCxnSpPr/>
+          <p:nvPr/>
+        </p:nvCxnSpPr>
+        <p:spPr>
+          <a:xfrm flipH="1">
+            <a:off x="3176267" y="4719143"/>
+            <a:ext cx="1" cy="1068524"/>
+          </a:xfrm>
+          <a:prstGeom prst="straightConnector1">
+            <a:avLst/>
+          </a:prstGeom>
+          <a:ln>
+            <a:tailEnd type="arrow"/>
+          </a:ln>
+        </p:spPr>
+        <p:style>
+          <a:lnRef idx="3">
+            <a:schemeClr val="dk1"/>
+          </a:lnRef>
+          <a:fillRef idx="0">
+            <a:schemeClr val="dk1"/>
+          </a:fillRef>
+          <a:effectRef idx="2">
+            <a:schemeClr val="dk1"/>
+          </a:effectRef>
+          <a:fontRef idx="minor">
+            <a:schemeClr val="tx1"/>
+          </a:fontRef>
+        </p:style>
+      </p:cxnSp>
+      <p:cxnSp>
+        <p:nvCxnSpPr>
+          <p:cNvPr id="55" name="Straight Arrow Connector 54"/>
+          <p:cNvCxnSpPr/>
+          <p:nvPr/>
+        </p:nvCxnSpPr>
+        <p:spPr>
+          <a:xfrm flipH="1">
+            <a:off x="3663705" y="4719143"/>
+            <a:ext cx="1" cy="1068524"/>
+          </a:xfrm>
+          <a:prstGeom prst="straightConnector1">
+            <a:avLst/>
+          </a:prstGeom>
+          <a:ln>
+            <a:tailEnd type="arrow"/>
+          </a:ln>
+        </p:spPr>
+        <p:style>
+          <a:lnRef idx="3">
+            <a:schemeClr val="dk1"/>
+          </a:lnRef>
+          <a:fillRef idx="0">
+            <a:schemeClr val="dk1"/>
+          </a:fillRef>
+          <a:effectRef idx="2">
+            <a:schemeClr val="dk1"/>
+          </a:effectRef>
+          <a:fontRef idx="minor">
+            <a:schemeClr val="tx1"/>
+          </a:fontRef>
+        </p:style>
+      </p:cxnSp>
+      <p:cxnSp>
+        <p:nvCxnSpPr>
+          <p:cNvPr id="56" name="Straight Arrow Connector 55"/>
+          <p:cNvCxnSpPr/>
+          <p:nvPr/>
+        </p:nvCxnSpPr>
+        <p:spPr>
+          <a:xfrm flipH="1">
+            <a:off x="4638581" y="4719143"/>
+            <a:ext cx="1" cy="1068524"/>
+          </a:xfrm>
+          <a:prstGeom prst="straightConnector1">
+            <a:avLst/>
+          </a:prstGeom>
+          <a:ln>
+            <a:tailEnd type="arrow"/>
+          </a:ln>
+        </p:spPr>
+        <p:style>
+          <a:lnRef idx="3">
+            <a:schemeClr val="dk1"/>
+          </a:lnRef>
+          <a:fillRef idx="0">
+            <a:schemeClr val="dk1"/>
+          </a:fillRef>
+          <a:effectRef idx="2">
+            <a:schemeClr val="dk1"/>
+          </a:effectRef>
+          <a:fontRef idx="minor">
+            <a:schemeClr val="tx1"/>
+          </a:fontRef>
+        </p:style>
+      </p:cxnSp>
+      <p:cxnSp>
+        <p:nvCxnSpPr>
+          <p:cNvPr id="57" name="Straight Arrow Connector 56"/>
+          <p:cNvCxnSpPr/>
+          <p:nvPr/>
+        </p:nvCxnSpPr>
+        <p:spPr>
+          <a:xfrm flipH="1">
+            <a:off x="5126019" y="4719143"/>
+            <a:ext cx="1" cy="1068524"/>
+          </a:xfrm>
+          <a:prstGeom prst="straightConnector1">
+            <a:avLst/>
+          </a:prstGeom>
+          <a:ln>
+            <a:tailEnd type="arrow"/>
+          </a:ln>
+        </p:spPr>
+        <p:style>
+          <a:lnRef idx="3">
+            <a:schemeClr val="dk1"/>
+          </a:lnRef>
+          <a:fillRef idx="0">
+            <a:schemeClr val="dk1"/>
+          </a:fillRef>
+          <a:effectRef idx="2">
+            <a:schemeClr val="dk1"/>
+          </a:effectRef>
+          <a:fontRef idx="minor">
+            <a:schemeClr val="tx1"/>
+          </a:fontRef>
+        </p:style>
+      </p:cxnSp>
+      <p:pic>
+        <p:nvPicPr>
+          <p:cNvPr id="16" name="Picture 15" descr="latex-image-1.pdf"/>
+          <p:cNvPicPr>
+            <a:picLocks noChangeAspect="1"/>
+          </p:cNvPicPr>
+          <p:nvPr/>
+        </p:nvPicPr>
+        <p:blipFill>
+          <a:blip r:embed="rId5">
+            <a:extLst>
+              <a:ext uri="{28A0092B-C50C-407E-A947-70E740481C1C}">
+                <a14:useLocalDpi xmlns:a14="http://schemas.microsoft.com/office/drawing/2010/main" val="0"/>
+              </a:ext>
+            </a:extLst>
+          </a:blip>
+          <a:stretch>
+            <a:fillRect/>
+          </a:stretch>
+        </p:blipFill>
+        <p:spPr>
+          <a:xfrm>
+            <a:off x="5477429" y="5165367"/>
+            <a:ext cx="1358900" cy="622300"/>
+          </a:xfrm>
+          <a:prstGeom prst="rect">
+            <a:avLst/>
+          </a:prstGeom>
+        </p:spPr>
+      </p:pic>
+      <p:pic>
+        <p:nvPicPr>
+          <p:cNvPr id="17" name="Picture 16" descr="latex-image-1.pdf"/>
+          <p:cNvPicPr>
+            <a:picLocks noChangeAspect="1"/>
+          </p:cNvPicPr>
+          <p:nvPr/>
+        </p:nvPicPr>
+        <p:blipFill>
+          <a:blip r:embed="rId6">
+            <a:extLst>
+              <a:ext uri="{28A0092B-C50C-407E-A947-70E740481C1C}">
+                <a14:useLocalDpi xmlns:a14="http://schemas.microsoft.com/office/drawing/2010/main" val="0"/>
+              </a:ext>
+            </a:extLst>
+          </a:blip>
+          <a:stretch>
+            <a:fillRect/>
+          </a:stretch>
+        </p:blipFill>
+        <p:spPr>
+          <a:xfrm>
+            <a:off x="5392763" y="4334932"/>
+            <a:ext cx="1460500" cy="558800"/>
+          </a:xfrm>
+          <a:prstGeom prst="rect">
+            <a:avLst/>
+          </a:prstGeom>
+        </p:spPr>
+      </p:pic>
+      <p:cxnSp>
+        <p:nvCxnSpPr>
+          <p:cNvPr id="58" name="Straight Arrow Connector 57"/>
+          <p:cNvCxnSpPr/>
+          <p:nvPr/>
+        </p:nvCxnSpPr>
+        <p:spPr>
+          <a:xfrm flipV="1">
+            <a:off x="5556515" y="5910380"/>
+            <a:ext cx="828145" cy="29688"/>
+          </a:xfrm>
+          <a:prstGeom prst="straightConnector1">
+            <a:avLst/>
+          </a:prstGeom>
+          <a:ln>
+            <a:tailEnd type="arrow"/>
+          </a:ln>
+        </p:spPr>
+        <p:style>
+          <a:lnRef idx="3">
+            <a:schemeClr val="dk1"/>
+          </a:lnRef>
+          <a:fillRef idx="0">
+            <a:schemeClr val="dk1"/>
+          </a:fillRef>
+          <a:effectRef idx="2">
+            <a:schemeClr val="dk1"/>
+          </a:effectRef>
+          <a:fontRef idx="minor">
+            <a:schemeClr val="tx1"/>
+          </a:fontRef>
+        </p:style>
+      </p:cxnSp>
+      <p:sp>
+        <p:nvSpPr>
+          <p:cNvPr id="61" name="Freeform 60"/>
+          <p:cNvSpPr/>
+          <p:nvPr/>
+        </p:nvSpPr>
+        <p:spPr>
+          <a:xfrm>
+            <a:off x="2230438" y="2243669"/>
+            <a:ext cx="2667000" cy="1001888"/>
+          </a:xfrm>
+          <a:custGeom>
+            <a:avLst/>
+            <a:gdLst>
+              <a:gd name="connsiteX0" fmla="*/ 0 w 2822222"/>
+              <a:gd name="connsiteY0" fmla="*/ 1058333 h 1086555"/>
+              <a:gd name="connsiteX1" fmla="*/ 1044222 w 2822222"/>
+              <a:gd name="connsiteY1" fmla="*/ 14111 h 1086555"/>
+              <a:gd name="connsiteX2" fmla="*/ 2822222 w 2822222"/>
+              <a:gd name="connsiteY2" fmla="*/ 0 h 1086555"/>
+              <a:gd name="connsiteX3" fmla="*/ 1862666 w 2822222"/>
+              <a:gd name="connsiteY3" fmla="*/ 1086555 h 1086555"/>
+              <a:gd name="connsiteX4" fmla="*/ 0 w 2822222"/>
+              <a:gd name="connsiteY4" fmla="*/ 1058333 h 1086555"/>
+              <a:gd name="connsiteX0" fmla="*/ 0 w 2822222"/>
+              <a:gd name="connsiteY0" fmla="*/ 1058333 h 1227666"/>
+              <a:gd name="connsiteX1" fmla="*/ 1044222 w 2822222"/>
+              <a:gd name="connsiteY1" fmla="*/ 14111 h 1227666"/>
+              <a:gd name="connsiteX2" fmla="*/ 2822222 w 2822222"/>
+              <a:gd name="connsiteY2" fmla="*/ 0 h 1227666"/>
+              <a:gd name="connsiteX3" fmla="*/ 1862666 w 2822222"/>
+              <a:gd name="connsiteY3" fmla="*/ 1227666 h 1227666"/>
+              <a:gd name="connsiteX4" fmla="*/ 0 w 2822222"/>
+              <a:gd name="connsiteY4" fmla="*/ 1058333 h 1227666"/>
+              <a:gd name="connsiteX0" fmla="*/ 0 w 2822222"/>
+              <a:gd name="connsiteY0" fmla="*/ 1227666 h 1227666"/>
+              <a:gd name="connsiteX1" fmla="*/ 1044222 w 2822222"/>
+              <a:gd name="connsiteY1" fmla="*/ 14111 h 1227666"/>
+              <a:gd name="connsiteX2" fmla="*/ 2822222 w 2822222"/>
+              <a:gd name="connsiteY2" fmla="*/ 0 h 1227666"/>
+              <a:gd name="connsiteX3" fmla="*/ 1862666 w 2822222"/>
+              <a:gd name="connsiteY3" fmla="*/ 1227666 h 1227666"/>
+              <a:gd name="connsiteX4" fmla="*/ 0 w 2822222"/>
+              <a:gd name="connsiteY4" fmla="*/ 1227666 h 1227666"/>
+              <a:gd name="connsiteX0" fmla="*/ 0 w 2723444"/>
+              <a:gd name="connsiteY0" fmla="*/ 1213555 h 1213555"/>
+              <a:gd name="connsiteX1" fmla="*/ 1044222 w 2723444"/>
+              <a:gd name="connsiteY1" fmla="*/ 0 h 1213555"/>
+              <a:gd name="connsiteX2" fmla="*/ 2723444 w 2723444"/>
+              <a:gd name="connsiteY2" fmla="*/ 112889 h 1213555"/>
+              <a:gd name="connsiteX3" fmla="*/ 1862666 w 2723444"/>
+              <a:gd name="connsiteY3" fmla="*/ 1213555 h 1213555"/>
+              <a:gd name="connsiteX4" fmla="*/ 0 w 2723444"/>
+              <a:gd name="connsiteY4" fmla="*/ 1213555 h 1213555"/>
+              <a:gd name="connsiteX0" fmla="*/ 0 w 2723444"/>
+              <a:gd name="connsiteY0" fmla="*/ 1100666 h 1100666"/>
+              <a:gd name="connsiteX1" fmla="*/ 917222 w 2723444"/>
+              <a:gd name="connsiteY1" fmla="*/ 28222 h 1100666"/>
+              <a:gd name="connsiteX2" fmla="*/ 2723444 w 2723444"/>
+              <a:gd name="connsiteY2" fmla="*/ 0 h 1100666"/>
+              <a:gd name="connsiteX3" fmla="*/ 1862666 w 2723444"/>
+              <a:gd name="connsiteY3" fmla="*/ 1100666 h 1100666"/>
+              <a:gd name="connsiteX4" fmla="*/ 0 w 2723444"/>
+              <a:gd name="connsiteY4" fmla="*/ 1100666 h 1100666"/>
+              <a:gd name="connsiteX0" fmla="*/ 0 w 2723444"/>
+              <a:gd name="connsiteY0" fmla="*/ 1072444 h 1072444"/>
+              <a:gd name="connsiteX1" fmla="*/ 917222 w 2723444"/>
+              <a:gd name="connsiteY1" fmla="*/ 0 h 1072444"/>
+              <a:gd name="connsiteX2" fmla="*/ 2723444 w 2723444"/>
+              <a:gd name="connsiteY2" fmla="*/ 28222 h 1072444"/>
+              <a:gd name="connsiteX3" fmla="*/ 1862666 w 2723444"/>
+              <a:gd name="connsiteY3" fmla="*/ 1072444 h 1072444"/>
+              <a:gd name="connsiteX4" fmla="*/ 0 w 2723444"/>
+              <a:gd name="connsiteY4" fmla="*/ 1072444 h 1072444"/>
+              <a:gd name="connsiteX0" fmla="*/ 0 w 2723444"/>
+              <a:gd name="connsiteY0" fmla="*/ 1044222 h 1044222"/>
+              <a:gd name="connsiteX1" fmla="*/ 846666 w 2723444"/>
+              <a:gd name="connsiteY1" fmla="*/ 42334 h 1044222"/>
+              <a:gd name="connsiteX2" fmla="*/ 2723444 w 2723444"/>
+              <a:gd name="connsiteY2" fmla="*/ 0 h 1044222"/>
+              <a:gd name="connsiteX3" fmla="*/ 1862666 w 2723444"/>
+              <a:gd name="connsiteY3" fmla="*/ 1044222 h 1044222"/>
+              <a:gd name="connsiteX4" fmla="*/ 0 w 2723444"/>
+              <a:gd name="connsiteY4" fmla="*/ 1044222 h 1044222"/>
+              <a:gd name="connsiteX0" fmla="*/ 0 w 2667000"/>
+              <a:gd name="connsiteY0" fmla="*/ 1001888 h 1001888"/>
+              <a:gd name="connsiteX1" fmla="*/ 846666 w 2667000"/>
+              <a:gd name="connsiteY1" fmla="*/ 0 h 1001888"/>
+              <a:gd name="connsiteX2" fmla="*/ 2667000 w 2667000"/>
+              <a:gd name="connsiteY2" fmla="*/ 28222 h 1001888"/>
+              <a:gd name="connsiteX3" fmla="*/ 1862666 w 2667000"/>
+              <a:gd name="connsiteY3" fmla="*/ 1001888 h 1001888"/>
+              <a:gd name="connsiteX4" fmla="*/ 0 w 2667000"/>
+              <a:gd name="connsiteY4" fmla="*/ 1001888 h 1001888"/>
+            </a:gdLst>
+            <a:ahLst/>
+            <a:cxnLst>
+              <a:cxn ang="0">
+                <a:pos x="connsiteX0" y="connsiteY0"/>
+              </a:cxn>
+              <a:cxn ang="0">
+                <a:pos x="connsiteX1" y="connsiteY1"/>
+              </a:cxn>
+              <a:cxn ang="0">
+                <a:pos x="connsiteX2" y="connsiteY2"/>
+              </a:cxn>
+              <a:cxn ang="0">
+                <a:pos x="connsiteX3" y="connsiteY3"/>
+              </a:cxn>
+              <a:cxn ang="0">
+                <a:pos x="connsiteX4" y="connsiteY4"/>
+              </a:cxn>
+            </a:cxnLst>
+            <a:rect l="l" t="t" r="r" b="b"/>
+            <a:pathLst>
+              <a:path w="2667000" h="1001888">
+                <a:moveTo>
+                  <a:pt x="0" y="1001888"/>
+                </a:moveTo>
+                <a:lnTo>
+                  <a:pt x="846666" y="0"/>
+                </a:lnTo>
+                <a:lnTo>
+                  <a:pt x="2667000" y="28222"/>
+                </a:lnTo>
+                <a:lnTo>
+                  <a:pt x="1862666" y="1001888"/>
+                </a:lnTo>
+                <a:lnTo>
+                  <a:pt x="0" y="1001888"/>
+                </a:lnTo>
+                <a:close/>
+              </a:path>
+            </a:pathLst>
+          </a:custGeom>
+        </p:spPr>
+        <p:style>
+          <a:lnRef idx="1">
+            <a:schemeClr val="accent1"/>
+          </a:lnRef>
+          <a:fillRef idx="3">
+            <a:schemeClr val="accent1"/>
+          </a:fillRef>
+          <a:effectRef idx="2">
+            <a:schemeClr val="accent1"/>
+          </a:effectRef>
+          <a:fontRef idx="minor">
+            <a:schemeClr val="lt1"/>
+          </a:fontRef>
+        </p:style>
+        <p:txBody>
+          <a:bodyPr rtlCol="0" anchor="ctr"/>
+          <a:lstStyle/>
+          <a:p>
+            <a:pPr algn="ctr"/>
+            <a:endParaRPr lang="en-US"/>
+          </a:p>
+        </p:txBody>
+      </p:sp>
+      <p:cxnSp>
+        <p:nvCxnSpPr>
+          <p:cNvPr id="62" name="Straight Arrow Connector 61"/>
+          <p:cNvCxnSpPr/>
+          <p:nvPr/>
+        </p:nvCxnSpPr>
+        <p:spPr>
+          <a:xfrm flipV="1">
+            <a:off x="3683238" y="1820159"/>
+            <a:ext cx="0" cy="871357"/>
+          </a:xfrm>
+          <a:prstGeom prst="straightConnector1">
+            <a:avLst/>
+          </a:prstGeom>
+          <a:ln>
+            <a:tailEnd type="arrow"/>
+          </a:ln>
+        </p:spPr>
+        <p:style>
+          <a:lnRef idx="3">
+            <a:schemeClr val="dk1"/>
+          </a:lnRef>
+          <a:fillRef idx="0">
+            <a:schemeClr val="dk1"/>
+          </a:fillRef>
+          <a:effectRef idx="2">
+            <a:schemeClr val="dk1"/>
+          </a:effectRef>
+          <a:fontRef idx="minor">
+            <a:schemeClr val="tx1"/>
+          </a:fontRef>
+        </p:style>
+      </p:cxnSp>
+      <p:pic>
+        <p:nvPicPr>
+          <p:cNvPr id="64" name="Picture 63" descr="latex-image-1.pdf"/>
+          <p:cNvPicPr>
+            <a:picLocks noChangeAspect="1"/>
+          </p:cNvPicPr>
+          <p:nvPr/>
+        </p:nvPicPr>
+        <p:blipFill>
+          <a:blip r:embed="rId7">
+            <a:extLst>
+              <a:ext uri="{28A0092B-C50C-407E-A947-70E740481C1C}">
+                <a14:useLocalDpi xmlns:a14="http://schemas.microsoft.com/office/drawing/2010/main" val="0"/>
+              </a:ext>
+            </a:extLst>
+          </a:blip>
+          <a:stretch>
+            <a:fillRect/>
+          </a:stretch>
+        </p:blipFill>
+        <p:spPr>
+          <a:xfrm>
+            <a:off x="3859664" y="1752600"/>
+            <a:ext cx="419100" cy="406400"/>
+          </a:xfrm>
+          <a:prstGeom prst="rect">
+            <a:avLst/>
+          </a:prstGeom>
+        </p:spPr>
+      </p:pic>
+      <p:pic>
+        <p:nvPicPr>
+          <p:cNvPr id="65" name="Picture 64" descr="latex-image-1.pdf"/>
+          <p:cNvPicPr>
+            <a:picLocks noChangeAspect="1"/>
+          </p:cNvPicPr>
+          <p:nvPr/>
+        </p:nvPicPr>
+        <p:blipFill>
+          <a:blip r:embed="rId8">
+            <a:extLst>
+              <a:ext uri="{28A0092B-C50C-407E-A947-70E740481C1C}">
+                <a14:useLocalDpi xmlns:a14="http://schemas.microsoft.com/office/drawing/2010/main" val="0"/>
+              </a:ext>
+            </a:extLst>
+          </a:blip>
+          <a:stretch>
+            <a:fillRect/>
+          </a:stretch>
+        </p:blipFill>
+        <p:spPr>
+          <a:xfrm>
+            <a:off x="4989138" y="2424816"/>
+            <a:ext cx="2044700" cy="533400"/>
+          </a:xfrm>
+          <a:prstGeom prst="rect">
+            <a:avLst/>
+          </a:prstGeom>
+        </p:spPr>
+      </p:pic>
+    </p:spTree>
+    <p:extLst>
+      <p:ext uri="{BB962C8B-B14F-4D97-AF65-F5344CB8AC3E}">
+        <p14:creationId xmlns:p14="http://schemas.microsoft.com/office/powerpoint/2010/main" val="3171105550"/>
+      </p:ext>
+    </p:extLst>
+  </p:cSld>
+  <p:clrMapOvr>
+    <a:masterClrMapping/>
+  </p:clrMapOvr>
+</p:sld>
+</file>
+
+<file path=ppt/slides/slide3.xml><?xml version="1.0" encoding="utf-8"?>
+<p:sld xmlns:a="http://schemas.openxmlformats.org/drawingml/2006/main" xmlns:r="http://schemas.openxmlformats.org/officeDocument/2006/relationships" xmlns:p="http://schemas.openxmlformats.org/presentationml/2006/main">
+  <p:cSld>
+    <p:spTree>
+      <p:nvGrpSpPr>
+        <p:cNvPr id="1" name=""/>
+        <p:cNvGrpSpPr/>
+        <p:nvPr/>
+      </p:nvGrpSpPr>
+      <p:grpSpPr>
+        <a:xfrm>
+          <a:off x="0" y="0"/>
+          <a:ext cx="0" cy="0"/>
+          <a:chOff x="0" y="0"/>
+          <a:chExt cx="0" cy="0"/>
+        </a:xfrm>
+      </p:grpSpPr>
+      <p:sp>
+        <p:nvSpPr>
+          <p:cNvPr id="4" name="Parallelogram 3"/>
+          <p:cNvSpPr/>
+          <p:nvPr/>
+        </p:nvSpPr>
+        <p:spPr>
+          <a:xfrm rot="19699260">
+            <a:off x="2206088" y="2594666"/>
+            <a:ext cx="2575342" cy="1024657"/>
+          </a:xfrm>
+          <a:prstGeom prst="parallelogram">
+            <a:avLst>
+              <a:gd name="adj" fmla="val 59617"/>
+            </a:avLst>
+          </a:prstGeom>
+        </p:spPr>
+        <p:style>
+          <a:lnRef idx="1">
+            <a:schemeClr val="accent1"/>
+          </a:lnRef>
+          <a:fillRef idx="3">
+            <a:schemeClr val="accent1"/>
+          </a:fillRef>
+          <a:effectRef idx="2">
+            <a:schemeClr val="accent1"/>
+          </a:effectRef>
+          <a:fontRef idx="minor">
+            <a:schemeClr val="lt1"/>
+          </a:fontRef>
+        </p:style>
+        <p:txBody>
+          <a:bodyPr rtlCol="0" anchor="ctr"/>
+          <a:lstStyle/>
+          <a:p>
+            <a:pPr algn="ctr"/>
+            <a:endParaRPr lang="en-US"/>
+          </a:p>
+        </p:txBody>
+      </p:sp>
+      <p:cxnSp>
+        <p:nvCxnSpPr>
+          <p:cNvPr id="5" name="Straight Arrow Connector 4"/>
+          <p:cNvCxnSpPr/>
+          <p:nvPr/>
+        </p:nvCxnSpPr>
+        <p:spPr>
+          <a:xfrm flipV="1">
+            <a:off x="3683238" y="2691516"/>
+            <a:ext cx="1043984" cy="1"/>
+          </a:xfrm>
+          <a:prstGeom prst="straightConnector1">
+            <a:avLst/>
+          </a:prstGeom>
+          <a:ln>
+            <a:tailEnd type="arrow"/>
+          </a:ln>
+        </p:spPr>
+        <p:style>
+          <a:lnRef idx="3">
+            <a:schemeClr val="dk1"/>
+          </a:lnRef>
+          <a:fillRef idx="0">
+            <a:schemeClr val="dk1"/>
+          </a:fillRef>
+          <a:effectRef idx="2">
+            <a:schemeClr val="dk1"/>
+          </a:effectRef>
+          <a:fontRef idx="minor">
+            <a:schemeClr val="tx1"/>
+          </a:fontRef>
+        </p:style>
+      </p:cxnSp>
+      <p:cxnSp>
+        <p:nvCxnSpPr>
+          <p:cNvPr id="7" name="Straight Arrow Connector 6"/>
+          <p:cNvCxnSpPr/>
+          <p:nvPr/>
+        </p:nvCxnSpPr>
+        <p:spPr>
+          <a:xfrm flipV="1">
+            <a:off x="3313646" y="3055583"/>
+            <a:ext cx="1043984" cy="1"/>
+          </a:xfrm>
+          <a:prstGeom prst="straightConnector1">
+            <a:avLst/>
+          </a:prstGeom>
+          <a:ln>
+            <a:tailEnd type="arrow"/>
+          </a:ln>
+        </p:spPr>
+        <p:style>
+          <a:lnRef idx="3">
+            <a:schemeClr val="dk1"/>
+          </a:lnRef>
+          <a:fillRef idx="0">
+            <a:schemeClr val="dk1"/>
+          </a:fillRef>
+          <a:effectRef idx="2">
+            <a:schemeClr val="dk1"/>
+          </a:effectRef>
+          <a:fontRef idx="minor">
+            <a:schemeClr val="tx1"/>
+          </a:fontRef>
+        </p:style>
+      </p:cxnSp>
+      <p:cxnSp>
+        <p:nvCxnSpPr>
+          <p:cNvPr id="8" name="Straight Arrow Connector 7"/>
+          <p:cNvCxnSpPr/>
+          <p:nvPr/>
+        </p:nvCxnSpPr>
+        <p:spPr>
+          <a:xfrm flipV="1">
+            <a:off x="2921357" y="3537302"/>
+            <a:ext cx="1043984" cy="1"/>
+          </a:xfrm>
+          <a:prstGeom prst="straightConnector1">
+            <a:avLst/>
+          </a:prstGeom>
+          <a:ln>
+            <a:tailEnd type="arrow"/>
+          </a:ln>
+        </p:spPr>
+        <p:style>
+          <a:lnRef idx="3">
+            <a:schemeClr val="dk1"/>
+          </a:lnRef>
+          <a:fillRef idx="0">
+            <a:schemeClr val="dk1"/>
+          </a:fillRef>
+          <a:effectRef idx="2">
+            <a:schemeClr val="dk1"/>
+          </a:effectRef>
+          <a:fontRef idx="minor">
+            <a:schemeClr val="tx1"/>
+          </a:fontRef>
+        </p:style>
+      </p:cxnSp>
+      <p:cxnSp>
+        <p:nvCxnSpPr>
+          <p:cNvPr id="9" name="Straight Arrow Connector 8"/>
+          <p:cNvCxnSpPr/>
+          <p:nvPr/>
+        </p:nvCxnSpPr>
+        <p:spPr>
+          <a:xfrm>
+            <a:off x="2128891" y="3532541"/>
+            <a:ext cx="521992" cy="0"/>
+          </a:xfrm>
+          <a:prstGeom prst="straightConnector1">
+            <a:avLst/>
+          </a:prstGeom>
+          <a:ln>
+            <a:headEnd type="none"/>
+            <a:tailEnd type="none"/>
+          </a:ln>
+        </p:spPr>
+        <p:style>
+          <a:lnRef idx="3">
+            <a:schemeClr val="dk1"/>
+          </a:lnRef>
+          <a:fillRef idx="0">
+            <a:schemeClr val="dk1"/>
+          </a:fillRef>
+          <a:effectRef idx="2">
+            <a:schemeClr val="dk1"/>
+          </a:effectRef>
+          <a:fontRef idx="minor">
+            <a:schemeClr val="tx1"/>
+          </a:fontRef>
+        </p:style>
+      </p:cxnSp>
+      <p:cxnSp>
+        <p:nvCxnSpPr>
+          <p:cNvPr id="11" name="Straight Arrow Connector 10"/>
+          <p:cNvCxnSpPr/>
+          <p:nvPr/>
+        </p:nvCxnSpPr>
+        <p:spPr>
+          <a:xfrm>
+            <a:off x="2314222" y="3085747"/>
+            <a:ext cx="336661" cy="0"/>
+          </a:xfrm>
+          <a:prstGeom prst="straightConnector1">
+            <a:avLst/>
+          </a:prstGeom>
+          <a:ln>
+            <a:headEnd type="none"/>
+            <a:tailEnd type="none"/>
+          </a:ln>
+        </p:spPr>
+        <p:style>
+          <a:lnRef idx="3">
+            <a:schemeClr val="dk1"/>
+          </a:lnRef>
+          <a:fillRef idx="0">
+            <a:schemeClr val="dk1"/>
+          </a:fillRef>
+          <a:effectRef idx="2">
+            <a:schemeClr val="dk1"/>
+          </a:effectRef>
+          <a:fontRef idx="minor">
+            <a:schemeClr val="tx1"/>
+          </a:fontRef>
+        </p:style>
+      </p:cxnSp>
+      <p:cxnSp>
+        <p:nvCxnSpPr>
+          <p:cNvPr id="13" name="Straight Arrow Connector 12"/>
+          <p:cNvCxnSpPr/>
+          <p:nvPr/>
+        </p:nvCxnSpPr>
+        <p:spPr>
+          <a:xfrm>
+            <a:off x="2671574" y="2691516"/>
+            <a:ext cx="521992" cy="0"/>
+          </a:xfrm>
+          <a:prstGeom prst="straightConnector1">
+            <a:avLst/>
+          </a:prstGeom>
+          <a:ln>
+            <a:headEnd type="none"/>
+            <a:tailEnd type="none"/>
+          </a:ln>
+        </p:spPr>
+        <p:style>
+          <a:lnRef idx="3">
+            <a:schemeClr val="dk1"/>
+          </a:lnRef>
+          <a:fillRef idx="0">
+            <a:schemeClr val="dk1"/>
+          </a:fillRef>
+          <a:effectRef idx="2">
+            <a:schemeClr val="dk1"/>
+          </a:effectRef>
+          <a:fontRef idx="minor">
+            <a:schemeClr val="tx1"/>
+          </a:fontRef>
+        </p:style>
+      </p:cxnSp>
+      <p:pic>
+        <p:nvPicPr>
+          <p:cNvPr id="14" name="Picture 13" descr="latex-image-1.pdf"/>
+          <p:cNvPicPr>
+            <a:picLocks noChangeAspect="1"/>
+          </p:cNvPicPr>
+          <p:nvPr/>
+        </p:nvPicPr>
+        <p:blipFill>
+          <a:blip r:embed="rId2">
+            <a:extLst>
+              <a:ext uri="{28A0092B-C50C-407E-A947-70E740481C1C}">
+                <a14:useLocalDpi xmlns:a14="http://schemas.microsoft.com/office/drawing/2010/main" val="0"/>
+              </a:ext>
+            </a:extLst>
+          </a:blip>
+          <a:stretch>
+            <a:fillRect/>
+          </a:stretch>
+        </p:blipFill>
+        <p:spPr>
+          <a:xfrm>
+            <a:off x="4378677" y="1791568"/>
+            <a:ext cx="419100" cy="406400"/>
+          </a:xfrm>
+          <a:prstGeom prst="rect">
+            <a:avLst/>
+          </a:prstGeom>
+        </p:spPr>
+      </p:pic>
+      <p:cxnSp>
+        <p:nvCxnSpPr>
+          <p:cNvPr id="15" name="Straight Arrow Connector 14"/>
+          <p:cNvCxnSpPr/>
+          <p:nvPr/>
+        </p:nvCxnSpPr>
+        <p:spPr>
+          <a:xfrm flipV="1">
+            <a:off x="4127085" y="2271346"/>
+            <a:ext cx="521992" cy="2"/>
+          </a:xfrm>
+          <a:prstGeom prst="straightConnector1">
+            <a:avLst/>
+          </a:prstGeom>
+          <a:ln>
+            <a:tailEnd type="arrow"/>
+          </a:ln>
+        </p:spPr>
+        <p:style>
+          <a:lnRef idx="2">
+            <a:schemeClr val="dk1"/>
+          </a:lnRef>
+          <a:fillRef idx="0">
+            <a:schemeClr val="dk1"/>
+          </a:fillRef>
+          <a:effectRef idx="1">
+            <a:schemeClr val="dk1"/>
+          </a:effectRef>
+          <a:fontRef idx="minor">
+            <a:schemeClr val="tx1"/>
+          </a:fontRef>
+        </p:style>
+      </p:cxnSp>
+      <p:pic>
+        <p:nvPicPr>
+          <p:cNvPr id="18" name="Picture 17" descr="latex-image-1.pdf"/>
+          <p:cNvPicPr>
+            <a:picLocks noChangeAspect="1"/>
+          </p:cNvPicPr>
+          <p:nvPr/>
+        </p:nvPicPr>
+        <p:blipFill>
+          <a:blip r:embed="rId3">
+            <a:extLst>
+              <a:ext uri="{28A0092B-C50C-407E-A947-70E740481C1C}">
+                <a14:useLocalDpi xmlns:a14="http://schemas.microsoft.com/office/drawing/2010/main" val="0"/>
+              </a:ext>
+            </a:extLst>
+          </a:blip>
+          <a:stretch>
+            <a:fillRect/>
+          </a:stretch>
+        </p:blipFill>
+        <p:spPr>
+          <a:xfrm>
+            <a:off x="4890911" y="2332892"/>
+            <a:ext cx="558800" cy="419100"/>
+          </a:xfrm>
+          <a:prstGeom prst="rect">
+            <a:avLst/>
+          </a:prstGeom>
+        </p:spPr>
+      </p:pic>
+      <p:pic>
+        <p:nvPicPr>
+          <p:cNvPr id="19" name="Picture 18" descr="latex-image-1.pdf"/>
+          <p:cNvPicPr>
+            <a:picLocks noChangeAspect="1"/>
+          </p:cNvPicPr>
+          <p:nvPr/>
+        </p:nvPicPr>
+        <p:blipFill>
+          <a:blip r:embed="rId4">
+            <a:extLst>
+              <a:ext uri="{28A0092B-C50C-407E-A947-70E740481C1C}">
+                <a14:useLocalDpi xmlns:a14="http://schemas.microsoft.com/office/drawing/2010/main" val="0"/>
+              </a:ext>
+            </a:extLst>
+          </a:blip>
+          <a:stretch>
+            <a:fillRect/>
+          </a:stretch>
+        </p:blipFill>
+        <p:spPr>
+          <a:xfrm>
+            <a:off x="3272485" y="1735667"/>
+            <a:ext cx="622300" cy="457200"/>
+          </a:xfrm>
+          <a:prstGeom prst="rect">
+            <a:avLst/>
+          </a:prstGeom>
+        </p:spPr>
+      </p:pic>
+    </p:spTree>
+    <p:extLst>
+      <p:ext uri="{BB962C8B-B14F-4D97-AF65-F5344CB8AC3E}">
+        <p14:creationId xmlns:p14="http://schemas.microsoft.com/office/powerpoint/2010/main" val="2354687966"/>
+      </p:ext>
+    </p:extLst>
+  </p:cSld>
+  <p:clrMapOvr>
+    <a:masterClrMapping/>
+  </p:clrMapOvr>
+</p:sld>
+</file>
+
+<file path=ppt/slides/slide4.xml><?xml version="1.0" encoding="utf-8"?>
+<p:sld xmlns:a="http://schemas.openxmlformats.org/drawingml/2006/main" xmlns:r="http://schemas.openxmlformats.org/officeDocument/2006/relationships" xmlns:p="http://schemas.openxmlformats.org/presentationml/2006/main">
+  <p:cSld>
+    <p:spTree>
+      <p:nvGrpSpPr>
+        <p:cNvPr id="1" name=""/>
+        <p:cNvGrpSpPr/>
+        <p:nvPr/>
+      </p:nvGrpSpPr>
+      <p:grpSpPr>
+        <a:xfrm>
+          <a:off x="0" y="0"/>
+          <a:ext cx="0" cy="0"/>
+          <a:chOff x="0" y="0"/>
+          <a:chExt cx="0" cy="0"/>
+        </a:xfrm>
+      </p:grpSpPr>
+      <p:sp>
+        <p:nvSpPr>
+          <p:cNvPr id="57" name="Freeform 56"/>
+          <p:cNvSpPr/>
+          <p:nvPr/>
+        </p:nvSpPr>
+        <p:spPr>
+          <a:xfrm rot="16200000">
+            <a:off x="6793967" y="4663563"/>
+            <a:ext cx="507999" cy="133102"/>
+          </a:xfrm>
+          <a:custGeom>
+            <a:avLst/>
+            <a:gdLst>
+              <a:gd name="connsiteX0" fmla="*/ 0 w 536222"/>
+              <a:gd name="connsiteY0" fmla="*/ 0 h 338679"/>
+              <a:gd name="connsiteX1" fmla="*/ 239889 w 536222"/>
+              <a:gd name="connsiteY1" fmla="*/ 338667 h 338679"/>
+              <a:gd name="connsiteX2" fmla="*/ 536222 w 536222"/>
+              <a:gd name="connsiteY2" fmla="*/ 14111 h 338679"/>
+            </a:gdLst>
+            <a:ahLst/>
+            <a:cxnLst>
+              <a:cxn ang="0">
+                <a:pos x="connsiteX0" y="connsiteY0"/>
+              </a:cxn>
+              <a:cxn ang="0">
+                <a:pos x="connsiteX1" y="connsiteY1"/>
+              </a:cxn>
+              <a:cxn ang="0">
+                <a:pos x="connsiteX2" y="connsiteY2"/>
+              </a:cxn>
+            </a:cxnLst>
+            <a:rect l="l" t="t" r="r" b="b"/>
+            <a:pathLst>
+              <a:path w="536222" h="338679">
+                <a:moveTo>
+                  <a:pt x="0" y="0"/>
+                </a:moveTo>
+                <a:cubicBezTo>
+                  <a:pt x="75259" y="168157"/>
+                  <a:pt x="150519" y="336315"/>
+                  <a:pt x="239889" y="338667"/>
+                </a:cubicBezTo>
+                <a:cubicBezTo>
+                  <a:pt x="329259" y="341019"/>
+                  <a:pt x="536222" y="14111"/>
+                  <a:pt x="536222" y="14111"/>
+                </a:cubicBezTo>
+              </a:path>
+            </a:pathLst>
+          </a:custGeom>
+        </p:spPr>
+        <p:style>
+          <a:lnRef idx="2">
+            <a:schemeClr val="dk1"/>
+          </a:lnRef>
+          <a:fillRef idx="0">
+            <a:schemeClr val="dk1"/>
+          </a:fillRef>
+          <a:effectRef idx="1">
+            <a:schemeClr val="dk1"/>
+          </a:effectRef>
+          <a:fontRef idx="minor">
+            <a:schemeClr val="tx1"/>
+          </a:fontRef>
+        </p:style>
+        <p:txBody>
+          <a:bodyPr rtlCol="0" anchor="ctr"/>
+          <a:lstStyle/>
+          <a:p>
+            <a:pPr algn="ctr"/>
+            <a:endParaRPr lang="en-US"/>
+          </a:p>
+        </p:txBody>
+      </p:sp>
+      <p:sp>
+        <p:nvSpPr>
+          <p:cNvPr id="4" name="Parallelogram 3"/>
+          <p:cNvSpPr/>
+          <p:nvPr/>
+        </p:nvSpPr>
+        <p:spPr>
+          <a:xfrm rot="19699260">
+            <a:off x="1325026" y="1281791"/>
+            <a:ext cx="2575342" cy="1024657"/>
+          </a:xfrm>
+          <a:prstGeom prst="parallelogram">
+            <a:avLst>
+              <a:gd name="adj" fmla="val 59617"/>
+            </a:avLst>
+          </a:prstGeom>
+        </p:spPr>
+        <p:style>
+          <a:lnRef idx="1">
+            <a:schemeClr val="accent1"/>
+          </a:lnRef>
+          <a:fillRef idx="3">
+            <a:schemeClr val="accent1"/>
+          </a:fillRef>
+          <a:effectRef idx="2">
+            <a:schemeClr val="accent1"/>
+          </a:effectRef>
+          <a:fontRef idx="minor">
+            <a:schemeClr val="lt1"/>
+          </a:fontRef>
+        </p:style>
+        <p:txBody>
+          <a:bodyPr rtlCol="0" anchor="ctr"/>
+          <a:lstStyle/>
+          <a:p>
+            <a:pPr algn="ctr"/>
+            <a:endParaRPr lang="en-US"/>
+          </a:p>
+        </p:txBody>
+      </p:sp>
+      <p:cxnSp>
+        <p:nvCxnSpPr>
+          <p:cNvPr id="5" name="Straight Arrow Connector 4"/>
+          <p:cNvCxnSpPr/>
+          <p:nvPr/>
+        </p:nvCxnSpPr>
+        <p:spPr>
+          <a:xfrm flipV="1">
+            <a:off x="652815" y="4591024"/>
+            <a:ext cx="7831667" cy="1"/>
+          </a:xfrm>
+          <a:prstGeom prst="straightConnector1">
+            <a:avLst/>
+          </a:prstGeom>
+          <a:ln>
+            <a:tailEnd type="arrow"/>
+          </a:ln>
+        </p:spPr>
+        <p:style>
+          <a:lnRef idx="3">
+            <a:schemeClr val="accent2"/>
+          </a:lnRef>
+          <a:fillRef idx="0">
+            <a:schemeClr val="accent2"/>
+          </a:fillRef>
+          <a:effectRef idx="2">
+            <a:schemeClr val="accent2"/>
+          </a:effectRef>
+          <a:fontRef idx="minor">
+            <a:schemeClr val="tx1"/>
+          </a:fontRef>
+        </p:style>
+      </p:cxnSp>
+      <p:cxnSp>
+        <p:nvCxnSpPr>
+          <p:cNvPr id="6" name="Straight Arrow Connector 5"/>
+          <p:cNvCxnSpPr/>
+          <p:nvPr/>
+        </p:nvCxnSpPr>
+        <p:spPr>
+          <a:xfrm flipV="1">
+            <a:off x="652815" y="4963293"/>
+            <a:ext cx="7831667" cy="1"/>
+          </a:xfrm>
+          <a:prstGeom prst="straightConnector1">
+            <a:avLst/>
+          </a:prstGeom>
+          <a:ln>
+            <a:tailEnd type="arrow"/>
+          </a:ln>
+        </p:spPr>
+        <p:style>
+          <a:lnRef idx="3">
+            <a:schemeClr val="accent2"/>
+          </a:lnRef>
+          <a:fillRef idx="0">
+            <a:schemeClr val="accent2"/>
+          </a:fillRef>
+          <a:effectRef idx="2">
+            <a:schemeClr val="accent2"/>
+          </a:effectRef>
+          <a:fontRef idx="minor">
+            <a:schemeClr val="tx1"/>
+          </a:fontRef>
+        </p:style>
+      </p:cxnSp>
+      <p:cxnSp>
+        <p:nvCxnSpPr>
+          <p:cNvPr id="7" name="Straight Arrow Connector 6"/>
+          <p:cNvCxnSpPr/>
+          <p:nvPr/>
+        </p:nvCxnSpPr>
+        <p:spPr>
+          <a:xfrm flipV="1">
+            <a:off x="652815" y="5335562"/>
+            <a:ext cx="7831667" cy="1"/>
+          </a:xfrm>
+          <a:prstGeom prst="straightConnector1">
+            <a:avLst/>
+          </a:prstGeom>
+          <a:ln>
+            <a:tailEnd type="arrow"/>
+          </a:ln>
+        </p:spPr>
+        <p:style>
+          <a:lnRef idx="3">
+            <a:schemeClr val="accent2"/>
+          </a:lnRef>
+          <a:fillRef idx="0">
+            <a:schemeClr val="accent2"/>
+          </a:fillRef>
+          <a:effectRef idx="2">
+            <a:schemeClr val="accent2"/>
+          </a:effectRef>
+          <a:fontRef idx="minor">
+            <a:schemeClr val="tx1"/>
+          </a:fontRef>
+        </p:style>
+      </p:cxnSp>
+      <p:cxnSp>
+        <p:nvCxnSpPr>
+          <p:cNvPr id="8" name="Straight Arrow Connector 7"/>
+          <p:cNvCxnSpPr/>
+          <p:nvPr/>
+        </p:nvCxnSpPr>
+        <p:spPr>
+          <a:xfrm>
+            <a:off x="1247829" y="2219666"/>
+            <a:ext cx="521992" cy="0"/>
+          </a:xfrm>
+          <a:prstGeom prst="straightConnector1">
+            <a:avLst/>
+          </a:prstGeom>
+          <a:ln>
+            <a:headEnd type="none"/>
+            <a:tailEnd type="none"/>
+          </a:ln>
+        </p:spPr>
+        <p:style>
+          <a:lnRef idx="3">
+            <a:schemeClr val="dk1"/>
+          </a:lnRef>
+          <a:fillRef idx="0">
+            <a:schemeClr val="dk1"/>
+          </a:fillRef>
+          <a:effectRef idx="2">
+            <a:schemeClr val="dk1"/>
+          </a:effectRef>
+          <a:fontRef idx="minor">
+            <a:schemeClr val="tx1"/>
+          </a:fontRef>
+        </p:style>
+      </p:cxnSp>
+      <p:cxnSp>
+        <p:nvCxnSpPr>
+          <p:cNvPr id="9" name="Straight Arrow Connector 8"/>
+          <p:cNvCxnSpPr/>
+          <p:nvPr/>
+        </p:nvCxnSpPr>
+        <p:spPr>
+          <a:xfrm>
+            <a:off x="1433160" y="1772872"/>
+            <a:ext cx="336661" cy="0"/>
+          </a:xfrm>
+          <a:prstGeom prst="straightConnector1">
+            <a:avLst/>
+          </a:prstGeom>
+          <a:ln>
+            <a:headEnd type="none"/>
+            <a:tailEnd type="none"/>
+          </a:ln>
+        </p:spPr>
+        <p:style>
+          <a:lnRef idx="3">
+            <a:schemeClr val="dk1"/>
+          </a:lnRef>
+          <a:fillRef idx="0">
+            <a:schemeClr val="dk1"/>
+          </a:fillRef>
+          <a:effectRef idx="2">
+            <a:schemeClr val="dk1"/>
+          </a:effectRef>
+          <a:fontRef idx="minor">
+            <a:schemeClr val="tx1"/>
+          </a:fontRef>
+        </p:style>
+      </p:cxnSp>
+      <p:cxnSp>
+        <p:nvCxnSpPr>
+          <p:cNvPr id="10" name="Straight Arrow Connector 9"/>
+          <p:cNvCxnSpPr/>
+          <p:nvPr/>
+        </p:nvCxnSpPr>
+        <p:spPr>
+          <a:xfrm>
+            <a:off x="1790512" y="1378641"/>
+            <a:ext cx="521992" cy="0"/>
+          </a:xfrm>
+          <a:prstGeom prst="straightConnector1">
+            <a:avLst/>
+          </a:prstGeom>
+          <a:ln>
+            <a:headEnd type="none"/>
+            <a:tailEnd type="none"/>
+          </a:ln>
+        </p:spPr>
+        <p:style>
+          <a:lnRef idx="3">
+            <a:schemeClr val="dk1"/>
+          </a:lnRef>
+          <a:fillRef idx="0">
+            <a:schemeClr val="dk1"/>
+          </a:fillRef>
+          <a:effectRef idx="2">
+            <a:schemeClr val="dk1"/>
+          </a:effectRef>
+          <a:fontRef idx="minor">
+            <a:schemeClr val="tx1"/>
+          </a:fontRef>
+        </p:style>
+      </p:cxnSp>
+      <p:pic>
+        <p:nvPicPr>
+          <p:cNvPr id="11" name="Picture 10" descr="latex-image-1.pdf"/>
+          <p:cNvPicPr>
+            <a:picLocks noChangeAspect="1"/>
+          </p:cNvPicPr>
+          <p:nvPr/>
+        </p:nvPicPr>
+        <p:blipFill>
+          <a:blip r:embed="rId2">
+            <a:extLst>
+              <a:ext uri="{28A0092B-C50C-407E-A947-70E740481C1C}">
+                <a14:useLocalDpi xmlns:a14="http://schemas.microsoft.com/office/drawing/2010/main" val="0"/>
+              </a:ext>
+            </a:extLst>
+          </a:blip>
+          <a:stretch>
+            <a:fillRect/>
+          </a:stretch>
+        </p:blipFill>
+        <p:spPr>
+          <a:xfrm>
+            <a:off x="3497615" y="478693"/>
+            <a:ext cx="419100" cy="406400"/>
+          </a:xfrm>
+          <a:prstGeom prst="rect">
+            <a:avLst/>
+          </a:prstGeom>
+        </p:spPr>
+      </p:pic>
+      <p:cxnSp>
+        <p:nvCxnSpPr>
+          <p:cNvPr id="12" name="Straight Arrow Connector 11"/>
+          <p:cNvCxnSpPr/>
+          <p:nvPr/>
+        </p:nvCxnSpPr>
+        <p:spPr>
+          <a:xfrm flipV="1">
+            <a:off x="3246023" y="958471"/>
+            <a:ext cx="521992" cy="2"/>
+          </a:xfrm>
+          <a:prstGeom prst="straightConnector1">
+            <a:avLst/>
+          </a:prstGeom>
+          <a:ln>
+            <a:tailEnd type="arrow"/>
+          </a:ln>
+        </p:spPr>
+        <p:style>
+          <a:lnRef idx="2">
+            <a:schemeClr val="dk1"/>
+          </a:lnRef>
+          <a:fillRef idx="0">
+            <a:schemeClr val="dk1"/>
+          </a:fillRef>
+          <a:effectRef idx="1">
+            <a:schemeClr val="dk1"/>
+          </a:effectRef>
+          <a:fontRef idx="minor">
+            <a:schemeClr val="tx1"/>
+          </a:fontRef>
+        </p:style>
+      </p:cxnSp>
+      <p:pic>
+        <p:nvPicPr>
+          <p:cNvPr id="13" name="Picture 12" descr="latex-image-1.pdf"/>
+          <p:cNvPicPr>
+            <a:picLocks noChangeAspect="1"/>
+          </p:cNvPicPr>
+          <p:nvPr/>
+        </p:nvPicPr>
+        <p:blipFill>
+          <a:blip r:embed="rId3">
+            <a:extLst>
+              <a:ext uri="{28A0092B-C50C-407E-A947-70E740481C1C}">
+                <a14:useLocalDpi xmlns:a14="http://schemas.microsoft.com/office/drawing/2010/main" val="0"/>
+              </a:ext>
+            </a:extLst>
+          </a:blip>
+          <a:stretch>
+            <a:fillRect/>
+          </a:stretch>
+        </p:blipFill>
+        <p:spPr>
+          <a:xfrm>
+            <a:off x="4009849" y="1020017"/>
+            <a:ext cx="558800" cy="419100"/>
+          </a:xfrm>
+          <a:prstGeom prst="rect">
+            <a:avLst/>
+          </a:prstGeom>
+        </p:spPr>
+      </p:pic>
+      <p:pic>
+        <p:nvPicPr>
+          <p:cNvPr id="14" name="Picture 13" descr="latex-image-1.pdf"/>
+          <p:cNvPicPr>
+            <a:picLocks noChangeAspect="1"/>
+          </p:cNvPicPr>
+          <p:nvPr/>
+        </p:nvPicPr>
+        <p:blipFill>
+          <a:blip r:embed="rId4">
+            <a:extLst>
+              <a:ext uri="{28A0092B-C50C-407E-A947-70E740481C1C}">
+                <a14:useLocalDpi xmlns:a14="http://schemas.microsoft.com/office/drawing/2010/main" val="0"/>
+              </a:ext>
+            </a:extLst>
+          </a:blip>
+          <a:stretch>
+            <a:fillRect/>
+          </a:stretch>
+        </p:blipFill>
+        <p:spPr>
+          <a:xfrm>
+            <a:off x="2391423" y="422792"/>
+            <a:ext cx="622300" cy="457200"/>
+          </a:xfrm>
+          <a:prstGeom prst="rect">
+            <a:avLst/>
+          </a:prstGeom>
+        </p:spPr>
+      </p:pic>
+      <p:cxnSp>
+        <p:nvCxnSpPr>
+          <p:cNvPr id="24" name="Straight Arrow Connector 23"/>
+          <p:cNvCxnSpPr/>
+          <p:nvPr/>
+        </p:nvCxnSpPr>
+        <p:spPr>
+          <a:xfrm flipV="1">
+            <a:off x="652815" y="5707831"/>
+            <a:ext cx="7831667" cy="1"/>
+          </a:xfrm>
+          <a:prstGeom prst="straightConnector1">
+            <a:avLst/>
+          </a:prstGeom>
+          <a:ln>
+            <a:tailEnd type="arrow"/>
+          </a:ln>
+        </p:spPr>
+        <p:style>
+          <a:lnRef idx="3">
+            <a:schemeClr val="accent2"/>
+          </a:lnRef>
+          <a:fillRef idx="0">
+            <a:schemeClr val="accent2"/>
+          </a:fillRef>
+          <a:effectRef idx="2">
+            <a:schemeClr val="accent2"/>
+          </a:effectRef>
+          <a:fontRef idx="minor">
+            <a:schemeClr val="tx1"/>
+          </a:fontRef>
+        </p:style>
+      </p:cxnSp>
+      <p:cxnSp>
+        <p:nvCxnSpPr>
+          <p:cNvPr id="25" name="Straight Arrow Connector 24"/>
+          <p:cNvCxnSpPr/>
+          <p:nvPr/>
+        </p:nvCxnSpPr>
+        <p:spPr>
+          <a:xfrm flipV="1">
+            <a:off x="652815" y="6080100"/>
+            <a:ext cx="7831667" cy="1"/>
+          </a:xfrm>
+          <a:prstGeom prst="straightConnector1">
+            <a:avLst/>
+          </a:prstGeom>
+          <a:ln>
+            <a:tailEnd type="arrow"/>
+          </a:ln>
+        </p:spPr>
+        <p:style>
+          <a:lnRef idx="3">
+            <a:schemeClr val="accent2"/>
+          </a:lnRef>
+          <a:fillRef idx="0">
+            <a:schemeClr val="accent2"/>
+          </a:fillRef>
+          <a:effectRef idx="2">
+            <a:schemeClr val="accent2"/>
+          </a:effectRef>
+          <a:fontRef idx="minor">
+            <a:schemeClr val="tx1"/>
+          </a:fontRef>
+        </p:style>
+      </p:cxnSp>
+      <p:cxnSp>
+        <p:nvCxnSpPr>
+          <p:cNvPr id="26" name="Straight Arrow Connector 25"/>
+          <p:cNvCxnSpPr/>
+          <p:nvPr/>
+        </p:nvCxnSpPr>
+        <p:spPr>
+          <a:xfrm flipV="1">
+            <a:off x="652815" y="6452366"/>
+            <a:ext cx="7831667" cy="1"/>
+          </a:xfrm>
+          <a:prstGeom prst="straightConnector1">
+            <a:avLst/>
+          </a:prstGeom>
+          <a:ln>
+            <a:tailEnd type="arrow"/>
+          </a:ln>
+        </p:spPr>
+        <p:style>
+          <a:lnRef idx="3">
+            <a:schemeClr val="accent2"/>
+          </a:lnRef>
+          <a:fillRef idx="0">
+            <a:schemeClr val="accent2"/>
+          </a:fillRef>
+          <a:effectRef idx="2">
+            <a:schemeClr val="accent2"/>
+          </a:effectRef>
+          <a:fontRef idx="minor">
+            <a:schemeClr val="tx1"/>
+          </a:fontRef>
+        </p:style>
+      </p:cxnSp>
+      <p:cxnSp>
+        <p:nvCxnSpPr>
+          <p:cNvPr id="28" name="Straight Arrow Connector 27"/>
+          <p:cNvCxnSpPr/>
+          <p:nvPr/>
+        </p:nvCxnSpPr>
+        <p:spPr>
+          <a:xfrm flipV="1">
+            <a:off x="652815" y="3474217"/>
+            <a:ext cx="7831667" cy="1"/>
+          </a:xfrm>
+          <a:prstGeom prst="straightConnector1">
+            <a:avLst/>
+          </a:prstGeom>
+          <a:ln>
+            <a:tailEnd type="arrow"/>
+          </a:ln>
+        </p:spPr>
+        <p:style>
+          <a:lnRef idx="3">
+            <a:schemeClr val="accent2"/>
+          </a:lnRef>
+          <a:fillRef idx="0">
+            <a:schemeClr val="accent2"/>
+          </a:fillRef>
+          <a:effectRef idx="2">
+            <a:schemeClr val="accent2"/>
+          </a:effectRef>
+          <a:fontRef idx="minor">
+            <a:schemeClr val="tx1"/>
+          </a:fontRef>
+        </p:style>
+      </p:cxnSp>
+      <p:cxnSp>
+        <p:nvCxnSpPr>
+          <p:cNvPr id="29" name="Straight Arrow Connector 28"/>
+          <p:cNvCxnSpPr/>
+          <p:nvPr/>
+        </p:nvCxnSpPr>
+        <p:spPr>
+          <a:xfrm flipV="1">
+            <a:off x="652815" y="3846486"/>
+            <a:ext cx="7831667" cy="1"/>
+          </a:xfrm>
+          <a:prstGeom prst="straightConnector1">
+            <a:avLst/>
+          </a:prstGeom>
+          <a:ln>
+            <a:tailEnd type="arrow"/>
+          </a:ln>
+        </p:spPr>
+        <p:style>
+          <a:lnRef idx="3">
+            <a:schemeClr val="accent2"/>
+          </a:lnRef>
+          <a:fillRef idx="0">
+            <a:schemeClr val="accent2"/>
+          </a:fillRef>
+          <a:effectRef idx="2">
+            <a:schemeClr val="accent2"/>
+          </a:effectRef>
+          <a:fontRef idx="minor">
+            <a:schemeClr val="tx1"/>
+          </a:fontRef>
+        </p:style>
+      </p:cxnSp>
+      <p:cxnSp>
+        <p:nvCxnSpPr>
+          <p:cNvPr id="30" name="Straight Arrow Connector 29"/>
+          <p:cNvCxnSpPr/>
+          <p:nvPr/>
+        </p:nvCxnSpPr>
+        <p:spPr>
+          <a:xfrm flipV="1">
+            <a:off x="652815" y="4218755"/>
+            <a:ext cx="7831667" cy="1"/>
+          </a:xfrm>
+          <a:prstGeom prst="straightConnector1">
+            <a:avLst/>
+          </a:prstGeom>
+          <a:ln>
+            <a:tailEnd type="arrow"/>
+          </a:ln>
+        </p:spPr>
+        <p:style>
+          <a:lnRef idx="3">
+            <a:schemeClr val="accent2"/>
+          </a:lnRef>
+          <a:fillRef idx="0">
+            <a:schemeClr val="accent2"/>
+          </a:fillRef>
+          <a:effectRef idx="2">
+            <a:schemeClr val="accent2"/>
+          </a:effectRef>
+          <a:fontRef idx="minor">
+            <a:schemeClr val="tx1"/>
+          </a:fontRef>
+        </p:style>
+      </p:cxnSp>
+      <p:sp>
+        <p:nvSpPr>
+          <p:cNvPr id="32" name="Trapezoid 31"/>
+          <p:cNvSpPr/>
+          <p:nvPr/>
+        </p:nvSpPr>
+        <p:spPr>
+          <a:xfrm rot="5400000">
+            <a:off x="254239" y="4374624"/>
+            <a:ext cx="2916881" cy="1199649"/>
+          </a:xfrm>
+          <a:prstGeom prst="trapezoid">
+            <a:avLst/>
+          </a:prstGeom>
+          <a:noFill/>
+          <a:ln w="28575" cmpd="sng">
+            <a:solidFill>
+              <a:schemeClr val="tx1"/>
+            </a:solidFill>
+          </a:ln>
+        </p:spPr>
+        <p:style>
+          <a:lnRef idx="1">
+            <a:schemeClr val="accent1"/>
+          </a:lnRef>
+          <a:fillRef idx="3">
+            <a:schemeClr val="accent1"/>
+          </a:fillRef>
+          <a:effectRef idx="2">
+            <a:schemeClr val="accent1"/>
+          </a:effectRef>
+          <a:fontRef idx="minor">
+            <a:schemeClr val="lt1"/>
+          </a:fontRef>
+        </p:style>
+        <p:txBody>
+          <a:bodyPr rtlCol="0" anchor="ctr"/>
+          <a:lstStyle/>
+          <a:p>
+            <a:pPr algn="ctr"/>
+            <a:endParaRPr lang="en-US"/>
+          </a:p>
+        </p:txBody>
+      </p:sp>
+      <p:sp>
+        <p:nvSpPr>
+          <p:cNvPr id="34" name="Freeform 33"/>
+          <p:cNvSpPr/>
+          <p:nvPr/>
+        </p:nvSpPr>
+        <p:spPr>
+          <a:xfrm>
+            <a:off x="4741334" y="3612999"/>
+            <a:ext cx="2911691" cy="2481214"/>
+          </a:xfrm>
+          <a:custGeom>
+            <a:avLst/>
+            <a:gdLst>
+              <a:gd name="connsiteX0" fmla="*/ 0 w 2554111"/>
+              <a:gd name="connsiteY0" fmla="*/ 0 h 3090333"/>
+              <a:gd name="connsiteX1" fmla="*/ 1227666 w 2554111"/>
+              <a:gd name="connsiteY1" fmla="*/ 338666 h 3090333"/>
+              <a:gd name="connsiteX2" fmla="*/ 2554111 w 2554111"/>
+              <a:gd name="connsiteY2" fmla="*/ 2370666 h 3090333"/>
+              <a:gd name="connsiteX3" fmla="*/ 1721555 w 2554111"/>
+              <a:gd name="connsiteY3" fmla="*/ 3090333 h 3090333"/>
+              <a:gd name="connsiteX4" fmla="*/ 28222 w 2554111"/>
+              <a:gd name="connsiteY4" fmla="*/ 70555 h 3090333"/>
+              <a:gd name="connsiteX0" fmla="*/ 0 w 2554111"/>
+              <a:gd name="connsiteY0" fmla="*/ 0 h 3368184"/>
+              <a:gd name="connsiteX1" fmla="*/ 1227666 w 2554111"/>
+              <a:gd name="connsiteY1" fmla="*/ 338666 h 3368184"/>
+              <a:gd name="connsiteX2" fmla="*/ 2554111 w 2554111"/>
+              <a:gd name="connsiteY2" fmla="*/ 2370666 h 3368184"/>
+              <a:gd name="connsiteX3" fmla="*/ 1876777 w 2554111"/>
+              <a:gd name="connsiteY3" fmla="*/ 3368184 h 3368184"/>
+              <a:gd name="connsiteX4" fmla="*/ 28222 w 2554111"/>
+              <a:gd name="connsiteY4" fmla="*/ 70555 h 3368184"/>
+              <a:gd name="connsiteX0" fmla="*/ 0 w 2554111"/>
+              <a:gd name="connsiteY0" fmla="*/ 0 h 3275566"/>
+              <a:gd name="connsiteX1" fmla="*/ 1227666 w 2554111"/>
+              <a:gd name="connsiteY1" fmla="*/ 338666 h 3275566"/>
+              <a:gd name="connsiteX2" fmla="*/ 2554111 w 2554111"/>
+              <a:gd name="connsiteY2" fmla="*/ 2370666 h 3275566"/>
+              <a:gd name="connsiteX3" fmla="*/ 1834444 w 2554111"/>
+              <a:gd name="connsiteY3" fmla="*/ 3275566 h 3275566"/>
+              <a:gd name="connsiteX4" fmla="*/ 28222 w 2554111"/>
+              <a:gd name="connsiteY4" fmla="*/ 70555 h 3275566"/>
+              <a:gd name="connsiteX0" fmla="*/ 0 w 2554111"/>
+              <a:gd name="connsiteY0" fmla="*/ 0 h 3257043"/>
+              <a:gd name="connsiteX1" fmla="*/ 1227666 w 2554111"/>
+              <a:gd name="connsiteY1" fmla="*/ 338666 h 3257043"/>
+              <a:gd name="connsiteX2" fmla="*/ 2554111 w 2554111"/>
+              <a:gd name="connsiteY2" fmla="*/ 2370666 h 3257043"/>
+              <a:gd name="connsiteX3" fmla="*/ 1890888 w 2554111"/>
+              <a:gd name="connsiteY3" fmla="*/ 3257043 h 3257043"/>
+              <a:gd name="connsiteX4" fmla="*/ 28222 w 2554111"/>
+              <a:gd name="connsiteY4" fmla="*/ 70555 h 3257043"/>
+              <a:gd name="connsiteX0" fmla="*/ 0 w 2469445"/>
+              <a:gd name="connsiteY0" fmla="*/ 0 h 3257043"/>
+              <a:gd name="connsiteX1" fmla="*/ 1227666 w 2469445"/>
+              <a:gd name="connsiteY1" fmla="*/ 338666 h 3257043"/>
+              <a:gd name="connsiteX2" fmla="*/ 2469445 w 2469445"/>
+              <a:gd name="connsiteY2" fmla="*/ 2296571 h 3257043"/>
+              <a:gd name="connsiteX3" fmla="*/ 1890888 w 2469445"/>
+              <a:gd name="connsiteY3" fmla="*/ 3257043 h 3257043"/>
+              <a:gd name="connsiteX4" fmla="*/ 28222 w 2469445"/>
+              <a:gd name="connsiteY4" fmla="*/ 70555 h 3257043"/>
+              <a:gd name="connsiteX0" fmla="*/ 0 w 2911691"/>
+              <a:gd name="connsiteY0" fmla="*/ 0 h 3257043"/>
+              <a:gd name="connsiteX1" fmla="*/ 1227666 w 2911691"/>
+              <a:gd name="connsiteY1" fmla="*/ 338666 h 3257043"/>
+              <a:gd name="connsiteX2" fmla="*/ 2911691 w 2911691"/>
+              <a:gd name="connsiteY2" fmla="*/ 2936674 h 3257043"/>
+              <a:gd name="connsiteX3" fmla="*/ 1890888 w 2911691"/>
+              <a:gd name="connsiteY3" fmla="*/ 3257043 h 3257043"/>
+              <a:gd name="connsiteX4" fmla="*/ 28222 w 2911691"/>
+              <a:gd name="connsiteY4" fmla="*/ 70555 h 3257043"/>
+            </a:gdLst>
+            <a:ahLst/>
+            <a:cxnLst>
+              <a:cxn ang="0">
+                <a:pos x="connsiteX0" y="connsiteY0"/>
+              </a:cxn>
+              <a:cxn ang="0">
+                <a:pos x="connsiteX1" y="connsiteY1"/>
+              </a:cxn>
+              <a:cxn ang="0">
+                <a:pos x="connsiteX2" y="connsiteY2"/>
+              </a:cxn>
+              <a:cxn ang="0">
+                <a:pos x="connsiteX3" y="connsiteY3"/>
+              </a:cxn>
+              <a:cxn ang="0">
+                <a:pos x="connsiteX4" y="connsiteY4"/>
+              </a:cxn>
+            </a:cxnLst>
+            <a:rect l="l" t="t" r="r" b="b"/>
+            <a:pathLst>
+              <a:path w="2911691" h="3257043">
+                <a:moveTo>
+                  <a:pt x="0" y="0"/>
+                </a:moveTo>
+                <a:lnTo>
+                  <a:pt x="1227666" y="338666"/>
+                </a:lnTo>
+                <a:lnTo>
+                  <a:pt x="2911691" y="2936674"/>
+                </a:lnTo>
+                <a:lnTo>
+                  <a:pt x="1890888" y="3257043"/>
+                </a:lnTo>
+                <a:lnTo>
+                  <a:pt x="28222" y="70555"/>
+                </a:lnTo>
+              </a:path>
+            </a:pathLst>
+          </a:custGeom>
+          <a:ln>
+            <a:solidFill>
+              <a:schemeClr val="tx1"/>
+            </a:solidFill>
+          </a:ln>
+        </p:spPr>
+        <p:style>
+          <a:lnRef idx="2">
+            <a:schemeClr val="accent1"/>
+          </a:lnRef>
+          <a:fillRef idx="0">
+            <a:schemeClr val="accent1"/>
+          </a:fillRef>
+          <a:effectRef idx="1">
+            <a:schemeClr val="accent1"/>
+          </a:effectRef>
+          <a:fontRef idx="minor">
+            <a:schemeClr val="tx1"/>
+          </a:fontRef>
+        </p:style>
+        <p:txBody>
+          <a:bodyPr rtlCol="0" anchor="ctr"/>
+          <a:lstStyle/>
+          <a:p>
+            <a:pPr algn="ctr"/>
+            <a:endParaRPr lang="en-US"/>
+          </a:p>
+        </p:txBody>
+      </p:sp>
+      <p:sp>
+        <p:nvSpPr>
+          <p:cNvPr id="35" name="Trapezoid 34"/>
+          <p:cNvSpPr/>
+          <p:nvPr/>
+        </p:nvSpPr>
+        <p:spPr>
+          <a:xfrm rot="5400000">
+            <a:off x="4107605" y="4246725"/>
+            <a:ext cx="2467100" cy="1199649"/>
+          </a:xfrm>
+          <a:prstGeom prst="trapezoid">
+            <a:avLst>
+              <a:gd name="adj" fmla="val 20295"/>
+            </a:avLst>
+          </a:prstGeom>
+          <a:noFill/>
+          <a:ln w="28575" cmpd="sng">
+            <a:solidFill>
+              <a:schemeClr val="tx1"/>
+            </a:solidFill>
+            <a:prstDash val="dash"/>
+          </a:ln>
+        </p:spPr>
+        <p:style>
+          <a:lnRef idx="1">
+            <a:schemeClr val="accent1"/>
+          </a:lnRef>
+          <a:fillRef idx="3">
+            <a:schemeClr val="accent1"/>
+          </a:fillRef>
+          <a:effectRef idx="2">
+            <a:schemeClr val="accent1"/>
+          </a:effectRef>
+          <a:fontRef idx="minor">
+            <a:schemeClr val="lt1"/>
+          </a:fontRef>
+        </p:style>
+        <p:txBody>
+          <a:bodyPr rtlCol="0" anchor="ctr"/>
+          <a:lstStyle/>
+          <a:p>
+            <a:pPr algn="ctr"/>
+            <a:endParaRPr lang="en-US"/>
+          </a:p>
+        </p:txBody>
+      </p:sp>
+      <p:cxnSp>
+        <p:nvCxnSpPr>
+          <p:cNvPr id="36" name="Straight Arrow Connector 35"/>
+          <p:cNvCxnSpPr/>
+          <p:nvPr/>
+        </p:nvCxnSpPr>
+        <p:spPr>
+          <a:xfrm flipV="1">
+            <a:off x="6280328" y="4960005"/>
+            <a:ext cx="1507289" cy="1"/>
+          </a:xfrm>
+          <a:prstGeom prst="straightConnector1">
+            <a:avLst/>
+          </a:prstGeom>
+          <a:ln w="57150" cmpd="sng">
+            <a:tailEnd type="arrow"/>
+          </a:ln>
+        </p:spPr>
+        <p:style>
+          <a:lnRef idx="3">
+            <a:schemeClr val="accent2"/>
+          </a:lnRef>
+          <a:fillRef idx="0">
+            <a:schemeClr val="accent2"/>
+          </a:fillRef>
+          <a:effectRef idx="2">
+            <a:schemeClr val="accent2"/>
+          </a:effectRef>
+          <a:fontRef idx="minor">
+            <a:schemeClr val="tx1"/>
+          </a:fontRef>
+        </p:style>
+      </p:cxnSp>
+      <p:cxnSp>
+        <p:nvCxnSpPr>
+          <p:cNvPr id="38" name="Straight Arrow Connector 37"/>
+          <p:cNvCxnSpPr/>
+          <p:nvPr/>
+        </p:nvCxnSpPr>
+        <p:spPr>
+          <a:xfrm flipV="1">
+            <a:off x="6280328" y="4092222"/>
+            <a:ext cx="1354889" cy="867783"/>
+          </a:xfrm>
+          <a:prstGeom prst="straightConnector1">
+            <a:avLst/>
+          </a:prstGeom>
+          <a:ln w="57150" cmpd="sng">
+            <a:solidFill>
+              <a:srgbClr val="008000"/>
+            </a:solidFill>
+            <a:tailEnd type="arrow"/>
+          </a:ln>
+        </p:spPr>
+        <p:style>
+          <a:lnRef idx="3">
+            <a:schemeClr val="accent2"/>
+          </a:lnRef>
+          <a:fillRef idx="0">
+            <a:schemeClr val="accent2"/>
+          </a:fillRef>
+          <a:effectRef idx="2">
+            <a:schemeClr val="accent2"/>
+          </a:effectRef>
+          <a:fontRef idx="minor">
+            <a:schemeClr val="tx1"/>
+          </a:fontRef>
+        </p:style>
+      </p:cxnSp>
+      <p:pic>
+        <p:nvPicPr>
+          <p:cNvPr id="41" name="Picture 40" descr="latex-image-1.pdf"/>
+          <p:cNvPicPr>
+            <a:picLocks noChangeAspect="1"/>
+          </p:cNvPicPr>
+          <p:nvPr/>
+        </p:nvPicPr>
+        <p:blipFill>
+          <a:blip r:embed="rId5">
+            <a:alphaModFix/>
+            <a:extLst>
+              <a:ext uri="{28A0092B-C50C-407E-A947-70E740481C1C}">
+                <a14:useLocalDpi xmlns:a14="http://schemas.microsoft.com/office/drawing/2010/main" val="0"/>
+              </a:ext>
+            </a:extLst>
+          </a:blip>
+          <a:stretch>
+            <a:fillRect/>
+          </a:stretch>
+        </p:blipFill>
+        <p:spPr>
+          <a:xfrm>
+            <a:off x="2391423" y="3155800"/>
+            <a:ext cx="342900" cy="457200"/>
+          </a:xfrm>
+          <a:prstGeom prst="rect">
+            <a:avLst/>
+          </a:prstGeom>
+          <a:solidFill>
+            <a:schemeClr val="bg1"/>
+          </a:solidFill>
+        </p:spPr>
+      </p:pic>
+      <p:pic>
+        <p:nvPicPr>
+          <p:cNvPr id="42" name="Picture 41" descr="latex-image-1.pdf"/>
+          <p:cNvPicPr>
+            <a:picLocks noChangeAspect="1"/>
+          </p:cNvPicPr>
+          <p:nvPr/>
+        </p:nvPicPr>
+        <p:blipFill>
+          <a:blip r:embed="rId6">
+            <a:extLst>
+              <a:ext uri="{28A0092B-C50C-407E-A947-70E740481C1C}">
+                <a14:useLocalDpi xmlns:a14="http://schemas.microsoft.com/office/drawing/2010/main" val="0"/>
+              </a:ext>
+            </a:extLst>
+          </a:blip>
+          <a:stretch>
+            <a:fillRect/>
+          </a:stretch>
+        </p:blipFill>
+        <p:spPr>
+          <a:xfrm>
+            <a:off x="6981415" y="3617887"/>
+            <a:ext cx="368300" cy="457200"/>
+          </a:xfrm>
+          <a:prstGeom prst="rect">
+            <a:avLst/>
+          </a:prstGeom>
+          <a:solidFill>
+            <a:schemeClr val="bg1"/>
+          </a:solidFill>
+        </p:spPr>
+      </p:pic>
+      <p:pic>
+        <p:nvPicPr>
+          <p:cNvPr id="43" name="Picture 42" descr="latex-image-1.pdf"/>
+          <p:cNvPicPr>
+            <a:picLocks noChangeAspect="1"/>
+          </p:cNvPicPr>
+          <p:nvPr/>
+        </p:nvPicPr>
+        <p:blipFill>
+          <a:blip r:embed="rId5">
+            <a:alphaModFix/>
+            <a:extLst>
+              <a:ext uri="{28A0092B-C50C-407E-A947-70E740481C1C}">
+                <a14:useLocalDpi xmlns:a14="http://schemas.microsoft.com/office/drawing/2010/main" val="0"/>
+              </a:ext>
+            </a:extLst>
+          </a:blip>
+          <a:stretch>
+            <a:fillRect/>
+          </a:stretch>
+        </p:blipFill>
+        <p:spPr>
+          <a:xfrm>
+            <a:off x="7779918" y="4362424"/>
+            <a:ext cx="342900" cy="457200"/>
+          </a:xfrm>
+          <a:prstGeom prst="rect">
+            <a:avLst/>
+          </a:prstGeom>
+          <a:solidFill>
+            <a:schemeClr val="bg1"/>
+          </a:solidFill>
+        </p:spPr>
+      </p:pic>
+      <p:pic>
+        <p:nvPicPr>
+          <p:cNvPr id="44" name="Picture 43" descr="latex-image-1.pdf"/>
+          <p:cNvPicPr>
+            <a:picLocks noChangeAspect="1"/>
+          </p:cNvPicPr>
+          <p:nvPr/>
+        </p:nvPicPr>
+        <p:blipFill>
+          <a:blip r:embed="rId7">
+            <a:extLst>
+              <a:ext uri="{28A0092B-C50C-407E-A947-70E740481C1C}">
+                <a14:useLocalDpi xmlns:a14="http://schemas.microsoft.com/office/drawing/2010/main" val="0"/>
+              </a:ext>
+            </a:extLst>
+          </a:blip>
+          <a:stretch>
+            <a:fillRect/>
+          </a:stretch>
+        </p:blipFill>
+        <p:spPr>
+          <a:xfrm>
+            <a:off x="4798321" y="4073519"/>
+            <a:ext cx="232610" cy="271378"/>
+          </a:xfrm>
+          <a:prstGeom prst="rect">
+            <a:avLst/>
+          </a:prstGeom>
+          <a:solidFill>
+            <a:srgbClr val="FFFFFF"/>
+          </a:solidFill>
+        </p:spPr>
+      </p:pic>
+      <p:sp>
+        <p:nvSpPr>
+          <p:cNvPr id="46" name="Freeform 45"/>
+          <p:cNvSpPr/>
+          <p:nvPr/>
+        </p:nvSpPr>
+        <p:spPr>
+          <a:xfrm>
+            <a:off x="4741333" y="4303890"/>
+            <a:ext cx="507999" cy="133102"/>
+          </a:xfrm>
+          <a:custGeom>
+            <a:avLst/>
+            <a:gdLst>
+              <a:gd name="connsiteX0" fmla="*/ 0 w 536222"/>
+              <a:gd name="connsiteY0" fmla="*/ 0 h 338679"/>
+              <a:gd name="connsiteX1" fmla="*/ 239889 w 536222"/>
+              <a:gd name="connsiteY1" fmla="*/ 338667 h 338679"/>
+              <a:gd name="connsiteX2" fmla="*/ 536222 w 536222"/>
+              <a:gd name="connsiteY2" fmla="*/ 14111 h 338679"/>
+            </a:gdLst>
+            <a:ahLst/>
+            <a:cxnLst>
+              <a:cxn ang="0">
+                <a:pos x="connsiteX0" y="connsiteY0"/>
+              </a:cxn>
+              <a:cxn ang="0">
+                <a:pos x="connsiteX1" y="connsiteY1"/>
+              </a:cxn>
+              <a:cxn ang="0">
+                <a:pos x="connsiteX2" y="connsiteY2"/>
+              </a:cxn>
+            </a:cxnLst>
+            <a:rect l="l" t="t" r="r" b="b"/>
+            <a:pathLst>
+              <a:path w="536222" h="338679">
+                <a:moveTo>
+                  <a:pt x="0" y="0"/>
+                </a:moveTo>
+                <a:cubicBezTo>
+                  <a:pt x="75259" y="168157"/>
+                  <a:pt x="150519" y="336315"/>
+                  <a:pt x="239889" y="338667"/>
+                </a:cubicBezTo>
+                <a:cubicBezTo>
+                  <a:pt x="329259" y="341019"/>
+                  <a:pt x="536222" y="14111"/>
+                  <a:pt x="536222" y="14111"/>
+                </a:cubicBezTo>
+              </a:path>
+            </a:pathLst>
+          </a:custGeom>
+        </p:spPr>
+        <p:style>
+          <a:lnRef idx="2">
+            <a:schemeClr val="dk1"/>
+          </a:lnRef>
+          <a:fillRef idx="0">
+            <a:schemeClr val="dk1"/>
+          </a:fillRef>
+          <a:effectRef idx="1">
+            <a:schemeClr val="dk1"/>
+          </a:effectRef>
+          <a:fontRef idx="minor">
+            <a:schemeClr val="tx1"/>
+          </a:fontRef>
+        </p:style>
+        <p:txBody>
+          <a:bodyPr rtlCol="0" anchor="ctr"/>
+          <a:lstStyle/>
+          <a:p>
+            <a:pPr algn="ctr"/>
+            <a:endParaRPr lang="en-US"/>
+          </a:p>
+        </p:txBody>
+      </p:sp>
+      <p:pic>
+        <p:nvPicPr>
+          <p:cNvPr id="47" name="Picture 46" descr="latex-image-1.pdf"/>
+          <p:cNvPicPr>
+            <a:picLocks noChangeAspect="1"/>
+          </p:cNvPicPr>
+          <p:nvPr/>
+        </p:nvPicPr>
+        <p:blipFill>
+          <a:blip r:embed="rId8">
+            <a:extLst>
+              <a:ext uri="{28A0092B-C50C-407E-A947-70E740481C1C}">
+                <a14:useLocalDpi xmlns:a14="http://schemas.microsoft.com/office/drawing/2010/main" val="0"/>
+              </a:ext>
+            </a:extLst>
+          </a:blip>
+          <a:stretch>
+            <a:fillRect/>
+          </a:stretch>
+        </p:blipFill>
+        <p:spPr>
+          <a:xfrm>
+            <a:off x="3618265" y="5475111"/>
+            <a:ext cx="596900" cy="419100"/>
+          </a:xfrm>
+          <a:prstGeom prst="rect">
+            <a:avLst/>
+          </a:prstGeom>
+          <a:solidFill>
+            <a:srgbClr val="FFFFFF"/>
+          </a:solidFill>
+        </p:spPr>
+      </p:pic>
+      <p:pic>
+        <p:nvPicPr>
+          <p:cNvPr id="48" name="Picture 47" descr="latex-image-1.pdf"/>
+          <p:cNvPicPr>
+            <a:picLocks noChangeAspect="1"/>
+          </p:cNvPicPr>
+          <p:nvPr/>
+        </p:nvPicPr>
+        <p:blipFill>
+          <a:blip r:embed="rId9">
+            <a:extLst>
+              <a:ext uri="{28A0092B-C50C-407E-A947-70E740481C1C}">
+                <a14:useLocalDpi xmlns:a14="http://schemas.microsoft.com/office/drawing/2010/main" val="0"/>
+              </a:ext>
+            </a:extLst>
+          </a:blip>
+          <a:stretch>
+            <a:fillRect/>
+          </a:stretch>
+        </p:blipFill>
+        <p:spPr>
+          <a:xfrm>
+            <a:off x="2569223" y="6191288"/>
+            <a:ext cx="330200" cy="342900"/>
+          </a:xfrm>
+          <a:prstGeom prst="rect">
+            <a:avLst/>
+          </a:prstGeom>
+          <a:solidFill>
+            <a:srgbClr val="FFFFFF"/>
+          </a:solidFill>
+        </p:spPr>
+      </p:pic>
+      <p:pic>
+        <p:nvPicPr>
+          <p:cNvPr id="49" name="Picture 48" descr="latex-image-1.pdf"/>
+          <p:cNvPicPr>
+            <a:picLocks noChangeAspect="1"/>
+          </p:cNvPicPr>
+          <p:nvPr/>
+        </p:nvPicPr>
+        <p:blipFill>
+          <a:blip r:embed="rId9">
+            <a:extLst>
+              <a:ext uri="{28A0092B-C50C-407E-A947-70E740481C1C}">
+                <a14:useLocalDpi xmlns:a14="http://schemas.microsoft.com/office/drawing/2010/main" val="0"/>
+              </a:ext>
+            </a:extLst>
+          </a:blip>
+          <a:stretch>
+            <a:fillRect/>
+          </a:stretch>
+        </p:blipFill>
+        <p:spPr>
+          <a:xfrm>
+            <a:off x="7408431" y="6232525"/>
+            <a:ext cx="330200" cy="342900"/>
+          </a:xfrm>
+          <a:prstGeom prst="rect">
+            <a:avLst/>
+          </a:prstGeom>
+          <a:solidFill>
+            <a:srgbClr val="FFFFFF"/>
+          </a:solidFill>
+        </p:spPr>
+      </p:pic>
+      <p:cxnSp>
+        <p:nvCxnSpPr>
+          <p:cNvPr id="51" name="Straight Connector 50"/>
+          <p:cNvCxnSpPr>
+            <a:stCxn id="49" idx="1"/>
+          </p:cNvCxnSpPr>
+          <p:nvPr/>
+        </p:nvCxnSpPr>
+        <p:spPr>
+          <a:xfrm flipH="1" flipV="1">
+            <a:off x="6849141" y="5475111"/>
+            <a:ext cx="559290" cy="928864"/>
+          </a:xfrm>
+          <a:prstGeom prst="line">
+            <a:avLst/>
+          </a:prstGeom>
+        </p:spPr>
+        <p:style>
+          <a:lnRef idx="1">
+            <a:schemeClr val="dk1"/>
+          </a:lnRef>
+          <a:fillRef idx="0">
+            <a:schemeClr val="dk1"/>
+          </a:fillRef>
+          <a:effectRef idx="0">
+            <a:schemeClr val="dk1"/>
+          </a:effectRef>
+          <a:fontRef idx="minor">
+            <a:schemeClr val="tx1"/>
+          </a:fontRef>
+        </p:style>
+      </p:cxnSp>
+      <p:cxnSp>
+        <p:nvCxnSpPr>
+          <p:cNvPr id="53" name="Straight Connector 52"/>
+          <p:cNvCxnSpPr>
+            <a:stCxn id="47" idx="3"/>
+          </p:cNvCxnSpPr>
+          <p:nvPr/>
+        </p:nvCxnSpPr>
+        <p:spPr>
+          <a:xfrm flipV="1">
+            <a:off x="4215165" y="5180719"/>
+            <a:ext cx="815766" cy="503942"/>
+          </a:xfrm>
+          <a:prstGeom prst="line">
+            <a:avLst/>
+          </a:prstGeom>
+        </p:spPr>
+        <p:style>
+          <a:lnRef idx="1">
+            <a:schemeClr val="dk1"/>
+          </a:lnRef>
+          <a:fillRef idx="0">
+            <a:schemeClr val="dk1"/>
+          </a:fillRef>
+          <a:effectRef idx="0">
+            <a:schemeClr val="dk1"/>
+          </a:effectRef>
+          <a:fontRef idx="minor">
+            <a:schemeClr val="tx1"/>
+          </a:fontRef>
+        </p:style>
+      </p:cxnSp>
+      <p:cxnSp>
+        <p:nvCxnSpPr>
+          <p:cNvPr id="55" name="Straight Connector 54"/>
+          <p:cNvCxnSpPr>
+            <a:endCxn id="48" idx="1"/>
+          </p:cNvCxnSpPr>
+          <p:nvPr/>
+        </p:nvCxnSpPr>
+        <p:spPr>
+          <a:xfrm>
+            <a:off x="2003778" y="5894211"/>
+            <a:ext cx="565445" cy="468527"/>
+          </a:xfrm>
+          <a:prstGeom prst="line">
+            <a:avLst/>
+          </a:prstGeom>
+        </p:spPr>
+        <p:style>
+          <a:lnRef idx="1">
+            <a:schemeClr val="dk1"/>
+          </a:lnRef>
+          <a:fillRef idx="0">
+            <a:schemeClr val="dk1"/>
+          </a:fillRef>
+          <a:effectRef idx="0">
+            <a:schemeClr val="dk1"/>
+          </a:effectRef>
+          <a:fontRef idx="minor">
+            <a:schemeClr val="tx1"/>
+          </a:fontRef>
+        </p:style>
+      </p:cxnSp>
+      <p:pic>
+        <p:nvPicPr>
+          <p:cNvPr id="56" name="Picture 55" descr="latex-image-1.pdf"/>
+          <p:cNvPicPr>
+            <a:picLocks noChangeAspect="1"/>
+          </p:cNvPicPr>
+          <p:nvPr/>
+        </p:nvPicPr>
+        <p:blipFill>
+          <a:blip r:embed="rId7">
+            <a:extLst>
+              <a:ext uri="{28A0092B-C50C-407E-A947-70E740481C1C}">
+                <a14:useLocalDpi xmlns:a14="http://schemas.microsoft.com/office/drawing/2010/main" val="0"/>
+              </a:ext>
+            </a:extLst>
+          </a:blip>
+          <a:stretch>
+            <a:fillRect/>
+          </a:stretch>
+        </p:blipFill>
+        <p:spPr>
+          <a:xfrm>
+            <a:off x="7175821" y="4497297"/>
+            <a:ext cx="232610" cy="271378"/>
+          </a:xfrm>
+          <a:prstGeom prst="rect">
+            <a:avLst/>
+          </a:prstGeom>
+          <a:solidFill>
+            <a:srgbClr val="FFFFFF"/>
+          </a:solidFill>
+        </p:spPr>
+      </p:pic>
+    </p:spTree>
+    <p:extLst>
+      <p:ext uri="{BB962C8B-B14F-4D97-AF65-F5344CB8AC3E}">
+        <p14:creationId xmlns:p14="http://schemas.microsoft.com/office/powerpoint/2010/main" val="1782033312"/>
+      </p:ext>
+    </p:extLst>
+  </p:cSld>
+  <p:clrMapOvr>
+    <a:masterClrMapping/>
+  </p:clrMapOvr>
+</p:sld>
+</file>
+
+<file path=ppt/slides/slide5.xml><?xml version="1.0" encoding="utf-8"?>
+<p:sld xmlns:a="http://schemas.openxmlformats.org/drawingml/2006/main" xmlns:r="http://schemas.openxmlformats.org/officeDocument/2006/relationships" xmlns:p="http://schemas.openxmlformats.org/presentationml/2006/main">
+  <p:cSld>
+    <p:spTree>
+      <p:nvGrpSpPr>
+        <p:cNvPr id="1" name=""/>
+        <p:cNvGrpSpPr/>
+        <p:nvPr/>
+      </p:nvGrpSpPr>
+      <p:grpSpPr>
+        <a:xfrm>
+          <a:off x="0" y="0"/>
+          <a:ext cx="0" cy="0"/>
+          <a:chOff x="0" y="0"/>
+          <a:chExt cx="0" cy="0"/>
+        </a:xfrm>
+      </p:grpSpPr>
       <p:cxnSp>
         <p:nvCxnSpPr>
           <p:cNvPr id="34" name="Straight Arrow Connector 33"/>
@@ -4666,7 +7878,7 @@
 </p:sld>
 </file>
 
-<file path=ppt/slides/slide3.xml><?xml version="1.0" encoding="utf-8"?>
+<file path=ppt/slides/slide6.xml><?xml version="1.0" encoding="utf-8"?>
 <p:sld xmlns:a="http://schemas.openxmlformats.org/drawingml/2006/main" xmlns:r="http://schemas.openxmlformats.org/officeDocument/2006/relationships" xmlns:p="http://schemas.openxmlformats.org/presentationml/2006/main">
   <p:cSld>
     <p:spTree>
@@ -5295,7 +8507,7 @@
 </p:sld>
 </file>
 
-<file path=ppt/slides/slide4.xml><?xml version="1.0" encoding="utf-8"?>
+<file path=ppt/slides/slide7.xml><?xml version="1.0" encoding="utf-8"?>
 <p:sld xmlns:a="http://schemas.openxmlformats.org/drawingml/2006/main" xmlns:r="http://schemas.openxmlformats.org/officeDocument/2006/relationships" xmlns:p="http://schemas.openxmlformats.org/presentationml/2006/main">
   <p:cSld>
     <p:spTree>
@@ -5739,6 +8951,594 @@
     <p:extLst>
       <p:ext uri="{BB962C8B-B14F-4D97-AF65-F5344CB8AC3E}">
         <p14:creationId xmlns:p14="http://schemas.microsoft.com/office/powerpoint/2010/main" val="3620522644"/>
+      </p:ext>
+    </p:extLst>
+  </p:cSld>
+  <p:clrMapOvr>
+    <a:masterClrMapping/>
+  </p:clrMapOvr>
+</p:sld>
+</file>
+
+<file path=ppt/slides/slide8.xml><?xml version="1.0" encoding="utf-8"?>
+<p:sld xmlns:a="http://schemas.openxmlformats.org/drawingml/2006/main" xmlns:r="http://schemas.openxmlformats.org/officeDocument/2006/relationships" xmlns:p="http://schemas.openxmlformats.org/presentationml/2006/main">
+  <p:cSld>
+    <p:spTree>
+      <p:nvGrpSpPr>
+        <p:cNvPr id="1" name=""/>
+        <p:cNvGrpSpPr/>
+        <p:nvPr/>
+      </p:nvGrpSpPr>
+      <p:grpSpPr>
+        <a:xfrm>
+          <a:off x="0" y="0"/>
+          <a:ext cx="0" cy="0"/>
+          <a:chOff x="0" y="0"/>
+          <a:chExt cx="0" cy="0"/>
+        </a:xfrm>
+      </p:grpSpPr>
+      <p:grpSp>
+        <p:nvGrpSpPr>
+          <p:cNvPr id="4" name="Group 3"/>
+          <p:cNvGrpSpPr/>
+          <p:nvPr/>
+        </p:nvGrpSpPr>
+        <p:grpSpPr>
+          <a:xfrm rot="20431781">
+            <a:off x="3667261" y="3005260"/>
+            <a:ext cx="2189150" cy="2279155"/>
+            <a:chOff x="3649067" y="3077465"/>
+            <a:chExt cx="2189150" cy="2279155"/>
+          </a:xfrm>
+        </p:grpSpPr>
+        <p:cxnSp>
+          <p:nvCxnSpPr>
+            <p:cNvPr id="5" name="Straight Arrow Connector 4"/>
+            <p:cNvCxnSpPr/>
+            <p:nvPr/>
+          </p:nvCxnSpPr>
+          <p:spPr>
+            <a:xfrm rot="1168219" flipV="1">
+              <a:off x="4714862" y="3206489"/>
+              <a:ext cx="1123355" cy="1140993"/>
+            </a:xfrm>
+            <a:prstGeom prst="straightConnector1">
+              <a:avLst/>
+            </a:prstGeom>
+            <a:ln>
+              <a:tailEnd type="arrow"/>
+            </a:ln>
+          </p:spPr>
+          <p:style>
+            <a:lnRef idx="3">
+              <a:schemeClr val="dk1"/>
+            </a:lnRef>
+            <a:fillRef idx="0">
+              <a:schemeClr val="dk1"/>
+            </a:fillRef>
+            <a:effectRef idx="2">
+              <a:schemeClr val="dk1"/>
+            </a:effectRef>
+            <a:fontRef idx="minor">
+              <a:schemeClr val="tx1"/>
+            </a:fontRef>
+          </p:style>
+        </p:cxnSp>
+        <p:cxnSp>
+          <p:nvCxnSpPr>
+            <p:cNvPr id="6" name="Straight Arrow Connector 5"/>
+            <p:cNvCxnSpPr/>
+            <p:nvPr/>
+          </p:nvCxnSpPr>
+          <p:spPr>
+            <a:xfrm rot="1168219">
+              <a:off x="4348722" y="4135711"/>
+              <a:ext cx="366641" cy="1220909"/>
+            </a:xfrm>
+            <a:prstGeom prst="straightConnector1">
+              <a:avLst/>
+            </a:prstGeom>
+            <a:ln>
+              <a:tailEnd type="arrow"/>
+            </a:ln>
+          </p:spPr>
+          <p:style>
+            <a:lnRef idx="3">
+              <a:schemeClr val="dk1"/>
+            </a:lnRef>
+            <a:fillRef idx="0">
+              <a:schemeClr val="dk1"/>
+            </a:fillRef>
+            <a:effectRef idx="2">
+              <a:schemeClr val="dk1"/>
+            </a:effectRef>
+            <a:fontRef idx="minor">
+              <a:schemeClr val="tx1"/>
+            </a:fontRef>
+          </p:style>
+        </p:cxnSp>
+        <p:cxnSp>
+          <p:nvCxnSpPr>
+            <p:cNvPr id="7" name="Straight Arrow Connector 6"/>
+            <p:cNvCxnSpPr/>
+            <p:nvPr/>
+          </p:nvCxnSpPr>
+          <p:spPr>
+            <a:xfrm rot="1168219" flipH="1" flipV="1">
+              <a:off x="3649067" y="3077465"/>
+              <a:ext cx="1096993" cy="912109"/>
+            </a:xfrm>
+            <a:prstGeom prst="straightConnector1">
+              <a:avLst/>
+            </a:prstGeom>
+            <a:ln>
+              <a:tailEnd type="arrow"/>
+            </a:ln>
+          </p:spPr>
+          <p:style>
+            <a:lnRef idx="3">
+              <a:schemeClr val="dk1"/>
+            </a:lnRef>
+            <a:fillRef idx="0">
+              <a:schemeClr val="dk1"/>
+            </a:fillRef>
+            <a:effectRef idx="2">
+              <a:schemeClr val="dk1"/>
+            </a:effectRef>
+            <a:fontRef idx="minor">
+              <a:schemeClr val="tx1"/>
+            </a:fontRef>
+          </p:style>
+        </p:cxnSp>
+      </p:grpSp>
+      <p:sp>
+        <p:nvSpPr>
+          <p:cNvPr id="8" name="Oval 7"/>
+          <p:cNvSpPr/>
+          <p:nvPr/>
+        </p:nvSpPr>
+        <p:spPr>
+          <a:xfrm>
+            <a:off x="4461224" y="4056450"/>
+            <a:ext cx="215287" cy="215287"/>
+          </a:xfrm>
+          <a:prstGeom prst="ellipse">
+            <a:avLst/>
+          </a:prstGeom>
+        </p:spPr>
+        <p:style>
+          <a:lnRef idx="1">
+            <a:schemeClr val="dk1"/>
+          </a:lnRef>
+          <a:fillRef idx="2">
+            <a:schemeClr val="dk1"/>
+          </a:fillRef>
+          <a:effectRef idx="1">
+            <a:schemeClr val="dk1"/>
+          </a:effectRef>
+          <a:fontRef idx="minor">
+            <a:schemeClr val="dk1"/>
+          </a:fontRef>
+        </p:style>
+        <p:txBody>
+          <a:bodyPr rtlCol="0" anchor="ctr"/>
+          <a:lstStyle/>
+          <a:p>
+            <a:pPr algn="ctr"/>
+            <a:endParaRPr lang="en-US"/>
+          </a:p>
+        </p:txBody>
+      </p:sp>
+      <p:pic>
+        <p:nvPicPr>
+          <p:cNvPr id="10" name="Picture 9"/>
+          <p:cNvPicPr>
+            <a:picLocks noChangeAspect="1"/>
+          </p:cNvPicPr>
+          <p:nvPr/>
+        </p:nvPicPr>
+        <p:blipFill>
+          <a:blip r:embed="rId2"/>
+          <a:stretch>
+            <a:fillRect/>
+          </a:stretch>
+        </p:blipFill>
+        <p:spPr>
+          <a:xfrm>
+            <a:off x="5348170" y="3318384"/>
+            <a:ext cx="254295" cy="339060"/>
+          </a:xfrm>
+          <a:prstGeom prst="rect">
+            <a:avLst/>
+          </a:prstGeom>
+        </p:spPr>
+      </p:pic>
+      <p:cxnSp>
+        <p:nvCxnSpPr>
+          <p:cNvPr id="11" name="Straight Arrow Connector 10"/>
+          <p:cNvCxnSpPr/>
+          <p:nvPr/>
+        </p:nvCxnSpPr>
+        <p:spPr>
+          <a:xfrm flipV="1">
+            <a:off x="4559763" y="2862584"/>
+            <a:ext cx="0" cy="1299555"/>
+          </a:xfrm>
+          <a:prstGeom prst="straightConnector1">
+            <a:avLst/>
+          </a:prstGeom>
+          <a:ln>
+            <a:tailEnd type="arrow"/>
+          </a:ln>
+        </p:spPr>
+        <p:style>
+          <a:lnRef idx="2">
+            <a:schemeClr val="accent2"/>
+          </a:lnRef>
+          <a:fillRef idx="0">
+            <a:schemeClr val="accent2"/>
+          </a:fillRef>
+          <a:effectRef idx="1">
+            <a:schemeClr val="accent2"/>
+          </a:effectRef>
+          <a:fontRef idx="minor">
+            <a:schemeClr val="tx1"/>
+          </a:fontRef>
+        </p:style>
+      </p:cxnSp>
+      <p:cxnSp>
+        <p:nvCxnSpPr>
+          <p:cNvPr id="12" name="Straight Arrow Connector 11"/>
+          <p:cNvCxnSpPr/>
+          <p:nvPr/>
+        </p:nvCxnSpPr>
+        <p:spPr>
+          <a:xfrm flipV="1">
+            <a:off x="4559763" y="4162139"/>
+            <a:ext cx="1442870" cy="1"/>
+          </a:xfrm>
+          <a:prstGeom prst="straightConnector1">
+            <a:avLst/>
+          </a:prstGeom>
+          <a:ln>
+            <a:tailEnd type="arrow"/>
+          </a:ln>
+        </p:spPr>
+        <p:style>
+          <a:lnRef idx="2">
+            <a:schemeClr val="accent2"/>
+          </a:lnRef>
+          <a:fillRef idx="0">
+            <a:schemeClr val="accent2"/>
+          </a:fillRef>
+          <a:effectRef idx="1">
+            <a:schemeClr val="accent2"/>
+          </a:effectRef>
+          <a:fontRef idx="minor">
+            <a:schemeClr val="tx1"/>
+          </a:fontRef>
+        </p:style>
+      </p:cxnSp>
+      <p:cxnSp>
+        <p:nvCxnSpPr>
+          <p:cNvPr id="13" name="Straight Arrow Connector 12"/>
+          <p:cNvCxnSpPr/>
+          <p:nvPr/>
+        </p:nvCxnSpPr>
+        <p:spPr>
+          <a:xfrm flipH="1">
+            <a:off x="3818018" y="4162140"/>
+            <a:ext cx="741746" cy="818425"/>
+          </a:xfrm>
+          <a:prstGeom prst="straightConnector1">
+            <a:avLst/>
+          </a:prstGeom>
+          <a:ln>
+            <a:tailEnd type="arrow"/>
+          </a:ln>
+        </p:spPr>
+        <p:style>
+          <a:lnRef idx="2">
+            <a:schemeClr val="accent2"/>
+          </a:lnRef>
+          <a:fillRef idx="0">
+            <a:schemeClr val="accent2"/>
+          </a:fillRef>
+          <a:effectRef idx="1">
+            <a:schemeClr val="accent2"/>
+          </a:effectRef>
+          <a:fontRef idx="minor">
+            <a:schemeClr val="tx1"/>
+          </a:fontRef>
+        </p:style>
+      </p:cxnSp>
+      <p:pic>
+        <p:nvPicPr>
+          <p:cNvPr id="14" name="Picture 13"/>
+          <p:cNvPicPr>
+            <a:picLocks noChangeAspect="1"/>
+          </p:cNvPicPr>
+          <p:nvPr/>
+        </p:nvPicPr>
+        <p:blipFill>
+          <a:blip r:embed="rId3"/>
+          <a:stretch>
+            <a:fillRect/>
+          </a:stretch>
+        </p:blipFill>
+        <p:spPr>
+          <a:xfrm>
+            <a:off x="5881983" y="4300235"/>
+            <a:ext cx="241300" cy="215900"/>
+          </a:xfrm>
+          <a:prstGeom prst="rect">
+            <a:avLst/>
+          </a:prstGeom>
+        </p:spPr>
+      </p:pic>
+      <p:pic>
+        <p:nvPicPr>
+          <p:cNvPr id="15" name="Picture 14"/>
+          <p:cNvPicPr>
+            <a:picLocks noChangeAspect="1"/>
+          </p:cNvPicPr>
+          <p:nvPr/>
+        </p:nvPicPr>
+        <p:blipFill>
+          <a:blip r:embed="rId4"/>
+          <a:stretch>
+            <a:fillRect/>
+          </a:stretch>
+        </p:blipFill>
+        <p:spPr>
+          <a:xfrm>
+            <a:off x="3818018" y="5045361"/>
+            <a:ext cx="215900" cy="215900"/>
+          </a:xfrm>
+          <a:prstGeom prst="rect">
+            <a:avLst/>
+          </a:prstGeom>
+        </p:spPr>
+      </p:pic>
+      <p:pic>
+        <p:nvPicPr>
+          <p:cNvPr id="16" name="Picture 15"/>
+          <p:cNvPicPr>
+            <a:picLocks noChangeAspect="1"/>
+          </p:cNvPicPr>
+          <p:nvPr/>
+        </p:nvPicPr>
+        <p:blipFill>
+          <a:blip r:embed="rId5"/>
+          <a:stretch>
+            <a:fillRect/>
+          </a:stretch>
+        </p:blipFill>
+        <p:spPr>
+          <a:xfrm>
+            <a:off x="4233912" y="2862584"/>
+            <a:ext cx="215900" cy="304800"/>
+          </a:xfrm>
+          <a:prstGeom prst="rect">
+            <a:avLst/>
+          </a:prstGeom>
+        </p:spPr>
+      </p:pic>
+      <p:sp>
+        <p:nvSpPr>
+          <p:cNvPr id="17" name="Oval 16"/>
+          <p:cNvSpPr/>
+          <p:nvPr/>
+        </p:nvSpPr>
+        <p:spPr>
+          <a:xfrm>
+            <a:off x="3759628" y="3392023"/>
+            <a:ext cx="1588542" cy="1588542"/>
+          </a:xfrm>
+          <a:prstGeom prst="ellipse">
+            <a:avLst/>
+          </a:prstGeom>
+          <a:solidFill>
+            <a:schemeClr val="accent1">
+              <a:lumMod val="60000"/>
+              <a:lumOff val="40000"/>
+              <a:alpha val="27000"/>
+            </a:schemeClr>
+          </a:solidFill>
+          <a:ln>
+            <a:solidFill>
+              <a:schemeClr val="tx1"/>
+            </a:solidFill>
+            <a:prstDash val="sysDash"/>
+          </a:ln>
+          <a:effectLst/>
+        </p:spPr>
+        <p:style>
+          <a:lnRef idx="1">
+            <a:schemeClr val="accent1"/>
+          </a:lnRef>
+          <a:fillRef idx="3">
+            <a:schemeClr val="accent1"/>
+          </a:fillRef>
+          <a:effectRef idx="2">
+            <a:schemeClr val="accent1"/>
+          </a:effectRef>
+          <a:fontRef idx="minor">
+            <a:schemeClr val="lt1"/>
+          </a:fontRef>
+        </p:style>
+        <p:txBody>
+          <a:bodyPr rtlCol="0" anchor="ctr"/>
+          <a:lstStyle/>
+          <a:p>
+            <a:pPr algn="ctr"/>
+            <a:endParaRPr lang="en-US"/>
+          </a:p>
+        </p:txBody>
+      </p:sp>
+      <p:pic>
+        <p:nvPicPr>
+          <p:cNvPr id="19" name="Picture 18" descr="latex-image-1.pdf"/>
+          <p:cNvPicPr>
+            <a:picLocks noChangeAspect="1"/>
+          </p:cNvPicPr>
+          <p:nvPr/>
+        </p:nvPicPr>
+        <p:blipFill>
+          <a:blip r:embed="rId6">
+            <a:extLst>
+              <a:ext uri="{28A0092B-C50C-407E-A947-70E740481C1C}">
+                <a14:useLocalDpi xmlns:a14="http://schemas.microsoft.com/office/drawing/2010/main" val="0"/>
+              </a:ext>
+            </a:extLst>
+          </a:blip>
+          <a:stretch>
+            <a:fillRect/>
+          </a:stretch>
+        </p:blipFill>
+        <p:spPr>
+          <a:xfrm>
+            <a:off x="4799268" y="4204523"/>
+            <a:ext cx="245512" cy="311612"/>
+          </a:xfrm>
+          <a:prstGeom prst="rect">
+            <a:avLst/>
+          </a:prstGeom>
+        </p:spPr>
+      </p:pic>
+      <p:cxnSp>
+        <p:nvCxnSpPr>
+          <p:cNvPr id="21" name="Straight Arrow Connector 20"/>
+          <p:cNvCxnSpPr>
+            <a:endCxn id="17" idx="2"/>
+          </p:cNvCxnSpPr>
+          <p:nvPr/>
+        </p:nvCxnSpPr>
+        <p:spPr>
+          <a:xfrm flipH="1">
+            <a:off x="3759628" y="4162139"/>
+            <a:ext cx="808023" cy="24155"/>
+          </a:xfrm>
+          <a:prstGeom prst="straightConnector1">
+            <a:avLst/>
+          </a:prstGeom>
+          <a:ln>
+            <a:headEnd type="none"/>
+            <a:tailEnd type="triangle"/>
+          </a:ln>
+        </p:spPr>
+        <p:style>
+          <a:lnRef idx="1">
+            <a:schemeClr val="dk1"/>
+          </a:lnRef>
+          <a:fillRef idx="0">
+            <a:schemeClr val="dk1"/>
+          </a:fillRef>
+          <a:effectRef idx="0">
+            <a:schemeClr val="dk1"/>
+          </a:effectRef>
+          <a:fontRef idx="minor">
+            <a:schemeClr val="tx1"/>
+          </a:fontRef>
+        </p:style>
+      </p:cxnSp>
+      <p:pic>
+        <p:nvPicPr>
+          <p:cNvPr id="22" name="Picture 21" descr="latex-image-1.pdf"/>
+          <p:cNvPicPr>
+            <a:picLocks noChangeAspect="1"/>
+          </p:cNvPicPr>
+          <p:nvPr/>
+        </p:nvPicPr>
+        <p:blipFill>
+          <a:blip r:embed="rId7">
+            <a:extLst>
+              <a:ext uri="{28A0092B-C50C-407E-A947-70E740481C1C}">
+                <a14:useLocalDpi xmlns:a14="http://schemas.microsoft.com/office/drawing/2010/main" val="0"/>
+              </a:ext>
+            </a:extLst>
+          </a:blip>
+          <a:stretch>
+            <a:fillRect/>
+          </a:stretch>
+        </p:blipFill>
+        <p:spPr>
+          <a:xfrm>
+            <a:off x="3692604" y="3805623"/>
+            <a:ext cx="250827" cy="250827"/>
+          </a:xfrm>
+          <a:prstGeom prst="rect">
+            <a:avLst/>
+          </a:prstGeom>
+        </p:spPr>
+      </p:pic>
+      <p:cxnSp>
+        <p:nvCxnSpPr>
+          <p:cNvPr id="24" name="Straight Arrow Connector 23"/>
+          <p:cNvCxnSpPr/>
+          <p:nvPr/>
+        </p:nvCxnSpPr>
+        <p:spPr>
+          <a:xfrm flipV="1">
+            <a:off x="4799889" y="3021266"/>
+            <a:ext cx="245512" cy="410199"/>
+          </a:xfrm>
+          <a:prstGeom prst="straightConnector1">
+            <a:avLst/>
+          </a:prstGeom>
+          <a:ln>
+            <a:tailEnd type="arrow"/>
+          </a:ln>
+        </p:spPr>
+        <p:style>
+          <a:lnRef idx="2">
+            <a:schemeClr val="dk1"/>
+          </a:lnRef>
+          <a:fillRef idx="0">
+            <a:schemeClr val="dk1"/>
+          </a:fillRef>
+          <a:effectRef idx="1">
+            <a:schemeClr val="dk1"/>
+          </a:effectRef>
+          <a:fontRef idx="minor">
+            <a:schemeClr val="tx1"/>
+          </a:fontRef>
+        </p:style>
+      </p:cxnSp>
+      <p:pic>
+        <p:nvPicPr>
+          <p:cNvPr id="25" name="Picture 24" descr="latex-image-1.pdf"/>
+          <p:cNvPicPr>
+            <a:picLocks noChangeAspect="1"/>
+          </p:cNvPicPr>
+          <p:nvPr/>
+        </p:nvPicPr>
+        <p:blipFill>
+          <a:blip r:embed="rId8">
+            <a:extLst>
+              <a:ext uri="{28A0092B-C50C-407E-A947-70E740481C1C}">
+                <a14:useLocalDpi xmlns:a14="http://schemas.microsoft.com/office/drawing/2010/main" val="0"/>
+              </a:ext>
+            </a:extLst>
+          </a:blip>
+          <a:stretch>
+            <a:fillRect/>
+          </a:stretch>
+        </p:blipFill>
+        <p:spPr>
+          <a:xfrm>
+            <a:off x="4942878" y="2727344"/>
+            <a:ext cx="266367" cy="293922"/>
+          </a:xfrm>
+          <a:prstGeom prst="rect">
+            <a:avLst/>
+          </a:prstGeom>
+        </p:spPr>
+      </p:pic>
+    </p:spTree>
+    <p:extLst>
+      <p:ext uri="{BB962C8B-B14F-4D97-AF65-F5344CB8AC3E}">
+        <p14:creationId xmlns:p14="http://schemas.microsoft.com/office/powerpoint/2010/main" val="77385394"/>
       </p:ext>
     </p:extLst>
   </p:cSld>

--- a/figures/Presentation1.pptx
+++ b/figures/Presentation1.pptx
@@ -13,6 +13,10 @@
     <p:sldId id="259" r:id="rId7"/>
     <p:sldId id="257" r:id="rId8"/>
     <p:sldId id="264" r:id="rId9"/>
+    <p:sldId id="265" r:id="rId10"/>
+    <p:sldId id="266" r:id="rId11"/>
+    <p:sldId id="267" r:id="rId12"/>
+    <p:sldId id="268" r:id="rId13"/>
   </p:sldIdLst>
   <p:sldSz cx="9144000" cy="6858000" type="screen4x3"/>
   <p:notesSz cx="6858000" cy="9144000"/>
@@ -295,7 +299,7 @@
           <a:p>
             <a:fld id="{72DE86F5-D0C9-5448-802F-684C9422712B}" type="datetimeFigureOut">
               <a:rPr lang="en-US" smtClean="0"/>
-              <a:t>28/3/18</a:t>
+              <a:t>8/4/18</a:t>
             </a:fld>
             <a:endParaRPr lang="en-US"/>
           </a:p>
@@ -465,7 +469,7 @@
           <a:p>
             <a:fld id="{72DE86F5-D0C9-5448-802F-684C9422712B}" type="datetimeFigureOut">
               <a:rPr lang="en-US" smtClean="0"/>
-              <a:t>28/3/18</a:t>
+              <a:t>8/4/18</a:t>
             </a:fld>
             <a:endParaRPr lang="en-US"/>
           </a:p>
@@ -645,7 +649,7 @@
           <a:p>
             <a:fld id="{72DE86F5-D0C9-5448-802F-684C9422712B}" type="datetimeFigureOut">
               <a:rPr lang="en-US" smtClean="0"/>
-              <a:t>28/3/18</a:t>
+              <a:t>8/4/18</a:t>
             </a:fld>
             <a:endParaRPr lang="en-US"/>
           </a:p>
@@ -815,7 +819,7 @@
           <a:p>
             <a:fld id="{72DE86F5-D0C9-5448-802F-684C9422712B}" type="datetimeFigureOut">
               <a:rPr lang="en-US" smtClean="0"/>
-              <a:t>28/3/18</a:t>
+              <a:t>8/4/18</a:t>
             </a:fld>
             <a:endParaRPr lang="en-US"/>
           </a:p>
@@ -1061,7 +1065,7 @@
           <a:p>
             <a:fld id="{72DE86F5-D0C9-5448-802F-684C9422712B}" type="datetimeFigureOut">
               <a:rPr lang="en-US" smtClean="0"/>
-              <a:t>28/3/18</a:t>
+              <a:t>8/4/18</a:t>
             </a:fld>
             <a:endParaRPr lang="en-US"/>
           </a:p>
@@ -1349,7 +1353,7 @@
           <a:p>
             <a:fld id="{72DE86F5-D0C9-5448-802F-684C9422712B}" type="datetimeFigureOut">
               <a:rPr lang="en-US" smtClean="0"/>
-              <a:t>28/3/18</a:t>
+              <a:t>8/4/18</a:t>
             </a:fld>
             <a:endParaRPr lang="en-US"/>
           </a:p>
@@ -1771,7 +1775,7 @@
           <a:p>
             <a:fld id="{72DE86F5-D0C9-5448-802F-684C9422712B}" type="datetimeFigureOut">
               <a:rPr lang="en-US" smtClean="0"/>
-              <a:t>28/3/18</a:t>
+              <a:t>8/4/18</a:t>
             </a:fld>
             <a:endParaRPr lang="en-US"/>
           </a:p>
@@ -1889,7 +1893,7 @@
           <a:p>
             <a:fld id="{72DE86F5-D0C9-5448-802F-684C9422712B}" type="datetimeFigureOut">
               <a:rPr lang="en-US" smtClean="0"/>
-              <a:t>28/3/18</a:t>
+              <a:t>8/4/18</a:t>
             </a:fld>
             <a:endParaRPr lang="en-US"/>
           </a:p>
@@ -1984,7 +1988,7 @@
           <a:p>
             <a:fld id="{72DE86F5-D0C9-5448-802F-684C9422712B}" type="datetimeFigureOut">
               <a:rPr lang="en-US" smtClean="0"/>
-              <a:t>28/3/18</a:t>
+              <a:t>8/4/18</a:t>
             </a:fld>
             <a:endParaRPr lang="en-US"/>
           </a:p>
@@ -2261,7 +2265,7 @@
           <a:p>
             <a:fld id="{72DE86F5-D0C9-5448-802F-684C9422712B}" type="datetimeFigureOut">
               <a:rPr lang="en-US" smtClean="0"/>
-              <a:t>28/3/18</a:t>
+              <a:t>8/4/18</a:t>
             </a:fld>
             <a:endParaRPr lang="en-US"/>
           </a:p>
@@ -2514,7 +2518,7 @@
           <a:p>
             <a:fld id="{72DE86F5-D0C9-5448-802F-684C9422712B}" type="datetimeFigureOut">
               <a:rPr lang="en-US" smtClean="0"/>
-              <a:t>28/3/18</a:t>
+              <a:t>8/4/18</a:t>
             </a:fld>
             <a:endParaRPr lang="en-US"/>
           </a:p>
@@ -2727,7 +2731,7 @@
           <a:p>
             <a:fld id="{72DE86F5-D0C9-5448-802F-684C9422712B}" type="datetimeFigureOut">
               <a:rPr lang="en-US" smtClean="0"/>
-              <a:t>28/3/18</a:t>
+              <a:t>8/4/18</a:t>
             </a:fld>
             <a:endParaRPr lang="en-US"/>
           </a:p>
@@ -3678,6 +3682,5343 @@
 </p:sld>
 </file>
 
+<file path=ppt/slides/slide10.xml><?xml version="1.0" encoding="utf-8"?>
+<p:sld xmlns:a="http://schemas.openxmlformats.org/drawingml/2006/main" xmlns:r="http://schemas.openxmlformats.org/officeDocument/2006/relationships" xmlns:p="http://schemas.openxmlformats.org/presentationml/2006/main">
+  <p:cSld>
+    <p:spTree>
+      <p:nvGrpSpPr>
+        <p:cNvPr id="1" name=""/>
+        <p:cNvGrpSpPr/>
+        <p:nvPr/>
+      </p:nvGrpSpPr>
+      <p:grpSpPr>
+        <a:xfrm>
+          <a:off x="0" y="0"/>
+          <a:ext cx="0" cy="0"/>
+          <a:chOff x="0" y="0"/>
+          <a:chExt cx="0" cy="0"/>
+        </a:xfrm>
+      </p:grpSpPr>
+      <p:sp>
+        <p:nvSpPr>
+          <p:cNvPr id="10" name="Oval 9"/>
+          <p:cNvSpPr/>
+          <p:nvPr/>
+        </p:nvSpPr>
+        <p:spPr>
+          <a:xfrm>
+            <a:off x="3696809" y="4428037"/>
+            <a:ext cx="1020479" cy="555672"/>
+          </a:xfrm>
+          <a:prstGeom prst="ellipse">
+            <a:avLst/>
+          </a:prstGeom>
+          <a:solidFill>
+            <a:schemeClr val="bg1">
+              <a:lumMod val="85000"/>
+            </a:schemeClr>
+          </a:solidFill>
+        </p:spPr>
+        <p:style>
+          <a:lnRef idx="1">
+            <a:schemeClr val="accent1"/>
+          </a:lnRef>
+          <a:fillRef idx="3">
+            <a:schemeClr val="accent1"/>
+          </a:fillRef>
+          <a:effectRef idx="2">
+            <a:schemeClr val="accent1"/>
+          </a:effectRef>
+          <a:fontRef idx="minor">
+            <a:schemeClr val="lt1"/>
+          </a:fontRef>
+        </p:style>
+        <p:txBody>
+          <a:bodyPr rtlCol="0" anchor="ctr"/>
+          <a:lstStyle/>
+          <a:p>
+            <a:pPr algn="ctr"/>
+            <a:endParaRPr lang="en-US"/>
+          </a:p>
+        </p:txBody>
+      </p:sp>
+      <p:pic>
+        <p:nvPicPr>
+          <p:cNvPr id="15" name="Picture 14" descr="latex-image-1.pdf"/>
+          <p:cNvPicPr>
+            <a:picLocks noChangeAspect="1"/>
+          </p:cNvPicPr>
+          <p:nvPr/>
+        </p:nvPicPr>
+        <p:blipFill>
+          <a:blip r:embed="rId2">
+            <a:extLst>
+              <a:ext uri="{28A0092B-C50C-407E-A947-70E740481C1C}">
+                <a14:useLocalDpi xmlns:a14="http://schemas.microsoft.com/office/drawing/2010/main" val="0"/>
+              </a:ext>
+            </a:extLst>
+          </a:blip>
+          <a:stretch>
+            <a:fillRect/>
+          </a:stretch>
+        </p:blipFill>
+        <p:spPr>
+          <a:xfrm>
+            <a:off x="3946655" y="4564609"/>
+            <a:ext cx="508000" cy="419100"/>
+          </a:xfrm>
+          <a:prstGeom prst="rect">
+            <a:avLst/>
+          </a:prstGeom>
+        </p:spPr>
+      </p:pic>
+      <p:sp>
+        <p:nvSpPr>
+          <p:cNvPr id="4" name="Parallelogram 3"/>
+          <p:cNvSpPr/>
+          <p:nvPr/>
+        </p:nvSpPr>
+        <p:spPr>
+          <a:xfrm>
+            <a:off x="2324629" y="3061542"/>
+            <a:ext cx="3832798" cy="1576291"/>
+          </a:xfrm>
+          <a:prstGeom prst="parallelogram">
+            <a:avLst>
+              <a:gd name="adj" fmla="val 65286"/>
+            </a:avLst>
+          </a:prstGeom>
+          <a:solidFill>
+            <a:schemeClr val="bg1">
+              <a:lumMod val="65000"/>
+            </a:schemeClr>
+          </a:solidFill>
+        </p:spPr>
+        <p:style>
+          <a:lnRef idx="1">
+            <a:schemeClr val="accent1"/>
+          </a:lnRef>
+          <a:fillRef idx="3">
+            <a:schemeClr val="accent1"/>
+          </a:fillRef>
+          <a:effectRef idx="2">
+            <a:schemeClr val="accent1"/>
+          </a:effectRef>
+          <a:fontRef idx="minor">
+            <a:schemeClr val="lt1"/>
+          </a:fontRef>
+        </p:style>
+        <p:txBody>
+          <a:bodyPr rtlCol="0" anchor="ctr"/>
+          <a:lstStyle/>
+          <a:p>
+            <a:pPr algn="ctr"/>
+            <a:endParaRPr lang="en-US"/>
+          </a:p>
+        </p:txBody>
+      </p:sp>
+      <p:sp>
+        <p:nvSpPr>
+          <p:cNvPr id="5" name="Oval 4"/>
+          <p:cNvSpPr/>
+          <p:nvPr/>
+        </p:nvSpPr>
+        <p:spPr>
+          <a:xfrm>
+            <a:off x="3696809" y="3526809"/>
+            <a:ext cx="1020479" cy="555672"/>
+          </a:xfrm>
+          <a:prstGeom prst="ellipse">
+            <a:avLst/>
+          </a:prstGeom>
+          <a:solidFill>
+            <a:schemeClr val="bg1">
+              <a:lumMod val="85000"/>
+            </a:schemeClr>
+          </a:solidFill>
+        </p:spPr>
+        <p:style>
+          <a:lnRef idx="1">
+            <a:schemeClr val="accent1"/>
+          </a:lnRef>
+          <a:fillRef idx="3">
+            <a:schemeClr val="accent1"/>
+          </a:fillRef>
+          <a:effectRef idx="2">
+            <a:schemeClr val="accent1"/>
+          </a:effectRef>
+          <a:fontRef idx="minor">
+            <a:schemeClr val="lt1"/>
+          </a:fontRef>
+        </p:style>
+        <p:txBody>
+          <a:bodyPr rtlCol="0" anchor="ctr"/>
+          <a:lstStyle/>
+          <a:p>
+            <a:pPr algn="ctr"/>
+            <a:endParaRPr lang="en-US"/>
+          </a:p>
+        </p:txBody>
+      </p:sp>
+      <p:cxnSp>
+        <p:nvCxnSpPr>
+          <p:cNvPr id="7" name="Straight Connector 6"/>
+          <p:cNvCxnSpPr>
+            <a:stCxn id="5" idx="2"/>
+          </p:cNvCxnSpPr>
+          <p:nvPr/>
+        </p:nvCxnSpPr>
+        <p:spPr>
+          <a:xfrm flipV="1">
+            <a:off x="3696809" y="2903097"/>
+            <a:ext cx="0" cy="901548"/>
+          </a:xfrm>
+          <a:prstGeom prst="line">
+            <a:avLst/>
+          </a:prstGeom>
+          <a:ln w="12700" cmpd="sng">
+            <a:solidFill>
+              <a:schemeClr val="tx1"/>
+            </a:solidFill>
+          </a:ln>
+        </p:spPr>
+        <p:style>
+          <a:lnRef idx="2">
+            <a:schemeClr val="accent1"/>
+          </a:lnRef>
+          <a:fillRef idx="0">
+            <a:schemeClr val="accent1"/>
+          </a:fillRef>
+          <a:effectRef idx="1">
+            <a:schemeClr val="accent1"/>
+          </a:effectRef>
+          <a:fontRef idx="minor">
+            <a:schemeClr val="tx1"/>
+          </a:fontRef>
+        </p:style>
+      </p:cxnSp>
+      <p:cxnSp>
+        <p:nvCxnSpPr>
+          <p:cNvPr id="8" name="Straight Connector 7"/>
+          <p:cNvCxnSpPr/>
+          <p:nvPr/>
+        </p:nvCxnSpPr>
+        <p:spPr>
+          <a:xfrm flipV="1">
+            <a:off x="4717288" y="2903097"/>
+            <a:ext cx="0" cy="901548"/>
+          </a:xfrm>
+          <a:prstGeom prst="line">
+            <a:avLst/>
+          </a:prstGeom>
+          <a:ln w="12700" cmpd="sng">
+            <a:solidFill>
+              <a:schemeClr val="tx1"/>
+            </a:solidFill>
+          </a:ln>
+        </p:spPr>
+        <p:style>
+          <a:lnRef idx="2">
+            <a:schemeClr val="accent1"/>
+          </a:lnRef>
+          <a:fillRef idx="0">
+            <a:schemeClr val="accent1"/>
+          </a:fillRef>
+          <a:effectRef idx="1">
+            <a:schemeClr val="accent1"/>
+          </a:effectRef>
+          <a:fontRef idx="minor">
+            <a:schemeClr val="tx1"/>
+          </a:fontRef>
+        </p:style>
+      </p:cxnSp>
+      <p:sp>
+        <p:nvSpPr>
+          <p:cNvPr id="9" name="Oval 8"/>
+          <p:cNvSpPr/>
+          <p:nvPr/>
+        </p:nvSpPr>
+        <p:spPr>
+          <a:xfrm>
+            <a:off x="3696809" y="2625261"/>
+            <a:ext cx="1020479" cy="555672"/>
+          </a:xfrm>
+          <a:prstGeom prst="ellipse">
+            <a:avLst/>
+          </a:prstGeom>
+          <a:solidFill>
+            <a:schemeClr val="bg1">
+              <a:lumMod val="85000"/>
+            </a:schemeClr>
+          </a:solidFill>
+        </p:spPr>
+        <p:style>
+          <a:lnRef idx="1">
+            <a:schemeClr val="accent1"/>
+          </a:lnRef>
+          <a:fillRef idx="3">
+            <a:schemeClr val="accent1"/>
+          </a:fillRef>
+          <a:effectRef idx="2">
+            <a:schemeClr val="accent1"/>
+          </a:effectRef>
+          <a:fontRef idx="minor">
+            <a:schemeClr val="lt1"/>
+          </a:fontRef>
+        </p:style>
+        <p:txBody>
+          <a:bodyPr rtlCol="0" anchor="ctr"/>
+          <a:lstStyle/>
+          <a:p>
+            <a:pPr algn="ctr"/>
+            <a:endParaRPr lang="en-US"/>
+          </a:p>
+        </p:txBody>
+      </p:sp>
+      <p:cxnSp>
+        <p:nvCxnSpPr>
+          <p:cNvPr id="11" name="Straight Connector 10"/>
+          <p:cNvCxnSpPr/>
+          <p:nvPr/>
+        </p:nvCxnSpPr>
+        <p:spPr>
+          <a:xfrm flipV="1">
+            <a:off x="3696809" y="3804645"/>
+            <a:ext cx="0" cy="901548"/>
+          </a:xfrm>
+          <a:prstGeom prst="line">
+            <a:avLst/>
+          </a:prstGeom>
+          <a:ln w="12700" cmpd="sng">
+            <a:solidFill>
+              <a:schemeClr val="tx1"/>
+            </a:solidFill>
+          </a:ln>
+        </p:spPr>
+        <p:style>
+          <a:lnRef idx="2">
+            <a:schemeClr val="accent1"/>
+          </a:lnRef>
+          <a:fillRef idx="0">
+            <a:schemeClr val="accent1"/>
+          </a:fillRef>
+          <a:effectRef idx="1">
+            <a:schemeClr val="accent1"/>
+          </a:effectRef>
+          <a:fontRef idx="minor">
+            <a:schemeClr val="tx1"/>
+          </a:fontRef>
+        </p:style>
+      </p:cxnSp>
+      <p:cxnSp>
+        <p:nvCxnSpPr>
+          <p:cNvPr id="12" name="Straight Connector 11"/>
+          <p:cNvCxnSpPr/>
+          <p:nvPr/>
+        </p:nvCxnSpPr>
+        <p:spPr>
+          <a:xfrm flipV="1">
+            <a:off x="4717288" y="3804645"/>
+            <a:ext cx="0" cy="901548"/>
+          </a:xfrm>
+          <a:prstGeom prst="line">
+            <a:avLst/>
+          </a:prstGeom>
+          <a:ln w="12700" cmpd="sng">
+            <a:solidFill>
+              <a:schemeClr val="tx1"/>
+            </a:solidFill>
+          </a:ln>
+        </p:spPr>
+        <p:style>
+          <a:lnRef idx="2">
+            <a:schemeClr val="accent1"/>
+          </a:lnRef>
+          <a:fillRef idx="0">
+            <a:schemeClr val="accent1"/>
+          </a:fillRef>
+          <a:effectRef idx="1">
+            <a:schemeClr val="accent1"/>
+          </a:effectRef>
+          <a:fontRef idx="minor">
+            <a:schemeClr val="tx1"/>
+          </a:fontRef>
+        </p:style>
+      </p:cxnSp>
+      <p:pic>
+        <p:nvPicPr>
+          <p:cNvPr id="13" name="Picture 12" descr="latex-image-1.pdf"/>
+          <p:cNvPicPr>
+            <a:picLocks noChangeAspect="1"/>
+          </p:cNvPicPr>
+          <p:nvPr/>
+        </p:nvPicPr>
+        <p:blipFill>
+          <a:blip r:embed="rId3">
+            <a:extLst>
+              <a:ext uri="{28A0092B-C50C-407E-A947-70E740481C1C}">
+                <a14:useLocalDpi xmlns:a14="http://schemas.microsoft.com/office/drawing/2010/main" val="0"/>
+              </a:ext>
+            </a:extLst>
+          </a:blip>
+          <a:stretch>
+            <a:fillRect/>
+          </a:stretch>
+        </p:blipFill>
+        <p:spPr>
+          <a:xfrm>
+            <a:off x="3959355" y="3589914"/>
+            <a:ext cx="495300" cy="419100"/>
+          </a:xfrm>
+          <a:prstGeom prst="rect">
+            <a:avLst/>
+          </a:prstGeom>
+        </p:spPr>
+      </p:pic>
+      <p:pic>
+        <p:nvPicPr>
+          <p:cNvPr id="14" name="Picture 13" descr="latex-image-1.pdf"/>
+          <p:cNvPicPr>
+            <a:picLocks noChangeAspect="1"/>
+          </p:cNvPicPr>
+          <p:nvPr/>
+        </p:nvPicPr>
+        <p:blipFill>
+          <a:blip r:embed="rId4">
+            <a:extLst>
+              <a:ext uri="{28A0092B-C50C-407E-A947-70E740481C1C}">
+                <a14:useLocalDpi xmlns:a14="http://schemas.microsoft.com/office/drawing/2010/main" val="0"/>
+              </a:ext>
+            </a:extLst>
+          </a:blip>
+          <a:stretch>
+            <a:fillRect/>
+          </a:stretch>
+        </p:blipFill>
+        <p:spPr>
+          <a:xfrm>
+            <a:off x="3959355" y="2642442"/>
+            <a:ext cx="495300" cy="419100"/>
+          </a:xfrm>
+          <a:prstGeom prst="rect">
+            <a:avLst/>
+          </a:prstGeom>
+        </p:spPr>
+      </p:pic>
+      <p:sp>
+        <p:nvSpPr>
+          <p:cNvPr id="16" name="TextBox 15"/>
+          <p:cNvSpPr txBox="1"/>
+          <p:nvPr/>
+        </p:nvSpPr>
+        <p:spPr>
+          <a:xfrm>
+            <a:off x="2880268" y="3963823"/>
+            <a:ext cx="300082" cy="369332"/>
+          </a:xfrm>
+          <a:prstGeom prst="rect">
+            <a:avLst/>
+          </a:prstGeom>
+          <a:noFill/>
+        </p:spPr>
+        <p:txBody>
+          <a:bodyPr wrap="none" rtlCol="0">
+            <a:spAutoFit/>
+          </a:bodyPr>
+          <a:lstStyle/>
+          <a:p>
+            <a:r>
+              <a:rPr lang="en-US" dirty="0" smtClean="0"/>
+              <a:t>+</a:t>
+            </a:r>
+            <a:endParaRPr lang="en-US" dirty="0"/>
+          </a:p>
+        </p:txBody>
+      </p:sp>
+      <p:sp>
+        <p:nvSpPr>
+          <p:cNvPr id="17" name="TextBox 16"/>
+          <p:cNvSpPr txBox="1"/>
+          <p:nvPr/>
+        </p:nvSpPr>
+        <p:spPr>
+          <a:xfrm>
+            <a:off x="3332750" y="4116223"/>
+            <a:ext cx="300082" cy="369332"/>
+          </a:xfrm>
+          <a:prstGeom prst="rect">
+            <a:avLst/>
+          </a:prstGeom>
+          <a:noFill/>
+        </p:spPr>
+        <p:txBody>
+          <a:bodyPr wrap="none" rtlCol="0">
+            <a:spAutoFit/>
+          </a:bodyPr>
+          <a:lstStyle/>
+          <a:p>
+            <a:r>
+              <a:rPr lang="en-US" dirty="0" smtClean="0"/>
+              <a:t>+</a:t>
+            </a:r>
+            <a:endParaRPr lang="en-US" dirty="0"/>
+          </a:p>
+        </p:txBody>
+      </p:sp>
+      <p:sp>
+        <p:nvSpPr>
+          <p:cNvPr id="18" name="TextBox 17"/>
+          <p:cNvSpPr txBox="1"/>
+          <p:nvPr/>
+        </p:nvSpPr>
+        <p:spPr>
+          <a:xfrm>
+            <a:off x="3246686" y="3180933"/>
+            <a:ext cx="300082" cy="369332"/>
+          </a:xfrm>
+          <a:prstGeom prst="rect">
+            <a:avLst/>
+          </a:prstGeom>
+          <a:noFill/>
+        </p:spPr>
+        <p:txBody>
+          <a:bodyPr wrap="none" rtlCol="0">
+            <a:spAutoFit/>
+          </a:bodyPr>
+          <a:lstStyle/>
+          <a:p>
+            <a:r>
+              <a:rPr lang="en-US" dirty="0" smtClean="0"/>
+              <a:t>+</a:t>
+            </a:r>
+            <a:endParaRPr lang="en-US" dirty="0"/>
+          </a:p>
+        </p:txBody>
+      </p:sp>
+      <p:sp>
+        <p:nvSpPr>
+          <p:cNvPr id="19" name="TextBox 18"/>
+          <p:cNvSpPr txBox="1"/>
+          <p:nvPr/>
+        </p:nvSpPr>
+        <p:spPr>
+          <a:xfrm>
+            <a:off x="4176149" y="4148489"/>
+            <a:ext cx="300082" cy="369332"/>
+          </a:xfrm>
+          <a:prstGeom prst="rect">
+            <a:avLst/>
+          </a:prstGeom>
+          <a:noFill/>
+        </p:spPr>
+        <p:txBody>
+          <a:bodyPr wrap="none" rtlCol="0">
+            <a:spAutoFit/>
+          </a:bodyPr>
+          <a:lstStyle/>
+          <a:p>
+            <a:r>
+              <a:rPr lang="en-US" dirty="0" smtClean="0"/>
+              <a:t>+</a:t>
+            </a:r>
+            <a:endParaRPr lang="en-US" dirty="0"/>
+          </a:p>
+        </p:txBody>
+      </p:sp>
+      <p:sp>
+        <p:nvSpPr>
+          <p:cNvPr id="20" name="TextBox 19"/>
+          <p:cNvSpPr txBox="1"/>
+          <p:nvPr/>
+        </p:nvSpPr>
+        <p:spPr>
+          <a:xfrm>
+            <a:off x="3828468" y="3487894"/>
+            <a:ext cx="300082" cy="369332"/>
+          </a:xfrm>
+          <a:prstGeom prst="rect">
+            <a:avLst/>
+          </a:prstGeom>
+          <a:noFill/>
+        </p:spPr>
+        <p:txBody>
+          <a:bodyPr wrap="none" rtlCol="0">
+            <a:spAutoFit/>
+          </a:bodyPr>
+          <a:lstStyle/>
+          <a:p>
+            <a:r>
+              <a:rPr lang="en-US" dirty="0" smtClean="0"/>
+              <a:t>+</a:t>
+            </a:r>
+            <a:endParaRPr lang="en-US" dirty="0"/>
+          </a:p>
+        </p:txBody>
+      </p:sp>
+      <p:sp>
+        <p:nvSpPr>
+          <p:cNvPr id="21" name="TextBox 20"/>
+          <p:cNvSpPr txBox="1"/>
+          <p:nvPr/>
+        </p:nvSpPr>
+        <p:spPr>
+          <a:xfrm>
+            <a:off x="5452815" y="3180933"/>
+            <a:ext cx="300082" cy="369332"/>
+          </a:xfrm>
+          <a:prstGeom prst="rect">
+            <a:avLst/>
+          </a:prstGeom>
+          <a:noFill/>
+        </p:spPr>
+        <p:txBody>
+          <a:bodyPr wrap="none" rtlCol="0">
+            <a:spAutoFit/>
+          </a:bodyPr>
+          <a:lstStyle/>
+          <a:p>
+            <a:r>
+              <a:rPr lang="en-US" dirty="0" smtClean="0"/>
+              <a:t>+</a:t>
+            </a:r>
+            <a:endParaRPr lang="en-US" dirty="0"/>
+          </a:p>
+        </p:txBody>
+      </p:sp>
+      <p:sp>
+        <p:nvSpPr>
+          <p:cNvPr id="22" name="TextBox 21"/>
+          <p:cNvSpPr txBox="1"/>
+          <p:nvPr/>
+        </p:nvSpPr>
+        <p:spPr>
+          <a:xfrm>
+            <a:off x="4952229" y="3857226"/>
+            <a:ext cx="300082" cy="369332"/>
+          </a:xfrm>
+          <a:prstGeom prst="rect">
+            <a:avLst/>
+          </a:prstGeom>
+          <a:noFill/>
+        </p:spPr>
+        <p:txBody>
+          <a:bodyPr wrap="none" rtlCol="0">
+            <a:spAutoFit/>
+          </a:bodyPr>
+          <a:lstStyle/>
+          <a:p>
+            <a:r>
+              <a:rPr lang="en-US" dirty="0" smtClean="0"/>
+              <a:t>+</a:t>
+            </a:r>
+            <a:endParaRPr lang="en-US" dirty="0"/>
+          </a:p>
+        </p:txBody>
+      </p:sp>
+      <p:sp>
+        <p:nvSpPr>
+          <p:cNvPr id="23" name="TextBox 22"/>
+          <p:cNvSpPr txBox="1"/>
+          <p:nvPr/>
+        </p:nvSpPr>
+        <p:spPr>
+          <a:xfrm>
+            <a:off x="4453017" y="3153772"/>
+            <a:ext cx="300082" cy="369332"/>
+          </a:xfrm>
+          <a:prstGeom prst="rect">
+            <a:avLst/>
+          </a:prstGeom>
+          <a:noFill/>
+        </p:spPr>
+        <p:txBody>
+          <a:bodyPr wrap="none" rtlCol="0">
+            <a:spAutoFit/>
+          </a:bodyPr>
+          <a:lstStyle/>
+          <a:p>
+            <a:r>
+              <a:rPr lang="en-US" dirty="0" smtClean="0"/>
+              <a:t>+</a:t>
+            </a:r>
+            <a:endParaRPr lang="en-US" dirty="0"/>
+          </a:p>
+        </p:txBody>
+      </p:sp>
+      <p:cxnSp>
+        <p:nvCxnSpPr>
+          <p:cNvPr id="25" name="Straight Arrow Connector 24"/>
+          <p:cNvCxnSpPr/>
+          <p:nvPr/>
+        </p:nvCxnSpPr>
+        <p:spPr>
+          <a:xfrm flipH="1" flipV="1">
+            <a:off x="4952229" y="1708954"/>
+            <a:ext cx="1638" cy="1848946"/>
+          </a:xfrm>
+          <a:prstGeom prst="straightConnector1">
+            <a:avLst/>
+          </a:prstGeom>
+          <a:ln>
+            <a:solidFill>
+              <a:srgbClr val="800000"/>
+            </a:solidFill>
+            <a:tailEnd type="arrow"/>
+          </a:ln>
+        </p:spPr>
+        <p:style>
+          <a:lnRef idx="2">
+            <a:schemeClr val="accent1"/>
+          </a:lnRef>
+          <a:fillRef idx="0">
+            <a:schemeClr val="accent1"/>
+          </a:fillRef>
+          <a:effectRef idx="1">
+            <a:schemeClr val="accent1"/>
+          </a:effectRef>
+          <a:fontRef idx="minor">
+            <a:schemeClr val="tx1"/>
+          </a:fontRef>
+        </p:style>
+      </p:cxnSp>
+      <p:pic>
+        <p:nvPicPr>
+          <p:cNvPr id="27" name="Picture 26" descr="latex-image-1.pdf"/>
+          <p:cNvPicPr>
+            <a:picLocks noChangeAspect="1"/>
+          </p:cNvPicPr>
+          <p:nvPr/>
+        </p:nvPicPr>
+        <p:blipFill>
+          <a:blip r:embed="rId5">
+            <a:extLst>
+              <a:ext uri="{28A0092B-C50C-407E-A947-70E740481C1C}">
+                <a14:useLocalDpi xmlns:a14="http://schemas.microsoft.com/office/drawing/2010/main" val="0"/>
+              </a:ext>
+            </a:extLst>
+          </a:blip>
+          <a:stretch>
+            <a:fillRect/>
+          </a:stretch>
+        </p:blipFill>
+        <p:spPr>
+          <a:xfrm>
+            <a:off x="4632449" y="2182775"/>
+            <a:ext cx="241300" cy="215900"/>
+          </a:xfrm>
+          <a:prstGeom prst="rect">
+            <a:avLst/>
+          </a:prstGeom>
+        </p:spPr>
+      </p:pic>
+    </p:spTree>
+    <p:extLst>
+      <p:ext uri="{BB962C8B-B14F-4D97-AF65-F5344CB8AC3E}">
+        <p14:creationId xmlns:p14="http://schemas.microsoft.com/office/powerpoint/2010/main" val="179665749"/>
+      </p:ext>
+    </p:extLst>
+  </p:cSld>
+  <p:clrMapOvr>
+    <a:masterClrMapping/>
+  </p:clrMapOvr>
+</p:sld>
+</file>
+
+<file path=ppt/slides/slide11.xml><?xml version="1.0" encoding="utf-8"?>
+<p:sld xmlns:a="http://schemas.openxmlformats.org/drawingml/2006/main" xmlns:r="http://schemas.openxmlformats.org/officeDocument/2006/relationships" xmlns:p="http://schemas.openxmlformats.org/presentationml/2006/main">
+  <p:cSld>
+    <p:spTree>
+      <p:nvGrpSpPr>
+        <p:cNvPr id="1" name=""/>
+        <p:cNvGrpSpPr/>
+        <p:nvPr/>
+      </p:nvGrpSpPr>
+      <p:grpSpPr>
+        <a:xfrm>
+          <a:off x="0" y="0"/>
+          <a:ext cx="0" cy="0"/>
+          <a:chOff x="0" y="0"/>
+          <a:chExt cx="0" cy="0"/>
+        </a:xfrm>
+      </p:grpSpPr>
+      <p:cxnSp>
+        <p:nvCxnSpPr>
+          <p:cNvPr id="5" name="Straight Arrow Connector 4"/>
+          <p:cNvCxnSpPr/>
+          <p:nvPr/>
+        </p:nvCxnSpPr>
+        <p:spPr>
+          <a:xfrm flipV="1">
+            <a:off x="755645" y="2446840"/>
+            <a:ext cx="0" cy="963919"/>
+          </a:xfrm>
+          <a:prstGeom prst="straightConnector1">
+            <a:avLst/>
+          </a:prstGeom>
+          <a:ln>
+            <a:tailEnd type="arrow"/>
+          </a:ln>
+        </p:spPr>
+        <p:style>
+          <a:lnRef idx="1">
+            <a:schemeClr val="accent2"/>
+          </a:lnRef>
+          <a:fillRef idx="3">
+            <a:schemeClr val="accent2"/>
+          </a:fillRef>
+          <a:effectRef idx="2">
+            <a:schemeClr val="accent2"/>
+          </a:effectRef>
+          <a:fontRef idx="minor">
+            <a:schemeClr val="lt1"/>
+          </a:fontRef>
+        </p:style>
+      </p:cxnSp>
+      <p:cxnSp>
+        <p:nvCxnSpPr>
+          <p:cNvPr id="6" name="Straight Arrow Connector 5"/>
+          <p:cNvCxnSpPr/>
+          <p:nvPr/>
+        </p:nvCxnSpPr>
+        <p:spPr>
+          <a:xfrm flipV="1">
+            <a:off x="1021441" y="2446840"/>
+            <a:ext cx="0" cy="963919"/>
+          </a:xfrm>
+          <a:prstGeom prst="straightConnector1">
+            <a:avLst/>
+          </a:prstGeom>
+          <a:ln>
+            <a:tailEnd type="arrow"/>
+          </a:ln>
+        </p:spPr>
+        <p:style>
+          <a:lnRef idx="1">
+            <a:schemeClr val="accent2"/>
+          </a:lnRef>
+          <a:fillRef idx="3">
+            <a:schemeClr val="accent2"/>
+          </a:fillRef>
+          <a:effectRef idx="2">
+            <a:schemeClr val="accent2"/>
+          </a:effectRef>
+          <a:fontRef idx="minor">
+            <a:schemeClr val="lt1"/>
+          </a:fontRef>
+        </p:style>
+      </p:cxnSp>
+      <p:cxnSp>
+        <p:nvCxnSpPr>
+          <p:cNvPr id="7" name="Straight Arrow Connector 6"/>
+          <p:cNvCxnSpPr/>
+          <p:nvPr/>
+        </p:nvCxnSpPr>
+        <p:spPr>
+          <a:xfrm flipV="1">
+            <a:off x="1287237" y="2446840"/>
+            <a:ext cx="0" cy="963919"/>
+          </a:xfrm>
+          <a:prstGeom prst="straightConnector1">
+            <a:avLst/>
+          </a:prstGeom>
+          <a:ln>
+            <a:tailEnd type="arrow"/>
+          </a:ln>
+        </p:spPr>
+        <p:style>
+          <a:lnRef idx="1">
+            <a:schemeClr val="accent2"/>
+          </a:lnRef>
+          <a:fillRef idx="3">
+            <a:schemeClr val="accent2"/>
+          </a:fillRef>
+          <a:effectRef idx="2">
+            <a:schemeClr val="accent2"/>
+          </a:effectRef>
+          <a:fontRef idx="minor">
+            <a:schemeClr val="lt1"/>
+          </a:fontRef>
+        </p:style>
+      </p:cxnSp>
+      <p:cxnSp>
+        <p:nvCxnSpPr>
+          <p:cNvPr id="8" name="Straight Arrow Connector 7"/>
+          <p:cNvCxnSpPr/>
+          <p:nvPr/>
+        </p:nvCxnSpPr>
+        <p:spPr>
+          <a:xfrm flipV="1">
+            <a:off x="1553033" y="2446840"/>
+            <a:ext cx="0" cy="963919"/>
+          </a:xfrm>
+          <a:prstGeom prst="straightConnector1">
+            <a:avLst/>
+          </a:prstGeom>
+          <a:ln>
+            <a:tailEnd type="arrow"/>
+          </a:ln>
+        </p:spPr>
+        <p:style>
+          <a:lnRef idx="1">
+            <a:schemeClr val="accent2"/>
+          </a:lnRef>
+          <a:fillRef idx="3">
+            <a:schemeClr val="accent2"/>
+          </a:fillRef>
+          <a:effectRef idx="2">
+            <a:schemeClr val="accent2"/>
+          </a:effectRef>
+          <a:fontRef idx="minor">
+            <a:schemeClr val="lt1"/>
+          </a:fontRef>
+        </p:style>
+      </p:cxnSp>
+      <p:cxnSp>
+        <p:nvCxnSpPr>
+          <p:cNvPr id="9" name="Straight Arrow Connector 8"/>
+          <p:cNvCxnSpPr/>
+          <p:nvPr/>
+        </p:nvCxnSpPr>
+        <p:spPr>
+          <a:xfrm flipV="1">
+            <a:off x="1818829" y="2446840"/>
+            <a:ext cx="0" cy="963919"/>
+          </a:xfrm>
+          <a:prstGeom prst="straightConnector1">
+            <a:avLst/>
+          </a:prstGeom>
+          <a:ln>
+            <a:tailEnd type="arrow"/>
+          </a:ln>
+        </p:spPr>
+        <p:style>
+          <a:lnRef idx="1">
+            <a:schemeClr val="accent2"/>
+          </a:lnRef>
+          <a:fillRef idx="3">
+            <a:schemeClr val="accent2"/>
+          </a:fillRef>
+          <a:effectRef idx="2">
+            <a:schemeClr val="accent2"/>
+          </a:effectRef>
+          <a:fontRef idx="minor">
+            <a:schemeClr val="lt1"/>
+          </a:fontRef>
+        </p:style>
+      </p:cxnSp>
+      <p:cxnSp>
+        <p:nvCxnSpPr>
+          <p:cNvPr id="10" name="Straight Arrow Connector 9"/>
+          <p:cNvCxnSpPr/>
+          <p:nvPr/>
+        </p:nvCxnSpPr>
+        <p:spPr>
+          <a:xfrm flipV="1">
+            <a:off x="2084625" y="2446840"/>
+            <a:ext cx="0" cy="963919"/>
+          </a:xfrm>
+          <a:prstGeom prst="straightConnector1">
+            <a:avLst/>
+          </a:prstGeom>
+          <a:ln>
+            <a:tailEnd type="arrow"/>
+          </a:ln>
+        </p:spPr>
+        <p:style>
+          <a:lnRef idx="1">
+            <a:schemeClr val="accent2"/>
+          </a:lnRef>
+          <a:fillRef idx="3">
+            <a:schemeClr val="accent2"/>
+          </a:fillRef>
+          <a:effectRef idx="2">
+            <a:schemeClr val="accent2"/>
+          </a:effectRef>
+          <a:fontRef idx="minor">
+            <a:schemeClr val="lt1"/>
+          </a:fontRef>
+        </p:style>
+      </p:cxnSp>
+      <p:cxnSp>
+        <p:nvCxnSpPr>
+          <p:cNvPr id="11" name="Straight Arrow Connector 10"/>
+          <p:cNvCxnSpPr/>
+          <p:nvPr/>
+        </p:nvCxnSpPr>
+        <p:spPr>
+          <a:xfrm flipV="1">
+            <a:off x="2350421" y="2446840"/>
+            <a:ext cx="0" cy="963919"/>
+          </a:xfrm>
+          <a:prstGeom prst="straightConnector1">
+            <a:avLst/>
+          </a:prstGeom>
+          <a:ln>
+            <a:tailEnd type="arrow"/>
+          </a:ln>
+        </p:spPr>
+        <p:style>
+          <a:lnRef idx="1">
+            <a:schemeClr val="accent2"/>
+          </a:lnRef>
+          <a:fillRef idx="3">
+            <a:schemeClr val="accent2"/>
+          </a:fillRef>
+          <a:effectRef idx="2">
+            <a:schemeClr val="accent2"/>
+          </a:effectRef>
+          <a:fontRef idx="minor">
+            <a:schemeClr val="lt1"/>
+          </a:fontRef>
+        </p:style>
+      </p:cxnSp>
+      <p:cxnSp>
+        <p:nvCxnSpPr>
+          <p:cNvPr id="12" name="Straight Arrow Connector 11"/>
+          <p:cNvCxnSpPr/>
+          <p:nvPr/>
+        </p:nvCxnSpPr>
+        <p:spPr>
+          <a:xfrm flipV="1">
+            <a:off x="2616220" y="2446840"/>
+            <a:ext cx="0" cy="963919"/>
+          </a:xfrm>
+          <a:prstGeom prst="straightConnector1">
+            <a:avLst/>
+          </a:prstGeom>
+          <a:ln>
+            <a:tailEnd type="arrow"/>
+          </a:ln>
+        </p:spPr>
+        <p:style>
+          <a:lnRef idx="1">
+            <a:schemeClr val="accent2"/>
+          </a:lnRef>
+          <a:fillRef idx="3">
+            <a:schemeClr val="accent2"/>
+          </a:fillRef>
+          <a:effectRef idx="2">
+            <a:schemeClr val="accent2"/>
+          </a:effectRef>
+          <a:fontRef idx="minor">
+            <a:schemeClr val="lt1"/>
+          </a:fontRef>
+        </p:style>
+      </p:cxnSp>
+      <p:grpSp>
+        <p:nvGrpSpPr>
+          <p:cNvPr id="21" name="Group 20"/>
+          <p:cNvGrpSpPr/>
+          <p:nvPr/>
+        </p:nvGrpSpPr>
+        <p:grpSpPr>
+          <a:xfrm rot="10800000">
+            <a:off x="755645" y="3467459"/>
+            <a:ext cx="1860575" cy="963919"/>
+            <a:chOff x="2465686" y="2552369"/>
+            <a:chExt cx="1860575" cy="963919"/>
+          </a:xfrm>
+        </p:grpSpPr>
+        <p:cxnSp>
+          <p:nvCxnSpPr>
+            <p:cNvPr id="13" name="Straight Arrow Connector 12"/>
+            <p:cNvCxnSpPr/>
+            <p:nvPr/>
+          </p:nvCxnSpPr>
+          <p:spPr>
+            <a:xfrm flipV="1">
+              <a:off x="2465686" y="2552369"/>
+              <a:ext cx="0" cy="963919"/>
+            </a:xfrm>
+            <a:prstGeom prst="straightConnector1">
+              <a:avLst/>
+            </a:prstGeom>
+            <a:ln>
+              <a:tailEnd type="arrow"/>
+            </a:ln>
+          </p:spPr>
+          <p:style>
+            <a:lnRef idx="1">
+              <a:schemeClr val="accent2"/>
+            </a:lnRef>
+            <a:fillRef idx="3">
+              <a:schemeClr val="accent2"/>
+            </a:fillRef>
+            <a:effectRef idx="2">
+              <a:schemeClr val="accent2"/>
+            </a:effectRef>
+            <a:fontRef idx="minor">
+              <a:schemeClr val="lt1"/>
+            </a:fontRef>
+          </p:style>
+        </p:cxnSp>
+        <p:cxnSp>
+          <p:nvCxnSpPr>
+            <p:cNvPr id="14" name="Straight Arrow Connector 13"/>
+            <p:cNvCxnSpPr/>
+            <p:nvPr/>
+          </p:nvCxnSpPr>
+          <p:spPr>
+            <a:xfrm flipV="1">
+              <a:off x="2731482" y="2552369"/>
+              <a:ext cx="0" cy="963919"/>
+            </a:xfrm>
+            <a:prstGeom prst="straightConnector1">
+              <a:avLst/>
+            </a:prstGeom>
+            <a:ln>
+              <a:tailEnd type="arrow"/>
+            </a:ln>
+          </p:spPr>
+          <p:style>
+            <a:lnRef idx="1">
+              <a:schemeClr val="accent2"/>
+            </a:lnRef>
+            <a:fillRef idx="3">
+              <a:schemeClr val="accent2"/>
+            </a:fillRef>
+            <a:effectRef idx="2">
+              <a:schemeClr val="accent2"/>
+            </a:effectRef>
+            <a:fontRef idx="minor">
+              <a:schemeClr val="lt1"/>
+            </a:fontRef>
+          </p:style>
+        </p:cxnSp>
+        <p:cxnSp>
+          <p:nvCxnSpPr>
+            <p:cNvPr id="15" name="Straight Arrow Connector 14"/>
+            <p:cNvCxnSpPr/>
+            <p:nvPr/>
+          </p:nvCxnSpPr>
+          <p:spPr>
+            <a:xfrm flipV="1">
+              <a:off x="2997278" y="2552369"/>
+              <a:ext cx="0" cy="963919"/>
+            </a:xfrm>
+            <a:prstGeom prst="straightConnector1">
+              <a:avLst/>
+            </a:prstGeom>
+            <a:ln>
+              <a:tailEnd type="arrow"/>
+            </a:ln>
+          </p:spPr>
+          <p:style>
+            <a:lnRef idx="1">
+              <a:schemeClr val="accent2"/>
+            </a:lnRef>
+            <a:fillRef idx="3">
+              <a:schemeClr val="accent2"/>
+            </a:fillRef>
+            <a:effectRef idx="2">
+              <a:schemeClr val="accent2"/>
+            </a:effectRef>
+            <a:fontRef idx="minor">
+              <a:schemeClr val="lt1"/>
+            </a:fontRef>
+          </p:style>
+        </p:cxnSp>
+        <p:cxnSp>
+          <p:nvCxnSpPr>
+            <p:cNvPr id="16" name="Straight Arrow Connector 15"/>
+            <p:cNvCxnSpPr/>
+            <p:nvPr/>
+          </p:nvCxnSpPr>
+          <p:spPr>
+            <a:xfrm flipV="1">
+              <a:off x="3263074" y="2552369"/>
+              <a:ext cx="0" cy="963919"/>
+            </a:xfrm>
+            <a:prstGeom prst="straightConnector1">
+              <a:avLst/>
+            </a:prstGeom>
+            <a:ln>
+              <a:tailEnd type="arrow"/>
+            </a:ln>
+          </p:spPr>
+          <p:style>
+            <a:lnRef idx="1">
+              <a:schemeClr val="accent2"/>
+            </a:lnRef>
+            <a:fillRef idx="3">
+              <a:schemeClr val="accent2"/>
+            </a:fillRef>
+            <a:effectRef idx="2">
+              <a:schemeClr val="accent2"/>
+            </a:effectRef>
+            <a:fontRef idx="minor">
+              <a:schemeClr val="lt1"/>
+            </a:fontRef>
+          </p:style>
+        </p:cxnSp>
+        <p:cxnSp>
+          <p:nvCxnSpPr>
+            <p:cNvPr id="17" name="Straight Arrow Connector 16"/>
+            <p:cNvCxnSpPr/>
+            <p:nvPr/>
+          </p:nvCxnSpPr>
+          <p:spPr>
+            <a:xfrm flipV="1">
+              <a:off x="3528870" y="2552369"/>
+              <a:ext cx="0" cy="963919"/>
+            </a:xfrm>
+            <a:prstGeom prst="straightConnector1">
+              <a:avLst/>
+            </a:prstGeom>
+            <a:ln>
+              <a:tailEnd type="arrow"/>
+            </a:ln>
+          </p:spPr>
+          <p:style>
+            <a:lnRef idx="1">
+              <a:schemeClr val="accent2"/>
+            </a:lnRef>
+            <a:fillRef idx="3">
+              <a:schemeClr val="accent2"/>
+            </a:fillRef>
+            <a:effectRef idx="2">
+              <a:schemeClr val="accent2"/>
+            </a:effectRef>
+            <a:fontRef idx="minor">
+              <a:schemeClr val="lt1"/>
+            </a:fontRef>
+          </p:style>
+        </p:cxnSp>
+        <p:cxnSp>
+          <p:nvCxnSpPr>
+            <p:cNvPr id="18" name="Straight Arrow Connector 17"/>
+            <p:cNvCxnSpPr/>
+            <p:nvPr/>
+          </p:nvCxnSpPr>
+          <p:spPr>
+            <a:xfrm flipV="1">
+              <a:off x="3794666" y="2552369"/>
+              <a:ext cx="0" cy="963919"/>
+            </a:xfrm>
+            <a:prstGeom prst="straightConnector1">
+              <a:avLst/>
+            </a:prstGeom>
+            <a:ln>
+              <a:tailEnd type="arrow"/>
+            </a:ln>
+          </p:spPr>
+          <p:style>
+            <a:lnRef idx="1">
+              <a:schemeClr val="accent2"/>
+            </a:lnRef>
+            <a:fillRef idx="3">
+              <a:schemeClr val="accent2"/>
+            </a:fillRef>
+            <a:effectRef idx="2">
+              <a:schemeClr val="accent2"/>
+            </a:effectRef>
+            <a:fontRef idx="minor">
+              <a:schemeClr val="lt1"/>
+            </a:fontRef>
+          </p:style>
+        </p:cxnSp>
+        <p:cxnSp>
+          <p:nvCxnSpPr>
+            <p:cNvPr id="19" name="Straight Arrow Connector 18"/>
+            <p:cNvCxnSpPr/>
+            <p:nvPr/>
+          </p:nvCxnSpPr>
+          <p:spPr>
+            <a:xfrm flipV="1">
+              <a:off x="4060462" y="2552369"/>
+              <a:ext cx="0" cy="963919"/>
+            </a:xfrm>
+            <a:prstGeom prst="straightConnector1">
+              <a:avLst/>
+            </a:prstGeom>
+            <a:ln>
+              <a:tailEnd type="arrow"/>
+            </a:ln>
+          </p:spPr>
+          <p:style>
+            <a:lnRef idx="1">
+              <a:schemeClr val="accent2"/>
+            </a:lnRef>
+            <a:fillRef idx="3">
+              <a:schemeClr val="accent2"/>
+            </a:fillRef>
+            <a:effectRef idx="2">
+              <a:schemeClr val="accent2"/>
+            </a:effectRef>
+            <a:fontRef idx="minor">
+              <a:schemeClr val="lt1"/>
+            </a:fontRef>
+          </p:style>
+        </p:cxnSp>
+        <p:cxnSp>
+          <p:nvCxnSpPr>
+            <p:cNvPr id="20" name="Straight Arrow Connector 19"/>
+            <p:cNvCxnSpPr/>
+            <p:nvPr/>
+          </p:nvCxnSpPr>
+          <p:spPr>
+            <a:xfrm flipV="1">
+              <a:off x="4326261" y="2552369"/>
+              <a:ext cx="0" cy="963919"/>
+            </a:xfrm>
+            <a:prstGeom prst="straightConnector1">
+              <a:avLst/>
+            </a:prstGeom>
+            <a:ln>
+              <a:tailEnd type="arrow"/>
+            </a:ln>
+          </p:spPr>
+          <p:style>
+            <a:lnRef idx="1">
+              <a:schemeClr val="accent2"/>
+            </a:lnRef>
+            <a:fillRef idx="3">
+              <a:schemeClr val="accent2"/>
+            </a:fillRef>
+            <a:effectRef idx="2">
+              <a:schemeClr val="accent2"/>
+            </a:effectRef>
+            <a:fontRef idx="minor">
+              <a:schemeClr val="lt1"/>
+            </a:fontRef>
+          </p:style>
+        </p:cxnSp>
+      </p:grpSp>
+      <p:sp>
+        <p:nvSpPr>
+          <p:cNvPr id="22" name="Rectangle 21"/>
+          <p:cNvSpPr/>
+          <p:nvPr/>
+        </p:nvSpPr>
+        <p:spPr>
+          <a:xfrm>
+            <a:off x="562871" y="3410759"/>
+            <a:ext cx="2358645" cy="56700"/>
+          </a:xfrm>
+          <a:prstGeom prst="rect">
+            <a:avLst/>
+          </a:prstGeom>
+        </p:spPr>
+        <p:style>
+          <a:lnRef idx="1">
+            <a:schemeClr val="accent2"/>
+          </a:lnRef>
+          <a:fillRef idx="3">
+            <a:schemeClr val="accent2"/>
+          </a:fillRef>
+          <a:effectRef idx="2">
+            <a:schemeClr val="accent2"/>
+          </a:effectRef>
+          <a:fontRef idx="minor">
+            <a:schemeClr val="lt1"/>
+          </a:fontRef>
+        </p:style>
+        <p:txBody>
+          <a:bodyPr rtlCol="0" anchor="ctr"/>
+          <a:lstStyle/>
+          <a:p>
+            <a:pPr algn="ctr"/>
+            <a:endParaRPr lang="en-US"/>
+          </a:p>
+        </p:txBody>
+      </p:sp>
+      <p:cxnSp>
+        <p:nvCxnSpPr>
+          <p:cNvPr id="24" name="Straight Arrow Connector 23"/>
+          <p:cNvCxnSpPr/>
+          <p:nvPr/>
+        </p:nvCxnSpPr>
+        <p:spPr>
+          <a:xfrm flipV="1">
+            <a:off x="3858591" y="2722474"/>
+            <a:ext cx="0" cy="963919"/>
+          </a:xfrm>
+          <a:prstGeom prst="straightConnector1">
+            <a:avLst/>
+          </a:prstGeom>
+          <a:ln>
+            <a:headEnd type="arrow"/>
+            <a:tailEnd type="none"/>
+          </a:ln>
+        </p:spPr>
+        <p:style>
+          <a:lnRef idx="2">
+            <a:schemeClr val="accent1"/>
+          </a:lnRef>
+          <a:fillRef idx="0">
+            <a:schemeClr val="accent1"/>
+          </a:fillRef>
+          <a:effectRef idx="1">
+            <a:schemeClr val="accent1"/>
+          </a:effectRef>
+          <a:fontRef idx="minor">
+            <a:schemeClr val="tx1"/>
+          </a:fontRef>
+        </p:style>
+      </p:cxnSp>
+      <p:cxnSp>
+        <p:nvCxnSpPr>
+          <p:cNvPr id="25" name="Straight Arrow Connector 24"/>
+          <p:cNvCxnSpPr/>
+          <p:nvPr/>
+        </p:nvCxnSpPr>
+        <p:spPr>
+          <a:xfrm flipV="1">
+            <a:off x="4124387" y="2722474"/>
+            <a:ext cx="0" cy="963919"/>
+          </a:xfrm>
+          <a:prstGeom prst="straightConnector1">
+            <a:avLst/>
+          </a:prstGeom>
+          <a:ln>
+            <a:headEnd type="arrow"/>
+            <a:tailEnd type="none"/>
+          </a:ln>
+        </p:spPr>
+        <p:style>
+          <a:lnRef idx="2">
+            <a:schemeClr val="accent1"/>
+          </a:lnRef>
+          <a:fillRef idx="0">
+            <a:schemeClr val="accent1"/>
+          </a:fillRef>
+          <a:effectRef idx="1">
+            <a:schemeClr val="accent1"/>
+          </a:effectRef>
+          <a:fontRef idx="minor">
+            <a:schemeClr val="tx1"/>
+          </a:fontRef>
+        </p:style>
+      </p:cxnSp>
+      <p:cxnSp>
+        <p:nvCxnSpPr>
+          <p:cNvPr id="26" name="Straight Arrow Connector 25"/>
+          <p:cNvCxnSpPr/>
+          <p:nvPr/>
+        </p:nvCxnSpPr>
+        <p:spPr>
+          <a:xfrm flipV="1">
+            <a:off x="4390183" y="2722474"/>
+            <a:ext cx="0" cy="963919"/>
+          </a:xfrm>
+          <a:prstGeom prst="straightConnector1">
+            <a:avLst/>
+          </a:prstGeom>
+          <a:ln>
+            <a:headEnd type="arrow"/>
+            <a:tailEnd type="none"/>
+          </a:ln>
+        </p:spPr>
+        <p:style>
+          <a:lnRef idx="2">
+            <a:schemeClr val="accent1"/>
+          </a:lnRef>
+          <a:fillRef idx="0">
+            <a:schemeClr val="accent1"/>
+          </a:fillRef>
+          <a:effectRef idx="1">
+            <a:schemeClr val="accent1"/>
+          </a:effectRef>
+          <a:fontRef idx="minor">
+            <a:schemeClr val="tx1"/>
+          </a:fontRef>
+        </p:style>
+      </p:cxnSp>
+      <p:cxnSp>
+        <p:nvCxnSpPr>
+          <p:cNvPr id="27" name="Straight Arrow Connector 26"/>
+          <p:cNvCxnSpPr/>
+          <p:nvPr/>
+        </p:nvCxnSpPr>
+        <p:spPr>
+          <a:xfrm flipV="1">
+            <a:off x="4655979" y="2722474"/>
+            <a:ext cx="0" cy="963919"/>
+          </a:xfrm>
+          <a:prstGeom prst="straightConnector1">
+            <a:avLst/>
+          </a:prstGeom>
+          <a:ln>
+            <a:headEnd type="arrow"/>
+            <a:tailEnd type="none"/>
+          </a:ln>
+        </p:spPr>
+        <p:style>
+          <a:lnRef idx="2">
+            <a:schemeClr val="accent1"/>
+          </a:lnRef>
+          <a:fillRef idx="0">
+            <a:schemeClr val="accent1"/>
+          </a:fillRef>
+          <a:effectRef idx="1">
+            <a:schemeClr val="accent1"/>
+          </a:effectRef>
+          <a:fontRef idx="minor">
+            <a:schemeClr val="tx1"/>
+          </a:fontRef>
+        </p:style>
+      </p:cxnSp>
+      <p:cxnSp>
+        <p:nvCxnSpPr>
+          <p:cNvPr id="28" name="Straight Arrow Connector 27"/>
+          <p:cNvCxnSpPr/>
+          <p:nvPr/>
+        </p:nvCxnSpPr>
+        <p:spPr>
+          <a:xfrm flipV="1">
+            <a:off x="4921775" y="2722474"/>
+            <a:ext cx="0" cy="963919"/>
+          </a:xfrm>
+          <a:prstGeom prst="straightConnector1">
+            <a:avLst/>
+          </a:prstGeom>
+          <a:ln>
+            <a:headEnd type="arrow"/>
+            <a:tailEnd type="none"/>
+          </a:ln>
+        </p:spPr>
+        <p:style>
+          <a:lnRef idx="2">
+            <a:schemeClr val="accent1"/>
+          </a:lnRef>
+          <a:fillRef idx="0">
+            <a:schemeClr val="accent1"/>
+          </a:fillRef>
+          <a:effectRef idx="1">
+            <a:schemeClr val="accent1"/>
+          </a:effectRef>
+          <a:fontRef idx="minor">
+            <a:schemeClr val="tx1"/>
+          </a:fontRef>
+        </p:style>
+      </p:cxnSp>
+      <p:cxnSp>
+        <p:nvCxnSpPr>
+          <p:cNvPr id="29" name="Straight Arrow Connector 28"/>
+          <p:cNvCxnSpPr/>
+          <p:nvPr/>
+        </p:nvCxnSpPr>
+        <p:spPr>
+          <a:xfrm flipV="1">
+            <a:off x="5187571" y="2722474"/>
+            <a:ext cx="0" cy="963919"/>
+          </a:xfrm>
+          <a:prstGeom prst="straightConnector1">
+            <a:avLst/>
+          </a:prstGeom>
+          <a:ln>
+            <a:headEnd type="arrow"/>
+            <a:tailEnd type="none"/>
+          </a:ln>
+        </p:spPr>
+        <p:style>
+          <a:lnRef idx="2">
+            <a:schemeClr val="accent1"/>
+          </a:lnRef>
+          <a:fillRef idx="0">
+            <a:schemeClr val="accent1"/>
+          </a:fillRef>
+          <a:effectRef idx="1">
+            <a:schemeClr val="accent1"/>
+          </a:effectRef>
+          <a:fontRef idx="minor">
+            <a:schemeClr val="tx1"/>
+          </a:fontRef>
+        </p:style>
+      </p:cxnSp>
+      <p:cxnSp>
+        <p:nvCxnSpPr>
+          <p:cNvPr id="30" name="Straight Arrow Connector 29"/>
+          <p:cNvCxnSpPr/>
+          <p:nvPr/>
+        </p:nvCxnSpPr>
+        <p:spPr>
+          <a:xfrm flipV="1">
+            <a:off x="5453367" y="2722474"/>
+            <a:ext cx="0" cy="963919"/>
+          </a:xfrm>
+          <a:prstGeom prst="straightConnector1">
+            <a:avLst/>
+          </a:prstGeom>
+          <a:ln>
+            <a:headEnd type="arrow"/>
+            <a:tailEnd type="none"/>
+          </a:ln>
+        </p:spPr>
+        <p:style>
+          <a:lnRef idx="2">
+            <a:schemeClr val="accent1"/>
+          </a:lnRef>
+          <a:fillRef idx="0">
+            <a:schemeClr val="accent1"/>
+          </a:fillRef>
+          <a:effectRef idx="1">
+            <a:schemeClr val="accent1"/>
+          </a:effectRef>
+          <a:fontRef idx="minor">
+            <a:schemeClr val="tx1"/>
+          </a:fontRef>
+        </p:style>
+      </p:cxnSp>
+      <p:cxnSp>
+        <p:nvCxnSpPr>
+          <p:cNvPr id="31" name="Straight Arrow Connector 30"/>
+          <p:cNvCxnSpPr/>
+          <p:nvPr/>
+        </p:nvCxnSpPr>
+        <p:spPr>
+          <a:xfrm flipV="1">
+            <a:off x="5719166" y="2722474"/>
+            <a:ext cx="0" cy="963919"/>
+          </a:xfrm>
+          <a:prstGeom prst="straightConnector1">
+            <a:avLst/>
+          </a:prstGeom>
+          <a:ln>
+            <a:headEnd type="arrow"/>
+            <a:tailEnd type="none"/>
+          </a:ln>
+        </p:spPr>
+        <p:style>
+          <a:lnRef idx="2">
+            <a:schemeClr val="accent1"/>
+          </a:lnRef>
+          <a:fillRef idx="0">
+            <a:schemeClr val="accent1"/>
+          </a:fillRef>
+          <a:effectRef idx="1">
+            <a:schemeClr val="accent1"/>
+          </a:effectRef>
+          <a:fontRef idx="minor">
+            <a:schemeClr val="tx1"/>
+          </a:fontRef>
+        </p:style>
+      </p:cxnSp>
+      <p:grpSp>
+        <p:nvGrpSpPr>
+          <p:cNvPr id="32" name="Group 31"/>
+          <p:cNvGrpSpPr/>
+          <p:nvPr/>
+        </p:nvGrpSpPr>
+        <p:grpSpPr>
+          <a:xfrm rot="10800000">
+            <a:off x="3858591" y="3743093"/>
+            <a:ext cx="1860575" cy="963919"/>
+            <a:chOff x="2465686" y="2552369"/>
+            <a:chExt cx="1860575" cy="963919"/>
+          </a:xfrm>
+        </p:grpSpPr>
+        <p:cxnSp>
+          <p:nvCxnSpPr>
+            <p:cNvPr id="33" name="Straight Arrow Connector 32"/>
+            <p:cNvCxnSpPr/>
+            <p:nvPr/>
+          </p:nvCxnSpPr>
+          <p:spPr>
+            <a:xfrm flipV="1">
+              <a:off x="2465686" y="2552369"/>
+              <a:ext cx="0" cy="963919"/>
+            </a:xfrm>
+            <a:prstGeom prst="straightConnector1">
+              <a:avLst/>
+            </a:prstGeom>
+            <a:ln>
+              <a:headEnd type="arrow"/>
+              <a:tailEnd type="none"/>
+            </a:ln>
+          </p:spPr>
+          <p:style>
+            <a:lnRef idx="2">
+              <a:schemeClr val="accent1"/>
+            </a:lnRef>
+            <a:fillRef idx="0">
+              <a:schemeClr val="accent1"/>
+            </a:fillRef>
+            <a:effectRef idx="1">
+              <a:schemeClr val="accent1"/>
+            </a:effectRef>
+            <a:fontRef idx="minor">
+              <a:schemeClr val="tx1"/>
+            </a:fontRef>
+          </p:style>
+        </p:cxnSp>
+        <p:cxnSp>
+          <p:nvCxnSpPr>
+            <p:cNvPr id="34" name="Straight Arrow Connector 33"/>
+            <p:cNvCxnSpPr/>
+            <p:nvPr/>
+          </p:nvCxnSpPr>
+          <p:spPr>
+            <a:xfrm flipV="1">
+              <a:off x="2731482" y="2552369"/>
+              <a:ext cx="0" cy="963919"/>
+            </a:xfrm>
+            <a:prstGeom prst="straightConnector1">
+              <a:avLst/>
+            </a:prstGeom>
+            <a:ln>
+              <a:headEnd type="arrow"/>
+              <a:tailEnd type="none"/>
+            </a:ln>
+          </p:spPr>
+          <p:style>
+            <a:lnRef idx="2">
+              <a:schemeClr val="accent1"/>
+            </a:lnRef>
+            <a:fillRef idx="0">
+              <a:schemeClr val="accent1"/>
+            </a:fillRef>
+            <a:effectRef idx="1">
+              <a:schemeClr val="accent1"/>
+            </a:effectRef>
+            <a:fontRef idx="minor">
+              <a:schemeClr val="tx1"/>
+            </a:fontRef>
+          </p:style>
+        </p:cxnSp>
+        <p:cxnSp>
+          <p:nvCxnSpPr>
+            <p:cNvPr id="35" name="Straight Arrow Connector 34"/>
+            <p:cNvCxnSpPr/>
+            <p:nvPr/>
+          </p:nvCxnSpPr>
+          <p:spPr>
+            <a:xfrm flipV="1">
+              <a:off x="2997278" y="2552369"/>
+              <a:ext cx="0" cy="963919"/>
+            </a:xfrm>
+            <a:prstGeom prst="straightConnector1">
+              <a:avLst/>
+            </a:prstGeom>
+            <a:ln>
+              <a:headEnd type="arrow"/>
+              <a:tailEnd type="none"/>
+            </a:ln>
+          </p:spPr>
+          <p:style>
+            <a:lnRef idx="2">
+              <a:schemeClr val="accent1"/>
+            </a:lnRef>
+            <a:fillRef idx="0">
+              <a:schemeClr val="accent1"/>
+            </a:fillRef>
+            <a:effectRef idx="1">
+              <a:schemeClr val="accent1"/>
+            </a:effectRef>
+            <a:fontRef idx="minor">
+              <a:schemeClr val="tx1"/>
+            </a:fontRef>
+          </p:style>
+        </p:cxnSp>
+        <p:cxnSp>
+          <p:nvCxnSpPr>
+            <p:cNvPr id="36" name="Straight Arrow Connector 35"/>
+            <p:cNvCxnSpPr/>
+            <p:nvPr/>
+          </p:nvCxnSpPr>
+          <p:spPr>
+            <a:xfrm flipV="1">
+              <a:off x="3263074" y="2552369"/>
+              <a:ext cx="0" cy="963919"/>
+            </a:xfrm>
+            <a:prstGeom prst="straightConnector1">
+              <a:avLst/>
+            </a:prstGeom>
+            <a:ln>
+              <a:headEnd type="arrow"/>
+              <a:tailEnd type="none"/>
+            </a:ln>
+          </p:spPr>
+          <p:style>
+            <a:lnRef idx="2">
+              <a:schemeClr val="accent1"/>
+            </a:lnRef>
+            <a:fillRef idx="0">
+              <a:schemeClr val="accent1"/>
+            </a:fillRef>
+            <a:effectRef idx="1">
+              <a:schemeClr val="accent1"/>
+            </a:effectRef>
+            <a:fontRef idx="minor">
+              <a:schemeClr val="tx1"/>
+            </a:fontRef>
+          </p:style>
+        </p:cxnSp>
+        <p:cxnSp>
+          <p:nvCxnSpPr>
+            <p:cNvPr id="37" name="Straight Arrow Connector 36"/>
+            <p:cNvCxnSpPr/>
+            <p:nvPr/>
+          </p:nvCxnSpPr>
+          <p:spPr>
+            <a:xfrm flipV="1">
+              <a:off x="3528870" y="2552369"/>
+              <a:ext cx="0" cy="963919"/>
+            </a:xfrm>
+            <a:prstGeom prst="straightConnector1">
+              <a:avLst/>
+            </a:prstGeom>
+            <a:ln>
+              <a:headEnd type="arrow"/>
+              <a:tailEnd type="none"/>
+            </a:ln>
+          </p:spPr>
+          <p:style>
+            <a:lnRef idx="2">
+              <a:schemeClr val="accent1"/>
+            </a:lnRef>
+            <a:fillRef idx="0">
+              <a:schemeClr val="accent1"/>
+            </a:fillRef>
+            <a:effectRef idx="1">
+              <a:schemeClr val="accent1"/>
+            </a:effectRef>
+            <a:fontRef idx="minor">
+              <a:schemeClr val="tx1"/>
+            </a:fontRef>
+          </p:style>
+        </p:cxnSp>
+        <p:cxnSp>
+          <p:nvCxnSpPr>
+            <p:cNvPr id="38" name="Straight Arrow Connector 37"/>
+            <p:cNvCxnSpPr/>
+            <p:nvPr/>
+          </p:nvCxnSpPr>
+          <p:spPr>
+            <a:xfrm flipV="1">
+              <a:off x="3794666" y="2552369"/>
+              <a:ext cx="0" cy="963919"/>
+            </a:xfrm>
+            <a:prstGeom prst="straightConnector1">
+              <a:avLst/>
+            </a:prstGeom>
+            <a:ln>
+              <a:headEnd type="arrow"/>
+              <a:tailEnd type="none"/>
+            </a:ln>
+          </p:spPr>
+          <p:style>
+            <a:lnRef idx="2">
+              <a:schemeClr val="accent1"/>
+            </a:lnRef>
+            <a:fillRef idx="0">
+              <a:schemeClr val="accent1"/>
+            </a:fillRef>
+            <a:effectRef idx="1">
+              <a:schemeClr val="accent1"/>
+            </a:effectRef>
+            <a:fontRef idx="minor">
+              <a:schemeClr val="tx1"/>
+            </a:fontRef>
+          </p:style>
+        </p:cxnSp>
+        <p:cxnSp>
+          <p:nvCxnSpPr>
+            <p:cNvPr id="39" name="Straight Arrow Connector 38"/>
+            <p:cNvCxnSpPr/>
+            <p:nvPr/>
+          </p:nvCxnSpPr>
+          <p:spPr>
+            <a:xfrm flipV="1">
+              <a:off x="4060462" y="2552369"/>
+              <a:ext cx="0" cy="963919"/>
+            </a:xfrm>
+            <a:prstGeom prst="straightConnector1">
+              <a:avLst/>
+            </a:prstGeom>
+            <a:ln>
+              <a:headEnd type="arrow"/>
+              <a:tailEnd type="none"/>
+            </a:ln>
+          </p:spPr>
+          <p:style>
+            <a:lnRef idx="2">
+              <a:schemeClr val="accent1"/>
+            </a:lnRef>
+            <a:fillRef idx="0">
+              <a:schemeClr val="accent1"/>
+            </a:fillRef>
+            <a:effectRef idx="1">
+              <a:schemeClr val="accent1"/>
+            </a:effectRef>
+            <a:fontRef idx="minor">
+              <a:schemeClr val="tx1"/>
+            </a:fontRef>
+          </p:style>
+        </p:cxnSp>
+        <p:cxnSp>
+          <p:nvCxnSpPr>
+            <p:cNvPr id="40" name="Straight Arrow Connector 39"/>
+            <p:cNvCxnSpPr/>
+            <p:nvPr/>
+          </p:nvCxnSpPr>
+          <p:spPr>
+            <a:xfrm flipV="1">
+              <a:off x="4326261" y="2552369"/>
+              <a:ext cx="0" cy="963919"/>
+            </a:xfrm>
+            <a:prstGeom prst="straightConnector1">
+              <a:avLst/>
+            </a:prstGeom>
+            <a:ln>
+              <a:headEnd type="arrow"/>
+              <a:tailEnd type="none"/>
+            </a:ln>
+          </p:spPr>
+          <p:style>
+            <a:lnRef idx="2">
+              <a:schemeClr val="accent1"/>
+            </a:lnRef>
+            <a:fillRef idx="0">
+              <a:schemeClr val="accent1"/>
+            </a:fillRef>
+            <a:effectRef idx="1">
+              <a:schemeClr val="accent1"/>
+            </a:effectRef>
+            <a:fontRef idx="minor">
+              <a:schemeClr val="tx1"/>
+            </a:fontRef>
+          </p:style>
+        </p:cxnSp>
+      </p:grpSp>
+      <p:sp>
+        <p:nvSpPr>
+          <p:cNvPr id="41" name="Rectangle 40"/>
+          <p:cNvSpPr/>
+          <p:nvPr/>
+        </p:nvSpPr>
+        <p:spPr>
+          <a:xfrm>
+            <a:off x="3541077" y="3686393"/>
+            <a:ext cx="2358645" cy="56700"/>
+          </a:xfrm>
+          <a:prstGeom prst="rect">
+            <a:avLst/>
+          </a:prstGeom>
+        </p:spPr>
+        <p:style>
+          <a:lnRef idx="1">
+            <a:schemeClr val="accent1"/>
+          </a:lnRef>
+          <a:fillRef idx="3">
+            <a:schemeClr val="accent1"/>
+          </a:fillRef>
+          <a:effectRef idx="2">
+            <a:schemeClr val="accent1"/>
+          </a:effectRef>
+          <a:fontRef idx="minor">
+            <a:schemeClr val="lt1"/>
+          </a:fontRef>
+        </p:style>
+        <p:txBody>
+          <a:bodyPr rtlCol="0" anchor="ctr"/>
+          <a:lstStyle/>
+          <a:p>
+            <a:pPr algn="ctr"/>
+            <a:endParaRPr lang="en-US"/>
+          </a:p>
+        </p:txBody>
+      </p:sp>
+      <p:sp>
+        <p:nvSpPr>
+          <p:cNvPr id="60" name="TextBox 59"/>
+          <p:cNvSpPr txBox="1"/>
+          <p:nvPr/>
+        </p:nvSpPr>
+        <p:spPr>
+          <a:xfrm>
+            <a:off x="2981326" y="3271719"/>
+            <a:ext cx="389049" cy="584776"/>
+          </a:xfrm>
+          <a:prstGeom prst="rect">
+            <a:avLst/>
+          </a:prstGeom>
+          <a:noFill/>
+        </p:spPr>
+        <p:txBody>
+          <a:bodyPr wrap="none" rtlCol="0">
+            <a:spAutoFit/>
+          </a:bodyPr>
+          <a:lstStyle/>
+          <a:p>
+            <a:r>
+              <a:rPr lang="en-US" sz="3200" b="1" dirty="0" smtClean="0"/>
+              <a:t>+</a:t>
+            </a:r>
+            <a:endParaRPr lang="en-US" sz="3200" b="1" dirty="0"/>
+          </a:p>
+        </p:txBody>
+      </p:sp>
+      <p:grpSp>
+        <p:nvGrpSpPr>
+          <p:cNvPr id="163" name="Group 162"/>
+          <p:cNvGrpSpPr/>
+          <p:nvPr/>
+        </p:nvGrpSpPr>
+        <p:grpSpPr>
+          <a:xfrm>
+            <a:off x="6793317" y="2722474"/>
+            <a:ext cx="1860575" cy="690612"/>
+            <a:chOff x="6793317" y="2449167"/>
+            <a:chExt cx="1860575" cy="963919"/>
+          </a:xfrm>
+        </p:grpSpPr>
+        <p:cxnSp>
+          <p:nvCxnSpPr>
+            <p:cNvPr id="61" name="Straight Arrow Connector 60"/>
+            <p:cNvCxnSpPr/>
+            <p:nvPr/>
+          </p:nvCxnSpPr>
+          <p:spPr>
+            <a:xfrm flipV="1">
+              <a:off x="6793317" y="2449167"/>
+              <a:ext cx="0" cy="963919"/>
+            </a:xfrm>
+            <a:prstGeom prst="straightConnector1">
+              <a:avLst/>
+            </a:prstGeom>
+            <a:ln>
+              <a:tailEnd type="arrow"/>
+            </a:ln>
+          </p:spPr>
+          <p:style>
+            <a:lnRef idx="1">
+              <a:schemeClr val="accent2"/>
+            </a:lnRef>
+            <a:fillRef idx="3">
+              <a:schemeClr val="accent2"/>
+            </a:fillRef>
+            <a:effectRef idx="2">
+              <a:schemeClr val="accent2"/>
+            </a:effectRef>
+            <a:fontRef idx="minor">
+              <a:schemeClr val="lt1"/>
+            </a:fontRef>
+          </p:style>
+        </p:cxnSp>
+        <p:cxnSp>
+          <p:nvCxnSpPr>
+            <p:cNvPr id="62" name="Straight Arrow Connector 61"/>
+            <p:cNvCxnSpPr/>
+            <p:nvPr/>
+          </p:nvCxnSpPr>
+          <p:spPr>
+            <a:xfrm flipV="1">
+              <a:off x="7059113" y="2449167"/>
+              <a:ext cx="0" cy="963919"/>
+            </a:xfrm>
+            <a:prstGeom prst="straightConnector1">
+              <a:avLst/>
+            </a:prstGeom>
+            <a:ln>
+              <a:tailEnd type="arrow"/>
+            </a:ln>
+          </p:spPr>
+          <p:style>
+            <a:lnRef idx="1">
+              <a:schemeClr val="accent2"/>
+            </a:lnRef>
+            <a:fillRef idx="3">
+              <a:schemeClr val="accent2"/>
+            </a:fillRef>
+            <a:effectRef idx="2">
+              <a:schemeClr val="accent2"/>
+            </a:effectRef>
+            <a:fontRef idx="minor">
+              <a:schemeClr val="lt1"/>
+            </a:fontRef>
+          </p:style>
+        </p:cxnSp>
+        <p:cxnSp>
+          <p:nvCxnSpPr>
+            <p:cNvPr id="63" name="Straight Arrow Connector 62"/>
+            <p:cNvCxnSpPr/>
+            <p:nvPr/>
+          </p:nvCxnSpPr>
+          <p:spPr>
+            <a:xfrm flipV="1">
+              <a:off x="7324909" y="2449167"/>
+              <a:ext cx="0" cy="963919"/>
+            </a:xfrm>
+            <a:prstGeom prst="straightConnector1">
+              <a:avLst/>
+            </a:prstGeom>
+            <a:ln>
+              <a:tailEnd type="arrow"/>
+            </a:ln>
+          </p:spPr>
+          <p:style>
+            <a:lnRef idx="1">
+              <a:schemeClr val="accent2"/>
+            </a:lnRef>
+            <a:fillRef idx="3">
+              <a:schemeClr val="accent2"/>
+            </a:fillRef>
+            <a:effectRef idx="2">
+              <a:schemeClr val="accent2"/>
+            </a:effectRef>
+            <a:fontRef idx="minor">
+              <a:schemeClr val="lt1"/>
+            </a:fontRef>
+          </p:style>
+        </p:cxnSp>
+        <p:cxnSp>
+          <p:nvCxnSpPr>
+            <p:cNvPr id="64" name="Straight Arrow Connector 63"/>
+            <p:cNvCxnSpPr/>
+            <p:nvPr/>
+          </p:nvCxnSpPr>
+          <p:spPr>
+            <a:xfrm flipV="1">
+              <a:off x="7590705" y="2449167"/>
+              <a:ext cx="0" cy="963919"/>
+            </a:xfrm>
+            <a:prstGeom prst="straightConnector1">
+              <a:avLst/>
+            </a:prstGeom>
+            <a:ln>
+              <a:tailEnd type="arrow"/>
+            </a:ln>
+          </p:spPr>
+          <p:style>
+            <a:lnRef idx="1">
+              <a:schemeClr val="accent2"/>
+            </a:lnRef>
+            <a:fillRef idx="3">
+              <a:schemeClr val="accent2"/>
+            </a:fillRef>
+            <a:effectRef idx="2">
+              <a:schemeClr val="accent2"/>
+            </a:effectRef>
+            <a:fontRef idx="minor">
+              <a:schemeClr val="lt1"/>
+            </a:fontRef>
+          </p:style>
+        </p:cxnSp>
+        <p:cxnSp>
+          <p:nvCxnSpPr>
+            <p:cNvPr id="65" name="Straight Arrow Connector 64"/>
+            <p:cNvCxnSpPr/>
+            <p:nvPr/>
+          </p:nvCxnSpPr>
+          <p:spPr>
+            <a:xfrm flipV="1">
+              <a:off x="7856501" y="2449167"/>
+              <a:ext cx="0" cy="963919"/>
+            </a:xfrm>
+            <a:prstGeom prst="straightConnector1">
+              <a:avLst/>
+            </a:prstGeom>
+            <a:ln>
+              <a:tailEnd type="arrow"/>
+            </a:ln>
+          </p:spPr>
+          <p:style>
+            <a:lnRef idx="1">
+              <a:schemeClr val="accent2"/>
+            </a:lnRef>
+            <a:fillRef idx="3">
+              <a:schemeClr val="accent2"/>
+            </a:fillRef>
+            <a:effectRef idx="2">
+              <a:schemeClr val="accent2"/>
+            </a:effectRef>
+            <a:fontRef idx="minor">
+              <a:schemeClr val="lt1"/>
+            </a:fontRef>
+          </p:style>
+        </p:cxnSp>
+        <p:cxnSp>
+          <p:nvCxnSpPr>
+            <p:cNvPr id="66" name="Straight Arrow Connector 65"/>
+            <p:cNvCxnSpPr/>
+            <p:nvPr/>
+          </p:nvCxnSpPr>
+          <p:spPr>
+            <a:xfrm flipV="1">
+              <a:off x="8122297" y="2449167"/>
+              <a:ext cx="0" cy="963919"/>
+            </a:xfrm>
+            <a:prstGeom prst="straightConnector1">
+              <a:avLst/>
+            </a:prstGeom>
+            <a:ln>
+              <a:tailEnd type="arrow"/>
+            </a:ln>
+          </p:spPr>
+          <p:style>
+            <a:lnRef idx="1">
+              <a:schemeClr val="accent2"/>
+            </a:lnRef>
+            <a:fillRef idx="3">
+              <a:schemeClr val="accent2"/>
+            </a:fillRef>
+            <a:effectRef idx="2">
+              <a:schemeClr val="accent2"/>
+            </a:effectRef>
+            <a:fontRef idx="minor">
+              <a:schemeClr val="lt1"/>
+            </a:fontRef>
+          </p:style>
+        </p:cxnSp>
+        <p:cxnSp>
+          <p:nvCxnSpPr>
+            <p:cNvPr id="67" name="Straight Arrow Connector 66"/>
+            <p:cNvCxnSpPr/>
+            <p:nvPr/>
+          </p:nvCxnSpPr>
+          <p:spPr>
+            <a:xfrm flipV="1">
+              <a:off x="8388093" y="2449167"/>
+              <a:ext cx="0" cy="963919"/>
+            </a:xfrm>
+            <a:prstGeom prst="straightConnector1">
+              <a:avLst/>
+            </a:prstGeom>
+            <a:ln>
+              <a:tailEnd type="arrow"/>
+            </a:ln>
+          </p:spPr>
+          <p:style>
+            <a:lnRef idx="1">
+              <a:schemeClr val="accent2"/>
+            </a:lnRef>
+            <a:fillRef idx="3">
+              <a:schemeClr val="accent2"/>
+            </a:fillRef>
+            <a:effectRef idx="2">
+              <a:schemeClr val="accent2"/>
+            </a:effectRef>
+            <a:fontRef idx="minor">
+              <a:schemeClr val="lt1"/>
+            </a:fontRef>
+          </p:style>
+        </p:cxnSp>
+        <p:cxnSp>
+          <p:nvCxnSpPr>
+            <p:cNvPr id="68" name="Straight Arrow Connector 67"/>
+            <p:cNvCxnSpPr/>
+            <p:nvPr/>
+          </p:nvCxnSpPr>
+          <p:spPr>
+            <a:xfrm flipV="1">
+              <a:off x="8653892" y="2449167"/>
+              <a:ext cx="0" cy="963919"/>
+            </a:xfrm>
+            <a:prstGeom prst="straightConnector1">
+              <a:avLst/>
+            </a:prstGeom>
+            <a:ln>
+              <a:tailEnd type="arrow"/>
+            </a:ln>
+          </p:spPr>
+          <p:style>
+            <a:lnRef idx="1">
+              <a:schemeClr val="accent2"/>
+            </a:lnRef>
+            <a:fillRef idx="3">
+              <a:schemeClr val="accent2"/>
+            </a:fillRef>
+            <a:effectRef idx="2">
+              <a:schemeClr val="accent2"/>
+            </a:effectRef>
+            <a:fontRef idx="minor">
+              <a:schemeClr val="lt1"/>
+            </a:fontRef>
+          </p:style>
+        </p:cxnSp>
+      </p:grpSp>
+      <p:grpSp>
+        <p:nvGrpSpPr>
+          <p:cNvPr id="69" name="Group 68"/>
+          <p:cNvGrpSpPr/>
+          <p:nvPr/>
+        </p:nvGrpSpPr>
+        <p:grpSpPr>
+          <a:xfrm rot="10800000">
+            <a:off x="6793317" y="3469786"/>
+            <a:ext cx="1860575" cy="963919"/>
+            <a:chOff x="2465686" y="2552369"/>
+            <a:chExt cx="1860575" cy="963919"/>
+          </a:xfrm>
+        </p:grpSpPr>
+        <p:cxnSp>
+          <p:nvCxnSpPr>
+            <p:cNvPr id="70" name="Straight Arrow Connector 69"/>
+            <p:cNvCxnSpPr/>
+            <p:nvPr/>
+          </p:nvCxnSpPr>
+          <p:spPr>
+            <a:xfrm flipV="1">
+              <a:off x="2465686" y="2552369"/>
+              <a:ext cx="0" cy="963919"/>
+            </a:xfrm>
+            <a:prstGeom prst="straightConnector1">
+              <a:avLst/>
+            </a:prstGeom>
+            <a:ln>
+              <a:tailEnd type="arrow"/>
+            </a:ln>
+          </p:spPr>
+          <p:style>
+            <a:lnRef idx="1">
+              <a:schemeClr val="accent2"/>
+            </a:lnRef>
+            <a:fillRef idx="3">
+              <a:schemeClr val="accent2"/>
+            </a:fillRef>
+            <a:effectRef idx="2">
+              <a:schemeClr val="accent2"/>
+            </a:effectRef>
+            <a:fontRef idx="minor">
+              <a:schemeClr val="lt1"/>
+            </a:fontRef>
+          </p:style>
+        </p:cxnSp>
+        <p:cxnSp>
+          <p:nvCxnSpPr>
+            <p:cNvPr id="71" name="Straight Arrow Connector 70"/>
+            <p:cNvCxnSpPr/>
+            <p:nvPr/>
+          </p:nvCxnSpPr>
+          <p:spPr>
+            <a:xfrm flipV="1">
+              <a:off x="2731482" y="2552369"/>
+              <a:ext cx="0" cy="963919"/>
+            </a:xfrm>
+            <a:prstGeom prst="straightConnector1">
+              <a:avLst/>
+            </a:prstGeom>
+            <a:ln>
+              <a:tailEnd type="arrow"/>
+            </a:ln>
+          </p:spPr>
+          <p:style>
+            <a:lnRef idx="1">
+              <a:schemeClr val="accent2"/>
+            </a:lnRef>
+            <a:fillRef idx="3">
+              <a:schemeClr val="accent2"/>
+            </a:fillRef>
+            <a:effectRef idx="2">
+              <a:schemeClr val="accent2"/>
+            </a:effectRef>
+            <a:fontRef idx="minor">
+              <a:schemeClr val="lt1"/>
+            </a:fontRef>
+          </p:style>
+        </p:cxnSp>
+        <p:cxnSp>
+          <p:nvCxnSpPr>
+            <p:cNvPr id="72" name="Straight Arrow Connector 71"/>
+            <p:cNvCxnSpPr/>
+            <p:nvPr/>
+          </p:nvCxnSpPr>
+          <p:spPr>
+            <a:xfrm flipV="1">
+              <a:off x="2997278" y="2552369"/>
+              <a:ext cx="0" cy="963919"/>
+            </a:xfrm>
+            <a:prstGeom prst="straightConnector1">
+              <a:avLst/>
+            </a:prstGeom>
+            <a:ln>
+              <a:tailEnd type="arrow"/>
+            </a:ln>
+          </p:spPr>
+          <p:style>
+            <a:lnRef idx="1">
+              <a:schemeClr val="accent2"/>
+            </a:lnRef>
+            <a:fillRef idx="3">
+              <a:schemeClr val="accent2"/>
+            </a:fillRef>
+            <a:effectRef idx="2">
+              <a:schemeClr val="accent2"/>
+            </a:effectRef>
+            <a:fontRef idx="minor">
+              <a:schemeClr val="lt1"/>
+            </a:fontRef>
+          </p:style>
+        </p:cxnSp>
+        <p:cxnSp>
+          <p:nvCxnSpPr>
+            <p:cNvPr id="73" name="Straight Arrow Connector 72"/>
+            <p:cNvCxnSpPr/>
+            <p:nvPr/>
+          </p:nvCxnSpPr>
+          <p:spPr>
+            <a:xfrm flipV="1">
+              <a:off x="3263074" y="2552369"/>
+              <a:ext cx="0" cy="963919"/>
+            </a:xfrm>
+            <a:prstGeom prst="straightConnector1">
+              <a:avLst/>
+            </a:prstGeom>
+            <a:ln>
+              <a:tailEnd type="arrow"/>
+            </a:ln>
+          </p:spPr>
+          <p:style>
+            <a:lnRef idx="1">
+              <a:schemeClr val="accent2"/>
+            </a:lnRef>
+            <a:fillRef idx="3">
+              <a:schemeClr val="accent2"/>
+            </a:fillRef>
+            <a:effectRef idx="2">
+              <a:schemeClr val="accent2"/>
+            </a:effectRef>
+            <a:fontRef idx="minor">
+              <a:schemeClr val="lt1"/>
+            </a:fontRef>
+          </p:style>
+        </p:cxnSp>
+        <p:cxnSp>
+          <p:nvCxnSpPr>
+            <p:cNvPr id="74" name="Straight Arrow Connector 73"/>
+            <p:cNvCxnSpPr/>
+            <p:nvPr/>
+          </p:nvCxnSpPr>
+          <p:spPr>
+            <a:xfrm flipV="1">
+              <a:off x="3528870" y="2552369"/>
+              <a:ext cx="0" cy="963919"/>
+            </a:xfrm>
+            <a:prstGeom prst="straightConnector1">
+              <a:avLst/>
+            </a:prstGeom>
+            <a:ln>
+              <a:tailEnd type="arrow"/>
+            </a:ln>
+          </p:spPr>
+          <p:style>
+            <a:lnRef idx="1">
+              <a:schemeClr val="accent2"/>
+            </a:lnRef>
+            <a:fillRef idx="3">
+              <a:schemeClr val="accent2"/>
+            </a:fillRef>
+            <a:effectRef idx="2">
+              <a:schemeClr val="accent2"/>
+            </a:effectRef>
+            <a:fontRef idx="minor">
+              <a:schemeClr val="lt1"/>
+            </a:fontRef>
+          </p:style>
+        </p:cxnSp>
+        <p:cxnSp>
+          <p:nvCxnSpPr>
+            <p:cNvPr id="75" name="Straight Arrow Connector 74"/>
+            <p:cNvCxnSpPr/>
+            <p:nvPr/>
+          </p:nvCxnSpPr>
+          <p:spPr>
+            <a:xfrm flipV="1">
+              <a:off x="3794666" y="2552369"/>
+              <a:ext cx="0" cy="963919"/>
+            </a:xfrm>
+            <a:prstGeom prst="straightConnector1">
+              <a:avLst/>
+            </a:prstGeom>
+            <a:ln>
+              <a:tailEnd type="arrow"/>
+            </a:ln>
+          </p:spPr>
+          <p:style>
+            <a:lnRef idx="1">
+              <a:schemeClr val="accent2"/>
+            </a:lnRef>
+            <a:fillRef idx="3">
+              <a:schemeClr val="accent2"/>
+            </a:fillRef>
+            <a:effectRef idx="2">
+              <a:schemeClr val="accent2"/>
+            </a:effectRef>
+            <a:fontRef idx="minor">
+              <a:schemeClr val="lt1"/>
+            </a:fontRef>
+          </p:style>
+        </p:cxnSp>
+        <p:cxnSp>
+          <p:nvCxnSpPr>
+            <p:cNvPr id="76" name="Straight Arrow Connector 75"/>
+            <p:cNvCxnSpPr/>
+            <p:nvPr/>
+          </p:nvCxnSpPr>
+          <p:spPr>
+            <a:xfrm flipV="1">
+              <a:off x="4060462" y="2552369"/>
+              <a:ext cx="0" cy="963919"/>
+            </a:xfrm>
+            <a:prstGeom prst="straightConnector1">
+              <a:avLst/>
+            </a:prstGeom>
+            <a:ln>
+              <a:tailEnd type="arrow"/>
+            </a:ln>
+          </p:spPr>
+          <p:style>
+            <a:lnRef idx="1">
+              <a:schemeClr val="accent2"/>
+            </a:lnRef>
+            <a:fillRef idx="3">
+              <a:schemeClr val="accent2"/>
+            </a:fillRef>
+            <a:effectRef idx="2">
+              <a:schemeClr val="accent2"/>
+            </a:effectRef>
+            <a:fontRef idx="minor">
+              <a:schemeClr val="lt1"/>
+            </a:fontRef>
+          </p:style>
+        </p:cxnSp>
+        <p:cxnSp>
+          <p:nvCxnSpPr>
+            <p:cNvPr id="77" name="Straight Arrow Connector 76"/>
+            <p:cNvCxnSpPr/>
+            <p:nvPr/>
+          </p:nvCxnSpPr>
+          <p:spPr>
+            <a:xfrm flipV="1">
+              <a:off x="4326261" y="2552369"/>
+              <a:ext cx="0" cy="963919"/>
+            </a:xfrm>
+            <a:prstGeom prst="straightConnector1">
+              <a:avLst/>
+            </a:prstGeom>
+            <a:ln>
+              <a:tailEnd type="arrow"/>
+            </a:ln>
+          </p:spPr>
+          <p:style>
+            <a:lnRef idx="1">
+              <a:schemeClr val="accent2"/>
+            </a:lnRef>
+            <a:fillRef idx="3">
+              <a:schemeClr val="accent2"/>
+            </a:fillRef>
+            <a:effectRef idx="2">
+              <a:schemeClr val="accent2"/>
+            </a:effectRef>
+            <a:fontRef idx="minor">
+              <a:schemeClr val="lt1"/>
+            </a:fontRef>
+          </p:style>
+        </p:cxnSp>
+      </p:grpSp>
+      <p:sp>
+        <p:nvSpPr>
+          <p:cNvPr id="78" name="Rectangle 77"/>
+          <p:cNvSpPr/>
+          <p:nvPr/>
+        </p:nvSpPr>
+        <p:spPr>
+          <a:xfrm>
+            <a:off x="6600543" y="3413086"/>
+            <a:ext cx="2358645" cy="56700"/>
+          </a:xfrm>
+          <a:prstGeom prst="rect">
+            <a:avLst/>
+          </a:prstGeom>
+        </p:spPr>
+        <p:style>
+          <a:lnRef idx="1">
+            <a:schemeClr val="accent2"/>
+          </a:lnRef>
+          <a:fillRef idx="3">
+            <a:schemeClr val="accent2"/>
+          </a:fillRef>
+          <a:effectRef idx="2">
+            <a:schemeClr val="accent2"/>
+          </a:effectRef>
+          <a:fontRef idx="minor">
+            <a:schemeClr val="lt1"/>
+          </a:fontRef>
+        </p:style>
+        <p:txBody>
+          <a:bodyPr rtlCol="0" anchor="ctr"/>
+          <a:lstStyle/>
+          <a:p>
+            <a:pPr algn="ctr"/>
+            <a:endParaRPr lang="en-US"/>
+          </a:p>
+        </p:txBody>
+      </p:sp>
+      <p:cxnSp>
+        <p:nvCxnSpPr>
+          <p:cNvPr id="79" name="Straight Arrow Connector 78"/>
+          <p:cNvCxnSpPr/>
+          <p:nvPr/>
+        </p:nvCxnSpPr>
+        <p:spPr>
+          <a:xfrm flipV="1">
+            <a:off x="6926213" y="2722474"/>
+            <a:ext cx="0" cy="963919"/>
+          </a:xfrm>
+          <a:prstGeom prst="straightConnector1">
+            <a:avLst/>
+          </a:prstGeom>
+          <a:ln>
+            <a:headEnd type="arrow"/>
+            <a:tailEnd type="none"/>
+          </a:ln>
+        </p:spPr>
+        <p:style>
+          <a:lnRef idx="2">
+            <a:schemeClr val="accent1"/>
+          </a:lnRef>
+          <a:fillRef idx="0">
+            <a:schemeClr val="accent1"/>
+          </a:fillRef>
+          <a:effectRef idx="1">
+            <a:schemeClr val="accent1"/>
+          </a:effectRef>
+          <a:fontRef idx="minor">
+            <a:schemeClr val="tx1"/>
+          </a:fontRef>
+        </p:style>
+      </p:cxnSp>
+      <p:cxnSp>
+        <p:nvCxnSpPr>
+          <p:cNvPr id="80" name="Straight Arrow Connector 79"/>
+          <p:cNvCxnSpPr/>
+          <p:nvPr/>
+        </p:nvCxnSpPr>
+        <p:spPr>
+          <a:xfrm flipV="1">
+            <a:off x="7192009" y="2722474"/>
+            <a:ext cx="0" cy="963919"/>
+          </a:xfrm>
+          <a:prstGeom prst="straightConnector1">
+            <a:avLst/>
+          </a:prstGeom>
+          <a:ln>
+            <a:headEnd type="arrow"/>
+            <a:tailEnd type="none"/>
+          </a:ln>
+        </p:spPr>
+        <p:style>
+          <a:lnRef idx="2">
+            <a:schemeClr val="accent1"/>
+          </a:lnRef>
+          <a:fillRef idx="0">
+            <a:schemeClr val="accent1"/>
+          </a:fillRef>
+          <a:effectRef idx="1">
+            <a:schemeClr val="accent1"/>
+          </a:effectRef>
+          <a:fontRef idx="minor">
+            <a:schemeClr val="tx1"/>
+          </a:fontRef>
+        </p:style>
+      </p:cxnSp>
+      <p:cxnSp>
+        <p:nvCxnSpPr>
+          <p:cNvPr id="81" name="Straight Arrow Connector 80"/>
+          <p:cNvCxnSpPr/>
+          <p:nvPr/>
+        </p:nvCxnSpPr>
+        <p:spPr>
+          <a:xfrm flipV="1">
+            <a:off x="7457805" y="2722474"/>
+            <a:ext cx="0" cy="963919"/>
+          </a:xfrm>
+          <a:prstGeom prst="straightConnector1">
+            <a:avLst/>
+          </a:prstGeom>
+          <a:ln>
+            <a:headEnd type="arrow"/>
+            <a:tailEnd type="none"/>
+          </a:ln>
+        </p:spPr>
+        <p:style>
+          <a:lnRef idx="2">
+            <a:schemeClr val="accent1"/>
+          </a:lnRef>
+          <a:fillRef idx="0">
+            <a:schemeClr val="accent1"/>
+          </a:fillRef>
+          <a:effectRef idx="1">
+            <a:schemeClr val="accent1"/>
+          </a:effectRef>
+          <a:fontRef idx="minor">
+            <a:schemeClr val="tx1"/>
+          </a:fontRef>
+        </p:style>
+      </p:cxnSp>
+      <p:cxnSp>
+        <p:nvCxnSpPr>
+          <p:cNvPr id="82" name="Straight Arrow Connector 81"/>
+          <p:cNvCxnSpPr/>
+          <p:nvPr/>
+        </p:nvCxnSpPr>
+        <p:spPr>
+          <a:xfrm flipV="1">
+            <a:off x="7723601" y="2722474"/>
+            <a:ext cx="0" cy="963919"/>
+          </a:xfrm>
+          <a:prstGeom prst="straightConnector1">
+            <a:avLst/>
+          </a:prstGeom>
+          <a:ln>
+            <a:headEnd type="arrow"/>
+            <a:tailEnd type="none"/>
+          </a:ln>
+        </p:spPr>
+        <p:style>
+          <a:lnRef idx="2">
+            <a:schemeClr val="accent1"/>
+          </a:lnRef>
+          <a:fillRef idx="0">
+            <a:schemeClr val="accent1"/>
+          </a:fillRef>
+          <a:effectRef idx="1">
+            <a:schemeClr val="accent1"/>
+          </a:effectRef>
+          <a:fontRef idx="minor">
+            <a:schemeClr val="tx1"/>
+          </a:fontRef>
+        </p:style>
+      </p:cxnSp>
+      <p:cxnSp>
+        <p:nvCxnSpPr>
+          <p:cNvPr id="83" name="Straight Arrow Connector 82"/>
+          <p:cNvCxnSpPr/>
+          <p:nvPr/>
+        </p:nvCxnSpPr>
+        <p:spPr>
+          <a:xfrm flipV="1">
+            <a:off x="7989397" y="2722474"/>
+            <a:ext cx="0" cy="963919"/>
+          </a:xfrm>
+          <a:prstGeom prst="straightConnector1">
+            <a:avLst/>
+          </a:prstGeom>
+          <a:ln>
+            <a:headEnd type="arrow"/>
+            <a:tailEnd type="none"/>
+          </a:ln>
+        </p:spPr>
+        <p:style>
+          <a:lnRef idx="2">
+            <a:schemeClr val="accent1"/>
+          </a:lnRef>
+          <a:fillRef idx="0">
+            <a:schemeClr val="accent1"/>
+          </a:fillRef>
+          <a:effectRef idx="1">
+            <a:schemeClr val="accent1"/>
+          </a:effectRef>
+          <a:fontRef idx="minor">
+            <a:schemeClr val="tx1"/>
+          </a:fontRef>
+        </p:style>
+      </p:cxnSp>
+      <p:cxnSp>
+        <p:nvCxnSpPr>
+          <p:cNvPr id="84" name="Straight Arrow Connector 83"/>
+          <p:cNvCxnSpPr/>
+          <p:nvPr/>
+        </p:nvCxnSpPr>
+        <p:spPr>
+          <a:xfrm flipV="1">
+            <a:off x="8255193" y="2722474"/>
+            <a:ext cx="0" cy="963919"/>
+          </a:xfrm>
+          <a:prstGeom prst="straightConnector1">
+            <a:avLst/>
+          </a:prstGeom>
+          <a:ln>
+            <a:headEnd type="arrow"/>
+            <a:tailEnd type="none"/>
+          </a:ln>
+        </p:spPr>
+        <p:style>
+          <a:lnRef idx="2">
+            <a:schemeClr val="accent1"/>
+          </a:lnRef>
+          <a:fillRef idx="0">
+            <a:schemeClr val="accent1"/>
+          </a:fillRef>
+          <a:effectRef idx="1">
+            <a:schemeClr val="accent1"/>
+          </a:effectRef>
+          <a:fontRef idx="minor">
+            <a:schemeClr val="tx1"/>
+          </a:fontRef>
+        </p:style>
+      </p:cxnSp>
+      <p:cxnSp>
+        <p:nvCxnSpPr>
+          <p:cNvPr id="85" name="Straight Arrow Connector 84"/>
+          <p:cNvCxnSpPr/>
+          <p:nvPr/>
+        </p:nvCxnSpPr>
+        <p:spPr>
+          <a:xfrm flipV="1">
+            <a:off x="8520989" y="2722474"/>
+            <a:ext cx="0" cy="963919"/>
+          </a:xfrm>
+          <a:prstGeom prst="straightConnector1">
+            <a:avLst/>
+          </a:prstGeom>
+          <a:ln>
+            <a:headEnd type="arrow"/>
+            <a:tailEnd type="none"/>
+          </a:ln>
+        </p:spPr>
+        <p:style>
+          <a:lnRef idx="2">
+            <a:schemeClr val="accent1"/>
+          </a:lnRef>
+          <a:fillRef idx="0">
+            <a:schemeClr val="accent1"/>
+          </a:fillRef>
+          <a:effectRef idx="1">
+            <a:schemeClr val="accent1"/>
+          </a:effectRef>
+          <a:fontRef idx="minor">
+            <a:schemeClr val="tx1"/>
+          </a:fontRef>
+        </p:style>
+      </p:cxnSp>
+      <p:cxnSp>
+        <p:nvCxnSpPr>
+          <p:cNvPr id="86" name="Straight Arrow Connector 85"/>
+          <p:cNvCxnSpPr/>
+          <p:nvPr/>
+        </p:nvCxnSpPr>
+        <p:spPr>
+          <a:xfrm flipV="1">
+            <a:off x="8786788" y="2722474"/>
+            <a:ext cx="0" cy="963919"/>
+          </a:xfrm>
+          <a:prstGeom prst="straightConnector1">
+            <a:avLst/>
+          </a:prstGeom>
+          <a:ln>
+            <a:headEnd type="arrow"/>
+            <a:tailEnd type="none"/>
+          </a:ln>
+        </p:spPr>
+        <p:style>
+          <a:lnRef idx="2">
+            <a:schemeClr val="accent1"/>
+          </a:lnRef>
+          <a:fillRef idx="0">
+            <a:schemeClr val="accent1"/>
+          </a:fillRef>
+          <a:effectRef idx="1">
+            <a:schemeClr val="accent1"/>
+          </a:effectRef>
+          <a:fontRef idx="minor">
+            <a:schemeClr val="tx1"/>
+          </a:fontRef>
+        </p:style>
+      </p:cxnSp>
+      <p:grpSp>
+        <p:nvGrpSpPr>
+          <p:cNvPr id="87" name="Group 86"/>
+          <p:cNvGrpSpPr/>
+          <p:nvPr/>
+        </p:nvGrpSpPr>
+        <p:grpSpPr>
+          <a:xfrm rot="10800000">
+            <a:off x="6926212" y="3743093"/>
+            <a:ext cx="1860575" cy="690612"/>
+            <a:chOff x="2465686" y="2552369"/>
+            <a:chExt cx="1860575" cy="963919"/>
+          </a:xfrm>
+        </p:grpSpPr>
+        <p:cxnSp>
+          <p:nvCxnSpPr>
+            <p:cNvPr id="88" name="Straight Arrow Connector 87"/>
+            <p:cNvCxnSpPr/>
+            <p:nvPr/>
+          </p:nvCxnSpPr>
+          <p:spPr>
+            <a:xfrm flipV="1">
+              <a:off x="2465686" y="2552369"/>
+              <a:ext cx="0" cy="963919"/>
+            </a:xfrm>
+            <a:prstGeom prst="straightConnector1">
+              <a:avLst/>
+            </a:prstGeom>
+            <a:ln>
+              <a:headEnd type="arrow"/>
+              <a:tailEnd type="none"/>
+            </a:ln>
+          </p:spPr>
+          <p:style>
+            <a:lnRef idx="2">
+              <a:schemeClr val="accent1"/>
+            </a:lnRef>
+            <a:fillRef idx="0">
+              <a:schemeClr val="accent1"/>
+            </a:fillRef>
+            <a:effectRef idx="1">
+              <a:schemeClr val="accent1"/>
+            </a:effectRef>
+            <a:fontRef idx="minor">
+              <a:schemeClr val="tx1"/>
+            </a:fontRef>
+          </p:style>
+        </p:cxnSp>
+        <p:cxnSp>
+          <p:nvCxnSpPr>
+            <p:cNvPr id="89" name="Straight Arrow Connector 88"/>
+            <p:cNvCxnSpPr/>
+            <p:nvPr/>
+          </p:nvCxnSpPr>
+          <p:spPr>
+            <a:xfrm flipV="1">
+              <a:off x="2731482" y="2552369"/>
+              <a:ext cx="0" cy="963919"/>
+            </a:xfrm>
+            <a:prstGeom prst="straightConnector1">
+              <a:avLst/>
+            </a:prstGeom>
+            <a:ln>
+              <a:headEnd type="arrow"/>
+              <a:tailEnd type="none"/>
+            </a:ln>
+          </p:spPr>
+          <p:style>
+            <a:lnRef idx="2">
+              <a:schemeClr val="accent1"/>
+            </a:lnRef>
+            <a:fillRef idx="0">
+              <a:schemeClr val="accent1"/>
+            </a:fillRef>
+            <a:effectRef idx="1">
+              <a:schemeClr val="accent1"/>
+            </a:effectRef>
+            <a:fontRef idx="minor">
+              <a:schemeClr val="tx1"/>
+            </a:fontRef>
+          </p:style>
+        </p:cxnSp>
+        <p:cxnSp>
+          <p:nvCxnSpPr>
+            <p:cNvPr id="90" name="Straight Arrow Connector 89"/>
+            <p:cNvCxnSpPr/>
+            <p:nvPr/>
+          </p:nvCxnSpPr>
+          <p:spPr>
+            <a:xfrm flipV="1">
+              <a:off x="2997278" y="2552369"/>
+              <a:ext cx="0" cy="963919"/>
+            </a:xfrm>
+            <a:prstGeom prst="straightConnector1">
+              <a:avLst/>
+            </a:prstGeom>
+            <a:ln>
+              <a:headEnd type="arrow"/>
+              <a:tailEnd type="none"/>
+            </a:ln>
+          </p:spPr>
+          <p:style>
+            <a:lnRef idx="2">
+              <a:schemeClr val="accent1"/>
+            </a:lnRef>
+            <a:fillRef idx="0">
+              <a:schemeClr val="accent1"/>
+            </a:fillRef>
+            <a:effectRef idx="1">
+              <a:schemeClr val="accent1"/>
+            </a:effectRef>
+            <a:fontRef idx="minor">
+              <a:schemeClr val="tx1"/>
+            </a:fontRef>
+          </p:style>
+        </p:cxnSp>
+        <p:cxnSp>
+          <p:nvCxnSpPr>
+            <p:cNvPr id="91" name="Straight Arrow Connector 90"/>
+            <p:cNvCxnSpPr/>
+            <p:nvPr/>
+          </p:nvCxnSpPr>
+          <p:spPr>
+            <a:xfrm flipV="1">
+              <a:off x="3263074" y="2552369"/>
+              <a:ext cx="0" cy="963919"/>
+            </a:xfrm>
+            <a:prstGeom prst="straightConnector1">
+              <a:avLst/>
+            </a:prstGeom>
+            <a:ln>
+              <a:headEnd type="arrow"/>
+              <a:tailEnd type="none"/>
+            </a:ln>
+          </p:spPr>
+          <p:style>
+            <a:lnRef idx="2">
+              <a:schemeClr val="accent1"/>
+            </a:lnRef>
+            <a:fillRef idx="0">
+              <a:schemeClr val="accent1"/>
+            </a:fillRef>
+            <a:effectRef idx="1">
+              <a:schemeClr val="accent1"/>
+            </a:effectRef>
+            <a:fontRef idx="minor">
+              <a:schemeClr val="tx1"/>
+            </a:fontRef>
+          </p:style>
+        </p:cxnSp>
+        <p:cxnSp>
+          <p:nvCxnSpPr>
+            <p:cNvPr id="92" name="Straight Arrow Connector 91"/>
+            <p:cNvCxnSpPr/>
+            <p:nvPr/>
+          </p:nvCxnSpPr>
+          <p:spPr>
+            <a:xfrm flipV="1">
+              <a:off x="3528870" y="2552369"/>
+              <a:ext cx="0" cy="963919"/>
+            </a:xfrm>
+            <a:prstGeom prst="straightConnector1">
+              <a:avLst/>
+            </a:prstGeom>
+            <a:ln>
+              <a:headEnd type="arrow"/>
+              <a:tailEnd type="none"/>
+            </a:ln>
+          </p:spPr>
+          <p:style>
+            <a:lnRef idx="2">
+              <a:schemeClr val="accent1"/>
+            </a:lnRef>
+            <a:fillRef idx="0">
+              <a:schemeClr val="accent1"/>
+            </a:fillRef>
+            <a:effectRef idx="1">
+              <a:schemeClr val="accent1"/>
+            </a:effectRef>
+            <a:fontRef idx="minor">
+              <a:schemeClr val="tx1"/>
+            </a:fontRef>
+          </p:style>
+        </p:cxnSp>
+        <p:cxnSp>
+          <p:nvCxnSpPr>
+            <p:cNvPr id="93" name="Straight Arrow Connector 92"/>
+            <p:cNvCxnSpPr/>
+            <p:nvPr/>
+          </p:nvCxnSpPr>
+          <p:spPr>
+            <a:xfrm flipV="1">
+              <a:off x="3794666" y="2552369"/>
+              <a:ext cx="0" cy="963919"/>
+            </a:xfrm>
+            <a:prstGeom prst="straightConnector1">
+              <a:avLst/>
+            </a:prstGeom>
+            <a:ln>
+              <a:headEnd type="arrow"/>
+              <a:tailEnd type="none"/>
+            </a:ln>
+          </p:spPr>
+          <p:style>
+            <a:lnRef idx="2">
+              <a:schemeClr val="accent1"/>
+            </a:lnRef>
+            <a:fillRef idx="0">
+              <a:schemeClr val="accent1"/>
+            </a:fillRef>
+            <a:effectRef idx="1">
+              <a:schemeClr val="accent1"/>
+            </a:effectRef>
+            <a:fontRef idx="minor">
+              <a:schemeClr val="tx1"/>
+            </a:fontRef>
+          </p:style>
+        </p:cxnSp>
+        <p:cxnSp>
+          <p:nvCxnSpPr>
+            <p:cNvPr id="94" name="Straight Arrow Connector 93"/>
+            <p:cNvCxnSpPr/>
+            <p:nvPr/>
+          </p:nvCxnSpPr>
+          <p:spPr>
+            <a:xfrm flipV="1">
+              <a:off x="4060462" y="2552369"/>
+              <a:ext cx="0" cy="963919"/>
+            </a:xfrm>
+            <a:prstGeom prst="straightConnector1">
+              <a:avLst/>
+            </a:prstGeom>
+            <a:ln>
+              <a:headEnd type="arrow"/>
+              <a:tailEnd type="none"/>
+            </a:ln>
+          </p:spPr>
+          <p:style>
+            <a:lnRef idx="2">
+              <a:schemeClr val="accent1"/>
+            </a:lnRef>
+            <a:fillRef idx="0">
+              <a:schemeClr val="accent1"/>
+            </a:fillRef>
+            <a:effectRef idx="1">
+              <a:schemeClr val="accent1"/>
+            </a:effectRef>
+            <a:fontRef idx="minor">
+              <a:schemeClr val="tx1"/>
+            </a:fontRef>
+          </p:style>
+        </p:cxnSp>
+        <p:cxnSp>
+          <p:nvCxnSpPr>
+            <p:cNvPr id="95" name="Straight Arrow Connector 94"/>
+            <p:cNvCxnSpPr/>
+            <p:nvPr/>
+          </p:nvCxnSpPr>
+          <p:spPr>
+            <a:xfrm flipV="1">
+              <a:off x="4326261" y="2552369"/>
+              <a:ext cx="0" cy="963919"/>
+            </a:xfrm>
+            <a:prstGeom prst="straightConnector1">
+              <a:avLst/>
+            </a:prstGeom>
+            <a:ln>
+              <a:headEnd type="arrow"/>
+              <a:tailEnd type="none"/>
+            </a:ln>
+          </p:spPr>
+          <p:style>
+            <a:lnRef idx="2">
+              <a:schemeClr val="accent1"/>
+            </a:lnRef>
+            <a:fillRef idx="0">
+              <a:schemeClr val="accent1"/>
+            </a:fillRef>
+            <a:effectRef idx="1">
+              <a:schemeClr val="accent1"/>
+            </a:effectRef>
+            <a:fontRef idx="minor">
+              <a:schemeClr val="tx1"/>
+            </a:fontRef>
+          </p:style>
+        </p:cxnSp>
+      </p:grpSp>
+      <p:sp>
+        <p:nvSpPr>
+          <p:cNvPr id="96" name="Rectangle 95"/>
+          <p:cNvSpPr/>
+          <p:nvPr/>
+        </p:nvSpPr>
+        <p:spPr>
+          <a:xfrm>
+            <a:off x="6608699" y="3686393"/>
+            <a:ext cx="2358645" cy="56700"/>
+          </a:xfrm>
+          <a:prstGeom prst="rect">
+            <a:avLst/>
+          </a:prstGeom>
+        </p:spPr>
+        <p:style>
+          <a:lnRef idx="1">
+            <a:schemeClr val="accent1"/>
+          </a:lnRef>
+          <a:fillRef idx="3">
+            <a:schemeClr val="accent1"/>
+          </a:fillRef>
+          <a:effectRef idx="2">
+            <a:schemeClr val="accent1"/>
+          </a:effectRef>
+          <a:fontRef idx="minor">
+            <a:schemeClr val="lt1"/>
+          </a:fontRef>
+        </p:style>
+        <p:txBody>
+          <a:bodyPr rtlCol="0" anchor="ctr"/>
+          <a:lstStyle/>
+          <a:p>
+            <a:pPr algn="ctr"/>
+            <a:endParaRPr lang="en-US"/>
+          </a:p>
+        </p:txBody>
+      </p:sp>
+      <p:sp>
+        <p:nvSpPr>
+          <p:cNvPr id="97" name="TextBox 96"/>
+          <p:cNvSpPr txBox="1"/>
+          <p:nvPr/>
+        </p:nvSpPr>
+        <p:spPr>
+          <a:xfrm>
+            <a:off x="6136103" y="3258112"/>
+            <a:ext cx="389049" cy="584776"/>
+          </a:xfrm>
+          <a:prstGeom prst="rect">
+            <a:avLst/>
+          </a:prstGeom>
+          <a:noFill/>
+        </p:spPr>
+        <p:txBody>
+          <a:bodyPr wrap="none" rtlCol="0">
+            <a:spAutoFit/>
+          </a:bodyPr>
+          <a:lstStyle/>
+          <a:p>
+            <a:r>
+              <a:rPr lang="en-US" sz="3200" b="1" dirty="0" smtClean="0"/>
+              <a:t>=</a:t>
+            </a:r>
+            <a:endParaRPr lang="en-US" sz="3200" b="1" dirty="0"/>
+          </a:p>
+        </p:txBody>
+      </p:sp>
+      <p:sp>
+        <p:nvSpPr>
+          <p:cNvPr id="115" name="Rectangle 114"/>
+          <p:cNvSpPr/>
+          <p:nvPr/>
+        </p:nvSpPr>
+        <p:spPr>
+          <a:xfrm>
+            <a:off x="1243193" y="5447964"/>
+            <a:ext cx="2358645" cy="56700"/>
+          </a:xfrm>
+          <a:prstGeom prst="rect">
+            <a:avLst/>
+          </a:prstGeom>
+        </p:spPr>
+        <p:style>
+          <a:lnRef idx="1">
+            <a:schemeClr val="accent2"/>
+          </a:lnRef>
+          <a:fillRef idx="3">
+            <a:schemeClr val="accent2"/>
+          </a:fillRef>
+          <a:effectRef idx="2">
+            <a:schemeClr val="accent2"/>
+          </a:effectRef>
+          <a:fontRef idx="minor">
+            <a:schemeClr val="lt1"/>
+          </a:fontRef>
+        </p:style>
+        <p:txBody>
+          <a:bodyPr rtlCol="0" anchor="ctr"/>
+          <a:lstStyle/>
+          <a:p>
+            <a:pPr algn="ctr"/>
+            <a:endParaRPr lang="en-US"/>
+          </a:p>
+        </p:txBody>
+      </p:sp>
+      <p:sp>
+        <p:nvSpPr>
+          <p:cNvPr id="133" name="Rectangle 132"/>
+          <p:cNvSpPr/>
+          <p:nvPr/>
+        </p:nvSpPr>
+        <p:spPr>
+          <a:xfrm>
+            <a:off x="1251349" y="5721271"/>
+            <a:ext cx="2358645" cy="56700"/>
+          </a:xfrm>
+          <a:prstGeom prst="rect">
+            <a:avLst/>
+          </a:prstGeom>
+        </p:spPr>
+        <p:style>
+          <a:lnRef idx="1">
+            <a:schemeClr val="accent1"/>
+          </a:lnRef>
+          <a:fillRef idx="3">
+            <a:schemeClr val="accent1"/>
+          </a:fillRef>
+          <a:effectRef idx="2">
+            <a:schemeClr val="accent1"/>
+          </a:effectRef>
+          <a:fontRef idx="minor">
+            <a:schemeClr val="lt1"/>
+          </a:fontRef>
+        </p:style>
+        <p:txBody>
+          <a:bodyPr rtlCol="0" anchor="ctr"/>
+          <a:lstStyle/>
+          <a:p>
+            <a:pPr algn="ctr"/>
+            <a:endParaRPr lang="en-US"/>
+          </a:p>
+        </p:txBody>
+      </p:sp>
+      <p:grpSp>
+        <p:nvGrpSpPr>
+          <p:cNvPr id="138" name="Group 137"/>
+          <p:cNvGrpSpPr/>
+          <p:nvPr/>
+        </p:nvGrpSpPr>
+        <p:grpSpPr>
+          <a:xfrm>
+            <a:off x="1423314" y="5504664"/>
+            <a:ext cx="121061" cy="216608"/>
+            <a:chOff x="1434654" y="5504664"/>
+            <a:chExt cx="121061" cy="216608"/>
+          </a:xfrm>
+        </p:grpSpPr>
+        <p:cxnSp>
+          <p:nvCxnSpPr>
+            <p:cNvPr id="134" name="Straight Arrow Connector 133"/>
+            <p:cNvCxnSpPr/>
+            <p:nvPr/>
+          </p:nvCxnSpPr>
+          <p:spPr>
+            <a:xfrm>
+              <a:off x="1434654" y="5504664"/>
+              <a:ext cx="1" cy="216607"/>
+            </a:xfrm>
+            <a:prstGeom prst="straightConnector1">
+              <a:avLst/>
+            </a:prstGeom>
+            <a:ln>
+              <a:tailEnd type="arrow"/>
+            </a:ln>
+          </p:spPr>
+          <p:style>
+            <a:lnRef idx="1">
+              <a:schemeClr val="accent2"/>
+            </a:lnRef>
+            <a:fillRef idx="3">
+              <a:schemeClr val="accent2"/>
+            </a:fillRef>
+            <a:effectRef idx="2">
+              <a:schemeClr val="accent2"/>
+            </a:effectRef>
+            <a:fontRef idx="minor">
+              <a:schemeClr val="lt1"/>
+            </a:fontRef>
+          </p:style>
+        </p:cxnSp>
+        <p:cxnSp>
+          <p:nvCxnSpPr>
+            <p:cNvPr id="136" name="Straight Arrow Connector 135"/>
+            <p:cNvCxnSpPr/>
+            <p:nvPr/>
+          </p:nvCxnSpPr>
+          <p:spPr>
+            <a:xfrm flipH="1" flipV="1">
+              <a:off x="1553036" y="5504664"/>
+              <a:ext cx="2679" cy="216608"/>
+            </a:xfrm>
+            <a:prstGeom prst="straightConnector1">
+              <a:avLst/>
+            </a:prstGeom>
+            <a:ln>
+              <a:headEnd type="arrow"/>
+              <a:tailEnd type="none"/>
+            </a:ln>
+          </p:spPr>
+          <p:style>
+            <a:lnRef idx="2">
+              <a:schemeClr val="accent1"/>
+            </a:lnRef>
+            <a:fillRef idx="0">
+              <a:schemeClr val="accent1"/>
+            </a:fillRef>
+            <a:effectRef idx="1">
+              <a:schemeClr val="accent1"/>
+            </a:effectRef>
+            <a:fontRef idx="minor">
+              <a:schemeClr val="tx1"/>
+            </a:fontRef>
+          </p:style>
+        </p:cxnSp>
+      </p:grpSp>
+      <p:grpSp>
+        <p:nvGrpSpPr>
+          <p:cNvPr id="139" name="Group 138"/>
+          <p:cNvGrpSpPr/>
+          <p:nvPr/>
+        </p:nvGrpSpPr>
+        <p:grpSpPr>
+          <a:xfrm>
+            <a:off x="1651564" y="5504664"/>
+            <a:ext cx="121061" cy="216608"/>
+            <a:chOff x="1434654" y="5504664"/>
+            <a:chExt cx="121061" cy="216608"/>
+          </a:xfrm>
+        </p:grpSpPr>
+        <p:cxnSp>
+          <p:nvCxnSpPr>
+            <p:cNvPr id="140" name="Straight Arrow Connector 139"/>
+            <p:cNvCxnSpPr/>
+            <p:nvPr/>
+          </p:nvCxnSpPr>
+          <p:spPr>
+            <a:xfrm>
+              <a:off x="1434654" y="5504664"/>
+              <a:ext cx="1" cy="216607"/>
+            </a:xfrm>
+            <a:prstGeom prst="straightConnector1">
+              <a:avLst/>
+            </a:prstGeom>
+            <a:ln>
+              <a:tailEnd type="arrow"/>
+            </a:ln>
+          </p:spPr>
+          <p:style>
+            <a:lnRef idx="1">
+              <a:schemeClr val="accent2"/>
+            </a:lnRef>
+            <a:fillRef idx="3">
+              <a:schemeClr val="accent2"/>
+            </a:fillRef>
+            <a:effectRef idx="2">
+              <a:schemeClr val="accent2"/>
+            </a:effectRef>
+            <a:fontRef idx="minor">
+              <a:schemeClr val="lt1"/>
+            </a:fontRef>
+          </p:style>
+        </p:cxnSp>
+        <p:cxnSp>
+          <p:nvCxnSpPr>
+            <p:cNvPr id="141" name="Straight Arrow Connector 140"/>
+            <p:cNvCxnSpPr/>
+            <p:nvPr/>
+          </p:nvCxnSpPr>
+          <p:spPr>
+            <a:xfrm flipH="1" flipV="1">
+              <a:off x="1553036" y="5504664"/>
+              <a:ext cx="2679" cy="216608"/>
+            </a:xfrm>
+            <a:prstGeom prst="straightConnector1">
+              <a:avLst/>
+            </a:prstGeom>
+            <a:ln>
+              <a:headEnd type="arrow"/>
+              <a:tailEnd type="none"/>
+            </a:ln>
+          </p:spPr>
+          <p:style>
+            <a:lnRef idx="2">
+              <a:schemeClr val="accent1"/>
+            </a:lnRef>
+            <a:fillRef idx="0">
+              <a:schemeClr val="accent1"/>
+            </a:fillRef>
+            <a:effectRef idx="1">
+              <a:schemeClr val="accent1"/>
+            </a:effectRef>
+            <a:fontRef idx="minor">
+              <a:schemeClr val="tx1"/>
+            </a:fontRef>
+          </p:style>
+        </p:cxnSp>
+      </p:grpSp>
+      <p:grpSp>
+        <p:nvGrpSpPr>
+          <p:cNvPr id="142" name="Group 141"/>
+          <p:cNvGrpSpPr/>
+          <p:nvPr/>
+        </p:nvGrpSpPr>
+        <p:grpSpPr>
+          <a:xfrm>
+            <a:off x="1879814" y="5504664"/>
+            <a:ext cx="121061" cy="216608"/>
+            <a:chOff x="1434654" y="5504664"/>
+            <a:chExt cx="121061" cy="216608"/>
+          </a:xfrm>
+        </p:grpSpPr>
+        <p:cxnSp>
+          <p:nvCxnSpPr>
+            <p:cNvPr id="143" name="Straight Arrow Connector 142"/>
+            <p:cNvCxnSpPr/>
+            <p:nvPr/>
+          </p:nvCxnSpPr>
+          <p:spPr>
+            <a:xfrm>
+              <a:off x="1434654" y="5504664"/>
+              <a:ext cx="1" cy="216607"/>
+            </a:xfrm>
+            <a:prstGeom prst="straightConnector1">
+              <a:avLst/>
+            </a:prstGeom>
+            <a:ln>
+              <a:tailEnd type="arrow"/>
+            </a:ln>
+          </p:spPr>
+          <p:style>
+            <a:lnRef idx="1">
+              <a:schemeClr val="accent2"/>
+            </a:lnRef>
+            <a:fillRef idx="3">
+              <a:schemeClr val="accent2"/>
+            </a:fillRef>
+            <a:effectRef idx="2">
+              <a:schemeClr val="accent2"/>
+            </a:effectRef>
+            <a:fontRef idx="minor">
+              <a:schemeClr val="lt1"/>
+            </a:fontRef>
+          </p:style>
+        </p:cxnSp>
+        <p:cxnSp>
+          <p:nvCxnSpPr>
+            <p:cNvPr id="144" name="Straight Arrow Connector 143"/>
+            <p:cNvCxnSpPr/>
+            <p:nvPr/>
+          </p:nvCxnSpPr>
+          <p:spPr>
+            <a:xfrm flipH="1" flipV="1">
+              <a:off x="1553036" y="5504664"/>
+              <a:ext cx="2679" cy="216608"/>
+            </a:xfrm>
+            <a:prstGeom prst="straightConnector1">
+              <a:avLst/>
+            </a:prstGeom>
+            <a:ln>
+              <a:headEnd type="arrow"/>
+              <a:tailEnd type="none"/>
+            </a:ln>
+          </p:spPr>
+          <p:style>
+            <a:lnRef idx="2">
+              <a:schemeClr val="accent1"/>
+            </a:lnRef>
+            <a:fillRef idx="0">
+              <a:schemeClr val="accent1"/>
+            </a:fillRef>
+            <a:effectRef idx="1">
+              <a:schemeClr val="accent1"/>
+            </a:effectRef>
+            <a:fontRef idx="minor">
+              <a:schemeClr val="tx1"/>
+            </a:fontRef>
+          </p:style>
+        </p:cxnSp>
+      </p:grpSp>
+      <p:grpSp>
+        <p:nvGrpSpPr>
+          <p:cNvPr id="145" name="Group 144"/>
+          <p:cNvGrpSpPr/>
+          <p:nvPr/>
+        </p:nvGrpSpPr>
+        <p:grpSpPr>
+          <a:xfrm>
+            <a:off x="2108064" y="5504664"/>
+            <a:ext cx="121061" cy="216608"/>
+            <a:chOff x="1434654" y="5504664"/>
+            <a:chExt cx="121061" cy="216608"/>
+          </a:xfrm>
+        </p:grpSpPr>
+        <p:cxnSp>
+          <p:nvCxnSpPr>
+            <p:cNvPr id="146" name="Straight Arrow Connector 145"/>
+            <p:cNvCxnSpPr/>
+            <p:nvPr/>
+          </p:nvCxnSpPr>
+          <p:spPr>
+            <a:xfrm>
+              <a:off x="1434654" y="5504664"/>
+              <a:ext cx="1" cy="216607"/>
+            </a:xfrm>
+            <a:prstGeom prst="straightConnector1">
+              <a:avLst/>
+            </a:prstGeom>
+            <a:ln>
+              <a:tailEnd type="arrow"/>
+            </a:ln>
+          </p:spPr>
+          <p:style>
+            <a:lnRef idx="1">
+              <a:schemeClr val="accent2"/>
+            </a:lnRef>
+            <a:fillRef idx="3">
+              <a:schemeClr val="accent2"/>
+            </a:fillRef>
+            <a:effectRef idx="2">
+              <a:schemeClr val="accent2"/>
+            </a:effectRef>
+            <a:fontRef idx="minor">
+              <a:schemeClr val="lt1"/>
+            </a:fontRef>
+          </p:style>
+        </p:cxnSp>
+        <p:cxnSp>
+          <p:nvCxnSpPr>
+            <p:cNvPr id="147" name="Straight Arrow Connector 146"/>
+            <p:cNvCxnSpPr/>
+            <p:nvPr/>
+          </p:nvCxnSpPr>
+          <p:spPr>
+            <a:xfrm flipH="1" flipV="1">
+              <a:off x="1553036" y="5504664"/>
+              <a:ext cx="2679" cy="216608"/>
+            </a:xfrm>
+            <a:prstGeom prst="straightConnector1">
+              <a:avLst/>
+            </a:prstGeom>
+            <a:ln>
+              <a:headEnd type="arrow"/>
+              <a:tailEnd type="none"/>
+            </a:ln>
+          </p:spPr>
+          <p:style>
+            <a:lnRef idx="2">
+              <a:schemeClr val="accent1"/>
+            </a:lnRef>
+            <a:fillRef idx="0">
+              <a:schemeClr val="accent1"/>
+            </a:fillRef>
+            <a:effectRef idx="1">
+              <a:schemeClr val="accent1"/>
+            </a:effectRef>
+            <a:fontRef idx="minor">
+              <a:schemeClr val="tx1"/>
+            </a:fontRef>
+          </p:style>
+        </p:cxnSp>
+      </p:grpSp>
+      <p:grpSp>
+        <p:nvGrpSpPr>
+          <p:cNvPr id="148" name="Group 147"/>
+          <p:cNvGrpSpPr/>
+          <p:nvPr/>
+        </p:nvGrpSpPr>
+        <p:grpSpPr>
+          <a:xfrm>
+            <a:off x="2336314" y="5504664"/>
+            <a:ext cx="121061" cy="216608"/>
+            <a:chOff x="1434654" y="5504664"/>
+            <a:chExt cx="121061" cy="216608"/>
+          </a:xfrm>
+        </p:grpSpPr>
+        <p:cxnSp>
+          <p:nvCxnSpPr>
+            <p:cNvPr id="149" name="Straight Arrow Connector 148"/>
+            <p:cNvCxnSpPr/>
+            <p:nvPr/>
+          </p:nvCxnSpPr>
+          <p:spPr>
+            <a:xfrm>
+              <a:off x="1434654" y="5504664"/>
+              <a:ext cx="1" cy="216607"/>
+            </a:xfrm>
+            <a:prstGeom prst="straightConnector1">
+              <a:avLst/>
+            </a:prstGeom>
+            <a:ln>
+              <a:tailEnd type="arrow"/>
+            </a:ln>
+          </p:spPr>
+          <p:style>
+            <a:lnRef idx="1">
+              <a:schemeClr val="accent2"/>
+            </a:lnRef>
+            <a:fillRef idx="3">
+              <a:schemeClr val="accent2"/>
+            </a:fillRef>
+            <a:effectRef idx="2">
+              <a:schemeClr val="accent2"/>
+            </a:effectRef>
+            <a:fontRef idx="minor">
+              <a:schemeClr val="lt1"/>
+            </a:fontRef>
+          </p:style>
+        </p:cxnSp>
+        <p:cxnSp>
+          <p:nvCxnSpPr>
+            <p:cNvPr id="150" name="Straight Arrow Connector 149"/>
+            <p:cNvCxnSpPr/>
+            <p:nvPr/>
+          </p:nvCxnSpPr>
+          <p:spPr>
+            <a:xfrm flipH="1" flipV="1">
+              <a:off x="1553036" y="5504664"/>
+              <a:ext cx="2679" cy="216608"/>
+            </a:xfrm>
+            <a:prstGeom prst="straightConnector1">
+              <a:avLst/>
+            </a:prstGeom>
+            <a:ln>
+              <a:headEnd type="arrow"/>
+              <a:tailEnd type="none"/>
+            </a:ln>
+          </p:spPr>
+          <p:style>
+            <a:lnRef idx="2">
+              <a:schemeClr val="accent1"/>
+            </a:lnRef>
+            <a:fillRef idx="0">
+              <a:schemeClr val="accent1"/>
+            </a:fillRef>
+            <a:effectRef idx="1">
+              <a:schemeClr val="accent1"/>
+            </a:effectRef>
+            <a:fontRef idx="minor">
+              <a:schemeClr val="tx1"/>
+            </a:fontRef>
+          </p:style>
+        </p:cxnSp>
+      </p:grpSp>
+      <p:grpSp>
+        <p:nvGrpSpPr>
+          <p:cNvPr id="151" name="Group 150"/>
+          <p:cNvGrpSpPr/>
+          <p:nvPr/>
+        </p:nvGrpSpPr>
+        <p:grpSpPr>
+          <a:xfrm>
+            <a:off x="2564564" y="5504664"/>
+            <a:ext cx="121061" cy="216608"/>
+            <a:chOff x="1434654" y="5504664"/>
+            <a:chExt cx="121061" cy="216608"/>
+          </a:xfrm>
+        </p:grpSpPr>
+        <p:cxnSp>
+          <p:nvCxnSpPr>
+            <p:cNvPr id="152" name="Straight Arrow Connector 151"/>
+            <p:cNvCxnSpPr/>
+            <p:nvPr/>
+          </p:nvCxnSpPr>
+          <p:spPr>
+            <a:xfrm>
+              <a:off x="1434654" y="5504664"/>
+              <a:ext cx="1" cy="216607"/>
+            </a:xfrm>
+            <a:prstGeom prst="straightConnector1">
+              <a:avLst/>
+            </a:prstGeom>
+            <a:ln>
+              <a:tailEnd type="arrow"/>
+            </a:ln>
+          </p:spPr>
+          <p:style>
+            <a:lnRef idx="1">
+              <a:schemeClr val="accent2"/>
+            </a:lnRef>
+            <a:fillRef idx="3">
+              <a:schemeClr val="accent2"/>
+            </a:fillRef>
+            <a:effectRef idx="2">
+              <a:schemeClr val="accent2"/>
+            </a:effectRef>
+            <a:fontRef idx="minor">
+              <a:schemeClr val="lt1"/>
+            </a:fontRef>
+          </p:style>
+        </p:cxnSp>
+        <p:cxnSp>
+          <p:nvCxnSpPr>
+            <p:cNvPr id="153" name="Straight Arrow Connector 152"/>
+            <p:cNvCxnSpPr/>
+            <p:nvPr/>
+          </p:nvCxnSpPr>
+          <p:spPr>
+            <a:xfrm flipH="1" flipV="1">
+              <a:off x="1553036" y="5504664"/>
+              <a:ext cx="2679" cy="216608"/>
+            </a:xfrm>
+            <a:prstGeom prst="straightConnector1">
+              <a:avLst/>
+            </a:prstGeom>
+            <a:ln>
+              <a:headEnd type="arrow"/>
+              <a:tailEnd type="none"/>
+            </a:ln>
+          </p:spPr>
+          <p:style>
+            <a:lnRef idx="2">
+              <a:schemeClr val="accent1"/>
+            </a:lnRef>
+            <a:fillRef idx="0">
+              <a:schemeClr val="accent1"/>
+            </a:fillRef>
+            <a:effectRef idx="1">
+              <a:schemeClr val="accent1"/>
+            </a:effectRef>
+            <a:fontRef idx="minor">
+              <a:schemeClr val="tx1"/>
+            </a:fontRef>
+          </p:style>
+        </p:cxnSp>
+      </p:grpSp>
+      <p:grpSp>
+        <p:nvGrpSpPr>
+          <p:cNvPr id="154" name="Group 153"/>
+          <p:cNvGrpSpPr/>
+          <p:nvPr/>
+        </p:nvGrpSpPr>
+        <p:grpSpPr>
+          <a:xfrm>
+            <a:off x="2792814" y="5504664"/>
+            <a:ext cx="121061" cy="216608"/>
+            <a:chOff x="1434654" y="5504664"/>
+            <a:chExt cx="121061" cy="216608"/>
+          </a:xfrm>
+        </p:grpSpPr>
+        <p:cxnSp>
+          <p:nvCxnSpPr>
+            <p:cNvPr id="155" name="Straight Arrow Connector 154"/>
+            <p:cNvCxnSpPr/>
+            <p:nvPr/>
+          </p:nvCxnSpPr>
+          <p:spPr>
+            <a:xfrm>
+              <a:off x="1434654" y="5504664"/>
+              <a:ext cx="1" cy="216607"/>
+            </a:xfrm>
+            <a:prstGeom prst="straightConnector1">
+              <a:avLst/>
+            </a:prstGeom>
+            <a:ln>
+              <a:tailEnd type="arrow"/>
+            </a:ln>
+          </p:spPr>
+          <p:style>
+            <a:lnRef idx="1">
+              <a:schemeClr val="accent2"/>
+            </a:lnRef>
+            <a:fillRef idx="3">
+              <a:schemeClr val="accent2"/>
+            </a:fillRef>
+            <a:effectRef idx="2">
+              <a:schemeClr val="accent2"/>
+            </a:effectRef>
+            <a:fontRef idx="minor">
+              <a:schemeClr val="lt1"/>
+            </a:fontRef>
+          </p:style>
+        </p:cxnSp>
+        <p:cxnSp>
+          <p:nvCxnSpPr>
+            <p:cNvPr id="156" name="Straight Arrow Connector 155"/>
+            <p:cNvCxnSpPr/>
+            <p:nvPr/>
+          </p:nvCxnSpPr>
+          <p:spPr>
+            <a:xfrm flipH="1" flipV="1">
+              <a:off x="1553036" y="5504664"/>
+              <a:ext cx="2679" cy="216608"/>
+            </a:xfrm>
+            <a:prstGeom prst="straightConnector1">
+              <a:avLst/>
+            </a:prstGeom>
+            <a:ln>
+              <a:headEnd type="arrow"/>
+              <a:tailEnd type="none"/>
+            </a:ln>
+          </p:spPr>
+          <p:style>
+            <a:lnRef idx="2">
+              <a:schemeClr val="accent1"/>
+            </a:lnRef>
+            <a:fillRef idx="0">
+              <a:schemeClr val="accent1"/>
+            </a:fillRef>
+            <a:effectRef idx="1">
+              <a:schemeClr val="accent1"/>
+            </a:effectRef>
+            <a:fontRef idx="minor">
+              <a:schemeClr val="tx1"/>
+            </a:fontRef>
+          </p:style>
+        </p:cxnSp>
+      </p:grpSp>
+      <p:grpSp>
+        <p:nvGrpSpPr>
+          <p:cNvPr id="157" name="Group 156"/>
+          <p:cNvGrpSpPr/>
+          <p:nvPr/>
+        </p:nvGrpSpPr>
+        <p:grpSpPr>
+          <a:xfrm>
+            <a:off x="3021064" y="5504664"/>
+            <a:ext cx="121061" cy="216608"/>
+            <a:chOff x="1434654" y="5504664"/>
+            <a:chExt cx="121061" cy="216608"/>
+          </a:xfrm>
+        </p:grpSpPr>
+        <p:cxnSp>
+          <p:nvCxnSpPr>
+            <p:cNvPr id="158" name="Straight Arrow Connector 157"/>
+            <p:cNvCxnSpPr/>
+            <p:nvPr/>
+          </p:nvCxnSpPr>
+          <p:spPr>
+            <a:xfrm>
+              <a:off x="1434654" y="5504664"/>
+              <a:ext cx="1" cy="216607"/>
+            </a:xfrm>
+            <a:prstGeom prst="straightConnector1">
+              <a:avLst/>
+            </a:prstGeom>
+            <a:ln>
+              <a:tailEnd type="arrow"/>
+            </a:ln>
+          </p:spPr>
+          <p:style>
+            <a:lnRef idx="1">
+              <a:schemeClr val="accent2"/>
+            </a:lnRef>
+            <a:fillRef idx="3">
+              <a:schemeClr val="accent2"/>
+            </a:fillRef>
+            <a:effectRef idx="2">
+              <a:schemeClr val="accent2"/>
+            </a:effectRef>
+            <a:fontRef idx="minor">
+              <a:schemeClr val="lt1"/>
+            </a:fontRef>
+          </p:style>
+        </p:cxnSp>
+        <p:cxnSp>
+          <p:nvCxnSpPr>
+            <p:cNvPr id="159" name="Straight Arrow Connector 158"/>
+            <p:cNvCxnSpPr/>
+            <p:nvPr/>
+          </p:nvCxnSpPr>
+          <p:spPr>
+            <a:xfrm flipH="1" flipV="1">
+              <a:off x="1553036" y="5504664"/>
+              <a:ext cx="2679" cy="216608"/>
+            </a:xfrm>
+            <a:prstGeom prst="straightConnector1">
+              <a:avLst/>
+            </a:prstGeom>
+            <a:ln>
+              <a:headEnd type="arrow"/>
+              <a:tailEnd type="none"/>
+            </a:ln>
+          </p:spPr>
+          <p:style>
+            <a:lnRef idx="2">
+              <a:schemeClr val="accent1"/>
+            </a:lnRef>
+            <a:fillRef idx="0">
+              <a:schemeClr val="accent1"/>
+            </a:fillRef>
+            <a:effectRef idx="1">
+              <a:schemeClr val="accent1"/>
+            </a:effectRef>
+            <a:fontRef idx="minor">
+              <a:schemeClr val="tx1"/>
+            </a:fontRef>
+          </p:style>
+        </p:cxnSp>
+      </p:grpSp>
+      <p:grpSp>
+        <p:nvGrpSpPr>
+          <p:cNvPr id="160" name="Group 159"/>
+          <p:cNvGrpSpPr/>
+          <p:nvPr/>
+        </p:nvGrpSpPr>
+        <p:grpSpPr>
+          <a:xfrm>
+            <a:off x="3249314" y="5504664"/>
+            <a:ext cx="121061" cy="216608"/>
+            <a:chOff x="1434654" y="5504664"/>
+            <a:chExt cx="121061" cy="216608"/>
+          </a:xfrm>
+        </p:grpSpPr>
+        <p:cxnSp>
+          <p:nvCxnSpPr>
+            <p:cNvPr id="161" name="Straight Arrow Connector 160"/>
+            <p:cNvCxnSpPr/>
+            <p:nvPr/>
+          </p:nvCxnSpPr>
+          <p:spPr>
+            <a:xfrm>
+              <a:off x="1434654" y="5504664"/>
+              <a:ext cx="1" cy="216607"/>
+            </a:xfrm>
+            <a:prstGeom prst="straightConnector1">
+              <a:avLst/>
+            </a:prstGeom>
+            <a:ln>
+              <a:tailEnd type="arrow"/>
+            </a:ln>
+          </p:spPr>
+          <p:style>
+            <a:lnRef idx="1">
+              <a:schemeClr val="accent2"/>
+            </a:lnRef>
+            <a:fillRef idx="3">
+              <a:schemeClr val="accent2"/>
+            </a:fillRef>
+            <a:effectRef idx="2">
+              <a:schemeClr val="accent2"/>
+            </a:effectRef>
+            <a:fontRef idx="minor">
+              <a:schemeClr val="lt1"/>
+            </a:fontRef>
+          </p:style>
+        </p:cxnSp>
+        <p:cxnSp>
+          <p:nvCxnSpPr>
+            <p:cNvPr id="162" name="Straight Arrow Connector 161"/>
+            <p:cNvCxnSpPr/>
+            <p:nvPr/>
+          </p:nvCxnSpPr>
+          <p:spPr>
+            <a:xfrm flipH="1" flipV="1">
+              <a:off x="1553036" y="5504664"/>
+              <a:ext cx="2679" cy="216608"/>
+            </a:xfrm>
+            <a:prstGeom prst="straightConnector1">
+              <a:avLst/>
+            </a:prstGeom>
+            <a:ln>
+              <a:headEnd type="arrow"/>
+              <a:tailEnd type="none"/>
+            </a:ln>
+          </p:spPr>
+          <p:style>
+            <a:lnRef idx="2">
+              <a:schemeClr val="accent1"/>
+            </a:lnRef>
+            <a:fillRef idx="0">
+              <a:schemeClr val="accent1"/>
+            </a:fillRef>
+            <a:effectRef idx="1">
+              <a:schemeClr val="accent1"/>
+            </a:effectRef>
+            <a:fontRef idx="minor">
+              <a:schemeClr val="tx1"/>
+            </a:fontRef>
+          </p:style>
+        </p:cxnSp>
+      </p:grpSp>
+      <p:pic>
+        <p:nvPicPr>
+          <p:cNvPr id="164" name="Picture 163" descr="latex-image-1.pdf"/>
+          <p:cNvPicPr>
+            <a:picLocks noChangeAspect="1"/>
+          </p:cNvPicPr>
+          <p:nvPr/>
+        </p:nvPicPr>
+        <p:blipFill>
+          <a:blip r:embed="rId2">
+            <a:extLst>
+              <a:ext uri="{28A0092B-C50C-407E-A947-70E740481C1C}">
+                <a14:useLocalDpi xmlns:a14="http://schemas.microsoft.com/office/drawing/2010/main" val="0"/>
+              </a:ext>
+            </a:extLst>
+          </a:blip>
+          <a:stretch>
+            <a:fillRect/>
+          </a:stretch>
+        </p:blipFill>
+        <p:spPr>
+          <a:xfrm>
+            <a:off x="1520882" y="3039193"/>
+            <a:ext cx="609600" cy="317500"/>
+          </a:xfrm>
+          <a:prstGeom prst="rect">
+            <a:avLst/>
+          </a:prstGeom>
+        </p:spPr>
+      </p:pic>
+      <p:pic>
+        <p:nvPicPr>
+          <p:cNvPr id="165" name="Picture 164" descr="latex-image-1.pdf"/>
+          <p:cNvPicPr>
+            <a:picLocks noChangeAspect="1"/>
+          </p:cNvPicPr>
+          <p:nvPr/>
+        </p:nvPicPr>
+        <p:blipFill>
+          <a:blip r:embed="rId3">
+            <a:extLst>
+              <a:ext uri="{28A0092B-C50C-407E-A947-70E740481C1C}">
+                <a14:useLocalDpi xmlns:a14="http://schemas.microsoft.com/office/drawing/2010/main" val="0"/>
+              </a:ext>
+            </a:extLst>
+          </a:blip>
+          <a:stretch>
+            <a:fillRect/>
+          </a:stretch>
+        </p:blipFill>
+        <p:spPr>
+          <a:xfrm>
+            <a:off x="4590671" y="3300453"/>
+            <a:ext cx="596900" cy="203200"/>
+          </a:xfrm>
+          <a:prstGeom prst="rect">
+            <a:avLst/>
+          </a:prstGeom>
+        </p:spPr>
+      </p:pic>
+      <p:pic>
+        <p:nvPicPr>
+          <p:cNvPr id="166" name="Picture 165" descr="latex-image-1.pdf"/>
+          <p:cNvPicPr>
+            <a:picLocks noChangeAspect="1"/>
+          </p:cNvPicPr>
+          <p:nvPr/>
+        </p:nvPicPr>
+        <p:blipFill>
+          <a:blip r:embed="rId2">
+            <a:extLst>
+              <a:ext uri="{28A0092B-C50C-407E-A947-70E740481C1C}">
+                <a14:useLocalDpi xmlns:a14="http://schemas.microsoft.com/office/drawing/2010/main" val="0"/>
+              </a:ext>
+            </a:extLst>
+          </a:blip>
+          <a:stretch>
+            <a:fillRect/>
+          </a:stretch>
+        </p:blipFill>
+        <p:spPr>
+          <a:xfrm>
+            <a:off x="633593" y="5289214"/>
+            <a:ext cx="609600" cy="317500"/>
+          </a:xfrm>
+          <a:prstGeom prst="rect">
+            <a:avLst/>
+          </a:prstGeom>
+        </p:spPr>
+      </p:pic>
+      <p:pic>
+        <p:nvPicPr>
+          <p:cNvPr id="167" name="Picture 166" descr="latex-image-1.pdf"/>
+          <p:cNvPicPr>
+            <a:picLocks noChangeAspect="1"/>
+          </p:cNvPicPr>
+          <p:nvPr/>
+        </p:nvPicPr>
+        <p:blipFill>
+          <a:blip r:embed="rId3">
+            <a:extLst>
+              <a:ext uri="{28A0092B-C50C-407E-A947-70E740481C1C}">
+                <a14:useLocalDpi xmlns:a14="http://schemas.microsoft.com/office/drawing/2010/main" val="0"/>
+              </a:ext>
+            </a:extLst>
+          </a:blip>
+          <a:stretch>
+            <a:fillRect/>
+          </a:stretch>
+        </p:blipFill>
+        <p:spPr>
+          <a:xfrm>
+            <a:off x="654821" y="5709455"/>
+            <a:ext cx="596900" cy="203200"/>
+          </a:xfrm>
+          <a:prstGeom prst="rect">
+            <a:avLst/>
+          </a:prstGeom>
+        </p:spPr>
+      </p:pic>
+      <p:pic>
+        <p:nvPicPr>
+          <p:cNvPr id="168" name="Picture 167" descr="latex-image-1.pdf"/>
+          <p:cNvPicPr>
+            <a:picLocks noChangeAspect="1"/>
+          </p:cNvPicPr>
+          <p:nvPr/>
+        </p:nvPicPr>
+        <p:blipFill>
+          <a:blip r:embed="rId4">
+            <a:extLst>
+              <a:ext uri="{28A0092B-C50C-407E-A947-70E740481C1C}">
+                <a14:useLocalDpi xmlns:a14="http://schemas.microsoft.com/office/drawing/2010/main" val="0"/>
+              </a:ext>
+            </a:extLst>
+          </a:blip>
+          <a:stretch>
+            <a:fillRect/>
+          </a:stretch>
+        </p:blipFill>
+        <p:spPr>
+          <a:xfrm>
+            <a:off x="2084625" y="5051402"/>
+            <a:ext cx="921741" cy="260492"/>
+          </a:xfrm>
+          <a:prstGeom prst="rect">
+            <a:avLst/>
+          </a:prstGeom>
+        </p:spPr>
+      </p:pic>
+      <p:sp>
+        <p:nvSpPr>
+          <p:cNvPr id="170" name="Right Brace 169"/>
+          <p:cNvSpPr/>
+          <p:nvPr/>
+        </p:nvSpPr>
+        <p:spPr>
+          <a:xfrm>
+            <a:off x="4071560" y="5481686"/>
+            <a:ext cx="150529" cy="330007"/>
+          </a:xfrm>
+          <a:prstGeom prst="rightBrace">
+            <a:avLst/>
+          </a:prstGeom>
+        </p:spPr>
+        <p:style>
+          <a:lnRef idx="2">
+            <a:schemeClr val="dk1"/>
+          </a:lnRef>
+          <a:fillRef idx="0">
+            <a:schemeClr val="dk1"/>
+          </a:fillRef>
+          <a:effectRef idx="1">
+            <a:schemeClr val="dk1"/>
+          </a:effectRef>
+          <a:fontRef idx="minor">
+            <a:schemeClr val="tx1"/>
+          </a:fontRef>
+        </p:style>
+        <p:txBody>
+          <a:bodyPr rtlCol="0" anchor="ctr"/>
+          <a:lstStyle/>
+          <a:p>
+            <a:pPr algn="ctr"/>
+            <a:endParaRPr lang="en-US"/>
+          </a:p>
+        </p:txBody>
+      </p:sp>
+      <p:pic>
+        <p:nvPicPr>
+          <p:cNvPr id="171" name="Picture 170" descr="latex-image-1.pdf"/>
+          <p:cNvPicPr>
+            <a:picLocks noChangeAspect="1"/>
+          </p:cNvPicPr>
+          <p:nvPr/>
+        </p:nvPicPr>
+        <p:blipFill>
+          <a:blip r:embed="rId5">
+            <a:extLst>
+              <a:ext uri="{28A0092B-C50C-407E-A947-70E740481C1C}">
+                <a14:useLocalDpi xmlns:a14="http://schemas.microsoft.com/office/drawing/2010/main" val="0"/>
+              </a:ext>
+            </a:extLst>
+          </a:blip>
+          <a:stretch>
+            <a:fillRect/>
+          </a:stretch>
+        </p:blipFill>
+        <p:spPr>
+          <a:xfrm>
+            <a:off x="4478338" y="5345616"/>
+            <a:ext cx="1137638" cy="727678"/>
+          </a:xfrm>
+          <a:prstGeom prst="rect">
+            <a:avLst/>
+          </a:prstGeom>
+        </p:spPr>
+      </p:pic>
+      <p:pic>
+        <p:nvPicPr>
+          <p:cNvPr id="172" name="Picture 171" descr="latex-image-1.pdf"/>
+          <p:cNvPicPr>
+            <a:picLocks noChangeAspect="1"/>
+          </p:cNvPicPr>
+          <p:nvPr/>
+        </p:nvPicPr>
+        <p:blipFill>
+          <a:blip r:embed="rId4">
+            <a:extLst>
+              <a:ext uri="{28A0092B-C50C-407E-A947-70E740481C1C}">
+                <a14:useLocalDpi xmlns:a14="http://schemas.microsoft.com/office/drawing/2010/main" val="0"/>
+              </a:ext>
+            </a:extLst>
+          </a:blip>
+          <a:stretch>
+            <a:fillRect/>
+          </a:stretch>
+        </p:blipFill>
+        <p:spPr>
+          <a:xfrm>
+            <a:off x="2108065" y="5912655"/>
+            <a:ext cx="921741" cy="260492"/>
+          </a:xfrm>
+          <a:prstGeom prst="rect">
+            <a:avLst/>
+          </a:prstGeom>
+        </p:spPr>
+      </p:pic>
+      <p:pic>
+        <p:nvPicPr>
+          <p:cNvPr id="173" name="Picture 172" descr="latex-image-1.pdf"/>
+          <p:cNvPicPr>
+            <a:picLocks noChangeAspect="1"/>
+          </p:cNvPicPr>
+          <p:nvPr/>
+        </p:nvPicPr>
+        <p:blipFill>
+          <a:blip r:embed="rId6">
+            <a:extLst>
+              <a:ext uri="{28A0092B-C50C-407E-A947-70E740481C1C}">
+                <a14:useLocalDpi xmlns:a14="http://schemas.microsoft.com/office/drawing/2010/main" val="0"/>
+              </a:ext>
+            </a:extLst>
+          </a:blip>
+          <a:stretch>
+            <a:fillRect/>
+          </a:stretch>
+        </p:blipFill>
+        <p:spPr>
+          <a:xfrm>
+            <a:off x="1135057" y="3540909"/>
+            <a:ext cx="1184438" cy="651900"/>
+          </a:xfrm>
+          <a:prstGeom prst="rect">
+            <a:avLst/>
+          </a:prstGeom>
+        </p:spPr>
+      </p:pic>
+      <p:pic>
+        <p:nvPicPr>
+          <p:cNvPr id="174" name="Picture 173" descr="latex-image-1.pdf"/>
+          <p:cNvPicPr>
+            <a:picLocks noChangeAspect="1"/>
+          </p:cNvPicPr>
+          <p:nvPr/>
+        </p:nvPicPr>
+        <p:blipFill>
+          <a:blip r:embed="rId6">
+            <a:extLst>
+              <a:ext uri="{28A0092B-C50C-407E-A947-70E740481C1C}">
+                <a14:useLocalDpi xmlns:a14="http://schemas.microsoft.com/office/drawing/2010/main" val="0"/>
+              </a:ext>
+            </a:extLst>
+          </a:blip>
+          <a:stretch>
+            <a:fillRect/>
+          </a:stretch>
+        </p:blipFill>
+        <p:spPr>
+          <a:xfrm>
+            <a:off x="4143046" y="3866859"/>
+            <a:ext cx="1184438" cy="651900"/>
+          </a:xfrm>
+          <a:prstGeom prst="rect">
+            <a:avLst/>
+          </a:prstGeom>
+        </p:spPr>
+      </p:pic>
+      <p:cxnSp>
+        <p:nvCxnSpPr>
+          <p:cNvPr id="176" name="Straight Arrow Connector 175"/>
+          <p:cNvCxnSpPr/>
+          <p:nvPr/>
+        </p:nvCxnSpPr>
+        <p:spPr>
+          <a:xfrm>
+            <a:off x="3858590" y="5476314"/>
+            <a:ext cx="1" cy="312699"/>
+          </a:xfrm>
+          <a:prstGeom prst="straightConnector1">
+            <a:avLst/>
+          </a:prstGeom>
+          <a:ln>
+            <a:solidFill>
+              <a:srgbClr val="000000"/>
+            </a:solidFill>
+            <a:headEnd type="triangle"/>
+            <a:tailEnd type="triangle"/>
+          </a:ln>
+        </p:spPr>
+        <p:style>
+          <a:lnRef idx="1">
+            <a:schemeClr val="dk1"/>
+          </a:lnRef>
+          <a:fillRef idx="0">
+            <a:schemeClr val="dk1"/>
+          </a:fillRef>
+          <a:effectRef idx="0">
+            <a:schemeClr val="dk1"/>
+          </a:effectRef>
+          <a:fontRef idx="minor">
+            <a:schemeClr val="tx1"/>
+          </a:fontRef>
+        </p:style>
+      </p:cxnSp>
+      <p:cxnSp>
+        <p:nvCxnSpPr>
+          <p:cNvPr id="179" name="Straight Connector 178"/>
+          <p:cNvCxnSpPr>
+            <a:stCxn id="115" idx="3"/>
+          </p:cNvCxnSpPr>
+          <p:nvPr/>
+        </p:nvCxnSpPr>
+        <p:spPr>
+          <a:xfrm>
+            <a:off x="3601838" y="5476314"/>
+            <a:ext cx="344356" cy="5372"/>
+          </a:xfrm>
+          <a:prstGeom prst="line">
+            <a:avLst/>
+          </a:prstGeom>
+          <a:ln w="6350" cmpd="sng">
+            <a:solidFill>
+              <a:schemeClr val="tx1"/>
+            </a:solidFill>
+            <a:prstDash val="sysDash"/>
+          </a:ln>
+        </p:spPr>
+        <p:style>
+          <a:lnRef idx="2">
+            <a:schemeClr val="accent1"/>
+          </a:lnRef>
+          <a:fillRef idx="0">
+            <a:schemeClr val="accent1"/>
+          </a:fillRef>
+          <a:effectRef idx="1">
+            <a:schemeClr val="accent1"/>
+          </a:effectRef>
+          <a:fontRef idx="minor">
+            <a:schemeClr val="tx1"/>
+          </a:fontRef>
+        </p:style>
+      </p:cxnSp>
+      <p:cxnSp>
+        <p:nvCxnSpPr>
+          <p:cNvPr id="180" name="Straight Connector 179"/>
+          <p:cNvCxnSpPr/>
+          <p:nvPr/>
+        </p:nvCxnSpPr>
+        <p:spPr>
+          <a:xfrm>
+            <a:off x="3609994" y="5765902"/>
+            <a:ext cx="344356" cy="5372"/>
+          </a:xfrm>
+          <a:prstGeom prst="line">
+            <a:avLst/>
+          </a:prstGeom>
+          <a:ln w="6350" cmpd="sng">
+            <a:solidFill>
+              <a:schemeClr val="tx1"/>
+            </a:solidFill>
+            <a:prstDash val="sysDash"/>
+          </a:ln>
+        </p:spPr>
+        <p:style>
+          <a:lnRef idx="2">
+            <a:schemeClr val="accent1"/>
+          </a:lnRef>
+          <a:fillRef idx="0">
+            <a:schemeClr val="accent1"/>
+          </a:fillRef>
+          <a:effectRef idx="1">
+            <a:schemeClr val="accent1"/>
+          </a:effectRef>
+          <a:fontRef idx="minor">
+            <a:schemeClr val="tx1"/>
+          </a:fontRef>
+        </p:style>
+      </p:cxnSp>
+      <p:pic>
+        <p:nvPicPr>
+          <p:cNvPr id="183" name="Picture 182" descr="latex-image-1.pdf"/>
+          <p:cNvPicPr>
+            <a:picLocks noChangeAspect="1"/>
+          </p:cNvPicPr>
+          <p:nvPr/>
+        </p:nvPicPr>
+        <p:blipFill>
+          <a:blip r:embed="rId7">
+            <a:extLst>
+              <a:ext uri="{28A0092B-C50C-407E-A947-70E740481C1C}">
+                <a14:useLocalDpi xmlns:a14="http://schemas.microsoft.com/office/drawing/2010/main" val="0"/>
+              </a:ext>
+            </a:extLst>
+          </a:blip>
+          <a:stretch>
+            <a:fillRect/>
+          </a:stretch>
+        </p:blipFill>
+        <p:spPr>
+          <a:xfrm>
+            <a:off x="3946194" y="5540187"/>
+            <a:ext cx="125366" cy="181084"/>
+          </a:xfrm>
+          <a:prstGeom prst="rect">
+            <a:avLst/>
+          </a:prstGeom>
+        </p:spPr>
+      </p:pic>
+      <p:cxnSp>
+        <p:nvCxnSpPr>
+          <p:cNvPr id="185" name="Straight Arrow Connector 184"/>
+          <p:cNvCxnSpPr/>
+          <p:nvPr/>
+        </p:nvCxnSpPr>
+        <p:spPr>
+          <a:xfrm>
+            <a:off x="3514554" y="5451126"/>
+            <a:ext cx="0" cy="888059"/>
+          </a:xfrm>
+          <a:prstGeom prst="straightConnector1">
+            <a:avLst/>
+          </a:prstGeom>
+          <a:ln>
+            <a:tailEnd type="arrow"/>
+          </a:ln>
+        </p:spPr>
+        <p:style>
+          <a:lnRef idx="2">
+            <a:schemeClr val="dk1"/>
+          </a:lnRef>
+          <a:fillRef idx="0">
+            <a:schemeClr val="dk1"/>
+          </a:fillRef>
+          <a:effectRef idx="1">
+            <a:schemeClr val="dk1"/>
+          </a:effectRef>
+          <a:fontRef idx="minor">
+            <a:schemeClr val="tx1"/>
+          </a:fontRef>
+        </p:style>
+      </p:cxnSp>
+      <p:pic>
+        <p:nvPicPr>
+          <p:cNvPr id="188" name="Picture 187" descr="latex-image-1.pdf"/>
+          <p:cNvPicPr>
+            <a:picLocks noChangeAspect="1"/>
+          </p:cNvPicPr>
+          <p:nvPr/>
+        </p:nvPicPr>
+        <p:blipFill>
+          <a:blip r:embed="rId8">
+            <a:extLst>
+              <a:ext uri="{28A0092B-C50C-407E-A947-70E740481C1C}">
+                <a14:useLocalDpi xmlns:a14="http://schemas.microsoft.com/office/drawing/2010/main" val="0"/>
+              </a:ext>
+            </a:extLst>
+          </a:blip>
+          <a:stretch>
+            <a:fillRect/>
+          </a:stretch>
+        </p:blipFill>
+        <p:spPr>
+          <a:xfrm>
+            <a:off x="3305836" y="6027933"/>
+            <a:ext cx="145999" cy="130631"/>
+          </a:xfrm>
+          <a:prstGeom prst="rect">
+            <a:avLst/>
+          </a:prstGeom>
+        </p:spPr>
+      </p:pic>
+    </p:spTree>
+    <p:extLst>
+      <p:ext uri="{BB962C8B-B14F-4D97-AF65-F5344CB8AC3E}">
+        <p14:creationId xmlns:p14="http://schemas.microsoft.com/office/powerpoint/2010/main" val="891655587"/>
+      </p:ext>
+    </p:extLst>
+  </p:cSld>
+  <p:clrMapOvr>
+    <a:masterClrMapping/>
+  </p:clrMapOvr>
+</p:sld>
+</file>
+
+<file path=ppt/slides/slide12.xml><?xml version="1.0" encoding="utf-8"?>
+<p:sld xmlns:a="http://schemas.openxmlformats.org/drawingml/2006/main" xmlns:r="http://schemas.openxmlformats.org/officeDocument/2006/relationships" xmlns:p="http://schemas.openxmlformats.org/presentationml/2006/main">
+  <p:cSld>
+    <p:spTree>
+      <p:nvGrpSpPr>
+        <p:cNvPr id="1" name=""/>
+        <p:cNvGrpSpPr/>
+        <p:nvPr/>
+      </p:nvGrpSpPr>
+      <p:grpSpPr>
+        <a:xfrm>
+          <a:off x="0" y="0"/>
+          <a:ext cx="0" cy="0"/>
+          <a:chOff x="0" y="0"/>
+          <a:chExt cx="0" cy="0"/>
+        </a:xfrm>
+      </p:grpSpPr>
+      <p:sp>
+        <p:nvSpPr>
+          <p:cNvPr id="44" name="Rectangle 43"/>
+          <p:cNvSpPr/>
+          <p:nvPr/>
+        </p:nvSpPr>
+        <p:spPr>
+          <a:xfrm rot="16200000">
+            <a:off x="2853437" y="4431615"/>
+            <a:ext cx="2179645" cy="56701"/>
+          </a:xfrm>
+          <a:prstGeom prst="rect">
+            <a:avLst/>
+          </a:prstGeom>
+        </p:spPr>
+        <p:style>
+          <a:lnRef idx="1">
+            <a:schemeClr val="accent2"/>
+          </a:lnRef>
+          <a:fillRef idx="3">
+            <a:schemeClr val="accent2"/>
+          </a:fillRef>
+          <a:effectRef idx="2">
+            <a:schemeClr val="accent2"/>
+          </a:effectRef>
+          <a:fontRef idx="minor">
+            <a:schemeClr val="lt1"/>
+          </a:fontRef>
+        </p:style>
+        <p:txBody>
+          <a:bodyPr rtlCol="0" anchor="ctr"/>
+          <a:lstStyle/>
+          <a:p>
+            <a:pPr algn="ctr"/>
+            <a:endParaRPr lang="en-US"/>
+          </a:p>
+        </p:txBody>
+      </p:sp>
+      <p:sp>
+        <p:nvSpPr>
+          <p:cNvPr id="45" name="Rectangle 44"/>
+          <p:cNvSpPr/>
+          <p:nvPr/>
+        </p:nvSpPr>
+        <p:spPr>
+          <a:xfrm rot="16200000">
+            <a:off x="3824660" y="4448098"/>
+            <a:ext cx="2201625" cy="45719"/>
+          </a:xfrm>
+          <a:prstGeom prst="rect">
+            <a:avLst/>
+          </a:prstGeom>
+        </p:spPr>
+        <p:style>
+          <a:lnRef idx="1">
+            <a:schemeClr val="accent1"/>
+          </a:lnRef>
+          <a:fillRef idx="3">
+            <a:schemeClr val="accent1"/>
+          </a:fillRef>
+          <a:effectRef idx="2">
+            <a:schemeClr val="accent1"/>
+          </a:effectRef>
+          <a:fontRef idx="minor">
+            <a:schemeClr val="lt1"/>
+          </a:fontRef>
+        </p:style>
+        <p:txBody>
+          <a:bodyPr rtlCol="0" anchor="ctr"/>
+          <a:lstStyle/>
+          <a:p>
+            <a:pPr algn="ctr"/>
+            <a:endParaRPr lang="en-US"/>
+          </a:p>
+        </p:txBody>
+      </p:sp>
+      <p:grpSp>
+        <p:nvGrpSpPr>
+          <p:cNvPr id="70" name="Group 69"/>
+          <p:cNvGrpSpPr/>
+          <p:nvPr/>
+        </p:nvGrpSpPr>
+        <p:grpSpPr>
+          <a:xfrm rot="16200000">
+            <a:off x="4337491" y="3115990"/>
+            <a:ext cx="228249" cy="931004"/>
+            <a:chOff x="1434654" y="5504664"/>
+            <a:chExt cx="121061" cy="216608"/>
+          </a:xfrm>
+        </p:grpSpPr>
+        <p:cxnSp>
+          <p:nvCxnSpPr>
+            <p:cNvPr id="71" name="Straight Arrow Connector 70"/>
+            <p:cNvCxnSpPr/>
+            <p:nvPr/>
+          </p:nvCxnSpPr>
+          <p:spPr>
+            <a:xfrm>
+              <a:off x="1434654" y="5504664"/>
+              <a:ext cx="1" cy="216607"/>
+            </a:xfrm>
+            <a:prstGeom prst="straightConnector1">
+              <a:avLst/>
+            </a:prstGeom>
+            <a:ln>
+              <a:tailEnd type="arrow"/>
+            </a:ln>
+          </p:spPr>
+          <p:style>
+            <a:lnRef idx="2">
+              <a:schemeClr val="dk1"/>
+            </a:lnRef>
+            <a:fillRef idx="0">
+              <a:schemeClr val="dk1"/>
+            </a:fillRef>
+            <a:effectRef idx="1">
+              <a:schemeClr val="dk1"/>
+            </a:effectRef>
+            <a:fontRef idx="minor">
+              <a:schemeClr val="tx1"/>
+            </a:fontRef>
+          </p:style>
+        </p:cxnSp>
+        <p:cxnSp>
+          <p:nvCxnSpPr>
+            <p:cNvPr id="72" name="Straight Arrow Connector 71"/>
+            <p:cNvCxnSpPr/>
+            <p:nvPr/>
+          </p:nvCxnSpPr>
+          <p:spPr>
+            <a:xfrm flipH="1" flipV="1">
+              <a:off x="1553036" y="5504664"/>
+              <a:ext cx="2679" cy="216608"/>
+            </a:xfrm>
+            <a:prstGeom prst="straightConnector1">
+              <a:avLst/>
+            </a:prstGeom>
+            <a:ln>
+              <a:headEnd type="arrow"/>
+              <a:tailEnd type="none"/>
+            </a:ln>
+          </p:spPr>
+          <p:style>
+            <a:lnRef idx="2">
+              <a:schemeClr val="dk1"/>
+            </a:lnRef>
+            <a:fillRef idx="0">
+              <a:schemeClr val="dk1"/>
+            </a:fillRef>
+            <a:effectRef idx="1">
+              <a:schemeClr val="dk1"/>
+            </a:effectRef>
+            <a:fontRef idx="minor">
+              <a:schemeClr val="tx1"/>
+            </a:fontRef>
+          </p:style>
+        </p:cxnSp>
+      </p:grpSp>
+      <p:cxnSp>
+        <p:nvCxnSpPr>
+          <p:cNvPr id="78" name="Straight Arrow Connector 77"/>
+          <p:cNvCxnSpPr/>
+          <p:nvPr/>
+        </p:nvCxnSpPr>
+        <p:spPr>
+          <a:xfrm flipV="1">
+            <a:off x="3943260" y="3343123"/>
+            <a:ext cx="959353" cy="1"/>
+          </a:xfrm>
+          <a:prstGeom prst="straightConnector1">
+            <a:avLst/>
+          </a:prstGeom>
+          <a:ln>
+            <a:solidFill>
+              <a:srgbClr val="000000"/>
+            </a:solidFill>
+            <a:headEnd type="triangle"/>
+            <a:tailEnd type="triangle"/>
+          </a:ln>
+        </p:spPr>
+        <p:style>
+          <a:lnRef idx="1">
+            <a:schemeClr val="dk1"/>
+          </a:lnRef>
+          <a:fillRef idx="0">
+            <a:schemeClr val="dk1"/>
+          </a:fillRef>
+          <a:effectRef idx="0">
+            <a:schemeClr val="dk1"/>
+          </a:effectRef>
+          <a:fontRef idx="minor">
+            <a:schemeClr val="tx1"/>
+          </a:fontRef>
+        </p:style>
+      </p:cxnSp>
+      <p:cxnSp>
+        <p:nvCxnSpPr>
+          <p:cNvPr id="79" name="Straight Connector 78"/>
+          <p:cNvCxnSpPr>
+            <a:stCxn id="44" idx="3"/>
+          </p:cNvCxnSpPr>
+          <p:nvPr/>
+        </p:nvCxnSpPr>
+        <p:spPr>
+          <a:xfrm flipV="1">
+            <a:off x="3943260" y="3080976"/>
+            <a:ext cx="5372" cy="289167"/>
+          </a:xfrm>
+          <a:prstGeom prst="line">
+            <a:avLst/>
+          </a:prstGeom>
+          <a:ln w="6350" cmpd="sng">
+            <a:solidFill>
+              <a:schemeClr val="tx1"/>
+            </a:solidFill>
+            <a:prstDash val="sysDash"/>
+          </a:ln>
+        </p:spPr>
+        <p:style>
+          <a:lnRef idx="2">
+            <a:schemeClr val="accent1"/>
+          </a:lnRef>
+          <a:fillRef idx="0">
+            <a:schemeClr val="accent1"/>
+          </a:fillRef>
+          <a:effectRef idx="1">
+            <a:schemeClr val="accent1"/>
+          </a:effectRef>
+          <a:fontRef idx="minor">
+            <a:schemeClr val="tx1"/>
+          </a:fontRef>
+        </p:style>
+      </p:cxnSp>
+      <p:cxnSp>
+        <p:nvCxnSpPr>
+          <p:cNvPr id="80" name="Straight Connector 79"/>
+          <p:cNvCxnSpPr>
+            <a:stCxn id="45" idx="3"/>
+          </p:cNvCxnSpPr>
+          <p:nvPr/>
+        </p:nvCxnSpPr>
+        <p:spPr>
+          <a:xfrm flipH="1" flipV="1">
+            <a:off x="4917118" y="3080976"/>
+            <a:ext cx="8355" cy="289169"/>
+          </a:xfrm>
+          <a:prstGeom prst="line">
+            <a:avLst/>
+          </a:prstGeom>
+          <a:ln w="6350" cmpd="sng">
+            <a:solidFill>
+              <a:schemeClr val="tx1"/>
+            </a:solidFill>
+            <a:prstDash val="sysDash"/>
+          </a:ln>
+        </p:spPr>
+        <p:style>
+          <a:lnRef idx="2">
+            <a:schemeClr val="accent1"/>
+          </a:lnRef>
+          <a:fillRef idx="0">
+            <a:schemeClr val="accent1"/>
+          </a:fillRef>
+          <a:effectRef idx="1">
+            <a:schemeClr val="accent1"/>
+          </a:effectRef>
+          <a:fontRef idx="minor">
+            <a:schemeClr val="tx1"/>
+          </a:fontRef>
+        </p:style>
+      </p:cxnSp>
+      <p:pic>
+        <p:nvPicPr>
+          <p:cNvPr id="81" name="Picture 80" descr="latex-image-1.pdf"/>
+          <p:cNvPicPr>
+            <a:picLocks noChangeAspect="1"/>
+          </p:cNvPicPr>
+          <p:nvPr/>
+        </p:nvPicPr>
+        <p:blipFill>
+          <a:blip r:embed="rId2">
+            <a:extLst>
+              <a:ext uri="{28A0092B-C50C-407E-A947-70E740481C1C}">
+                <a14:useLocalDpi xmlns:a14="http://schemas.microsoft.com/office/drawing/2010/main" val="0"/>
+              </a:ext>
+            </a:extLst>
+          </a:blip>
+          <a:stretch>
+            <a:fillRect/>
+          </a:stretch>
+        </p:blipFill>
+        <p:spPr>
+          <a:xfrm rot="16200000">
+            <a:off x="4342155" y="3134148"/>
+            <a:ext cx="125366" cy="181084"/>
+          </a:xfrm>
+          <a:prstGeom prst="rect">
+            <a:avLst/>
+          </a:prstGeom>
+        </p:spPr>
+      </p:pic>
+      <p:cxnSp>
+        <p:nvCxnSpPr>
+          <p:cNvPr id="82" name="Straight Arrow Connector 81"/>
+          <p:cNvCxnSpPr/>
+          <p:nvPr/>
+        </p:nvCxnSpPr>
+        <p:spPr>
+          <a:xfrm flipV="1">
+            <a:off x="3943260" y="3080976"/>
+            <a:ext cx="2004382" cy="3"/>
+          </a:xfrm>
+          <a:prstGeom prst="straightConnector1">
+            <a:avLst/>
+          </a:prstGeom>
+          <a:ln>
+            <a:tailEnd type="arrow"/>
+          </a:ln>
+        </p:spPr>
+        <p:style>
+          <a:lnRef idx="2">
+            <a:schemeClr val="dk1"/>
+          </a:lnRef>
+          <a:fillRef idx="0">
+            <a:schemeClr val="dk1"/>
+          </a:fillRef>
+          <a:effectRef idx="1">
+            <a:schemeClr val="dk1"/>
+          </a:effectRef>
+          <a:fontRef idx="minor">
+            <a:schemeClr val="tx1"/>
+          </a:fontRef>
+        </p:style>
+      </p:cxnSp>
+      <p:pic>
+        <p:nvPicPr>
+          <p:cNvPr id="83" name="Picture 82" descr="latex-image-1.pdf"/>
+          <p:cNvPicPr>
+            <a:picLocks noChangeAspect="1"/>
+          </p:cNvPicPr>
+          <p:nvPr/>
+        </p:nvPicPr>
+        <p:blipFill>
+          <a:blip r:embed="rId3">
+            <a:extLst>
+              <a:ext uri="{28A0092B-C50C-407E-A947-70E740481C1C}">
+                <a14:useLocalDpi xmlns:a14="http://schemas.microsoft.com/office/drawing/2010/main" val="0"/>
+              </a:ext>
+            </a:extLst>
+          </a:blip>
+          <a:stretch>
+            <a:fillRect/>
+          </a:stretch>
+        </p:blipFill>
+        <p:spPr>
+          <a:xfrm>
+            <a:off x="5620618" y="3156742"/>
+            <a:ext cx="145999" cy="130631"/>
+          </a:xfrm>
+          <a:prstGeom prst="rect">
+            <a:avLst/>
+          </a:prstGeom>
+        </p:spPr>
+      </p:pic>
+      <p:grpSp>
+        <p:nvGrpSpPr>
+          <p:cNvPr id="89" name="Group 88"/>
+          <p:cNvGrpSpPr/>
+          <p:nvPr/>
+        </p:nvGrpSpPr>
+        <p:grpSpPr>
+          <a:xfrm rot="16200000">
+            <a:off x="4337491" y="3618278"/>
+            <a:ext cx="228249" cy="931004"/>
+            <a:chOff x="1434654" y="5504664"/>
+            <a:chExt cx="121061" cy="216608"/>
+          </a:xfrm>
+        </p:grpSpPr>
+        <p:cxnSp>
+          <p:nvCxnSpPr>
+            <p:cNvPr id="90" name="Straight Arrow Connector 89"/>
+            <p:cNvCxnSpPr/>
+            <p:nvPr/>
+          </p:nvCxnSpPr>
+          <p:spPr>
+            <a:xfrm>
+              <a:off x="1434654" y="5504664"/>
+              <a:ext cx="1" cy="216607"/>
+            </a:xfrm>
+            <a:prstGeom prst="straightConnector1">
+              <a:avLst/>
+            </a:prstGeom>
+            <a:ln>
+              <a:tailEnd type="arrow"/>
+            </a:ln>
+          </p:spPr>
+          <p:style>
+            <a:lnRef idx="2">
+              <a:schemeClr val="dk1"/>
+            </a:lnRef>
+            <a:fillRef idx="0">
+              <a:schemeClr val="dk1"/>
+            </a:fillRef>
+            <a:effectRef idx="1">
+              <a:schemeClr val="dk1"/>
+            </a:effectRef>
+            <a:fontRef idx="minor">
+              <a:schemeClr val="tx1"/>
+            </a:fontRef>
+          </p:style>
+        </p:cxnSp>
+        <p:cxnSp>
+          <p:nvCxnSpPr>
+            <p:cNvPr id="91" name="Straight Arrow Connector 90"/>
+            <p:cNvCxnSpPr/>
+            <p:nvPr/>
+          </p:nvCxnSpPr>
+          <p:spPr>
+            <a:xfrm flipH="1" flipV="1">
+              <a:off x="1553036" y="5504664"/>
+              <a:ext cx="2679" cy="216608"/>
+            </a:xfrm>
+            <a:prstGeom prst="straightConnector1">
+              <a:avLst/>
+            </a:prstGeom>
+            <a:ln>
+              <a:headEnd type="arrow"/>
+              <a:tailEnd type="none"/>
+            </a:ln>
+          </p:spPr>
+          <p:style>
+            <a:lnRef idx="2">
+              <a:schemeClr val="dk1"/>
+            </a:lnRef>
+            <a:fillRef idx="0">
+              <a:schemeClr val="dk1"/>
+            </a:fillRef>
+            <a:effectRef idx="1">
+              <a:schemeClr val="dk1"/>
+            </a:effectRef>
+            <a:fontRef idx="minor">
+              <a:schemeClr val="tx1"/>
+            </a:fontRef>
+          </p:style>
+        </p:cxnSp>
+      </p:grpSp>
+      <p:grpSp>
+        <p:nvGrpSpPr>
+          <p:cNvPr id="92" name="Group 91"/>
+          <p:cNvGrpSpPr/>
+          <p:nvPr/>
+        </p:nvGrpSpPr>
+        <p:grpSpPr>
+          <a:xfrm rot="16200000">
+            <a:off x="4337491" y="4120566"/>
+            <a:ext cx="228249" cy="931004"/>
+            <a:chOff x="1434654" y="5504664"/>
+            <a:chExt cx="121061" cy="216608"/>
+          </a:xfrm>
+        </p:grpSpPr>
+        <p:cxnSp>
+          <p:nvCxnSpPr>
+            <p:cNvPr id="93" name="Straight Arrow Connector 92"/>
+            <p:cNvCxnSpPr/>
+            <p:nvPr/>
+          </p:nvCxnSpPr>
+          <p:spPr>
+            <a:xfrm>
+              <a:off x="1434654" y="5504664"/>
+              <a:ext cx="1" cy="216607"/>
+            </a:xfrm>
+            <a:prstGeom prst="straightConnector1">
+              <a:avLst/>
+            </a:prstGeom>
+            <a:ln>
+              <a:tailEnd type="arrow"/>
+            </a:ln>
+          </p:spPr>
+          <p:style>
+            <a:lnRef idx="2">
+              <a:schemeClr val="dk1"/>
+            </a:lnRef>
+            <a:fillRef idx="0">
+              <a:schemeClr val="dk1"/>
+            </a:fillRef>
+            <a:effectRef idx="1">
+              <a:schemeClr val="dk1"/>
+            </a:effectRef>
+            <a:fontRef idx="minor">
+              <a:schemeClr val="tx1"/>
+            </a:fontRef>
+          </p:style>
+        </p:cxnSp>
+        <p:cxnSp>
+          <p:nvCxnSpPr>
+            <p:cNvPr id="94" name="Straight Arrow Connector 93"/>
+            <p:cNvCxnSpPr/>
+            <p:nvPr/>
+          </p:nvCxnSpPr>
+          <p:spPr>
+            <a:xfrm flipH="1" flipV="1">
+              <a:off x="1553036" y="5504664"/>
+              <a:ext cx="2679" cy="216608"/>
+            </a:xfrm>
+            <a:prstGeom prst="straightConnector1">
+              <a:avLst/>
+            </a:prstGeom>
+            <a:ln>
+              <a:headEnd type="arrow"/>
+              <a:tailEnd type="none"/>
+            </a:ln>
+          </p:spPr>
+          <p:style>
+            <a:lnRef idx="2">
+              <a:schemeClr val="dk1"/>
+            </a:lnRef>
+            <a:fillRef idx="0">
+              <a:schemeClr val="dk1"/>
+            </a:fillRef>
+            <a:effectRef idx="1">
+              <a:schemeClr val="dk1"/>
+            </a:effectRef>
+            <a:fontRef idx="minor">
+              <a:schemeClr val="tx1"/>
+            </a:fontRef>
+          </p:style>
+        </p:cxnSp>
+      </p:grpSp>
+      <p:grpSp>
+        <p:nvGrpSpPr>
+          <p:cNvPr id="95" name="Group 94"/>
+          <p:cNvGrpSpPr/>
+          <p:nvPr/>
+        </p:nvGrpSpPr>
+        <p:grpSpPr>
+          <a:xfrm rot="16200000">
+            <a:off x="4337491" y="4622853"/>
+            <a:ext cx="228249" cy="931004"/>
+            <a:chOff x="1434654" y="5504664"/>
+            <a:chExt cx="121061" cy="216608"/>
+          </a:xfrm>
+        </p:grpSpPr>
+        <p:cxnSp>
+          <p:nvCxnSpPr>
+            <p:cNvPr id="96" name="Straight Arrow Connector 95"/>
+            <p:cNvCxnSpPr/>
+            <p:nvPr/>
+          </p:nvCxnSpPr>
+          <p:spPr>
+            <a:xfrm>
+              <a:off x="1434654" y="5504664"/>
+              <a:ext cx="1" cy="216607"/>
+            </a:xfrm>
+            <a:prstGeom prst="straightConnector1">
+              <a:avLst/>
+            </a:prstGeom>
+            <a:ln>
+              <a:tailEnd type="arrow"/>
+            </a:ln>
+          </p:spPr>
+          <p:style>
+            <a:lnRef idx="2">
+              <a:schemeClr val="dk1"/>
+            </a:lnRef>
+            <a:fillRef idx="0">
+              <a:schemeClr val="dk1"/>
+            </a:fillRef>
+            <a:effectRef idx="1">
+              <a:schemeClr val="dk1"/>
+            </a:effectRef>
+            <a:fontRef idx="minor">
+              <a:schemeClr val="tx1"/>
+            </a:fontRef>
+          </p:style>
+        </p:cxnSp>
+        <p:cxnSp>
+          <p:nvCxnSpPr>
+            <p:cNvPr id="97" name="Straight Arrow Connector 96"/>
+            <p:cNvCxnSpPr/>
+            <p:nvPr/>
+          </p:nvCxnSpPr>
+          <p:spPr>
+            <a:xfrm flipH="1" flipV="1">
+              <a:off x="1553036" y="5504664"/>
+              <a:ext cx="2679" cy="216608"/>
+            </a:xfrm>
+            <a:prstGeom prst="straightConnector1">
+              <a:avLst/>
+            </a:prstGeom>
+            <a:ln>
+              <a:headEnd type="arrow"/>
+              <a:tailEnd type="none"/>
+            </a:ln>
+          </p:spPr>
+          <p:style>
+            <a:lnRef idx="2">
+              <a:schemeClr val="dk1"/>
+            </a:lnRef>
+            <a:fillRef idx="0">
+              <a:schemeClr val="dk1"/>
+            </a:fillRef>
+            <a:effectRef idx="1">
+              <a:schemeClr val="dk1"/>
+            </a:effectRef>
+            <a:fontRef idx="minor">
+              <a:schemeClr val="tx1"/>
+            </a:fontRef>
+          </p:style>
+        </p:cxnSp>
+      </p:grpSp>
+      <p:sp>
+        <p:nvSpPr>
+          <p:cNvPr id="98" name="TextBox 97"/>
+          <p:cNvSpPr txBox="1"/>
+          <p:nvPr/>
+        </p:nvSpPr>
+        <p:spPr>
+          <a:xfrm>
+            <a:off x="3492606" y="4149261"/>
+            <a:ext cx="338554" cy="461665"/>
+          </a:xfrm>
+          <a:prstGeom prst="rect">
+            <a:avLst/>
+          </a:prstGeom>
+          <a:noFill/>
+        </p:spPr>
+        <p:txBody>
+          <a:bodyPr wrap="none" rtlCol="0">
+            <a:spAutoFit/>
+          </a:bodyPr>
+          <a:lstStyle/>
+          <a:p>
+            <a:r>
+              <a:rPr lang="en-US" sz="2400" b="1" dirty="0"/>
+              <a:t>+</a:t>
+            </a:r>
+            <a:endParaRPr lang="en-US" sz="2400" b="1" dirty="0"/>
+          </a:p>
+        </p:txBody>
+      </p:sp>
+      <p:sp>
+        <p:nvSpPr>
+          <p:cNvPr id="99" name="TextBox 98"/>
+          <p:cNvSpPr txBox="1"/>
+          <p:nvPr/>
+        </p:nvSpPr>
+        <p:spPr>
+          <a:xfrm>
+            <a:off x="4974483" y="4149261"/>
+            <a:ext cx="278892" cy="461665"/>
+          </a:xfrm>
+          <a:prstGeom prst="rect">
+            <a:avLst/>
+          </a:prstGeom>
+          <a:noFill/>
+        </p:spPr>
+        <p:txBody>
+          <a:bodyPr wrap="none" rtlCol="0">
+            <a:spAutoFit/>
+          </a:bodyPr>
+          <a:lstStyle/>
+          <a:p>
+            <a:r>
+              <a:rPr lang="en-US" sz="2400" b="1" dirty="0"/>
+              <a:t>-</a:t>
+            </a:r>
+            <a:endParaRPr lang="en-US" sz="2400" b="1" dirty="0"/>
+          </a:p>
+        </p:txBody>
+      </p:sp>
+      <p:sp>
+        <p:nvSpPr>
+          <p:cNvPr id="104" name="Freeform 103"/>
+          <p:cNvSpPr/>
+          <p:nvPr/>
+        </p:nvSpPr>
+        <p:spPr>
+          <a:xfrm>
+            <a:off x="3986113" y="5410237"/>
+            <a:ext cx="889000" cy="323068"/>
+          </a:xfrm>
+          <a:custGeom>
+            <a:avLst/>
+            <a:gdLst>
+              <a:gd name="connsiteX0" fmla="*/ 0 w 889000"/>
+              <a:gd name="connsiteY0" fmla="*/ 0 h 434347"/>
+              <a:gd name="connsiteX1" fmla="*/ 282223 w 889000"/>
+              <a:gd name="connsiteY1" fmla="*/ 296333 h 434347"/>
+              <a:gd name="connsiteX2" fmla="*/ 508000 w 889000"/>
+              <a:gd name="connsiteY2" fmla="*/ 423333 h 434347"/>
+              <a:gd name="connsiteX3" fmla="*/ 889000 w 889000"/>
+              <a:gd name="connsiteY3" fmla="*/ 28222 h 434347"/>
+              <a:gd name="connsiteX0" fmla="*/ 0 w 889000"/>
+              <a:gd name="connsiteY0" fmla="*/ 0 h 423333"/>
+              <a:gd name="connsiteX1" fmla="*/ 508000 w 889000"/>
+              <a:gd name="connsiteY1" fmla="*/ 423333 h 423333"/>
+              <a:gd name="connsiteX2" fmla="*/ 889000 w 889000"/>
+              <a:gd name="connsiteY2" fmla="*/ 28222 h 423333"/>
+              <a:gd name="connsiteX0" fmla="*/ 0 w 889000"/>
+              <a:gd name="connsiteY0" fmla="*/ 0 h 423333"/>
+              <a:gd name="connsiteX1" fmla="*/ 452244 w 889000"/>
+              <a:gd name="connsiteY1" fmla="*/ 423333 h 423333"/>
+              <a:gd name="connsiteX2" fmla="*/ 889000 w 889000"/>
+              <a:gd name="connsiteY2" fmla="*/ 28222 h 423333"/>
+              <a:gd name="connsiteX0" fmla="*/ 0 w 889000"/>
+              <a:gd name="connsiteY0" fmla="*/ 0 h 423368"/>
+              <a:gd name="connsiteX1" fmla="*/ 452244 w 889000"/>
+              <a:gd name="connsiteY1" fmla="*/ 423333 h 423368"/>
+              <a:gd name="connsiteX2" fmla="*/ 889000 w 889000"/>
+              <a:gd name="connsiteY2" fmla="*/ 28222 h 423368"/>
+            </a:gdLst>
+            <a:ahLst/>
+            <a:cxnLst>
+              <a:cxn ang="0">
+                <a:pos x="connsiteX0" y="connsiteY0"/>
+              </a:cxn>
+              <a:cxn ang="0">
+                <a:pos x="connsiteX1" y="connsiteY1"/>
+              </a:cxn>
+              <a:cxn ang="0">
+                <a:pos x="connsiteX2" y="connsiteY2"/>
+              </a:cxn>
+            </a:cxnLst>
+            <a:rect l="l" t="t" r="r" b="b"/>
+            <a:pathLst>
+              <a:path w="889000" h="423368">
+                <a:moveTo>
+                  <a:pt x="0" y="0"/>
+                </a:moveTo>
+                <a:cubicBezTo>
+                  <a:pt x="105833" y="88195"/>
+                  <a:pt x="320138" y="427427"/>
+                  <a:pt x="452244" y="423333"/>
+                </a:cubicBezTo>
+                <a:cubicBezTo>
+                  <a:pt x="584350" y="419239"/>
+                  <a:pt x="889000" y="28222"/>
+                  <a:pt x="889000" y="28222"/>
+                </a:cubicBezTo>
+              </a:path>
+            </a:pathLst>
+          </a:custGeom>
+          <a:ln>
+            <a:prstDash val="dash"/>
+            <a:headEnd type="none"/>
+            <a:tailEnd type="arrow"/>
+          </a:ln>
+        </p:spPr>
+        <p:style>
+          <a:lnRef idx="2">
+            <a:schemeClr val="dk1"/>
+          </a:lnRef>
+          <a:fillRef idx="0">
+            <a:schemeClr val="dk1"/>
+          </a:fillRef>
+          <a:effectRef idx="1">
+            <a:schemeClr val="dk1"/>
+          </a:effectRef>
+          <a:fontRef idx="minor">
+            <a:schemeClr val="tx1"/>
+          </a:fontRef>
+        </p:style>
+        <p:txBody>
+          <a:bodyPr rtlCol="0" anchor="ctr"/>
+          <a:lstStyle/>
+          <a:p>
+            <a:pPr algn="ctr"/>
+            <a:endParaRPr lang="en-US"/>
+          </a:p>
+        </p:txBody>
+      </p:sp>
+    </p:spTree>
+    <p:extLst>
+      <p:ext uri="{BB962C8B-B14F-4D97-AF65-F5344CB8AC3E}">
+        <p14:creationId xmlns:p14="http://schemas.microsoft.com/office/powerpoint/2010/main" val="1068092307"/>
+      </p:ext>
+    </p:extLst>
+  </p:cSld>
+  <p:clrMapOvr>
+    <a:masterClrMapping/>
+  </p:clrMapOvr>
+  <p:timing>
+    <p:tnLst>
+      <p:par>
+        <p:cTn xmlns:p14="http://schemas.microsoft.com/office/powerpoint/2010/main" id="1" dur="indefinite" restart="never" nodeType="tmRoot"/>
+      </p:par>
+    </p:tnLst>
+  </p:timing>
+</p:sld>
+</file>
+
 <file path=ppt/slides/slide2.xml><?xml version="1.0" encoding="utf-8"?>
 <p:sld xmlns:a="http://schemas.openxmlformats.org/drawingml/2006/main" xmlns:r="http://schemas.openxmlformats.org/officeDocument/2006/relationships" xmlns:p="http://schemas.openxmlformats.org/presentationml/2006/main">
   <p:cSld>
@@ -9539,6 +14880,1128 @@
     <p:extLst>
       <p:ext uri="{BB962C8B-B14F-4D97-AF65-F5344CB8AC3E}">
         <p14:creationId xmlns:p14="http://schemas.microsoft.com/office/powerpoint/2010/main" val="77385394"/>
+      </p:ext>
+    </p:extLst>
+  </p:cSld>
+  <p:clrMapOvr>
+    <a:masterClrMapping/>
+  </p:clrMapOvr>
+</p:sld>
+</file>
+
+<file path=ppt/slides/slide9.xml><?xml version="1.0" encoding="utf-8"?>
+<p:sld xmlns:a="http://schemas.openxmlformats.org/drawingml/2006/main" xmlns:r="http://schemas.openxmlformats.org/officeDocument/2006/relationships" xmlns:p="http://schemas.openxmlformats.org/presentationml/2006/main">
+  <p:cSld>
+    <p:spTree>
+      <p:nvGrpSpPr>
+        <p:cNvPr id="1" name=""/>
+        <p:cNvGrpSpPr/>
+        <p:nvPr/>
+      </p:nvGrpSpPr>
+      <p:grpSpPr>
+        <a:xfrm>
+          <a:off x="0" y="0"/>
+          <a:ext cx="0" cy="0"/>
+          <a:chOff x="0" y="0"/>
+          <a:chExt cx="0" cy="0"/>
+        </a:xfrm>
+      </p:grpSpPr>
+      <p:sp>
+        <p:nvSpPr>
+          <p:cNvPr id="4" name="Oval 3"/>
+          <p:cNvSpPr/>
+          <p:nvPr/>
+        </p:nvSpPr>
+        <p:spPr>
+          <a:xfrm>
+            <a:off x="3234291" y="2542688"/>
+            <a:ext cx="2585437" cy="2585437"/>
+          </a:xfrm>
+          <a:prstGeom prst="ellipse">
+            <a:avLst/>
+          </a:prstGeom>
+          <a:solidFill>
+            <a:schemeClr val="bg1">
+              <a:lumMod val="50000"/>
+            </a:schemeClr>
+          </a:solidFill>
+          <a:ln>
+            <a:noFill/>
+          </a:ln>
+        </p:spPr>
+        <p:style>
+          <a:lnRef idx="2">
+            <a:schemeClr val="dk1">
+              <a:shade val="50000"/>
+            </a:schemeClr>
+          </a:lnRef>
+          <a:fillRef idx="1">
+            <a:schemeClr val="dk1"/>
+          </a:fillRef>
+          <a:effectRef idx="0">
+            <a:schemeClr val="dk1"/>
+          </a:effectRef>
+          <a:fontRef idx="minor">
+            <a:schemeClr val="lt1"/>
+          </a:fontRef>
+        </p:style>
+        <p:txBody>
+          <a:bodyPr rtlCol="0" anchor="ctr"/>
+          <a:lstStyle/>
+          <a:p>
+            <a:pPr algn="ctr"/>
+            <a:endParaRPr lang="en-US"/>
+          </a:p>
+        </p:txBody>
+      </p:sp>
+      <p:sp>
+        <p:nvSpPr>
+          <p:cNvPr id="5" name="Oval 4"/>
+          <p:cNvSpPr/>
+          <p:nvPr/>
+        </p:nvSpPr>
+        <p:spPr>
+          <a:xfrm>
+            <a:off x="3310491" y="2618888"/>
+            <a:ext cx="2433037" cy="2433037"/>
+          </a:xfrm>
+          <a:prstGeom prst="ellipse">
+            <a:avLst/>
+          </a:prstGeom>
+          <a:solidFill>
+            <a:schemeClr val="bg1"/>
+          </a:solidFill>
+          <a:ln>
+            <a:noFill/>
+          </a:ln>
+        </p:spPr>
+        <p:style>
+          <a:lnRef idx="2">
+            <a:schemeClr val="dk1">
+              <a:shade val="50000"/>
+            </a:schemeClr>
+          </a:lnRef>
+          <a:fillRef idx="1">
+            <a:schemeClr val="dk1"/>
+          </a:fillRef>
+          <a:effectRef idx="0">
+            <a:schemeClr val="dk1"/>
+          </a:effectRef>
+          <a:fontRef idx="minor">
+            <a:schemeClr val="lt1"/>
+          </a:fontRef>
+        </p:style>
+        <p:txBody>
+          <a:bodyPr rtlCol="0" anchor="ctr"/>
+          <a:lstStyle/>
+          <a:p>
+            <a:pPr algn="ctr"/>
+            <a:endParaRPr lang="en-US"/>
+          </a:p>
+        </p:txBody>
+      </p:sp>
+      <p:sp>
+        <p:nvSpPr>
+          <p:cNvPr id="6" name="Oval 5"/>
+          <p:cNvSpPr/>
+          <p:nvPr/>
+        </p:nvSpPr>
+        <p:spPr>
+          <a:xfrm>
+            <a:off x="3100708" y="2409105"/>
+            <a:ext cx="2852603" cy="2852603"/>
+          </a:xfrm>
+          <a:prstGeom prst="ellipse">
+            <a:avLst/>
+          </a:prstGeom>
+          <a:noFill/>
+          <a:ln w="9525" cmpd="sng">
+            <a:solidFill>
+              <a:schemeClr val="tx1"/>
+            </a:solidFill>
+            <a:prstDash val="dash"/>
+          </a:ln>
+        </p:spPr>
+        <p:style>
+          <a:lnRef idx="2">
+            <a:schemeClr val="dk1">
+              <a:shade val="50000"/>
+            </a:schemeClr>
+          </a:lnRef>
+          <a:fillRef idx="1">
+            <a:schemeClr val="dk1"/>
+          </a:fillRef>
+          <a:effectRef idx="0">
+            <a:schemeClr val="dk1"/>
+          </a:effectRef>
+          <a:fontRef idx="minor">
+            <a:schemeClr val="lt1"/>
+          </a:fontRef>
+        </p:style>
+        <p:txBody>
+          <a:bodyPr rtlCol="0" anchor="ctr"/>
+          <a:lstStyle/>
+          <a:p>
+            <a:pPr algn="ctr"/>
+            <a:endParaRPr lang="en-US"/>
+          </a:p>
+        </p:txBody>
+      </p:sp>
+      <p:sp>
+        <p:nvSpPr>
+          <p:cNvPr id="8" name="Oval 7"/>
+          <p:cNvSpPr/>
+          <p:nvPr/>
+        </p:nvSpPr>
+        <p:spPr>
+          <a:xfrm>
+            <a:off x="3420645" y="2729042"/>
+            <a:ext cx="2212729" cy="2212729"/>
+          </a:xfrm>
+          <a:prstGeom prst="ellipse">
+            <a:avLst/>
+          </a:prstGeom>
+          <a:noFill/>
+          <a:ln w="9525" cmpd="sng">
+            <a:solidFill>
+              <a:schemeClr val="tx1"/>
+            </a:solidFill>
+            <a:prstDash val="dash"/>
+          </a:ln>
+        </p:spPr>
+        <p:style>
+          <a:lnRef idx="2">
+            <a:schemeClr val="dk1">
+              <a:shade val="50000"/>
+            </a:schemeClr>
+          </a:lnRef>
+          <a:fillRef idx="1">
+            <a:schemeClr val="dk1"/>
+          </a:fillRef>
+          <a:effectRef idx="0">
+            <a:schemeClr val="dk1"/>
+          </a:effectRef>
+          <a:fontRef idx="minor">
+            <a:schemeClr val="lt1"/>
+          </a:fontRef>
+        </p:style>
+        <p:txBody>
+          <a:bodyPr rtlCol="0" anchor="ctr"/>
+          <a:lstStyle/>
+          <a:p>
+            <a:pPr algn="ctr"/>
+            <a:endParaRPr lang="en-US"/>
+          </a:p>
+        </p:txBody>
+      </p:sp>
+      <p:pic>
+        <p:nvPicPr>
+          <p:cNvPr id="9" name="Picture 8" descr="latex-image-1.pdf"/>
+          <p:cNvPicPr>
+            <a:picLocks noChangeAspect="1"/>
+          </p:cNvPicPr>
+          <p:nvPr/>
+        </p:nvPicPr>
+        <p:blipFill>
+          <a:blip r:embed="rId2">
+            <a:extLst>
+              <a:ext uri="{28A0092B-C50C-407E-A947-70E740481C1C}">
+                <a14:useLocalDpi xmlns:a14="http://schemas.microsoft.com/office/drawing/2010/main" val="0"/>
+              </a:ext>
+            </a:extLst>
+          </a:blip>
+          <a:stretch>
+            <a:fillRect/>
+          </a:stretch>
+        </p:blipFill>
+        <p:spPr>
+          <a:xfrm>
+            <a:off x="6193422" y="3134338"/>
+            <a:ext cx="314638" cy="399349"/>
+          </a:xfrm>
+          <a:prstGeom prst="rect">
+            <a:avLst/>
+          </a:prstGeom>
+        </p:spPr>
+      </p:pic>
+      <p:cxnSp>
+        <p:nvCxnSpPr>
+          <p:cNvPr id="11" name="Straight Connector 10"/>
+          <p:cNvCxnSpPr/>
+          <p:nvPr/>
+        </p:nvCxnSpPr>
+        <p:spPr>
+          <a:xfrm flipH="1">
+            <a:off x="5763997" y="3341414"/>
+            <a:ext cx="378628" cy="192274"/>
+          </a:xfrm>
+          <a:prstGeom prst="line">
+            <a:avLst/>
+          </a:prstGeom>
+          <a:ln>
+            <a:solidFill>
+              <a:srgbClr val="000000"/>
+            </a:solidFill>
+          </a:ln>
+        </p:spPr>
+        <p:style>
+          <a:lnRef idx="2">
+            <a:schemeClr val="accent1"/>
+          </a:lnRef>
+          <a:fillRef idx="0">
+            <a:schemeClr val="accent1"/>
+          </a:fillRef>
+          <a:effectRef idx="1">
+            <a:schemeClr val="accent1"/>
+          </a:effectRef>
+          <a:fontRef idx="minor">
+            <a:schemeClr val="tx1"/>
+          </a:fontRef>
+        </p:style>
+      </p:cxnSp>
+      <p:sp>
+        <p:nvSpPr>
+          <p:cNvPr id="15" name="TextBox 14"/>
+          <p:cNvSpPr txBox="1"/>
+          <p:nvPr/>
+        </p:nvSpPr>
+        <p:spPr>
+          <a:xfrm>
+            <a:off x="918510" y="2662896"/>
+            <a:ext cx="2137574" cy="400110"/>
+          </a:xfrm>
+          <a:prstGeom prst="rect">
+            <a:avLst/>
+          </a:prstGeom>
+          <a:noFill/>
+        </p:spPr>
+        <p:txBody>
+          <a:bodyPr wrap="none" rtlCol="0">
+            <a:spAutoFit/>
+          </a:bodyPr>
+          <a:lstStyle/>
+          <a:p>
+            <a:r>
+              <a:rPr lang="en-US" sz="2000" dirty="0" err="1" smtClean="0">
+                <a:solidFill>
+                  <a:srgbClr val="800000"/>
+                </a:solidFill>
+              </a:rPr>
+              <a:t>Gau</a:t>
+            </a:r>
+            <a:r>
+              <a:rPr lang="en-US" sz="2000" dirty="0" err="1" smtClean="0">
+                <a:solidFill>
+                  <a:srgbClr val="800000"/>
+                </a:solidFill>
+              </a:rPr>
+              <a:t>ß’sche</a:t>
+            </a:r>
+            <a:r>
+              <a:rPr lang="en-US" sz="2000" dirty="0" smtClean="0">
+                <a:solidFill>
+                  <a:srgbClr val="800000"/>
+                </a:solidFill>
+              </a:rPr>
+              <a:t> </a:t>
+            </a:r>
+            <a:r>
+              <a:rPr lang="en-US" sz="2000" dirty="0" err="1" smtClean="0">
+                <a:solidFill>
+                  <a:srgbClr val="800000"/>
+                </a:solidFill>
+              </a:rPr>
+              <a:t>Fl</a:t>
+            </a:r>
+            <a:r>
+              <a:rPr lang="en-US" sz="2000" dirty="0" err="1" smtClean="0">
+                <a:solidFill>
+                  <a:srgbClr val="800000"/>
+                </a:solidFill>
+              </a:rPr>
+              <a:t>ächen</a:t>
+            </a:r>
+            <a:endParaRPr lang="en-US" sz="2000" dirty="0">
+              <a:solidFill>
+                <a:srgbClr val="800000"/>
+              </a:solidFill>
+            </a:endParaRPr>
+          </a:p>
+        </p:txBody>
+      </p:sp>
+      <p:cxnSp>
+        <p:nvCxnSpPr>
+          <p:cNvPr id="17" name="Straight Connector 16"/>
+          <p:cNvCxnSpPr/>
+          <p:nvPr/>
+        </p:nvCxnSpPr>
+        <p:spPr>
+          <a:xfrm>
+            <a:off x="2137938" y="3032228"/>
+            <a:ext cx="1369068" cy="309186"/>
+          </a:xfrm>
+          <a:prstGeom prst="line">
+            <a:avLst/>
+          </a:prstGeom>
+          <a:ln>
+            <a:solidFill>
+              <a:srgbClr val="800000"/>
+            </a:solidFill>
+          </a:ln>
+        </p:spPr>
+        <p:style>
+          <a:lnRef idx="2">
+            <a:schemeClr val="accent1"/>
+          </a:lnRef>
+          <a:fillRef idx="0">
+            <a:schemeClr val="accent1"/>
+          </a:fillRef>
+          <a:effectRef idx="1">
+            <a:schemeClr val="accent1"/>
+          </a:effectRef>
+          <a:fontRef idx="minor">
+            <a:schemeClr val="tx1"/>
+          </a:fontRef>
+        </p:style>
+      </p:cxnSp>
+      <p:cxnSp>
+        <p:nvCxnSpPr>
+          <p:cNvPr id="19" name="Straight Connector 18"/>
+          <p:cNvCxnSpPr/>
+          <p:nvPr/>
+        </p:nvCxnSpPr>
+        <p:spPr>
+          <a:xfrm>
+            <a:off x="2137938" y="3050445"/>
+            <a:ext cx="1008394" cy="500204"/>
+          </a:xfrm>
+          <a:prstGeom prst="line">
+            <a:avLst/>
+          </a:prstGeom>
+          <a:ln>
+            <a:solidFill>
+              <a:srgbClr val="800000"/>
+            </a:solidFill>
+          </a:ln>
+        </p:spPr>
+        <p:style>
+          <a:lnRef idx="2">
+            <a:schemeClr val="accent1"/>
+          </a:lnRef>
+          <a:fillRef idx="0">
+            <a:schemeClr val="accent1"/>
+          </a:fillRef>
+          <a:effectRef idx="1">
+            <a:schemeClr val="accent1"/>
+          </a:effectRef>
+          <a:fontRef idx="minor">
+            <a:schemeClr val="tx1"/>
+          </a:fontRef>
+        </p:style>
+      </p:cxnSp>
+      <p:cxnSp>
+        <p:nvCxnSpPr>
+          <p:cNvPr id="24" name="Straight Arrow Connector 23"/>
+          <p:cNvCxnSpPr>
+            <a:stCxn id="4" idx="6"/>
+          </p:cNvCxnSpPr>
+          <p:nvPr/>
+        </p:nvCxnSpPr>
+        <p:spPr>
+          <a:xfrm>
+            <a:off x="5819728" y="3835407"/>
+            <a:ext cx="995394" cy="0"/>
+          </a:xfrm>
+          <a:prstGeom prst="straightConnector1">
+            <a:avLst/>
+          </a:prstGeom>
+          <a:ln>
+            <a:solidFill>
+              <a:schemeClr val="tx1"/>
+            </a:solidFill>
+            <a:headEnd type="none"/>
+            <a:tailEnd type="triangle"/>
+          </a:ln>
+        </p:spPr>
+        <p:style>
+          <a:lnRef idx="2">
+            <a:schemeClr val="accent1"/>
+          </a:lnRef>
+          <a:fillRef idx="0">
+            <a:schemeClr val="accent1"/>
+          </a:fillRef>
+          <a:effectRef idx="1">
+            <a:schemeClr val="accent1"/>
+          </a:effectRef>
+          <a:fontRef idx="minor">
+            <a:schemeClr val="tx1"/>
+          </a:fontRef>
+        </p:style>
+      </p:cxnSp>
+      <p:cxnSp>
+        <p:nvCxnSpPr>
+          <p:cNvPr id="25" name="Straight Arrow Connector 24"/>
+          <p:cNvCxnSpPr/>
+          <p:nvPr/>
+        </p:nvCxnSpPr>
+        <p:spPr>
+          <a:xfrm>
+            <a:off x="4501905" y="5129331"/>
+            <a:ext cx="0" cy="892328"/>
+          </a:xfrm>
+          <a:prstGeom prst="straightConnector1">
+            <a:avLst/>
+          </a:prstGeom>
+          <a:ln>
+            <a:solidFill>
+              <a:schemeClr val="tx1"/>
+            </a:solidFill>
+            <a:headEnd type="none"/>
+            <a:tailEnd type="arrow"/>
+          </a:ln>
+        </p:spPr>
+        <p:style>
+          <a:lnRef idx="2">
+            <a:schemeClr val="accent1"/>
+          </a:lnRef>
+          <a:fillRef idx="0">
+            <a:schemeClr val="accent1"/>
+          </a:fillRef>
+          <a:effectRef idx="1">
+            <a:schemeClr val="accent1"/>
+          </a:effectRef>
+          <a:fontRef idx="minor">
+            <a:schemeClr val="tx1"/>
+          </a:fontRef>
+        </p:style>
+      </p:cxnSp>
+      <p:cxnSp>
+        <p:nvCxnSpPr>
+          <p:cNvPr id="28" name="Straight Arrow Connector 27"/>
+          <p:cNvCxnSpPr/>
+          <p:nvPr/>
+        </p:nvCxnSpPr>
+        <p:spPr>
+          <a:xfrm>
+            <a:off x="5446154" y="4683167"/>
+            <a:ext cx="870024" cy="658078"/>
+          </a:xfrm>
+          <a:prstGeom prst="straightConnector1">
+            <a:avLst/>
+          </a:prstGeom>
+          <a:ln>
+            <a:headEnd type="none"/>
+            <a:tailEnd type="arrow"/>
+          </a:ln>
+        </p:spPr>
+        <p:style>
+          <a:lnRef idx="2">
+            <a:schemeClr val="dk1"/>
+          </a:lnRef>
+          <a:fillRef idx="0">
+            <a:schemeClr val="dk1"/>
+          </a:fillRef>
+          <a:effectRef idx="1">
+            <a:schemeClr val="dk1"/>
+          </a:effectRef>
+          <a:fontRef idx="minor">
+            <a:schemeClr val="tx1"/>
+          </a:fontRef>
+        </p:style>
+      </p:cxnSp>
+      <p:cxnSp>
+        <p:nvCxnSpPr>
+          <p:cNvPr id="31" name="Straight Arrow Connector 30"/>
+          <p:cNvCxnSpPr/>
+          <p:nvPr/>
+        </p:nvCxnSpPr>
+        <p:spPr>
+          <a:xfrm flipH="1">
+            <a:off x="2188550" y="3863975"/>
+            <a:ext cx="1039386" cy="0"/>
+          </a:xfrm>
+          <a:prstGeom prst="straightConnector1">
+            <a:avLst/>
+          </a:prstGeom>
+          <a:ln>
+            <a:headEnd type="none"/>
+            <a:tailEnd type="arrow"/>
+          </a:ln>
+        </p:spPr>
+        <p:style>
+          <a:lnRef idx="2">
+            <a:schemeClr val="dk1"/>
+          </a:lnRef>
+          <a:fillRef idx="0">
+            <a:schemeClr val="dk1"/>
+          </a:fillRef>
+          <a:effectRef idx="1">
+            <a:schemeClr val="dk1"/>
+          </a:effectRef>
+          <a:fontRef idx="minor">
+            <a:schemeClr val="tx1"/>
+          </a:fontRef>
+        </p:style>
+      </p:cxnSp>
+      <p:cxnSp>
+        <p:nvCxnSpPr>
+          <p:cNvPr id="33" name="Straight Arrow Connector 32"/>
+          <p:cNvCxnSpPr/>
+          <p:nvPr/>
+        </p:nvCxnSpPr>
+        <p:spPr>
+          <a:xfrm flipH="1">
+            <a:off x="2642135" y="4737559"/>
+            <a:ext cx="978267" cy="609141"/>
+          </a:xfrm>
+          <a:prstGeom prst="straightConnector1">
+            <a:avLst/>
+          </a:prstGeom>
+          <a:ln>
+            <a:headEnd type="none"/>
+            <a:tailEnd type="arrow"/>
+          </a:ln>
+        </p:spPr>
+        <p:style>
+          <a:lnRef idx="2">
+            <a:schemeClr val="dk1"/>
+          </a:lnRef>
+          <a:fillRef idx="0">
+            <a:schemeClr val="dk1"/>
+          </a:fillRef>
+          <a:effectRef idx="1">
+            <a:schemeClr val="dk1"/>
+          </a:effectRef>
+          <a:fontRef idx="minor">
+            <a:schemeClr val="tx1"/>
+          </a:fontRef>
+        </p:style>
+      </p:cxnSp>
+      <p:cxnSp>
+        <p:nvCxnSpPr>
+          <p:cNvPr id="36" name="Straight Arrow Connector 35"/>
+          <p:cNvCxnSpPr/>
+          <p:nvPr/>
+        </p:nvCxnSpPr>
+        <p:spPr>
+          <a:xfrm flipV="1">
+            <a:off x="4513263" y="1650360"/>
+            <a:ext cx="0" cy="892328"/>
+          </a:xfrm>
+          <a:prstGeom prst="straightConnector1">
+            <a:avLst/>
+          </a:prstGeom>
+          <a:ln>
+            <a:headEnd type="none"/>
+            <a:tailEnd type="arrow"/>
+          </a:ln>
+        </p:spPr>
+        <p:style>
+          <a:lnRef idx="2">
+            <a:schemeClr val="dk1"/>
+          </a:lnRef>
+          <a:fillRef idx="0">
+            <a:schemeClr val="dk1"/>
+          </a:fillRef>
+          <a:effectRef idx="1">
+            <a:schemeClr val="dk1"/>
+          </a:effectRef>
+          <a:fontRef idx="minor">
+            <a:schemeClr val="tx1"/>
+          </a:fontRef>
+        </p:style>
+      </p:cxnSp>
+      <p:cxnSp>
+        <p:nvCxnSpPr>
+          <p:cNvPr id="37" name="Straight Arrow Connector 36"/>
+          <p:cNvCxnSpPr/>
+          <p:nvPr/>
+        </p:nvCxnSpPr>
+        <p:spPr>
+          <a:xfrm flipV="1">
+            <a:off x="5384716" y="2224286"/>
+            <a:ext cx="870024" cy="658078"/>
+          </a:xfrm>
+          <a:prstGeom prst="straightConnector1">
+            <a:avLst/>
+          </a:prstGeom>
+          <a:ln>
+            <a:headEnd type="none"/>
+            <a:tailEnd type="arrow"/>
+          </a:ln>
+        </p:spPr>
+        <p:style>
+          <a:lnRef idx="2">
+            <a:schemeClr val="dk1"/>
+          </a:lnRef>
+          <a:fillRef idx="0">
+            <a:schemeClr val="dk1"/>
+          </a:fillRef>
+          <a:effectRef idx="1">
+            <a:schemeClr val="dk1"/>
+          </a:effectRef>
+          <a:fontRef idx="minor">
+            <a:schemeClr val="tx1"/>
+          </a:fontRef>
+        </p:style>
+      </p:cxnSp>
+      <p:cxnSp>
+        <p:nvCxnSpPr>
+          <p:cNvPr id="38" name="Straight Arrow Connector 37"/>
+          <p:cNvCxnSpPr/>
+          <p:nvPr/>
+        </p:nvCxnSpPr>
+        <p:spPr>
+          <a:xfrm flipH="1" flipV="1">
+            <a:off x="2528739" y="2398633"/>
+            <a:ext cx="978267" cy="609141"/>
+          </a:xfrm>
+          <a:prstGeom prst="straightConnector1">
+            <a:avLst/>
+          </a:prstGeom>
+          <a:ln>
+            <a:headEnd type="none"/>
+            <a:tailEnd type="arrow"/>
+          </a:ln>
+        </p:spPr>
+        <p:style>
+          <a:lnRef idx="2">
+            <a:schemeClr val="dk1"/>
+          </a:lnRef>
+          <a:fillRef idx="0">
+            <a:schemeClr val="dk1"/>
+          </a:fillRef>
+          <a:effectRef idx="1">
+            <a:schemeClr val="dk1"/>
+          </a:effectRef>
+          <a:fontRef idx="minor">
+            <a:schemeClr val="tx1"/>
+          </a:fontRef>
+        </p:style>
+      </p:cxnSp>
+      <p:sp>
+        <p:nvSpPr>
+          <p:cNvPr id="41" name="TextBox 40"/>
+          <p:cNvSpPr txBox="1"/>
+          <p:nvPr/>
+        </p:nvSpPr>
+        <p:spPr>
+          <a:xfrm>
+            <a:off x="5565006" y="2999049"/>
+            <a:ext cx="300082" cy="369332"/>
+          </a:xfrm>
+          <a:prstGeom prst="rect">
+            <a:avLst/>
+          </a:prstGeom>
+          <a:noFill/>
+        </p:spPr>
+        <p:txBody>
+          <a:bodyPr wrap="none" rtlCol="0">
+            <a:spAutoFit/>
+          </a:bodyPr>
+          <a:lstStyle/>
+          <a:p>
+            <a:r>
+              <a:rPr lang="en-US" dirty="0" smtClean="0"/>
+              <a:t>+</a:t>
+            </a:r>
+            <a:endParaRPr lang="en-US" dirty="0"/>
+          </a:p>
+        </p:txBody>
+      </p:sp>
+      <p:sp>
+        <p:nvSpPr>
+          <p:cNvPr id="45" name="TextBox 44"/>
+          <p:cNvSpPr txBox="1"/>
+          <p:nvPr/>
+        </p:nvSpPr>
+        <p:spPr>
+          <a:xfrm>
+            <a:off x="3825931" y="2359710"/>
+            <a:ext cx="300082" cy="369332"/>
+          </a:xfrm>
+          <a:prstGeom prst="rect">
+            <a:avLst/>
+          </a:prstGeom>
+          <a:noFill/>
+        </p:spPr>
+        <p:txBody>
+          <a:bodyPr wrap="none" rtlCol="0">
+            <a:spAutoFit/>
+          </a:bodyPr>
+          <a:lstStyle/>
+          <a:p>
+            <a:r>
+              <a:rPr lang="en-US" dirty="0" smtClean="0"/>
+              <a:t>+</a:t>
+            </a:r>
+            <a:endParaRPr lang="en-US" dirty="0"/>
+          </a:p>
+        </p:txBody>
+      </p:sp>
+      <p:sp>
+        <p:nvSpPr>
+          <p:cNvPr id="46" name="TextBox 45"/>
+          <p:cNvSpPr txBox="1"/>
+          <p:nvPr/>
+        </p:nvSpPr>
+        <p:spPr>
+          <a:xfrm>
+            <a:off x="3100575" y="3194178"/>
+            <a:ext cx="300082" cy="369332"/>
+          </a:xfrm>
+          <a:prstGeom prst="rect">
+            <a:avLst/>
+          </a:prstGeom>
+          <a:noFill/>
+        </p:spPr>
+        <p:txBody>
+          <a:bodyPr wrap="none" rtlCol="0">
+            <a:spAutoFit/>
+          </a:bodyPr>
+          <a:lstStyle/>
+          <a:p>
+            <a:r>
+              <a:rPr lang="en-US" dirty="0" smtClean="0"/>
+              <a:t>+</a:t>
+            </a:r>
+            <a:endParaRPr lang="en-US" dirty="0"/>
+          </a:p>
+        </p:txBody>
+      </p:sp>
+      <p:sp>
+        <p:nvSpPr>
+          <p:cNvPr id="47" name="TextBox 46"/>
+          <p:cNvSpPr txBox="1"/>
+          <p:nvPr/>
+        </p:nvSpPr>
+        <p:spPr>
+          <a:xfrm>
+            <a:off x="5084634" y="4778774"/>
+            <a:ext cx="300082" cy="369332"/>
+          </a:xfrm>
+          <a:prstGeom prst="rect">
+            <a:avLst/>
+          </a:prstGeom>
+          <a:noFill/>
+        </p:spPr>
+        <p:txBody>
+          <a:bodyPr wrap="none" rtlCol="0">
+            <a:spAutoFit/>
+          </a:bodyPr>
+          <a:lstStyle/>
+          <a:p>
+            <a:r>
+              <a:rPr lang="en-US" dirty="0" smtClean="0"/>
+              <a:t>+</a:t>
+            </a:r>
+            <a:endParaRPr lang="en-US" dirty="0"/>
+          </a:p>
+        </p:txBody>
+      </p:sp>
+      <p:sp>
+        <p:nvSpPr>
+          <p:cNvPr id="48" name="TextBox 47"/>
+          <p:cNvSpPr txBox="1"/>
+          <p:nvPr/>
+        </p:nvSpPr>
+        <p:spPr>
+          <a:xfrm>
+            <a:off x="6174606" y="3608649"/>
+            <a:ext cx="300082" cy="369332"/>
+          </a:xfrm>
+          <a:prstGeom prst="rect">
+            <a:avLst/>
+          </a:prstGeom>
+          <a:noFill/>
+        </p:spPr>
+        <p:txBody>
+          <a:bodyPr wrap="none" rtlCol="0">
+            <a:spAutoFit/>
+          </a:bodyPr>
+          <a:lstStyle/>
+          <a:p>
+            <a:r>
+              <a:rPr lang="en-US" dirty="0" smtClean="0"/>
+              <a:t>+</a:t>
+            </a:r>
+            <a:endParaRPr lang="en-US" dirty="0"/>
+          </a:p>
+        </p:txBody>
+      </p:sp>
+      <p:sp>
+        <p:nvSpPr>
+          <p:cNvPr id="49" name="TextBox 48"/>
+          <p:cNvSpPr txBox="1"/>
+          <p:nvPr/>
+        </p:nvSpPr>
+        <p:spPr>
+          <a:xfrm>
+            <a:off x="3134595" y="4130381"/>
+            <a:ext cx="300082" cy="369332"/>
+          </a:xfrm>
+          <a:prstGeom prst="rect">
+            <a:avLst/>
+          </a:prstGeom>
+          <a:noFill/>
+        </p:spPr>
+        <p:txBody>
+          <a:bodyPr wrap="none" rtlCol="0">
+            <a:spAutoFit/>
+          </a:bodyPr>
+          <a:lstStyle/>
+          <a:p>
+            <a:r>
+              <a:rPr lang="en-US" dirty="0" smtClean="0"/>
+              <a:t>+</a:t>
+            </a:r>
+            <a:endParaRPr lang="en-US" dirty="0"/>
+          </a:p>
+        </p:txBody>
+      </p:sp>
+      <p:sp>
+        <p:nvSpPr>
+          <p:cNvPr id="50" name="TextBox 49"/>
+          <p:cNvSpPr txBox="1"/>
+          <p:nvPr/>
+        </p:nvSpPr>
+        <p:spPr>
+          <a:xfrm>
+            <a:off x="3825931" y="4911866"/>
+            <a:ext cx="300082" cy="369332"/>
+          </a:xfrm>
+          <a:prstGeom prst="rect">
+            <a:avLst/>
+          </a:prstGeom>
+          <a:noFill/>
+        </p:spPr>
+        <p:txBody>
+          <a:bodyPr wrap="none" rtlCol="0">
+            <a:spAutoFit/>
+          </a:bodyPr>
+          <a:lstStyle/>
+          <a:p>
+            <a:r>
+              <a:rPr lang="en-US" dirty="0" smtClean="0"/>
+              <a:t>+</a:t>
+            </a:r>
+            <a:endParaRPr lang="en-US" dirty="0"/>
+          </a:p>
+        </p:txBody>
+      </p:sp>
+      <p:sp>
+        <p:nvSpPr>
+          <p:cNvPr id="51" name="TextBox 50"/>
+          <p:cNvSpPr txBox="1"/>
+          <p:nvPr/>
+        </p:nvSpPr>
+        <p:spPr>
+          <a:xfrm>
+            <a:off x="5715047" y="4130381"/>
+            <a:ext cx="300082" cy="369332"/>
+          </a:xfrm>
+          <a:prstGeom prst="rect">
+            <a:avLst/>
+          </a:prstGeom>
+          <a:noFill/>
+        </p:spPr>
+        <p:txBody>
+          <a:bodyPr wrap="none" rtlCol="0">
+            <a:spAutoFit/>
+          </a:bodyPr>
+          <a:lstStyle/>
+          <a:p>
+            <a:r>
+              <a:rPr lang="en-US" dirty="0" smtClean="0"/>
+              <a:t>+</a:t>
+            </a:r>
+            <a:endParaRPr lang="en-US" dirty="0"/>
+          </a:p>
+        </p:txBody>
+      </p:sp>
+      <p:sp>
+        <p:nvSpPr>
+          <p:cNvPr id="52" name="TextBox 51"/>
+          <p:cNvSpPr txBox="1"/>
+          <p:nvPr/>
+        </p:nvSpPr>
+        <p:spPr>
+          <a:xfrm>
+            <a:off x="4934593" y="2398633"/>
+            <a:ext cx="300082" cy="369332"/>
+          </a:xfrm>
+          <a:prstGeom prst="rect">
+            <a:avLst/>
+          </a:prstGeom>
+          <a:noFill/>
+        </p:spPr>
+        <p:txBody>
+          <a:bodyPr wrap="none" rtlCol="0">
+            <a:spAutoFit/>
+          </a:bodyPr>
+          <a:lstStyle/>
+          <a:p>
+            <a:r>
+              <a:rPr lang="en-US" dirty="0" smtClean="0"/>
+              <a:t>+</a:t>
+            </a:r>
+            <a:endParaRPr lang="en-US" dirty="0"/>
+          </a:p>
+        </p:txBody>
+      </p:sp>
+      <p:pic>
+        <p:nvPicPr>
+          <p:cNvPr id="53" name="Picture 52"/>
+          <p:cNvPicPr>
+            <a:picLocks noChangeAspect="1"/>
+          </p:cNvPicPr>
+          <p:nvPr/>
+        </p:nvPicPr>
+        <p:blipFill>
+          <a:blip r:embed="rId3"/>
+          <a:stretch>
+            <a:fillRect/>
+          </a:stretch>
+        </p:blipFill>
+        <p:spPr>
+          <a:xfrm>
+            <a:off x="5435665" y="1941433"/>
+            <a:ext cx="342900" cy="457200"/>
+          </a:xfrm>
+          <a:prstGeom prst="rect">
+            <a:avLst/>
+          </a:prstGeom>
+        </p:spPr>
+      </p:pic>
+      <p:cxnSp>
+        <p:nvCxnSpPr>
+          <p:cNvPr id="56" name="Straight Arrow Connector 55"/>
+          <p:cNvCxnSpPr>
+            <a:endCxn id="45" idx="2"/>
+          </p:cNvCxnSpPr>
+          <p:nvPr/>
+        </p:nvCxnSpPr>
+        <p:spPr>
+          <a:xfrm flipH="1" flipV="1">
+            <a:off x="3975972" y="2729042"/>
+            <a:ext cx="537291" cy="1120647"/>
+          </a:xfrm>
+          <a:prstGeom prst="straightConnector1">
+            <a:avLst/>
+          </a:prstGeom>
+          <a:ln>
+            <a:tailEnd type="arrow"/>
+          </a:ln>
+        </p:spPr>
+        <p:style>
+          <a:lnRef idx="2">
+            <a:schemeClr val="accent1"/>
+          </a:lnRef>
+          <a:fillRef idx="0">
+            <a:schemeClr val="accent1"/>
+          </a:fillRef>
+          <a:effectRef idx="1">
+            <a:schemeClr val="accent1"/>
+          </a:effectRef>
+          <a:fontRef idx="minor">
+            <a:schemeClr val="tx1"/>
+          </a:fontRef>
+        </p:style>
+      </p:cxnSp>
+      <p:pic>
+        <p:nvPicPr>
+          <p:cNvPr id="59" name="Picture 58" descr="latex-image-1.pdf"/>
+          <p:cNvPicPr>
+            <a:picLocks noChangeAspect="1"/>
+          </p:cNvPicPr>
+          <p:nvPr/>
+        </p:nvPicPr>
+        <p:blipFill>
+          <a:blip r:embed="rId4">
+            <a:extLst>
+              <a:ext uri="{28A0092B-C50C-407E-A947-70E740481C1C}">
+                <a14:useLocalDpi xmlns:a14="http://schemas.microsoft.com/office/drawing/2010/main" val="0"/>
+              </a:ext>
+            </a:extLst>
+          </a:blip>
+          <a:stretch>
+            <a:fillRect/>
+          </a:stretch>
+        </p:blipFill>
+        <p:spPr>
+          <a:xfrm>
+            <a:off x="3850558" y="3134338"/>
+            <a:ext cx="250827" cy="250827"/>
+          </a:xfrm>
+          <a:prstGeom prst="rect">
+            <a:avLst/>
+          </a:prstGeom>
+        </p:spPr>
+      </p:pic>
+      <p:cxnSp>
+        <p:nvCxnSpPr>
+          <p:cNvPr id="61" name="Straight Connector 60"/>
+          <p:cNvCxnSpPr/>
+          <p:nvPr/>
+        </p:nvCxnSpPr>
+        <p:spPr>
+          <a:xfrm>
+            <a:off x="4513263" y="3613968"/>
+            <a:ext cx="0" cy="471442"/>
+          </a:xfrm>
+          <a:prstGeom prst="line">
+            <a:avLst/>
+          </a:prstGeom>
+        </p:spPr>
+        <p:style>
+          <a:lnRef idx="2">
+            <a:schemeClr val="dk1"/>
+          </a:lnRef>
+          <a:fillRef idx="0">
+            <a:schemeClr val="dk1"/>
+          </a:fillRef>
+          <a:effectRef idx="1">
+            <a:schemeClr val="dk1"/>
+          </a:effectRef>
+          <a:fontRef idx="minor">
+            <a:schemeClr val="tx1"/>
+          </a:fontRef>
+        </p:style>
+      </p:cxnSp>
+      <p:cxnSp>
+        <p:nvCxnSpPr>
+          <p:cNvPr id="64" name="Straight Connector 63"/>
+          <p:cNvCxnSpPr/>
+          <p:nvPr/>
+        </p:nvCxnSpPr>
+        <p:spPr>
+          <a:xfrm rot="5400000">
+            <a:off x="4513263" y="3613968"/>
+            <a:ext cx="0" cy="471442"/>
+          </a:xfrm>
+          <a:prstGeom prst="line">
+            <a:avLst/>
+          </a:prstGeom>
+        </p:spPr>
+        <p:style>
+          <a:lnRef idx="2">
+            <a:schemeClr val="dk1"/>
+          </a:lnRef>
+          <a:fillRef idx="0">
+            <a:schemeClr val="dk1"/>
+          </a:fillRef>
+          <a:effectRef idx="1">
+            <a:schemeClr val="dk1"/>
+          </a:effectRef>
+          <a:fontRef idx="minor">
+            <a:schemeClr val="tx1"/>
+          </a:fontRef>
+        </p:style>
+      </p:cxnSp>
+    </p:spTree>
+    <p:extLst>
+      <p:ext uri="{BB962C8B-B14F-4D97-AF65-F5344CB8AC3E}">
+        <p14:creationId xmlns:p14="http://schemas.microsoft.com/office/powerpoint/2010/main" val="1926523218"/>
       </p:ext>
     </p:extLst>
   </p:cSld>

--- a/figures/Presentation1.pptx
+++ b/figures/Presentation1.pptx
@@ -17,6 +17,7 @@
     <p:sldId id="266" r:id="rId11"/>
     <p:sldId id="267" r:id="rId12"/>
     <p:sldId id="268" r:id="rId13"/>
+    <p:sldId id="269" r:id="rId14"/>
   </p:sldIdLst>
   <p:sldSz cx="9144000" cy="6858000" type="screen4x3"/>
   <p:notesSz cx="6858000" cy="9144000"/>
@@ -299,7 +300,7 @@
           <a:p>
             <a:fld id="{72DE86F5-D0C9-5448-802F-684C9422712B}" type="datetimeFigureOut">
               <a:rPr lang="en-US" smtClean="0"/>
-              <a:t>8/4/18</a:t>
+              <a:t>10.04.18</a:t>
             </a:fld>
             <a:endParaRPr lang="en-US"/>
           </a:p>
@@ -469,7 +470,7 @@
           <a:p>
             <a:fld id="{72DE86F5-D0C9-5448-802F-684C9422712B}" type="datetimeFigureOut">
               <a:rPr lang="en-US" smtClean="0"/>
-              <a:t>8/4/18</a:t>
+              <a:t>10.04.18</a:t>
             </a:fld>
             <a:endParaRPr lang="en-US"/>
           </a:p>
@@ -649,7 +650,7 @@
           <a:p>
             <a:fld id="{72DE86F5-D0C9-5448-802F-684C9422712B}" type="datetimeFigureOut">
               <a:rPr lang="en-US" smtClean="0"/>
-              <a:t>8/4/18</a:t>
+              <a:t>10.04.18</a:t>
             </a:fld>
             <a:endParaRPr lang="en-US"/>
           </a:p>
@@ -819,7 +820,7 @@
           <a:p>
             <a:fld id="{72DE86F5-D0C9-5448-802F-684C9422712B}" type="datetimeFigureOut">
               <a:rPr lang="en-US" smtClean="0"/>
-              <a:t>8/4/18</a:t>
+              <a:t>10.04.18</a:t>
             </a:fld>
             <a:endParaRPr lang="en-US"/>
           </a:p>
@@ -1065,7 +1066,7 @@
           <a:p>
             <a:fld id="{72DE86F5-D0C9-5448-802F-684C9422712B}" type="datetimeFigureOut">
               <a:rPr lang="en-US" smtClean="0"/>
-              <a:t>8/4/18</a:t>
+              <a:t>10.04.18</a:t>
             </a:fld>
             <a:endParaRPr lang="en-US"/>
           </a:p>
@@ -1353,7 +1354,7 @@
           <a:p>
             <a:fld id="{72DE86F5-D0C9-5448-802F-684C9422712B}" type="datetimeFigureOut">
               <a:rPr lang="en-US" smtClean="0"/>
-              <a:t>8/4/18</a:t>
+              <a:t>10.04.18</a:t>
             </a:fld>
             <a:endParaRPr lang="en-US"/>
           </a:p>
@@ -1775,7 +1776,7 @@
           <a:p>
             <a:fld id="{72DE86F5-D0C9-5448-802F-684C9422712B}" type="datetimeFigureOut">
               <a:rPr lang="en-US" smtClean="0"/>
-              <a:t>8/4/18</a:t>
+              <a:t>10.04.18</a:t>
             </a:fld>
             <a:endParaRPr lang="en-US"/>
           </a:p>
@@ -1893,7 +1894,7 @@
           <a:p>
             <a:fld id="{72DE86F5-D0C9-5448-802F-684C9422712B}" type="datetimeFigureOut">
               <a:rPr lang="en-US" smtClean="0"/>
-              <a:t>8/4/18</a:t>
+              <a:t>10.04.18</a:t>
             </a:fld>
             <a:endParaRPr lang="en-US"/>
           </a:p>
@@ -1988,7 +1989,7 @@
           <a:p>
             <a:fld id="{72DE86F5-D0C9-5448-802F-684C9422712B}" type="datetimeFigureOut">
               <a:rPr lang="en-US" smtClean="0"/>
-              <a:t>8/4/18</a:t>
+              <a:t>10.04.18</a:t>
             </a:fld>
             <a:endParaRPr lang="en-US"/>
           </a:p>
@@ -2265,7 +2266,7 @@
           <a:p>
             <a:fld id="{72DE86F5-D0C9-5448-802F-684C9422712B}" type="datetimeFigureOut">
               <a:rPr lang="en-US" smtClean="0"/>
-              <a:t>8/4/18</a:t>
+              <a:t>10.04.18</a:t>
             </a:fld>
             <a:endParaRPr lang="en-US"/>
           </a:p>
@@ -2518,7 +2519,7 @@
           <a:p>
             <a:fld id="{72DE86F5-D0C9-5448-802F-684C9422712B}" type="datetimeFigureOut">
               <a:rPr lang="en-US" smtClean="0"/>
-              <a:t>8/4/18</a:t>
+              <a:t>10.04.18</a:t>
             </a:fld>
             <a:endParaRPr lang="en-US"/>
           </a:p>
@@ -2731,7 +2732,7 @@
           <a:p>
             <a:fld id="{72DE86F5-D0C9-5448-802F-684C9422712B}" type="datetimeFigureOut">
               <a:rPr lang="en-US" smtClean="0"/>
-              <a:t>8/4/18</a:t>
+              <a:t>10.04.18</a:t>
             </a:fld>
             <a:endParaRPr lang="en-US"/>
           </a:p>
@@ -8864,7 +8865,6 @@
               <a:rPr lang="en-US" sz="2400" b="1" dirty="0"/>
               <a:t>+</a:t>
             </a:r>
-            <a:endParaRPr lang="en-US" sz="2400" b="1" dirty="0"/>
           </a:p>
         </p:txBody>
       </p:sp>
@@ -8894,7 +8894,6 @@
               <a:rPr lang="en-US" sz="2400" b="1" dirty="0"/>
               <a:t>-</a:t>
             </a:r>
-            <a:endParaRPr lang="en-US" sz="2400" b="1" dirty="0"/>
           </a:p>
         </p:txBody>
       </p:sp>
@@ -9016,6 +9015,2934 @@
       </p:par>
     </p:tnLst>
   </p:timing>
+</p:sld>
+</file>
+
+<file path=ppt/slides/slide13.xml><?xml version="1.0" encoding="utf-8"?>
+<p:sld xmlns:a="http://schemas.openxmlformats.org/drawingml/2006/main" xmlns:r="http://schemas.openxmlformats.org/officeDocument/2006/relationships" xmlns:p="http://schemas.openxmlformats.org/presentationml/2006/main">
+  <p:cSld>
+    <p:spTree>
+      <p:nvGrpSpPr>
+        <p:cNvPr id="1" name=""/>
+        <p:cNvGrpSpPr/>
+        <p:nvPr/>
+      </p:nvGrpSpPr>
+      <p:grpSpPr>
+        <a:xfrm>
+          <a:off x="0" y="0"/>
+          <a:ext cx="0" cy="0"/>
+          <a:chOff x="0" y="0"/>
+          <a:chExt cx="0" cy="0"/>
+        </a:xfrm>
+      </p:grpSpPr>
+      <p:sp>
+        <p:nvSpPr>
+          <p:cNvPr id="4" name="Rectangle 3"/>
+          <p:cNvSpPr/>
+          <p:nvPr/>
+        </p:nvSpPr>
+        <p:spPr>
+          <a:xfrm>
+            <a:off x="1472018" y="2527881"/>
+            <a:ext cx="1006230" cy="48847"/>
+          </a:xfrm>
+          <a:prstGeom prst="rect">
+            <a:avLst/>
+          </a:prstGeom>
+        </p:spPr>
+        <p:style>
+          <a:lnRef idx="1">
+            <a:schemeClr val="accent1"/>
+          </a:lnRef>
+          <a:fillRef idx="3">
+            <a:schemeClr val="accent1"/>
+          </a:fillRef>
+          <a:effectRef idx="2">
+            <a:schemeClr val="accent1"/>
+          </a:effectRef>
+          <a:fontRef idx="minor">
+            <a:schemeClr val="lt1"/>
+          </a:fontRef>
+        </p:style>
+        <p:txBody>
+          <a:bodyPr rtlCol="0" anchor="ctr"/>
+          <a:lstStyle/>
+          <a:p>
+            <a:pPr algn="ctr"/>
+            <a:endParaRPr lang="en-US"/>
+          </a:p>
+        </p:txBody>
+      </p:sp>
+      <p:sp>
+        <p:nvSpPr>
+          <p:cNvPr id="5" name="Rectangle 4"/>
+          <p:cNvSpPr/>
+          <p:nvPr/>
+        </p:nvSpPr>
+        <p:spPr>
+          <a:xfrm>
+            <a:off x="1472018" y="2836589"/>
+            <a:ext cx="1006230" cy="48847"/>
+          </a:xfrm>
+          <a:prstGeom prst="rect">
+            <a:avLst/>
+          </a:prstGeom>
+        </p:spPr>
+        <p:style>
+          <a:lnRef idx="1">
+            <a:schemeClr val="accent1"/>
+          </a:lnRef>
+          <a:fillRef idx="3">
+            <a:schemeClr val="accent1"/>
+          </a:fillRef>
+          <a:effectRef idx="2">
+            <a:schemeClr val="accent1"/>
+          </a:effectRef>
+          <a:fontRef idx="minor">
+            <a:schemeClr val="lt1"/>
+          </a:fontRef>
+        </p:style>
+        <p:txBody>
+          <a:bodyPr rtlCol="0" anchor="ctr"/>
+          <a:lstStyle/>
+          <a:p>
+            <a:pPr algn="ctr"/>
+            <a:endParaRPr lang="en-US"/>
+          </a:p>
+        </p:txBody>
+      </p:sp>
+      <p:grpSp>
+        <p:nvGrpSpPr>
+          <p:cNvPr id="14" name="Group 13"/>
+          <p:cNvGrpSpPr/>
+          <p:nvPr/>
+        </p:nvGrpSpPr>
+        <p:grpSpPr>
+          <a:xfrm>
+            <a:off x="1484230" y="2787746"/>
+            <a:ext cx="981807" cy="369332"/>
+            <a:chOff x="1945055" y="3734748"/>
+            <a:chExt cx="981807" cy="369332"/>
+          </a:xfrm>
+        </p:grpSpPr>
+        <p:sp>
+          <p:nvSpPr>
+            <p:cNvPr id="8" name="TextBox 7"/>
+            <p:cNvSpPr txBox="1"/>
+            <p:nvPr/>
+          </p:nvSpPr>
+          <p:spPr>
+            <a:xfrm>
+              <a:off x="1945055" y="3734748"/>
+              <a:ext cx="219807" cy="369332"/>
+            </a:xfrm>
+            <a:prstGeom prst="rect">
+              <a:avLst/>
+            </a:prstGeom>
+            <a:noFill/>
+          </p:spPr>
+          <p:txBody>
+            <a:bodyPr wrap="square" rtlCol="0">
+              <a:spAutoFit/>
+            </a:bodyPr>
+            <a:lstStyle/>
+            <a:p>
+              <a:pPr algn="just"/>
+              <a:r>
+                <a:rPr lang="en-US" dirty="0" smtClean="0"/>
+                <a:t>-</a:t>
+              </a:r>
+              <a:endParaRPr lang="en-US" dirty="0"/>
+            </a:p>
+          </p:txBody>
+        </p:sp>
+        <p:sp>
+          <p:nvSpPr>
+            <p:cNvPr id="9" name="TextBox 8"/>
+            <p:cNvSpPr txBox="1"/>
+            <p:nvPr/>
+          </p:nvSpPr>
+          <p:spPr>
+            <a:xfrm>
+              <a:off x="2097455" y="3734748"/>
+              <a:ext cx="219807" cy="369332"/>
+            </a:xfrm>
+            <a:prstGeom prst="rect">
+              <a:avLst/>
+            </a:prstGeom>
+            <a:noFill/>
+          </p:spPr>
+          <p:txBody>
+            <a:bodyPr wrap="square" rtlCol="0">
+              <a:spAutoFit/>
+            </a:bodyPr>
+            <a:lstStyle/>
+            <a:p>
+              <a:pPr algn="just"/>
+              <a:r>
+                <a:rPr lang="en-US" dirty="0" smtClean="0"/>
+                <a:t>-</a:t>
+              </a:r>
+              <a:endParaRPr lang="en-US" dirty="0"/>
+            </a:p>
+          </p:txBody>
+        </p:sp>
+        <p:sp>
+          <p:nvSpPr>
+            <p:cNvPr id="10" name="TextBox 9"/>
+            <p:cNvSpPr txBox="1"/>
+            <p:nvPr/>
+          </p:nvSpPr>
+          <p:spPr>
+            <a:xfrm>
+              <a:off x="2249855" y="3734748"/>
+              <a:ext cx="219807" cy="369332"/>
+            </a:xfrm>
+            <a:prstGeom prst="rect">
+              <a:avLst/>
+            </a:prstGeom>
+            <a:noFill/>
+          </p:spPr>
+          <p:txBody>
+            <a:bodyPr wrap="square" rtlCol="0">
+              <a:spAutoFit/>
+            </a:bodyPr>
+            <a:lstStyle/>
+            <a:p>
+              <a:pPr algn="just"/>
+              <a:r>
+                <a:rPr lang="en-US" dirty="0" smtClean="0"/>
+                <a:t>-</a:t>
+              </a:r>
+              <a:endParaRPr lang="en-US" dirty="0"/>
+            </a:p>
+          </p:txBody>
+        </p:sp>
+        <p:sp>
+          <p:nvSpPr>
+            <p:cNvPr id="11" name="TextBox 10"/>
+            <p:cNvSpPr txBox="1"/>
+            <p:nvPr/>
+          </p:nvSpPr>
+          <p:spPr>
+            <a:xfrm>
+              <a:off x="2402255" y="3734748"/>
+              <a:ext cx="219807" cy="369332"/>
+            </a:xfrm>
+            <a:prstGeom prst="rect">
+              <a:avLst/>
+            </a:prstGeom>
+            <a:noFill/>
+          </p:spPr>
+          <p:txBody>
+            <a:bodyPr wrap="square" rtlCol="0">
+              <a:spAutoFit/>
+            </a:bodyPr>
+            <a:lstStyle/>
+            <a:p>
+              <a:pPr algn="just"/>
+              <a:r>
+                <a:rPr lang="en-US" dirty="0" smtClean="0"/>
+                <a:t>-</a:t>
+              </a:r>
+              <a:endParaRPr lang="en-US" dirty="0"/>
+            </a:p>
+          </p:txBody>
+        </p:sp>
+        <p:sp>
+          <p:nvSpPr>
+            <p:cNvPr id="12" name="TextBox 11"/>
+            <p:cNvSpPr txBox="1"/>
+            <p:nvPr/>
+          </p:nvSpPr>
+          <p:spPr>
+            <a:xfrm>
+              <a:off x="2554655" y="3734748"/>
+              <a:ext cx="219807" cy="369332"/>
+            </a:xfrm>
+            <a:prstGeom prst="rect">
+              <a:avLst/>
+            </a:prstGeom>
+            <a:noFill/>
+          </p:spPr>
+          <p:txBody>
+            <a:bodyPr wrap="square" rtlCol="0">
+              <a:spAutoFit/>
+            </a:bodyPr>
+            <a:lstStyle/>
+            <a:p>
+              <a:pPr algn="just"/>
+              <a:r>
+                <a:rPr lang="en-US" dirty="0" smtClean="0"/>
+                <a:t>-</a:t>
+              </a:r>
+              <a:endParaRPr lang="en-US" dirty="0"/>
+            </a:p>
+          </p:txBody>
+        </p:sp>
+        <p:sp>
+          <p:nvSpPr>
+            <p:cNvPr id="13" name="TextBox 12"/>
+            <p:cNvSpPr txBox="1"/>
+            <p:nvPr/>
+          </p:nvSpPr>
+          <p:spPr>
+            <a:xfrm>
+              <a:off x="2707055" y="3734748"/>
+              <a:ext cx="219807" cy="369332"/>
+            </a:xfrm>
+            <a:prstGeom prst="rect">
+              <a:avLst/>
+            </a:prstGeom>
+            <a:noFill/>
+          </p:spPr>
+          <p:txBody>
+            <a:bodyPr wrap="square" rtlCol="0">
+              <a:spAutoFit/>
+            </a:bodyPr>
+            <a:lstStyle/>
+            <a:p>
+              <a:pPr algn="just"/>
+              <a:r>
+                <a:rPr lang="en-US" dirty="0" smtClean="0"/>
+                <a:t>-</a:t>
+              </a:r>
+              <a:endParaRPr lang="en-US" dirty="0"/>
+            </a:p>
+          </p:txBody>
+        </p:sp>
+      </p:grpSp>
+      <p:grpSp>
+        <p:nvGrpSpPr>
+          <p:cNvPr id="21" name="Group 20"/>
+          <p:cNvGrpSpPr/>
+          <p:nvPr/>
+        </p:nvGrpSpPr>
+        <p:grpSpPr>
+          <a:xfrm>
+            <a:off x="1444092" y="2156651"/>
+            <a:ext cx="1062082" cy="369332"/>
+            <a:chOff x="2344616" y="2061308"/>
+            <a:chExt cx="1062082" cy="369332"/>
+          </a:xfrm>
+        </p:grpSpPr>
+        <p:sp>
+          <p:nvSpPr>
+            <p:cNvPr id="15" name="TextBox 14"/>
+            <p:cNvSpPr txBox="1"/>
+            <p:nvPr/>
+          </p:nvSpPr>
+          <p:spPr>
+            <a:xfrm>
+              <a:off x="2344616" y="2061308"/>
+              <a:ext cx="300082" cy="369332"/>
+            </a:xfrm>
+            <a:prstGeom prst="rect">
+              <a:avLst/>
+            </a:prstGeom>
+            <a:noFill/>
+          </p:spPr>
+          <p:txBody>
+            <a:bodyPr wrap="none" rtlCol="0">
+              <a:spAutoFit/>
+            </a:bodyPr>
+            <a:lstStyle/>
+            <a:p>
+              <a:r>
+                <a:rPr lang="en-US" dirty="0"/>
+                <a:t>+</a:t>
+              </a:r>
+            </a:p>
+          </p:txBody>
+        </p:sp>
+        <p:sp>
+          <p:nvSpPr>
+            <p:cNvPr id="16" name="TextBox 15"/>
+            <p:cNvSpPr txBox="1"/>
+            <p:nvPr/>
+          </p:nvSpPr>
+          <p:spPr>
+            <a:xfrm>
+              <a:off x="2497016" y="2061308"/>
+              <a:ext cx="300082" cy="369332"/>
+            </a:xfrm>
+            <a:prstGeom prst="rect">
+              <a:avLst/>
+            </a:prstGeom>
+            <a:noFill/>
+          </p:spPr>
+          <p:txBody>
+            <a:bodyPr wrap="none" rtlCol="0">
+              <a:spAutoFit/>
+            </a:bodyPr>
+            <a:lstStyle/>
+            <a:p>
+              <a:r>
+                <a:rPr lang="en-US" dirty="0"/>
+                <a:t>+</a:t>
+              </a:r>
+            </a:p>
+          </p:txBody>
+        </p:sp>
+        <p:sp>
+          <p:nvSpPr>
+            <p:cNvPr id="17" name="TextBox 16"/>
+            <p:cNvSpPr txBox="1"/>
+            <p:nvPr/>
+          </p:nvSpPr>
+          <p:spPr>
+            <a:xfrm>
+              <a:off x="2649416" y="2061308"/>
+              <a:ext cx="300082" cy="369332"/>
+            </a:xfrm>
+            <a:prstGeom prst="rect">
+              <a:avLst/>
+            </a:prstGeom>
+            <a:noFill/>
+          </p:spPr>
+          <p:txBody>
+            <a:bodyPr wrap="none" rtlCol="0">
+              <a:spAutoFit/>
+            </a:bodyPr>
+            <a:lstStyle/>
+            <a:p>
+              <a:r>
+                <a:rPr lang="en-US" dirty="0"/>
+                <a:t>+</a:t>
+              </a:r>
+            </a:p>
+          </p:txBody>
+        </p:sp>
+        <p:sp>
+          <p:nvSpPr>
+            <p:cNvPr id="18" name="TextBox 17"/>
+            <p:cNvSpPr txBox="1"/>
+            <p:nvPr/>
+          </p:nvSpPr>
+          <p:spPr>
+            <a:xfrm>
+              <a:off x="2801816" y="2061308"/>
+              <a:ext cx="300082" cy="369332"/>
+            </a:xfrm>
+            <a:prstGeom prst="rect">
+              <a:avLst/>
+            </a:prstGeom>
+            <a:noFill/>
+          </p:spPr>
+          <p:txBody>
+            <a:bodyPr wrap="none" rtlCol="0">
+              <a:spAutoFit/>
+            </a:bodyPr>
+            <a:lstStyle/>
+            <a:p>
+              <a:r>
+                <a:rPr lang="en-US" dirty="0"/>
+                <a:t>+</a:t>
+              </a:r>
+            </a:p>
+          </p:txBody>
+        </p:sp>
+        <p:sp>
+          <p:nvSpPr>
+            <p:cNvPr id="19" name="TextBox 18"/>
+            <p:cNvSpPr txBox="1"/>
+            <p:nvPr/>
+          </p:nvSpPr>
+          <p:spPr>
+            <a:xfrm>
+              <a:off x="2954216" y="2061308"/>
+              <a:ext cx="300082" cy="369332"/>
+            </a:xfrm>
+            <a:prstGeom prst="rect">
+              <a:avLst/>
+            </a:prstGeom>
+            <a:noFill/>
+          </p:spPr>
+          <p:txBody>
+            <a:bodyPr wrap="none" rtlCol="0">
+              <a:spAutoFit/>
+            </a:bodyPr>
+            <a:lstStyle/>
+            <a:p>
+              <a:r>
+                <a:rPr lang="en-US" dirty="0"/>
+                <a:t>+</a:t>
+              </a:r>
+            </a:p>
+          </p:txBody>
+        </p:sp>
+        <p:sp>
+          <p:nvSpPr>
+            <p:cNvPr id="20" name="TextBox 19"/>
+            <p:cNvSpPr txBox="1"/>
+            <p:nvPr/>
+          </p:nvSpPr>
+          <p:spPr>
+            <a:xfrm>
+              <a:off x="3106616" y="2061308"/>
+              <a:ext cx="300082" cy="369332"/>
+            </a:xfrm>
+            <a:prstGeom prst="rect">
+              <a:avLst/>
+            </a:prstGeom>
+            <a:noFill/>
+          </p:spPr>
+          <p:txBody>
+            <a:bodyPr wrap="none" rtlCol="0">
+              <a:spAutoFit/>
+            </a:bodyPr>
+            <a:lstStyle/>
+            <a:p>
+              <a:r>
+                <a:rPr lang="en-US" dirty="0"/>
+                <a:t>+</a:t>
+              </a:r>
+            </a:p>
+          </p:txBody>
+        </p:sp>
+      </p:grpSp>
+      <p:cxnSp>
+        <p:nvCxnSpPr>
+          <p:cNvPr id="30" name="Straight Connector 29"/>
+          <p:cNvCxnSpPr/>
+          <p:nvPr/>
+        </p:nvCxnSpPr>
+        <p:spPr>
+          <a:xfrm>
+            <a:off x="1975133" y="1707266"/>
+            <a:ext cx="0" cy="818717"/>
+          </a:xfrm>
+          <a:prstGeom prst="line">
+            <a:avLst/>
+          </a:prstGeom>
+        </p:spPr>
+        <p:style>
+          <a:lnRef idx="2">
+            <a:schemeClr val="dk1"/>
+          </a:lnRef>
+          <a:fillRef idx="0">
+            <a:schemeClr val="dk1"/>
+          </a:fillRef>
+          <a:effectRef idx="1">
+            <a:schemeClr val="dk1"/>
+          </a:effectRef>
+          <a:fontRef idx="minor">
+            <a:schemeClr val="tx1"/>
+          </a:fontRef>
+        </p:style>
+      </p:cxnSp>
+      <p:cxnSp>
+        <p:nvCxnSpPr>
+          <p:cNvPr id="31" name="Straight Connector 30"/>
+          <p:cNvCxnSpPr/>
+          <p:nvPr/>
+        </p:nvCxnSpPr>
+        <p:spPr>
+          <a:xfrm>
+            <a:off x="188258" y="1707266"/>
+            <a:ext cx="0" cy="1449812"/>
+          </a:xfrm>
+          <a:prstGeom prst="line">
+            <a:avLst/>
+          </a:prstGeom>
+        </p:spPr>
+        <p:style>
+          <a:lnRef idx="2">
+            <a:schemeClr val="dk1"/>
+          </a:lnRef>
+          <a:fillRef idx="0">
+            <a:schemeClr val="dk1"/>
+          </a:fillRef>
+          <a:effectRef idx="1">
+            <a:schemeClr val="dk1"/>
+          </a:effectRef>
+          <a:fontRef idx="minor">
+            <a:schemeClr val="tx1"/>
+          </a:fontRef>
+        </p:style>
+      </p:cxnSp>
+      <p:cxnSp>
+        <p:nvCxnSpPr>
+          <p:cNvPr id="32" name="Straight Connector 31"/>
+          <p:cNvCxnSpPr/>
+          <p:nvPr/>
+        </p:nvCxnSpPr>
+        <p:spPr>
+          <a:xfrm flipH="1">
+            <a:off x="178489" y="1707266"/>
+            <a:ext cx="1806414" cy="0"/>
+          </a:xfrm>
+          <a:prstGeom prst="line">
+            <a:avLst/>
+          </a:prstGeom>
+        </p:spPr>
+        <p:style>
+          <a:lnRef idx="2">
+            <a:schemeClr val="dk1"/>
+          </a:lnRef>
+          <a:fillRef idx="0">
+            <a:schemeClr val="dk1"/>
+          </a:fillRef>
+          <a:effectRef idx="1">
+            <a:schemeClr val="dk1"/>
+          </a:effectRef>
+          <a:fontRef idx="minor">
+            <a:schemeClr val="tx1"/>
+          </a:fontRef>
+        </p:style>
+      </p:cxnSp>
+      <p:sp>
+        <p:nvSpPr>
+          <p:cNvPr id="35" name="Rectangle 34"/>
+          <p:cNvSpPr/>
+          <p:nvPr/>
+        </p:nvSpPr>
+        <p:spPr>
+          <a:xfrm>
+            <a:off x="1481787" y="3842819"/>
+            <a:ext cx="1006230" cy="48847"/>
+          </a:xfrm>
+          <a:prstGeom prst="rect">
+            <a:avLst/>
+          </a:prstGeom>
+        </p:spPr>
+        <p:style>
+          <a:lnRef idx="1">
+            <a:schemeClr val="accent1"/>
+          </a:lnRef>
+          <a:fillRef idx="3">
+            <a:schemeClr val="accent1"/>
+          </a:fillRef>
+          <a:effectRef idx="2">
+            <a:schemeClr val="accent1"/>
+          </a:effectRef>
+          <a:fontRef idx="minor">
+            <a:schemeClr val="lt1"/>
+          </a:fontRef>
+        </p:style>
+        <p:txBody>
+          <a:bodyPr rtlCol="0" anchor="ctr"/>
+          <a:lstStyle/>
+          <a:p>
+            <a:pPr algn="ctr"/>
+            <a:endParaRPr lang="en-US"/>
+          </a:p>
+        </p:txBody>
+      </p:sp>
+      <p:sp>
+        <p:nvSpPr>
+          <p:cNvPr id="36" name="Rectangle 35"/>
+          <p:cNvSpPr/>
+          <p:nvPr/>
+        </p:nvSpPr>
+        <p:spPr>
+          <a:xfrm>
+            <a:off x="1481787" y="4151527"/>
+            <a:ext cx="1006230" cy="48847"/>
+          </a:xfrm>
+          <a:prstGeom prst="rect">
+            <a:avLst/>
+          </a:prstGeom>
+        </p:spPr>
+        <p:style>
+          <a:lnRef idx="1">
+            <a:schemeClr val="accent1"/>
+          </a:lnRef>
+          <a:fillRef idx="3">
+            <a:schemeClr val="accent1"/>
+          </a:fillRef>
+          <a:effectRef idx="2">
+            <a:schemeClr val="accent1"/>
+          </a:effectRef>
+          <a:fontRef idx="minor">
+            <a:schemeClr val="lt1"/>
+          </a:fontRef>
+        </p:style>
+        <p:txBody>
+          <a:bodyPr rtlCol="0" anchor="ctr"/>
+          <a:lstStyle/>
+          <a:p>
+            <a:pPr algn="ctr"/>
+            <a:endParaRPr lang="en-US"/>
+          </a:p>
+        </p:txBody>
+      </p:sp>
+      <p:grpSp>
+        <p:nvGrpSpPr>
+          <p:cNvPr id="37" name="Group 36"/>
+          <p:cNvGrpSpPr/>
+          <p:nvPr/>
+        </p:nvGrpSpPr>
+        <p:grpSpPr>
+          <a:xfrm>
+            <a:off x="1493999" y="4102684"/>
+            <a:ext cx="981807" cy="369332"/>
+            <a:chOff x="1945055" y="3734748"/>
+            <a:chExt cx="981807" cy="369332"/>
+          </a:xfrm>
+        </p:grpSpPr>
+        <p:sp>
+          <p:nvSpPr>
+            <p:cNvPr id="38" name="TextBox 37"/>
+            <p:cNvSpPr txBox="1"/>
+            <p:nvPr/>
+          </p:nvSpPr>
+          <p:spPr>
+            <a:xfrm>
+              <a:off x="1945055" y="3734748"/>
+              <a:ext cx="219807" cy="369332"/>
+            </a:xfrm>
+            <a:prstGeom prst="rect">
+              <a:avLst/>
+            </a:prstGeom>
+            <a:noFill/>
+          </p:spPr>
+          <p:txBody>
+            <a:bodyPr wrap="square" rtlCol="0">
+              <a:spAutoFit/>
+            </a:bodyPr>
+            <a:lstStyle/>
+            <a:p>
+              <a:pPr algn="just"/>
+              <a:r>
+                <a:rPr lang="en-US" dirty="0" smtClean="0"/>
+                <a:t>-</a:t>
+              </a:r>
+              <a:endParaRPr lang="en-US" dirty="0"/>
+            </a:p>
+          </p:txBody>
+        </p:sp>
+        <p:sp>
+          <p:nvSpPr>
+            <p:cNvPr id="39" name="TextBox 38"/>
+            <p:cNvSpPr txBox="1"/>
+            <p:nvPr/>
+          </p:nvSpPr>
+          <p:spPr>
+            <a:xfrm>
+              <a:off x="2097455" y="3734748"/>
+              <a:ext cx="219807" cy="369332"/>
+            </a:xfrm>
+            <a:prstGeom prst="rect">
+              <a:avLst/>
+            </a:prstGeom>
+            <a:noFill/>
+          </p:spPr>
+          <p:txBody>
+            <a:bodyPr wrap="square" rtlCol="0">
+              <a:spAutoFit/>
+            </a:bodyPr>
+            <a:lstStyle/>
+            <a:p>
+              <a:pPr algn="just"/>
+              <a:r>
+                <a:rPr lang="en-US" dirty="0" smtClean="0"/>
+                <a:t>-</a:t>
+              </a:r>
+              <a:endParaRPr lang="en-US" dirty="0"/>
+            </a:p>
+          </p:txBody>
+        </p:sp>
+        <p:sp>
+          <p:nvSpPr>
+            <p:cNvPr id="40" name="TextBox 39"/>
+            <p:cNvSpPr txBox="1"/>
+            <p:nvPr/>
+          </p:nvSpPr>
+          <p:spPr>
+            <a:xfrm>
+              <a:off x="2249855" y="3734748"/>
+              <a:ext cx="219807" cy="369332"/>
+            </a:xfrm>
+            <a:prstGeom prst="rect">
+              <a:avLst/>
+            </a:prstGeom>
+            <a:noFill/>
+          </p:spPr>
+          <p:txBody>
+            <a:bodyPr wrap="square" rtlCol="0">
+              <a:spAutoFit/>
+            </a:bodyPr>
+            <a:lstStyle/>
+            <a:p>
+              <a:pPr algn="just"/>
+              <a:r>
+                <a:rPr lang="en-US" dirty="0" smtClean="0"/>
+                <a:t>-</a:t>
+              </a:r>
+              <a:endParaRPr lang="en-US" dirty="0"/>
+            </a:p>
+          </p:txBody>
+        </p:sp>
+        <p:sp>
+          <p:nvSpPr>
+            <p:cNvPr id="41" name="TextBox 40"/>
+            <p:cNvSpPr txBox="1"/>
+            <p:nvPr/>
+          </p:nvSpPr>
+          <p:spPr>
+            <a:xfrm>
+              <a:off x="2402255" y="3734748"/>
+              <a:ext cx="219807" cy="369332"/>
+            </a:xfrm>
+            <a:prstGeom prst="rect">
+              <a:avLst/>
+            </a:prstGeom>
+            <a:noFill/>
+          </p:spPr>
+          <p:txBody>
+            <a:bodyPr wrap="square" rtlCol="0">
+              <a:spAutoFit/>
+            </a:bodyPr>
+            <a:lstStyle/>
+            <a:p>
+              <a:pPr algn="just"/>
+              <a:r>
+                <a:rPr lang="en-US" dirty="0" smtClean="0"/>
+                <a:t>-</a:t>
+              </a:r>
+              <a:endParaRPr lang="en-US" dirty="0"/>
+            </a:p>
+          </p:txBody>
+        </p:sp>
+        <p:sp>
+          <p:nvSpPr>
+            <p:cNvPr id="42" name="TextBox 41"/>
+            <p:cNvSpPr txBox="1"/>
+            <p:nvPr/>
+          </p:nvSpPr>
+          <p:spPr>
+            <a:xfrm>
+              <a:off x="2554655" y="3734748"/>
+              <a:ext cx="219807" cy="369332"/>
+            </a:xfrm>
+            <a:prstGeom prst="rect">
+              <a:avLst/>
+            </a:prstGeom>
+            <a:noFill/>
+          </p:spPr>
+          <p:txBody>
+            <a:bodyPr wrap="square" rtlCol="0">
+              <a:spAutoFit/>
+            </a:bodyPr>
+            <a:lstStyle/>
+            <a:p>
+              <a:pPr algn="just"/>
+              <a:r>
+                <a:rPr lang="en-US" dirty="0" smtClean="0"/>
+                <a:t>-</a:t>
+              </a:r>
+              <a:endParaRPr lang="en-US" dirty="0"/>
+            </a:p>
+          </p:txBody>
+        </p:sp>
+        <p:sp>
+          <p:nvSpPr>
+            <p:cNvPr id="43" name="TextBox 42"/>
+            <p:cNvSpPr txBox="1"/>
+            <p:nvPr/>
+          </p:nvSpPr>
+          <p:spPr>
+            <a:xfrm>
+              <a:off x="2707055" y="3734748"/>
+              <a:ext cx="219807" cy="369332"/>
+            </a:xfrm>
+            <a:prstGeom prst="rect">
+              <a:avLst/>
+            </a:prstGeom>
+            <a:noFill/>
+          </p:spPr>
+          <p:txBody>
+            <a:bodyPr wrap="square" rtlCol="0">
+              <a:spAutoFit/>
+            </a:bodyPr>
+            <a:lstStyle/>
+            <a:p>
+              <a:pPr algn="just"/>
+              <a:r>
+                <a:rPr lang="en-US" dirty="0" smtClean="0"/>
+                <a:t>-</a:t>
+              </a:r>
+              <a:endParaRPr lang="en-US" dirty="0"/>
+            </a:p>
+          </p:txBody>
+        </p:sp>
+      </p:grpSp>
+      <p:grpSp>
+        <p:nvGrpSpPr>
+          <p:cNvPr id="44" name="Group 43"/>
+          <p:cNvGrpSpPr/>
+          <p:nvPr/>
+        </p:nvGrpSpPr>
+        <p:grpSpPr>
+          <a:xfrm>
+            <a:off x="1453861" y="3471589"/>
+            <a:ext cx="1062082" cy="369332"/>
+            <a:chOff x="2344616" y="2061308"/>
+            <a:chExt cx="1062082" cy="369332"/>
+          </a:xfrm>
+        </p:grpSpPr>
+        <p:sp>
+          <p:nvSpPr>
+            <p:cNvPr id="45" name="TextBox 44"/>
+            <p:cNvSpPr txBox="1"/>
+            <p:nvPr/>
+          </p:nvSpPr>
+          <p:spPr>
+            <a:xfrm>
+              <a:off x="2344616" y="2061308"/>
+              <a:ext cx="300082" cy="369332"/>
+            </a:xfrm>
+            <a:prstGeom prst="rect">
+              <a:avLst/>
+            </a:prstGeom>
+            <a:noFill/>
+          </p:spPr>
+          <p:txBody>
+            <a:bodyPr wrap="none" rtlCol="0">
+              <a:spAutoFit/>
+            </a:bodyPr>
+            <a:lstStyle/>
+            <a:p>
+              <a:r>
+                <a:rPr lang="en-US" dirty="0"/>
+                <a:t>+</a:t>
+              </a:r>
+            </a:p>
+          </p:txBody>
+        </p:sp>
+        <p:sp>
+          <p:nvSpPr>
+            <p:cNvPr id="46" name="TextBox 45"/>
+            <p:cNvSpPr txBox="1"/>
+            <p:nvPr/>
+          </p:nvSpPr>
+          <p:spPr>
+            <a:xfrm>
+              <a:off x="2497016" y="2061308"/>
+              <a:ext cx="300082" cy="369332"/>
+            </a:xfrm>
+            <a:prstGeom prst="rect">
+              <a:avLst/>
+            </a:prstGeom>
+            <a:noFill/>
+          </p:spPr>
+          <p:txBody>
+            <a:bodyPr wrap="none" rtlCol="0">
+              <a:spAutoFit/>
+            </a:bodyPr>
+            <a:lstStyle/>
+            <a:p>
+              <a:r>
+                <a:rPr lang="en-US" dirty="0"/>
+                <a:t>+</a:t>
+              </a:r>
+            </a:p>
+          </p:txBody>
+        </p:sp>
+        <p:sp>
+          <p:nvSpPr>
+            <p:cNvPr id="47" name="TextBox 46"/>
+            <p:cNvSpPr txBox="1"/>
+            <p:nvPr/>
+          </p:nvSpPr>
+          <p:spPr>
+            <a:xfrm>
+              <a:off x="2649416" y="2061308"/>
+              <a:ext cx="300082" cy="369332"/>
+            </a:xfrm>
+            <a:prstGeom prst="rect">
+              <a:avLst/>
+            </a:prstGeom>
+            <a:noFill/>
+          </p:spPr>
+          <p:txBody>
+            <a:bodyPr wrap="none" rtlCol="0">
+              <a:spAutoFit/>
+            </a:bodyPr>
+            <a:lstStyle/>
+            <a:p>
+              <a:r>
+                <a:rPr lang="en-US" dirty="0"/>
+                <a:t>+</a:t>
+              </a:r>
+            </a:p>
+          </p:txBody>
+        </p:sp>
+        <p:sp>
+          <p:nvSpPr>
+            <p:cNvPr id="48" name="TextBox 47"/>
+            <p:cNvSpPr txBox="1"/>
+            <p:nvPr/>
+          </p:nvSpPr>
+          <p:spPr>
+            <a:xfrm>
+              <a:off x="2801816" y="2061308"/>
+              <a:ext cx="300082" cy="369332"/>
+            </a:xfrm>
+            <a:prstGeom prst="rect">
+              <a:avLst/>
+            </a:prstGeom>
+            <a:noFill/>
+          </p:spPr>
+          <p:txBody>
+            <a:bodyPr wrap="none" rtlCol="0">
+              <a:spAutoFit/>
+            </a:bodyPr>
+            <a:lstStyle/>
+            <a:p>
+              <a:r>
+                <a:rPr lang="en-US" dirty="0"/>
+                <a:t>+</a:t>
+              </a:r>
+            </a:p>
+          </p:txBody>
+        </p:sp>
+        <p:sp>
+          <p:nvSpPr>
+            <p:cNvPr id="49" name="TextBox 48"/>
+            <p:cNvSpPr txBox="1"/>
+            <p:nvPr/>
+          </p:nvSpPr>
+          <p:spPr>
+            <a:xfrm>
+              <a:off x="2954216" y="2061308"/>
+              <a:ext cx="300082" cy="369332"/>
+            </a:xfrm>
+            <a:prstGeom prst="rect">
+              <a:avLst/>
+            </a:prstGeom>
+            <a:noFill/>
+          </p:spPr>
+          <p:txBody>
+            <a:bodyPr wrap="none" rtlCol="0">
+              <a:spAutoFit/>
+            </a:bodyPr>
+            <a:lstStyle/>
+            <a:p>
+              <a:r>
+                <a:rPr lang="en-US" dirty="0"/>
+                <a:t>+</a:t>
+              </a:r>
+            </a:p>
+          </p:txBody>
+        </p:sp>
+        <p:sp>
+          <p:nvSpPr>
+            <p:cNvPr id="50" name="TextBox 49"/>
+            <p:cNvSpPr txBox="1"/>
+            <p:nvPr/>
+          </p:nvSpPr>
+          <p:spPr>
+            <a:xfrm>
+              <a:off x="3106616" y="2061308"/>
+              <a:ext cx="300082" cy="369332"/>
+            </a:xfrm>
+            <a:prstGeom prst="rect">
+              <a:avLst/>
+            </a:prstGeom>
+            <a:noFill/>
+          </p:spPr>
+          <p:txBody>
+            <a:bodyPr wrap="none" rtlCol="0">
+              <a:spAutoFit/>
+            </a:bodyPr>
+            <a:lstStyle/>
+            <a:p>
+              <a:r>
+                <a:rPr lang="en-US" dirty="0"/>
+                <a:t>+</a:t>
+              </a:r>
+            </a:p>
+          </p:txBody>
+        </p:sp>
+      </p:grpSp>
+      <p:cxnSp>
+        <p:nvCxnSpPr>
+          <p:cNvPr id="51" name="Straight Connector 50"/>
+          <p:cNvCxnSpPr>
+            <a:endCxn id="35" idx="0"/>
+          </p:cNvCxnSpPr>
+          <p:nvPr/>
+        </p:nvCxnSpPr>
+        <p:spPr>
+          <a:xfrm>
+            <a:off x="1984820" y="2885436"/>
+            <a:ext cx="82" cy="957383"/>
+          </a:xfrm>
+          <a:prstGeom prst="line">
+            <a:avLst/>
+          </a:prstGeom>
+        </p:spPr>
+        <p:style>
+          <a:lnRef idx="2">
+            <a:schemeClr val="dk1"/>
+          </a:lnRef>
+          <a:fillRef idx="0">
+            <a:schemeClr val="dk1"/>
+          </a:fillRef>
+          <a:effectRef idx="1">
+            <a:schemeClr val="dk1"/>
+          </a:effectRef>
+          <a:fontRef idx="minor">
+            <a:schemeClr val="tx1"/>
+          </a:fontRef>
+        </p:style>
+      </p:cxnSp>
+      <p:cxnSp>
+        <p:nvCxnSpPr>
+          <p:cNvPr id="75" name="Straight Connector 74"/>
+          <p:cNvCxnSpPr/>
+          <p:nvPr/>
+        </p:nvCxnSpPr>
+        <p:spPr>
+          <a:xfrm flipV="1">
+            <a:off x="1984902" y="4204337"/>
+            <a:ext cx="0" cy="590006"/>
+          </a:xfrm>
+          <a:prstGeom prst="line">
+            <a:avLst/>
+          </a:prstGeom>
+        </p:spPr>
+        <p:style>
+          <a:lnRef idx="2">
+            <a:schemeClr val="dk1"/>
+          </a:lnRef>
+          <a:fillRef idx="0">
+            <a:schemeClr val="dk1"/>
+          </a:fillRef>
+          <a:effectRef idx="1">
+            <a:schemeClr val="dk1"/>
+          </a:effectRef>
+          <a:fontRef idx="minor">
+            <a:schemeClr val="tx1"/>
+          </a:fontRef>
+        </p:style>
+      </p:cxnSp>
+      <p:cxnSp>
+        <p:nvCxnSpPr>
+          <p:cNvPr id="76" name="Straight Connector 75"/>
+          <p:cNvCxnSpPr/>
+          <p:nvPr/>
+        </p:nvCxnSpPr>
+        <p:spPr>
+          <a:xfrm flipV="1">
+            <a:off x="198027" y="3631805"/>
+            <a:ext cx="0" cy="1162538"/>
+          </a:xfrm>
+          <a:prstGeom prst="line">
+            <a:avLst/>
+          </a:prstGeom>
+        </p:spPr>
+        <p:style>
+          <a:lnRef idx="2">
+            <a:schemeClr val="dk1"/>
+          </a:lnRef>
+          <a:fillRef idx="0">
+            <a:schemeClr val="dk1"/>
+          </a:fillRef>
+          <a:effectRef idx="1">
+            <a:schemeClr val="dk1"/>
+          </a:effectRef>
+          <a:fontRef idx="minor">
+            <a:schemeClr val="tx1"/>
+          </a:fontRef>
+        </p:style>
+      </p:cxnSp>
+      <p:cxnSp>
+        <p:nvCxnSpPr>
+          <p:cNvPr id="77" name="Straight Connector 76"/>
+          <p:cNvCxnSpPr/>
+          <p:nvPr/>
+        </p:nvCxnSpPr>
+        <p:spPr>
+          <a:xfrm flipH="1">
+            <a:off x="188258" y="4794343"/>
+            <a:ext cx="1806414" cy="0"/>
+          </a:xfrm>
+          <a:prstGeom prst="line">
+            <a:avLst/>
+          </a:prstGeom>
+        </p:spPr>
+        <p:style>
+          <a:lnRef idx="2">
+            <a:schemeClr val="dk1"/>
+          </a:lnRef>
+          <a:fillRef idx="0">
+            <a:schemeClr val="dk1"/>
+          </a:fillRef>
+          <a:effectRef idx="1">
+            <a:schemeClr val="dk1"/>
+          </a:effectRef>
+          <a:fontRef idx="minor">
+            <a:schemeClr val="tx1"/>
+          </a:fontRef>
+        </p:style>
+      </p:cxnSp>
+      <p:sp>
+        <p:nvSpPr>
+          <p:cNvPr id="89" name="Oval 88"/>
+          <p:cNvSpPr/>
+          <p:nvPr/>
+        </p:nvSpPr>
+        <p:spPr>
+          <a:xfrm>
+            <a:off x="129643" y="3098463"/>
+            <a:ext cx="117230" cy="117230"/>
+          </a:xfrm>
+          <a:prstGeom prst="ellipse">
+            <a:avLst/>
+          </a:prstGeom>
+        </p:spPr>
+        <p:style>
+          <a:lnRef idx="2">
+            <a:schemeClr val="dk1">
+              <a:shade val="50000"/>
+            </a:schemeClr>
+          </a:lnRef>
+          <a:fillRef idx="1">
+            <a:schemeClr val="dk1"/>
+          </a:fillRef>
+          <a:effectRef idx="0">
+            <a:schemeClr val="dk1"/>
+          </a:effectRef>
+          <a:fontRef idx="minor">
+            <a:schemeClr val="lt1"/>
+          </a:fontRef>
+        </p:style>
+        <p:txBody>
+          <a:bodyPr rtlCol="0" anchor="ctr"/>
+          <a:lstStyle/>
+          <a:p>
+            <a:pPr algn="ctr"/>
+            <a:endParaRPr lang="en-US"/>
+          </a:p>
+        </p:txBody>
+      </p:sp>
+      <p:sp>
+        <p:nvSpPr>
+          <p:cNvPr id="90" name="Oval 89"/>
+          <p:cNvSpPr/>
+          <p:nvPr/>
+        </p:nvSpPr>
+        <p:spPr>
+          <a:xfrm>
+            <a:off x="129643" y="3573190"/>
+            <a:ext cx="117230" cy="117230"/>
+          </a:xfrm>
+          <a:prstGeom prst="ellipse">
+            <a:avLst/>
+          </a:prstGeom>
+        </p:spPr>
+        <p:style>
+          <a:lnRef idx="2">
+            <a:schemeClr val="dk1">
+              <a:shade val="50000"/>
+            </a:schemeClr>
+          </a:lnRef>
+          <a:fillRef idx="1">
+            <a:schemeClr val="dk1"/>
+          </a:fillRef>
+          <a:effectRef idx="0">
+            <a:schemeClr val="dk1"/>
+          </a:effectRef>
+          <a:fontRef idx="minor">
+            <a:schemeClr val="lt1"/>
+          </a:fontRef>
+        </p:style>
+        <p:txBody>
+          <a:bodyPr rtlCol="0" anchor="ctr"/>
+          <a:lstStyle/>
+          <a:p>
+            <a:pPr algn="ctr"/>
+            <a:endParaRPr lang="en-US"/>
+          </a:p>
+        </p:txBody>
+      </p:sp>
+      <p:pic>
+        <p:nvPicPr>
+          <p:cNvPr id="92" name="Picture 91"/>
+          <p:cNvPicPr>
+            <a:picLocks noChangeAspect="1"/>
+          </p:cNvPicPr>
+          <p:nvPr/>
+        </p:nvPicPr>
+        <p:blipFill>
+          <a:blip r:embed="rId2"/>
+          <a:stretch>
+            <a:fillRect/>
+          </a:stretch>
+        </p:blipFill>
+        <p:spPr>
+          <a:xfrm>
+            <a:off x="984236" y="2502441"/>
+            <a:ext cx="393700" cy="342900"/>
+          </a:xfrm>
+          <a:prstGeom prst="rect">
+            <a:avLst/>
+          </a:prstGeom>
+        </p:spPr>
+      </p:pic>
+      <p:pic>
+        <p:nvPicPr>
+          <p:cNvPr id="93" name="Picture 92"/>
+          <p:cNvPicPr>
+            <a:picLocks noChangeAspect="1"/>
+          </p:cNvPicPr>
+          <p:nvPr/>
+        </p:nvPicPr>
+        <p:blipFill>
+          <a:blip r:embed="rId3"/>
+          <a:stretch>
+            <a:fillRect/>
+          </a:stretch>
+        </p:blipFill>
+        <p:spPr>
+          <a:xfrm>
+            <a:off x="971536" y="3857474"/>
+            <a:ext cx="406400" cy="342900"/>
+          </a:xfrm>
+          <a:prstGeom prst="rect">
+            <a:avLst/>
+          </a:prstGeom>
+        </p:spPr>
+      </p:pic>
+      <p:pic>
+        <p:nvPicPr>
+          <p:cNvPr id="94" name="Picture 93"/>
+          <p:cNvPicPr>
+            <a:picLocks noChangeAspect="1"/>
+          </p:cNvPicPr>
+          <p:nvPr/>
+        </p:nvPicPr>
+        <p:blipFill>
+          <a:blip r:embed="rId4"/>
+          <a:stretch>
+            <a:fillRect/>
+          </a:stretch>
+        </p:blipFill>
+        <p:spPr>
+          <a:xfrm>
+            <a:off x="2929153" y="2576728"/>
+            <a:ext cx="381000" cy="330200"/>
+          </a:xfrm>
+          <a:prstGeom prst="rect">
+            <a:avLst/>
+          </a:prstGeom>
+        </p:spPr>
+      </p:pic>
+      <p:pic>
+        <p:nvPicPr>
+          <p:cNvPr id="95" name="Picture 94"/>
+          <p:cNvPicPr>
+            <a:picLocks noChangeAspect="1"/>
+          </p:cNvPicPr>
+          <p:nvPr/>
+        </p:nvPicPr>
+        <p:blipFill>
+          <a:blip r:embed="rId5"/>
+          <a:stretch>
+            <a:fillRect/>
+          </a:stretch>
+        </p:blipFill>
+        <p:spPr>
+          <a:xfrm>
+            <a:off x="2929153" y="3870174"/>
+            <a:ext cx="381000" cy="330200"/>
+          </a:xfrm>
+          <a:prstGeom prst="rect">
+            <a:avLst/>
+          </a:prstGeom>
+        </p:spPr>
+      </p:pic>
+      <p:sp>
+        <p:nvSpPr>
+          <p:cNvPr id="96" name="Freeform 95"/>
+          <p:cNvSpPr/>
+          <p:nvPr/>
+        </p:nvSpPr>
+        <p:spPr>
+          <a:xfrm>
+            <a:off x="2641749" y="2525940"/>
+            <a:ext cx="133226" cy="381863"/>
+          </a:xfrm>
+          <a:custGeom>
+            <a:avLst/>
+            <a:gdLst>
+              <a:gd name="connsiteX0" fmla="*/ 0 w 133226"/>
+              <a:gd name="connsiteY0" fmla="*/ 0 h 381863"/>
+              <a:gd name="connsiteX1" fmla="*/ 133214 w 133226"/>
+              <a:gd name="connsiteY1" fmla="*/ 213133 h 381863"/>
+              <a:gd name="connsiteX2" fmla="*/ 8881 w 133226"/>
+              <a:gd name="connsiteY2" fmla="*/ 381863 h 381863"/>
+            </a:gdLst>
+            <a:ahLst/>
+            <a:cxnLst>
+              <a:cxn ang="0">
+                <a:pos x="connsiteX0" y="connsiteY0"/>
+              </a:cxn>
+              <a:cxn ang="0">
+                <a:pos x="connsiteX1" y="connsiteY1"/>
+              </a:cxn>
+              <a:cxn ang="0">
+                <a:pos x="connsiteX2" y="connsiteY2"/>
+              </a:cxn>
+            </a:cxnLst>
+            <a:rect l="l" t="t" r="r" b="b"/>
+            <a:pathLst>
+              <a:path w="133226" h="381863">
+                <a:moveTo>
+                  <a:pt x="0" y="0"/>
+                </a:moveTo>
+                <a:cubicBezTo>
+                  <a:pt x="65867" y="74744"/>
+                  <a:pt x="131734" y="149489"/>
+                  <a:pt x="133214" y="213133"/>
+                </a:cubicBezTo>
+                <a:cubicBezTo>
+                  <a:pt x="134694" y="276777"/>
+                  <a:pt x="8881" y="381863"/>
+                  <a:pt x="8881" y="381863"/>
+                </a:cubicBezTo>
+              </a:path>
+            </a:pathLst>
+          </a:custGeom>
+          <a:ln>
+            <a:headEnd type="none"/>
+            <a:tailEnd type="arrow"/>
+          </a:ln>
+        </p:spPr>
+        <p:style>
+          <a:lnRef idx="2">
+            <a:schemeClr val="dk1"/>
+          </a:lnRef>
+          <a:fillRef idx="0">
+            <a:schemeClr val="dk1"/>
+          </a:fillRef>
+          <a:effectRef idx="1">
+            <a:schemeClr val="dk1"/>
+          </a:effectRef>
+          <a:fontRef idx="minor">
+            <a:schemeClr val="tx1"/>
+          </a:fontRef>
+        </p:style>
+        <p:txBody>
+          <a:bodyPr rtlCol="0" anchor="ctr"/>
+          <a:lstStyle/>
+          <a:p>
+            <a:pPr algn="ctr"/>
+            <a:endParaRPr lang="en-US"/>
+          </a:p>
+        </p:txBody>
+      </p:sp>
+      <p:sp>
+        <p:nvSpPr>
+          <p:cNvPr id="97" name="Freeform 96"/>
+          <p:cNvSpPr/>
+          <p:nvPr/>
+        </p:nvSpPr>
+        <p:spPr>
+          <a:xfrm>
+            <a:off x="2660923" y="3825771"/>
+            <a:ext cx="133226" cy="381863"/>
+          </a:xfrm>
+          <a:custGeom>
+            <a:avLst/>
+            <a:gdLst>
+              <a:gd name="connsiteX0" fmla="*/ 0 w 133226"/>
+              <a:gd name="connsiteY0" fmla="*/ 0 h 381863"/>
+              <a:gd name="connsiteX1" fmla="*/ 133214 w 133226"/>
+              <a:gd name="connsiteY1" fmla="*/ 213133 h 381863"/>
+              <a:gd name="connsiteX2" fmla="*/ 8881 w 133226"/>
+              <a:gd name="connsiteY2" fmla="*/ 381863 h 381863"/>
+            </a:gdLst>
+            <a:ahLst/>
+            <a:cxnLst>
+              <a:cxn ang="0">
+                <a:pos x="connsiteX0" y="connsiteY0"/>
+              </a:cxn>
+              <a:cxn ang="0">
+                <a:pos x="connsiteX1" y="connsiteY1"/>
+              </a:cxn>
+              <a:cxn ang="0">
+                <a:pos x="connsiteX2" y="connsiteY2"/>
+              </a:cxn>
+            </a:cxnLst>
+            <a:rect l="l" t="t" r="r" b="b"/>
+            <a:pathLst>
+              <a:path w="133226" h="381863">
+                <a:moveTo>
+                  <a:pt x="0" y="0"/>
+                </a:moveTo>
+                <a:cubicBezTo>
+                  <a:pt x="65867" y="74744"/>
+                  <a:pt x="131734" y="149489"/>
+                  <a:pt x="133214" y="213133"/>
+                </a:cubicBezTo>
+                <a:cubicBezTo>
+                  <a:pt x="134694" y="276777"/>
+                  <a:pt x="8881" y="381863"/>
+                  <a:pt x="8881" y="381863"/>
+                </a:cubicBezTo>
+              </a:path>
+            </a:pathLst>
+          </a:custGeom>
+          <a:ln>
+            <a:headEnd type="none"/>
+            <a:tailEnd type="arrow"/>
+          </a:ln>
+        </p:spPr>
+        <p:style>
+          <a:lnRef idx="2">
+            <a:schemeClr val="dk1"/>
+          </a:lnRef>
+          <a:fillRef idx="0">
+            <a:schemeClr val="dk1"/>
+          </a:fillRef>
+          <a:effectRef idx="1">
+            <a:schemeClr val="dk1"/>
+          </a:effectRef>
+          <a:fontRef idx="minor">
+            <a:schemeClr val="tx1"/>
+          </a:fontRef>
+        </p:style>
+        <p:txBody>
+          <a:bodyPr rtlCol="0" anchor="ctr"/>
+          <a:lstStyle/>
+          <a:p>
+            <a:pPr algn="ctr"/>
+            <a:endParaRPr lang="en-US"/>
+          </a:p>
+        </p:txBody>
+      </p:sp>
+      <p:sp>
+        <p:nvSpPr>
+          <p:cNvPr id="98" name="Rectangle 97"/>
+          <p:cNvSpPr/>
+          <p:nvPr/>
+        </p:nvSpPr>
+        <p:spPr>
+          <a:xfrm>
+            <a:off x="4995451" y="3207541"/>
+            <a:ext cx="1006230" cy="48847"/>
+          </a:xfrm>
+          <a:prstGeom prst="rect">
+            <a:avLst/>
+          </a:prstGeom>
+        </p:spPr>
+        <p:style>
+          <a:lnRef idx="1">
+            <a:schemeClr val="accent1"/>
+          </a:lnRef>
+          <a:fillRef idx="3">
+            <a:schemeClr val="accent1"/>
+          </a:fillRef>
+          <a:effectRef idx="2">
+            <a:schemeClr val="accent1"/>
+          </a:effectRef>
+          <a:fontRef idx="minor">
+            <a:schemeClr val="lt1"/>
+          </a:fontRef>
+        </p:style>
+        <p:txBody>
+          <a:bodyPr rtlCol="0" anchor="ctr"/>
+          <a:lstStyle/>
+          <a:p>
+            <a:pPr algn="ctr"/>
+            <a:endParaRPr lang="en-US"/>
+          </a:p>
+        </p:txBody>
+      </p:sp>
+      <p:sp>
+        <p:nvSpPr>
+          <p:cNvPr id="99" name="Rectangle 98"/>
+          <p:cNvSpPr/>
+          <p:nvPr/>
+        </p:nvSpPr>
+        <p:spPr>
+          <a:xfrm>
+            <a:off x="4995451" y="3516249"/>
+            <a:ext cx="1006230" cy="48847"/>
+          </a:xfrm>
+          <a:prstGeom prst="rect">
+            <a:avLst/>
+          </a:prstGeom>
+        </p:spPr>
+        <p:style>
+          <a:lnRef idx="1">
+            <a:schemeClr val="accent1"/>
+          </a:lnRef>
+          <a:fillRef idx="3">
+            <a:schemeClr val="accent1"/>
+          </a:fillRef>
+          <a:effectRef idx="2">
+            <a:schemeClr val="accent1"/>
+          </a:effectRef>
+          <a:fontRef idx="minor">
+            <a:schemeClr val="lt1"/>
+          </a:fontRef>
+        </p:style>
+        <p:txBody>
+          <a:bodyPr rtlCol="0" anchor="ctr"/>
+          <a:lstStyle/>
+          <a:p>
+            <a:pPr algn="ctr"/>
+            <a:endParaRPr lang="en-US"/>
+          </a:p>
+        </p:txBody>
+      </p:sp>
+      <p:grpSp>
+        <p:nvGrpSpPr>
+          <p:cNvPr id="100" name="Group 99"/>
+          <p:cNvGrpSpPr/>
+          <p:nvPr/>
+        </p:nvGrpSpPr>
+        <p:grpSpPr>
+          <a:xfrm>
+            <a:off x="5007663" y="3467406"/>
+            <a:ext cx="981807" cy="369332"/>
+            <a:chOff x="1945055" y="3734748"/>
+            <a:chExt cx="981807" cy="369332"/>
+          </a:xfrm>
+        </p:grpSpPr>
+        <p:sp>
+          <p:nvSpPr>
+            <p:cNvPr id="101" name="TextBox 100"/>
+            <p:cNvSpPr txBox="1"/>
+            <p:nvPr/>
+          </p:nvSpPr>
+          <p:spPr>
+            <a:xfrm>
+              <a:off x="1945055" y="3734748"/>
+              <a:ext cx="219807" cy="369332"/>
+            </a:xfrm>
+            <a:prstGeom prst="rect">
+              <a:avLst/>
+            </a:prstGeom>
+            <a:noFill/>
+          </p:spPr>
+          <p:txBody>
+            <a:bodyPr wrap="square" rtlCol="0">
+              <a:spAutoFit/>
+            </a:bodyPr>
+            <a:lstStyle/>
+            <a:p>
+              <a:pPr algn="just"/>
+              <a:r>
+                <a:rPr lang="en-US" dirty="0" smtClean="0"/>
+                <a:t>-</a:t>
+              </a:r>
+              <a:endParaRPr lang="en-US" dirty="0"/>
+            </a:p>
+          </p:txBody>
+        </p:sp>
+        <p:sp>
+          <p:nvSpPr>
+            <p:cNvPr id="102" name="TextBox 101"/>
+            <p:cNvSpPr txBox="1"/>
+            <p:nvPr/>
+          </p:nvSpPr>
+          <p:spPr>
+            <a:xfrm>
+              <a:off x="2097455" y="3734748"/>
+              <a:ext cx="219807" cy="369332"/>
+            </a:xfrm>
+            <a:prstGeom prst="rect">
+              <a:avLst/>
+            </a:prstGeom>
+            <a:noFill/>
+          </p:spPr>
+          <p:txBody>
+            <a:bodyPr wrap="square" rtlCol="0">
+              <a:spAutoFit/>
+            </a:bodyPr>
+            <a:lstStyle/>
+            <a:p>
+              <a:pPr algn="just"/>
+              <a:r>
+                <a:rPr lang="en-US" dirty="0" smtClean="0"/>
+                <a:t>-</a:t>
+              </a:r>
+              <a:endParaRPr lang="en-US" dirty="0"/>
+            </a:p>
+          </p:txBody>
+        </p:sp>
+        <p:sp>
+          <p:nvSpPr>
+            <p:cNvPr id="103" name="TextBox 102"/>
+            <p:cNvSpPr txBox="1"/>
+            <p:nvPr/>
+          </p:nvSpPr>
+          <p:spPr>
+            <a:xfrm>
+              <a:off x="2249855" y="3734748"/>
+              <a:ext cx="219807" cy="369332"/>
+            </a:xfrm>
+            <a:prstGeom prst="rect">
+              <a:avLst/>
+            </a:prstGeom>
+            <a:noFill/>
+          </p:spPr>
+          <p:txBody>
+            <a:bodyPr wrap="square" rtlCol="0">
+              <a:spAutoFit/>
+            </a:bodyPr>
+            <a:lstStyle/>
+            <a:p>
+              <a:pPr algn="just"/>
+              <a:r>
+                <a:rPr lang="en-US" dirty="0" smtClean="0"/>
+                <a:t>-</a:t>
+              </a:r>
+              <a:endParaRPr lang="en-US" dirty="0"/>
+            </a:p>
+          </p:txBody>
+        </p:sp>
+        <p:sp>
+          <p:nvSpPr>
+            <p:cNvPr id="104" name="TextBox 103"/>
+            <p:cNvSpPr txBox="1"/>
+            <p:nvPr/>
+          </p:nvSpPr>
+          <p:spPr>
+            <a:xfrm>
+              <a:off x="2402255" y="3734748"/>
+              <a:ext cx="219807" cy="369332"/>
+            </a:xfrm>
+            <a:prstGeom prst="rect">
+              <a:avLst/>
+            </a:prstGeom>
+            <a:noFill/>
+          </p:spPr>
+          <p:txBody>
+            <a:bodyPr wrap="square" rtlCol="0">
+              <a:spAutoFit/>
+            </a:bodyPr>
+            <a:lstStyle/>
+            <a:p>
+              <a:pPr algn="just"/>
+              <a:r>
+                <a:rPr lang="en-US" dirty="0" smtClean="0"/>
+                <a:t>-</a:t>
+              </a:r>
+              <a:endParaRPr lang="en-US" dirty="0"/>
+            </a:p>
+          </p:txBody>
+        </p:sp>
+        <p:sp>
+          <p:nvSpPr>
+            <p:cNvPr id="105" name="TextBox 104"/>
+            <p:cNvSpPr txBox="1"/>
+            <p:nvPr/>
+          </p:nvSpPr>
+          <p:spPr>
+            <a:xfrm>
+              <a:off x="2554655" y="3734748"/>
+              <a:ext cx="219807" cy="369332"/>
+            </a:xfrm>
+            <a:prstGeom prst="rect">
+              <a:avLst/>
+            </a:prstGeom>
+            <a:noFill/>
+          </p:spPr>
+          <p:txBody>
+            <a:bodyPr wrap="square" rtlCol="0">
+              <a:spAutoFit/>
+            </a:bodyPr>
+            <a:lstStyle/>
+            <a:p>
+              <a:pPr algn="just"/>
+              <a:r>
+                <a:rPr lang="en-US" dirty="0" smtClean="0"/>
+                <a:t>-</a:t>
+              </a:r>
+              <a:endParaRPr lang="en-US" dirty="0"/>
+            </a:p>
+          </p:txBody>
+        </p:sp>
+        <p:sp>
+          <p:nvSpPr>
+            <p:cNvPr id="106" name="TextBox 105"/>
+            <p:cNvSpPr txBox="1"/>
+            <p:nvPr/>
+          </p:nvSpPr>
+          <p:spPr>
+            <a:xfrm>
+              <a:off x="2707055" y="3734748"/>
+              <a:ext cx="219807" cy="369332"/>
+            </a:xfrm>
+            <a:prstGeom prst="rect">
+              <a:avLst/>
+            </a:prstGeom>
+            <a:noFill/>
+          </p:spPr>
+          <p:txBody>
+            <a:bodyPr wrap="square" rtlCol="0">
+              <a:spAutoFit/>
+            </a:bodyPr>
+            <a:lstStyle/>
+            <a:p>
+              <a:pPr algn="just"/>
+              <a:r>
+                <a:rPr lang="en-US" dirty="0" smtClean="0"/>
+                <a:t>-</a:t>
+              </a:r>
+              <a:endParaRPr lang="en-US" dirty="0"/>
+            </a:p>
+          </p:txBody>
+        </p:sp>
+      </p:grpSp>
+      <p:grpSp>
+        <p:nvGrpSpPr>
+          <p:cNvPr id="107" name="Group 106"/>
+          <p:cNvGrpSpPr/>
+          <p:nvPr/>
+        </p:nvGrpSpPr>
+        <p:grpSpPr>
+          <a:xfrm>
+            <a:off x="4967525" y="2836311"/>
+            <a:ext cx="1062082" cy="369332"/>
+            <a:chOff x="2344616" y="2061308"/>
+            <a:chExt cx="1062082" cy="369332"/>
+          </a:xfrm>
+        </p:grpSpPr>
+        <p:sp>
+          <p:nvSpPr>
+            <p:cNvPr id="108" name="TextBox 107"/>
+            <p:cNvSpPr txBox="1"/>
+            <p:nvPr/>
+          </p:nvSpPr>
+          <p:spPr>
+            <a:xfrm>
+              <a:off x="2344616" y="2061308"/>
+              <a:ext cx="300082" cy="369332"/>
+            </a:xfrm>
+            <a:prstGeom prst="rect">
+              <a:avLst/>
+            </a:prstGeom>
+            <a:noFill/>
+          </p:spPr>
+          <p:txBody>
+            <a:bodyPr wrap="none" rtlCol="0">
+              <a:spAutoFit/>
+            </a:bodyPr>
+            <a:lstStyle/>
+            <a:p>
+              <a:r>
+                <a:rPr lang="en-US" dirty="0"/>
+                <a:t>+</a:t>
+              </a:r>
+            </a:p>
+          </p:txBody>
+        </p:sp>
+        <p:sp>
+          <p:nvSpPr>
+            <p:cNvPr id="109" name="TextBox 108"/>
+            <p:cNvSpPr txBox="1"/>
+            <p:nvPr/>
+          </p:nvSpPr>
+          <p:spPr>
+            <a:xfrm>
+              <a:off x="2497016" y="2061308"/>
+              <a:ext cx="300082" cy="369332"/>
+            </a:xfrm>
+            <a:prstGeom prst="rect">
+              <a:avLst/>
+            </a:prstGeom>
+            <a:noFill/>
+          </p:spPr>
+          <p:txBody>
+            <a:bodyPr wrap="none" rtlCol="0">
+              <a:spAutoFit/>
+            </a:bodyPr>
+            <a:lstStyle/>
+            <a:p>
+              <a:r>
+                <a:rPr lang="en-US" dirty="0"/>
+                <a:t>+</a:t>
+              </a:r>
+            </a:p>
+          </p:txBody>
+        </p:sp>
+        <p:sp>
+          <p:nvSpPr>
+            <p:cNvPr id="110" name="TextBox 109"/>
+            <p:cNvSpPr txBox="1"/>
+            <p:nvPr/>
+          </p:nvSpPr>
+          <p:spPr>
+            <a:xfrm>
+              <a:off x="2649416" y="2061308"/>
+              <a:ext cx="300082" cy="369332"/>
+            </a:xfrm>
+            <a:prstGeom prst="rect">
+              <a:avLst/>
+            </a:prstGeom>
+            <a:noFill/>
+          </p:spPr>
+          <p:txBody>
+            <a:bodyPr wrap="none" rtlCol="0">
+              <a:spAutoFit/>
+            </a:bodyPr>
+            <a:lstStyle/>
+            <a:p>
+              <a:r>
+                <a:rPr lang="en-US" dirty="0"/>
+                <a:t>+</a:t>
+              </a:r>
+            </a:p>
+          </p:txBody>
+        </p:sp>
+        <p:sp>
+          <p:nvSpPr>
+            <p:cNvPr id="111" name="TextBox 110"/>
+            <p:cNvSpPr txBox="1"/>
+            <p:nvPr/>
+          </p:nvSpPr>
+          <p:spPr>
+            <a:xfrm>
+              <a:off x="2801816" y="2061308"/>
+              <a:ext cx="300082" cy="369332"/>
+            </a:xfrm>
+            <a:prstGeom prst="rect">
+              <a:avLst/>
+            </a:prstGeom>
+            <a:noFill/>
+          </p:spPr>
+          <p:txBody>
+            <a:bodyPr wrap="none" rtlCol="0">
+              <a:spAutoFit/>
+            </a:bodyPr>
+            <a:lstStyle/>
+            <a:p>
+              <a:r>
+                <a:rPr lang="en-US" dirty="0"/>
+                <a:t>+</a:t>
+              </a:r>
+            </a:p>
+          </p:txBody>
+        </p:sp>
+        <p:sp>
+          <p:nvSpPr>
+            <p:cNvPr id="112" name="TextBox 111"/>
+            <p:cNvSpPr txBox="1"/>
+            <p:nvPr/>
+          </p:nvSpPr>
+          <p:spPr>
+            <a:xfrm>
+              <a:off x="2954216" y="2061308"/>
+              <a:ext cx="300082" cy="369332"/>
+            </a:xfrm>
+            <a:prstGeom prst="rect">
+              <a:avLst/>
+            </a:prstGeom>
+            <a:noFill/>
+          </p:spPr>
+          <p:txBody>
+            <a:bodyPr wrap="none" rtlCol="0">
+              <a:spAutoFit/>
+            </a:bodyPr>
+            <a:lstStyle/>
+            <a:p>
+              <a:r>
+                <a:rPr lang="en-US" dirty="0"/>
+                <a:t>+</a:t>
+              </a:r>
+            </a:p>
+          </p:txBody>
+        </p:sp>
+        <p:sp>
+          <p:nvSpPr>
+            <p:cNvPr id="113" name="TextBox 112"/>
+            <p:cNvSpPr txBox="1"/>
+            <p:nvPr/>
+          </p:nvSpPr>
+          <p:spPr>
+            <a:xfrm>
+              <a:off x="3106616" y="2061308"/>
+              <a:ext cx="300082" cy="369332"/>
+            </a:xfrm>
+            <a:prstGeom prst="rect">
+              <a:avLst/>
+            </a:prstGeom>
+            <a:noFill/>
+          </p:spPr>
+          <p:txBody>
+            <a:bodyPr wrap="none" rtlCol="0">
+              <a:spAutoFit/>
+            </a:bodyPr>
+            <a:lstStyle/>
+            <a:p>
+              <a:r>
+                <a:rPr lang="en-US" dirty="0"/>
+                <a:t>+</a:t>
+              </a:r>
+            </a:p>
+          </p:txBody>
+        </p:sp>
+      </p:grpSp>
+      <p:cxnSp>
+        <p:nvCxnSpPr>
+          <p:cNvPr id="114" name="Straight Connector 113"/>
+          <p:cNvCxnSpPr>
+            <a:endCxn id="98" idx="0"/>
+          </p:cNvCxnSpPr>
+          <p:nvPr/>
+        </p:nvCxnSpPr>
+        <p:spPr>
+          <a:xfrm>
+            <a:off x="5496790" y="1738923"/>
+            <a:ext cx="1776" cy="1468618"/>
+          </a:xfrm>
+          <a:prstGeom prst="line">
+            <a:avLst/>
+          </a:prstGeom>
+        </p:spPr>
+        <p:style>
+          <a:lnRef idx="2">
+            <a:schemeClr val="dk1"/>
+          </a:lnRef>
+          <a:fillRef idx="0">
+            <a:schemeClr val="dk1"/>
+          </a:fillRef>
+          <a:effectRef idx="1">
+            <a:schemeClr val="dk1"/>
+          </a:effectRef>
+          <a:fontRef idx="minor">
+            <a:schemeClr val="tx1"/>
+          </a:fontRef>
+        </p:style>
+      </p:cxnSp>
+      <p:cxnSp>
+        <p:nvCxnSpPr>
+          <p:cNvPr id="115" name="Straight Connector 114"/>
+          <p:cNvCxnSpPr/>
+          <p:nvPr/>
+        </p:nvCxnSpPr>
+        <p:spPr>
+          <a:xfrm>
+            <a:off x="3709915" y="1738923"/>
+            <a:ext cx="0" cy="1449812"/>
+          </a:xfrm>
+          <a:prstGeom prst="line">
+            <a:avLst/>
+          </a:prstGeom>
+        </p:spPr>
+        <p:style>
+          <a:lnRef idx="2">
+            <a:schemeClr val="dk1"/>
+          </a:lnRef>
+          <a:fillRef idx="0">
+            <a:schemeClr val="dk1"/>
+          </a:fillRef>
+          <a:effectRef idx="1">
+            <a:schemeClr val="dk1"/>
+          </a:effectRef>
+          <a:fontRef idx="minor">
+            <a:schemeClr val="tx1"/>
+          </a:fontRef>
+        </p:style>
+      </p:cxnSp>
+      <p:cxnSp>
+        <p:nvCxnSpPr>
+          <p:cNvPr id="134" name="Straight Connector 133"/>
+          <p:cNvCxnSpPr/>
+          <p:nvPr/>
+        </p:nvCxnSpPr>
+        <p:spPr>
+          <a:xfrm flipV="1">
+            <a:off x="5516329" y="3569406"/>
+            <a:ext cx="0" cy="1256594"/>
+          </a:xfrm>
+          <a:prstGeom prst="line">
+            <a:avLst/>
+          </a:prstGeom>
+        </p:spPr>
+        <p:style>
+          <a:lnRef idx="2">
+            <a:schemeClr val="dk1"/>
+          </a:lnRef>
+          <a:fillRef idx="0">
+            <a:schemeClr val="dk1"/>
+          </a:fillRef>
+          <a:effectRef idx="1">
+            <a:schemeClr val="dk1"/>
+          </a:effectRef>
+          <a:fontRef idx="minor">
+            <a:schemeClr val="tx1"/>
+          </a:fontRef>
+        </p:style>
+      </p:cxnSp>
+      <p:cxnSp>
+        <p:nvCxnSpPr>
+          <p:cNvPr id="135" name="Straight Connector 134"/>
+          <p:cNvCxnSpPr/>
+          <p:nvPr/>
+        </p:nvCxnSpPr>
+        <p:spPr>
+          <a:xfrm flipV="1">
+            <a:off x="3719684" y="3663462"/>
+            <a:ext cx="0" cy="1162538"/>
+          </a:xfrm>
+          <a:prstGeom prst="line">
+            <a:avLst/>
+          </a:prstGeom>
+        </p:spPr>
+        <p:style>
+          <a:lnRef idx="2">
+            <a:schemeClr val="dk1"/>
+          </a:lnRef>
+          <a:fillRef idx="0">
+            <a:schemeClr val="dk1"/>
+          </a:fillRef>
+          <a:effectRef idx="1">
+            <a:schemeClr val="dk1"/>
+          </a:effectRef>
+          <a:fontRef idx="minor">
+            <a:schemeClr val="tx1"/>
+          </a:fontRef>
+        </p:style>
+      </p:cxnSp>
+      <p:cxnSp>
+        <p:nvCxnSpPr>
+          <p:cNvPr id="136" name="Straight Connector 135"/>
+          <p:cNvCxnSpPr/>
+          <p:nvPr/>
+        </p:nvCxnSpPr>
+        <p:spPr>
+          <a:xfrm flipH="1" flipV="1">
+            <a:off x="3709915" y="4826000"/>
+            <a:ext cx="3790951" cy="5016"/>
+          </a:xfrm>
+          <a:prstGeom prst="line">
+            <a:avLst/>
+          </a:prstGeom>
+        </p:spPr>
+        <p:style>
+          <a:lnRef idx="2">
+            <a:schemeClr val="dk1"/>
+          </a:lnRef>
+          <a:fillRef idx="0">
+            <a:schemeClr val="dk1"/>
+          </a:fillRef>
+          <a:effectRef idx="1">
+            <a:schemeClr val="dk1"/>
+          </a:effectRef>
+          <a:fontRef idx="minor">
+            <a:schemeClr val="tx1"/>
+          </a:fontRef>
+        </p:style>
+      </p:cxnSp>
+      <p:sp>
+        <p:nvSpPr>
+          <p:cNvPr id="137" name="Oval 136"/>
+          <p:cNvSpPr/>
+          <p:nvPr/>
+        </p:nvSpPr>
+        <p:spPr>
+          <a:xfrm>
+            <a:off x="3651300" y="3130120"/>
+            <a:ext cx="117230" cy="117230"/>
+          </a:xfrm>
+          <a:prstGeom prst="ellipse">
+            <a:avLst/>
+          </a:prstGeom>
+        </p:spPr>
+        <p:style>
+          <a:lnRef idx="2">
+            <a:schemeClr val="dk1">
+              <a:shade val="50000"/>
+            </a:schemeClr>
+          </a:lnRef>
+          <a:fillRef idx="1">
+            <a:schemeClr val="dk1"/>
+          </a:fillRef>
+          <a:effectRef idx="0">
+            <a:schemeClr val="dk1"/>
+          </a:effectRef>
+          <a:fontRef idx="minor">
+            <a:schemeClr val="lt1"/>
+          </a:fontRef>
+        </p:style>
+        <p:txBody>
+          <a:bodyPr rtlCol="0" anchor="ctr"/>
+          <a:lstStyle/>
+          <a:p>
+            <a:pPr algn="ctr"/>
+            <a:endParaRPr lang="en-US"/>
+          </a:p>
+        </p:txBody>
+      </p:sp>
+      <p:sp>
+        <p:nvSpPr>
+          <p:cNvPr id="138" name="Oval 137"/>
+          <p:cNvSpPr/>
+          <p:nvPr/>
+        </p:nvSpPr>
+        <p:spPr>
+          <a:xfrm>
+            <a:off x="3651300" y="3604847"/>
+            <a:ext cx="117230" cy="117230"/>
+          </a:xfrm>
+          <a:prstGeom prst="ellipse">
+            <a:avLst/>
+          </a:prstGeom>
+        </p:spPr>
+        <p:style>
+          <a:lnRef idx="2">
+            <a:schemeClr val="dk1">
+              <a:shade val="50000"/>
+            </a:schemeClr>
+          </a:lnRef>
+          <a:fillRef idx="1">
+            <a:schemeClr val="dk1"/>
+          </a:fillRef>
+          <a:effectRef idx="0">
+            <a:schemeClr val="dk1"/>
+          </a:effectRef>
+          <a:fontRef idx="minor">
+            <a:schemeClr val="lt1"/>
+          </a:fontRef>
+        </p:style>
+        <p:txBody>
+          <a:bodyPr rtlCol="0" anchor="ctr"/>
+          <a:lstStyle/>
+          <a:p>
+            <a:pPr algn="ctr"/>
+            <a:endParaRPr lang="en-US"/>
+          </a:p>
+        </p:txBody>
+      </p:sp>
+      <p:pic>
+        <p:nvPicPr>
+          <p:cNvPr id="141" name="Picture 140"/>
+          <p:cNvPicPr>
+            <a:picLocks noChangeAspect="1"/>
+          </p:cNvPicPr>
+          <p:nvPr/>
+        </p:nvPicPr>
+        <p:blipFill>
+          <a:blip r:embed="rId4"/>
+          <a:stretch>
+            <a:fillRect/>
+          </a:stretch>
+        </p:blipFill>
+        <p:spPr>
+          <a:xfrm>
+            <a:off x="6239442" y="3256388"/>
+            <a:ext cx="381000" cy="330200"/>
+          </a:xfrm>
+          <a:prstGeom prst="rect">
+            <a:avLst/>
+          </a:prstGeom>
+        </p:spPr>
+      </p:pic>
+      <p:pic>
+        <p:nvPicPr>
+          <p:cNvPr id="142" name="Picture 141"/>
+          <p:cNvPicPr>
+            <a:picLocks noChangeAspect="1"/>
+          </p:cNvPicPr>
+          <p:nvPr/>
+        </p:nvPicPr>
+        <p:blipFill>
+          <a:blip r:embed="rId5"/>
+          <a:stretch>
+            <a:fillRect/>
+          </a:stretch>
+        </p:blipFill>
+        <p:spPr>
+          <a:xfrm>
+            <a:off x="8277603" y="3234896"/>
+            <a:ext cx="381000" cy="330200"/>
+          </a:xfrm>
+          <a:prstGeom prst="rect">
+            <a:avLst/>
+          </a:prstGeom>
+        </p:spPr>
+      </p:pic>
+      <p:sp>
+        <p:nvSpPr>
+          <p:cNvPr id="143" name="Freeform 142"/>
+          <p:cNvSpPr/>
+          <p:nvPr/>
+        </p:nvSpPr>
+        <p:spPr>
+          <a:xfrm>
+            <a:off x="6058610" y="3205600"/>
+            <a:ext cx="133226" cy="381863"/>
+          </a:xfrm>
+          <a:custGeom>
+            <a:avLst/>
+            <a:gdLst>
+              <a:gd name="connsiteX0" fmla="*/ 0 w 133226"/>
+              <a:gd name="connsiteY0" fmla="*/ 0 h 381863"/>
+              <a:gd name="connsiteX1" fmla="*/ 133214 w 133226"/>
+              <a:gd name="connsiteY1" fmla="*/ 213133 h 381863"/>
+              <a:gd name="connsiteX2" fmla="*/ 8881 w 133226"/>
+              <a:gd name="connsiteY2" fmla="*/ 381863 h 381863"/>
+            </a:gdLst>
+            <a:ahLst/>
+            <a:cxnLst>
+              <a:cxn ang="0">
+                <a:pos x="connsiteX0" y="connsiteY0"/>
+              </a:cxn>
+              <a:cxn ang="0">
+                <a:pos x="connsiteX1" y="connsiteY1"/>
+              </a:cxn>
+              <a:cxn ang="0">
+                <a:pos x="connsiteX2" y="connsiteY2"/>
+              </a:cxn>
+            </a:cxnLst>
+            <a:rect l="l" t="t" r="r" b="b"/>
+            <a:pathLst>
+              <a:path w="133226" h="381863">
+                <a:moveTo>
+                  <a:pt x="0" y="0"/>
+                </a:moveTo>
+                <a:cubicBezTo>
+                  <a:pt x="65867" y="74744"/>
+                  <a:pt x="131734" y="149489"/>
+                  <a:pt x="133214" y="213133"/>
+                </a:cubicBezTo>
+                <a:cubicBezTo>
+                  <a:pt x="134694" y="276777"/>
+                  <a:pt x="8881" y="381863"/>
+                  <a:pt x="8881" y="381863"/>
+                </a:cubicBezTo>
+              </a:path>
+            </a:pathLst>
+          </a:custGeom>
+          <a:ln>
+            <a:headEnd type="none"/>
+            <a:tailEnd type="arrow"/>
+          </a:ln>
+        </p:spPr>
+        <p:style>
+          <a:lnRef idx="2">
+            <a:schemeClr val="dk1"/>
+          </a:lnRef>
+          <a:fillRef idx="0">
+            <a:schemeClr val="dk1"/>
+          </a:fillRef>
+          <a:effectRef idx="1">
+            <a:schemeClr val="dk1"/>
+          </a:effectRef>
+          <a:fontRef idx="minor">
+            <a:schemeClr val="tx1"/>
+          </a:fontRef>
+        </p:style>
+        <p:txBody>
+          <a:bodyPr rtlCol="0" anchor="ctr"/>
+          <a:lstStyle/>
+          <a:p>
+            <a:pPr algn="ctr"/>
+            <a:endParaRPr lang="en-US"/>
+          </a:p>
+        </p:txBody>
+      </p:sp>
+      <p:sp>
+        <p:nvSpPr>
+          <p:cNvPr id="155" name="Rectangle 154"/>
+          <p:cNvSpPr/>
+          <p:nvPr/>
+        </p:nvSpPr>
+        <p:spPr>
+          <a:xfrm>
+            <a:off x="6979988" y="3207844"/>
+            <a:ext cx="1006230" cy="48847"/>
+          </a:xfrm>
+          <a:prstGeom prst="rect">
+            <a:avLst/>
+          </a:prstGeom>
+        </p:spPr>
+        <p:style>
+          <a:lnRef idx="1">
+            <a:schemeClr val="accent1"/>
+          </a:lnRef>
+          <a:fillRef idx="3">
+            <a:schemeClr val="accent1"/>
+          </a:fillRef>
+          <a:effectRef idx="2">
+            <a:schemeClr val="accent1"/>
+          </a:effectRef>
+          <a:fontRef idx="minor">
+            <a:schemeClr val="lt1"/>
+          </a:fontRef>
+        </p:style>
+        <p:txBody>
+          <a:bodyPr rtlCol="0" anchor="ctr"/>
+          <a:lstStyle/>
+          <a:p>
+            <a:pPr algn="ctr"/>
+            <a:endParaRPr lang="en-US"/>
+          </a:p>
+        </p:txBody>
+      </p:sp>
+      <p:sp>
+        <p:nvSpPr>
+          <p:cNvPr id="156" name="Rectangle 155"/>
+          <p:cNvSpPr/>
+          <p:nvPr/>
+        </p:nvSpPr>
+        <p:spPr>
+          <a:xfrm>
+            <a:off x="6979988" y="3516552"/>
+            <a:ext cx="1006230" cy="48847"/>
+          </a:xfrm>
+          <a:prstGeom prst="rect">
+            <a:avLst/>
+          </a:prstGeom>
+        </p:spPr>
+        <p:style>
+          <a:lnRef idx="1">
+            <a:schemeClr val="accent1"/>
+          </a:lnRef>
+          <a:fillRef idx="3">
+            <a:schemeClr val="accent1"/>
+          </a:fillRef>
+          <a:effectRef idx="2">
+            <a:schemeClr val="accent1"/>
+          </a:effectRef>
+          <a:fontRef idx="minor">
+            <a:schemeClr val="lt1"/>
+          </a:fontRef>
+        </p:style>
+        <p:txBody>
+          <a:bodyPr rtlCol="0" anchor="ctr"/>
+          <a:lstStyle/>
+          <a:p>
+            <a:pPr algn="ctr"/>
+            <a:endParaRPr lang="en-US"/>
+          </a:p>
+        </p:txBody>
+      </p:sp>
+      <p:grpSp>
+        <p:nvGrpSpPr>
+          <p:cNvPr id="157" name="Group 156"/>
+          <p:cNvGrpSpPr/>
+          <p:nvPr/>
+        </p:nvGrpSpPr>
+        <p:grpSpPr>
+          <a:xfrm>
+            <a:off x="7152788" y="3467709"/>
+            <a:ext cx="677007" cy="369332"/>
+            <a:chOff x="1945055" y="3734748"/>
+            <a:chExt cx="677007" cy="369332"/>
+          </a:xfrm>
+        </p:grpSpPr>
+        <p:sp>
+          <p:nvSpPr>
+            <p:cNvPr id="158" name="TextBox 157"/>
+            <p:cNvSpPr txBox="1"/>
+            <p:nvPr/>
+          </p:nvSpPr>
+          <p:spPr>
+            <a:xfrm>
+              <a:off x="1945055" y="3734748"/>
+              <a:ext cx="219807" cy="369332"/>
+            </a:xfrm>
+            <a:prstGeom prst="rect">
+              <a:avLst/>
+            </a:prstGeom>
+            <a:noFill/>
+          </p:spPr>
+          <p:txBody>
+            <a:bodyPr wrap="square" rtlCol="0">
+              <a:spAutoFit/>
+            </a:bodyPr>
+            <a:lstStyle/>
+            <a:p>
+              <a:pPr algn="just"/>
+              <a:r>
+                <a:rPr lang="en-US" dirty="0" smtClean="0"/>
+                <a:t>-</a:t>
+              </a:r>
+              <a:endParaRPr lang="en-US" dirty="0"/>
+            </a:p>
+          </p:txBody>
+        </p:sp>
+        <p:sp>
+          <p:nvSpPr>
+            <p:cNvPr id="159" name="TextBox 158"/>
+            <p:cNvSpPr txBox="1"/>
+            <p:nvPr/>
+          </p:nvSpPr>
+          <p:spPr>
+            <a:xfrm>
+              <a:off x="2097455" y="3734748"/>
+              <a:ext cx="219807" cy="369332"/>
+            </a:xfrm>
+            <a:prstGeom prst="rect">
+              <a:avLst/>
+            </a:prstGeom>
+            <a:noFill/>
+          </p:spPr>
+          <p:txBody>
+            <a:bodyPr wrap="square" rtlCol="0">
+              <a:spAutoFit/>
+            </a:bodyPr>
+            <a:lstStyle/>
+            <a:p>
+              <a:pPr algn="just"/>
+              <a:r>
+                <a:rPr lang="en-US" dirty="0" smtClean="0"/>
+                <a:t>-</a:t>
+              </a:r>
+              <a:endParaRPr lang="en-US" dirty="0"/>
+            </a:p>
+          </p:txBody>
+        </p:sp>
+        <p:sp>
+          <p:nvSpPr>
+            <p:cNvPr id="160" name="TextBox 159"/>
+            <p:cNvSpPr txBox="1"/>
+            <p:nvPr/>
+          </p:nvSpPr>
+          <p:spPr>
+            <a:xfrm>
+              <a:off x="2249855" y="3734748"/>
+              <a:ext cx="219807" cy="369332"/>
+            </a:xfrm>
+            <a:prstGeom prst="rect">
+              <a:avLst/>
+            </a:prstGeom>
+            <a:noFill/>
+          </p:spPr>
+          <p:txBody>
+            <a:bodyPr wrap="square" rtlCol="0">
+              <a:spAutoFit/>
+            </a:bodyPr>
+            <a:lstStyle/>
+            <a:p>
+              <a:pPr algn="just"/>
+              <a:r>
+                <a:rPr lang="en-US" dirty="0" smtClean="0"/>
+                <a:t>-</a:t>
+              </a:r>
+              <a:endParaRPr lang="en-US" dirty="0"/>
+            </a:p>
+          </p:txBody>
+        </p:sp>
+        <p:sp>
+          <p:nvSpPr>
+            <p:cNvPr id="161" name="TextBox 160"/>
+            <p:cNvSpPr txBox="1"/>
+            <p:nvPr/>
+          </p:nvSpPr>
+          <p:spPr>
+            <a:xfrm>
+              <a:off x="2402255" y="3734748"/>
+              <a:ext cx="219807" cy="369332"/>
+            </a:xfrm>
+            <a:prstGeom prst="rect">
+              <a:avLst/>
+            </a:prstGeom>
+            <a:noFill/>
+          </p:spPr>
+          <p:txBody>
+            <a:bodyPr wrap="square" rtlCol="0">
+              <a:spAutoFit/>
+            </a:bodyPr>
+            <a:lstStyle/>
+            <a:p>
+              <a:pPr algn="just"/>
+              <a:r>
+                <a:rPr lang="en-US" dirty="0" smtClean="0"/>
+                <a:t>-</a:t>
+              </a:r>
+              <a:endParaRPr lang="en-US" dirty="0"/>
+            </a:p>
+          </p:txBody>
+        </p:sp>
+      </p:grpSp>
+      <p:grpSp>
+        <p:nvGrpSpPr>
+          <p:cNvPr id="164" name="Group 163"/>
+          <p:cNvGrpSpPr/>
+          <p:nvPr/>
+        </p:nvGrpSpPr>
+        <p:grpSpPr>
+          <a:xfrm>
+            <a:off x="7094158" y="2836614"/>
+            <a:ext cx="794266" cy="369332"/>
+            <a:chOff x="2344616" y="2061308"/>
+            <a:chExt cx="794266" cy="369332"/>
+          </a:xfrm>
+        </p:grpSpPr>
+        <p:sp>
+          <p:nvSpPr>
+            <p:cNvPr id="165" name="TextBox 164"/>
+            <p:cNvSpPr txBox="1"/>
+            <p:nvPr/>
+          </p:nvSpPr>
+          <p:spPr>
+            <a:xfrm>
+              <a:off x="2344616" y="2061308"/>
+              <a:ext cx="300082" cy="369332"/>
+            </a:xfrm>
+            <a:prstGeom prst="rect">
+              <a:avLst/>
+            </a:prstGeom>
+            <a:noFill/>
+          </p:spPr>
+          <p:txBody>
+            <a:bodyPr wrap="none" rtlCol="0">
+              <a:spAutoFit/>
+            </a:bodyPr>
+            <a:lstStyle/>
+            <a:p>
+              <a:r>
+                <a:rPr lang="en-US" dirty="0"/>
+                <a:t>+</a:t>
+              </a:r>
+            </a:p>
+          </p:txBody>
+        </p:sp>
+        <p:sp>
+          <p:nvSpPr>
+            <p:cNvPr id="166" name="TextBox 165"/>
+            <p:cNvSpPr txBox="1"/>
+            <p:nvPr/>
+          </p:nvSpPr>
+          <p:spPr>
+            <a:xfrm>
+              <a:off x="2497016" y="2061308"/>
+              <a:ext cx="300082" cy="369332"/>
+            </a:xfrm>
+            <a:prstGeom prst="rect">
+              <a:avLst/>
+            </a:prstGeom>
+            <a:noFill/>
+          </p:spPr>
+          <p:txBody>
+            <a:bodyPr wrap="none" rtlCol="0">
+              <a:spAutoFit/>
+            </a:bodyPr>
+            <a:lstStyle/>
+            <a:p>
+              <a:r>
+                <a:rPr lang="en-US" dirty="0"/>
+                <a:t>+</a:t>
+              </a:r>
+            </a:p>
+          </p:txBody>
+        </p:sp>
+        <p:sp>
+          <p:nvSpPr>
+            <p:cNvPr id="167" name="TextBox 166"/>
+            <p:cNvSpPr txBox="1"/>
+            <p:nvPr/>
+          </p:nvSpPr>
+          <p:spPr>
+            <a:xfrm>
+              <a:off x="2649416" y="2061308"/>
+              <a:ext cx="300082" cy="369332"/>
+            </a:xfrm>
+            <a:prstGeom prst="rect">
+              <a:avLst/>
+            </a:prstGeom>
+            <a:noFill/>
+          </p:spPr>
+          <p:txBody>
+            <a:bodyPr wrap="none" rtlCol="0">
+              <a:spAutoFit/>
+            </a:bodyPr>
+            <a:lstStyle/>
+            <a:p>
+              <a:r>
+                <a:rPr lang="en-US" dirty="0"/>
+                <a:t>+</a:t>
+              </a:r>
+            </a:p>
+          </p:txBody>
+        </p:sp>
+        <p:sp>
+          <p:nvSpPr>
+            <p:cNvPr id="168" name="TextBox 167"/>
+            <p:cNvSpPr txBox="1"/>
+            <p:nvPr/>
+          </p:nvSpPr>
+          <p:spPr>
+            <a:xfrm>
+              <a:off x="2801816" y="2061308"/>
+              <a:ext cx="300082" cy="369332"/>
+            </a:xfrm>
+            <a:prstGeom prst="rect">
+              <a:avLst/>
+            </a:prstGeom>
+            <a:noFill/>
+          </p:spPr>
+          <p:txBody>
+            <a:bodyPr wrap="none" rtlCol="0">
+              <a:spAutoFit/>
+            </a:bodyPr>
+            <a:lstStyle/>
+            <a:p>
+              <a:r>
+                <a:rPr lang="en-US" dirty="0"/>
+                <a:t>+</a:t>
+              </a:r>
+            </a:p>
+          </p:txBody>
+        </p:sp>
+        <p:sp>
+          <p:nvSpPr>
+            <p:cNvPr id="169" name="TextBox 168"/>
+            <p:cNvSpPr txBox="1"/>
+            <p:nvPr/>
+          </p:nvSpPr>
+          <p:spPr>
+            <a:xfrm>
+              <a:off x="2954216" y="2061308"/>
+              <a:ext cx="184666" cy="369332"/>
+            </a:xfrm>
+            <a:prstGeom prst="rect">
+              <a:avLst/>
+            </a:prstGeom>
+            <a:noFill/>
+          </p:spPr>
+          <p:txBody>
+            <a:bodyPr wrap="none" rtlCol="0">
+              <a:spAutoFit/>
+            </a:bodyPr>
+            <a:lstStyle/>
+            <a:p>
+              <a:endParaRPr lang="en-US" dirty="0"/>
+            </a:p>
+          </p:txBody>
+        </p:sp>
+      </p:grpSp>
+      <p:cxnSp>
+        <p:nvCxnSpPr>
+          <p:cNvPr id="171" name="Straight Connector 170"/>
+          <p:cNvCxnSpPr>
+            <a:endCxn id="155" idx="0"/>
+          </p:cNvCxnSpPr>
+          <p:nvPr/>
+        </p:nvCxnSpPr>
+        <p:spPr>
+          <a:xfrm>
+            <a:off x="7481327" y="1739226"/>
+            <a:ext cx="1776" cy="1468618"/>
+          </a:xfrm>
+          <a:prstGeom prst="line">
+            <a:avLst/>
+          </a:prstGeom>
+        </p:spPr>
+        <p:style>
+          <a:lnRef idx="2">
+            <a:schemeClr val="dk1"/>
+          </a:lnRef>
+          <a:fillRef idx="0">
+            <a:schemeClr val="dk1"/>
+          </a:fillRef>
+          <a:effectRef idx="1">
+            <a:schemeClr val="dk1"/>
+          </a:effectRef>
+          <a:fontRef idx="minor">
+            <a:schemeClr val="tx1"/>
+          </a:fontRef>
+        </p:style>
+      </p:cxnSp>
+      <p:cxnSp>
+        <p:nvCxnSpPr>
+          <p:cNvPr id="172" name="Straight Connector 171"/>
+          <p:cNvCxnSpPr/>
+          <p:nvPr/>
+        </p:nvCxnSpPr>
+        <p:spPr>
+          <a:xfrm flipV="1">
+            <a:off x="7500866" y="3569709"/>
+            <a:ext cx="0" cy="1256594"/>
+          </a:xfrm>
+          <a:prstGeom prst="line">
+            <a:avLst/>
+          </a:prstGeom>
+        </p:spPr>
+        <p:style>
+          <a:lnRef idx="2">
+            <a:schemeClr val="dk1"/>
+          </a:lnRef>
+          <a:fillRef idx="0">
+            <a:schemeClr val="dk1"/>
+          </a:fillRef>
+          <a:effectRef idx="1">
+            <a:schemeClr val="dk1"/>
+          </a:effectRef>
+          <a:fontRef idx="minor">
+            <a:schemeClr val="tx1"/>
+          </a:fontRef>
+        </p:style>
+      </p:cxnSp>
+      <p:sp>
+        <p:nvSpPr>
+          <p:cNvPr id="174" name="Freeform 173"/>
+          <p:cNvSpPr/>
+          <p:nvPr/>
+        </p:nvSpPr>
+        <p:spPr>
+          <a:xfrm>
+            <a:off x="8060909" y="3205903"/>
+            <a:ext cx="133226" cy="381863"/>
+          </a:xfrm>
+          <a:custGeom>
+            <a:avLst/>
+            <a:gdLst>
+              <a:gd name="connsiteX0" fmla="*/ 0 w 133226"/>
+              <a:gd name="connsiteY0" fmla="*/ 0 h 381863"/>
+              <a:gd name="connsiteX1" fmla="*/ 133214 w 133226"/>
+              <a:gd name="connsiteY1" fmla="*/ 213133 h 381863"/>
+              <a:gd name="connsiteX2" fmla="*/ 8881 w 133226"/>
+              <a:gd name="connsiteY2" fmla="*/ 381863 h 381863"/>
+            </a:gdLst>
+            <a:ahLst/>
+            <a:cxnLst>
+              <a:cxn ang="0">
+                <a:pos x="connsiteX0" y="connsiteY0"/>
+              </a:cxn>
+              <a:cxn ang="0">
+                <a:pos x="connsiteX1" y="connsiteY1"/>
+              </a:cxn>
+              <a:cxn ang="0">
+                <a:pos x="connsiteX2" y="connsiteY2"/>
+              </a:cxn>
+            </a:cxnLst>
+            <a:rect l="l" t="t" r="r" b="b"/>
+            <a:pathLst>
+              <a:path w="133226" h="381863">
+                <a:moveTo>
+                  <a:pt x="0" y="0"/>
+                </a:moveTo>
+                <a:cubicBezTo>
+                  <a:pt x="65867" y="74744"/>
+                  <a:pt x="131734" y="149489"/>
+                  <a:pt x="133214" y="213133"/>
+                </a:cubicBezTo>
+                <a:cubicBezTo>
+                  <a:pt x="134694" y="276777"/>
+                  <a:pt x="8881" y="381863"/>
+                  <a:pt x="8881" y="381863"/>
+                </a:cubicBezTo>
+              </a:path>
+            </a:pathLst>
+          </a:custGeom>
+          <a:ln>
+            <a:headEnd type="none"/>
+            <a:tailEnd type="arrow"/>
+          </a:ln>
+        </p:spPr>
+        <p:style>
+          <a:lnRef idx="2">
+            <a:schemeClr val="dk1"/>
+          </a:lnRef>
+          <a:fillRef idx="0">
+            <a:schemeClr val="dk1"/>
+          </a:fillRef>
+          <a:effectRef idx="1">
+            <a:schemeClr val="dk1"/>
+          </a:effectRef>
+          <a:fontRef idx="minor">
+            <a:schemeClr val="tx1"/>
+          </a:fontRef>
+        </p:style>
+        <p:txBody>
+          <a:bodyPr rtlCol="0" anchor="ctr"/>
+          <a:lstStyle/>
+          <a:p>
+            <a:pPr algn="ctr"/>
+            <a:endParaRPr lang="en-US"/>
+          </a:p>
+        </p:txBody>
+      </p:sp>
+      <p:cxnSp>
+        <p:nvCxnSpPr>
+          <p:cNvPr id="178" name="Straight Connector 177"/>
+          <p:cNvCxnSpPr/>
+          <p:nvPr/>
+        </p:nvCxnSpPr>
+        <p:spPr>
+          <a:xfrm flipH="1" flipV="1">
+            <a:off x="3702575" y="1743939"/>
+            <a:ext cx="3790951" cy="5016"/>
+          </a:xfrm>
+          <a:prstGeom prst="line">
+            <a:avLst/>
+          </a:prstGeom>
+        </p:spPr>
+        <p:style>
+          <a:lnRef idx="2">
+            <a:schemeClr val="dk1"/>
+          </a:lnRef>
+          <a:fillRef idx="0">
+            <a:schemeClr val="dk1"/>
+          </a:fillRef>
+          <a:effectRef idx="1">
+            <a:schemeClr val="dk1"/>
+          </a:effectRef>
+          <a:fontRef idx="minor">
+            <a:schemeClr val="tx1"/>
+          </a:fontRef>
+        </p:style>
+      </p:cxnSp>
+      <p:pic>
+        <p:nvPicPr>
+          <p:cNvPr id="179" name="Picture 178"/>
+          <p:cNvPicPr>
+            <a:picLocks noChangeAspect="1"/>
+          </p:cNvPicPr>
+          <p:nvPr/>
+        </p:nvPicPr>
+        <p:blipFill>
+          <a:blip r:embed="rId6"/>
+          <a:stretch>
+            <a:fillRect/>
+          </a:stretch>
+        </p:blipFill>
+        <p:spPr>
+          <a:xfrm>
+            <a:off x="4588563" y="2777493"/>
+            <a:ext cx="419100" cy="355600"/>
+          </a:xfrm>
+          <a:prstGeom prst="rect">
+            <a:avLst/>
+          </a:prstGeom>
+        </p:spPr>
+      </p:pic>
+      <p:pic>
+        <p:nvPicPr>
+          <p:cNvPr id="180" name="Picture 179"/>
+          <p:cNvPicPr>
+            <a:picLocks noChangeAspect="1"/>
+          </p:cNvPicPr>
+          <p:nvPr/>
+        </p:nvPicPr>
+        <p:blipFill>
+          <a:blip r:embed="rId7"/>
+          <a:stretch>
+            <a:fillRect/>
+          </a:stretch>
+        </p:blipFill>
+        <p:spPr>
+          <a:xfrm>
+            <a:off x="6662358" y="2746857"/>
+            <a:ext cx="431800" cy="355600"/>
+          </a:xfrm>
+          <a:prstGeom prst="rect">
+            <a:avLst/>
+          </a:prstGeom>
+        </p:spPr>
+      </p:pic>
+    </p:spTree>
+    <p:extLst>
+      <p:ext uri="{BB962C8B-B14F-4D97-AF65-F5344CB8AC3E}">
+        <p14:creationId xmlns:p14="http://schemas.microsoft.com/office/powerpoint/2010/main" val="1948345483"/>
+      </p:ext>
+    </p:extLst>
+  </p:cSld>
+  <p:clrMapOvr>
+    <a:masterClrMapping/>
+  </p:clrMapOvr>
 </p:sld>
 </file>
 
@@ -15187,15 +18114,7 @@
                   <a:srgbClr val="800000"/>
                 </a:solidFill>
               </a:rPr>
-              <a:t>Gau</a:t>
-            </a:r>
-            <a:r>
-              <a:rPr lang="en-US" sz="2000" dirty="0" err="1" smtClean="0">
-                <a:solidFill>
-                  <a:srgbClr val="800000"/>
-                </a:solidFill>
-              </a:rPr>
-              <a:t>ß’sche</a:t>
+              <a:t>Gauß’sche</a:t>
             </a:r>
             <a:r>
               <a:rPr lang="en-US" sz="2000" dirty="0" smtClean="0">
@@ -15211,15 +18130,7 @@
                   <a:srgbClr val="800000"/>
                 </a:solidFill>
               </a:rPr>
-              <a:t>Fl</a:t>
-            </a:r>
-            <a:r>
-              <a:rPr lang="en-US" sz="2000" dirty="0" err="1" smtClean="0">
-                <a:solidFill>
-                  <a:srgbClr val="800000"/>
-                </a:solidFill>
-              </a:rPr>
-              <a:t>ächen</a:t>
+              <a:t>Flächen</a:t>
             </a:r>
             <a:endParaRPr lang="en-US" sz="2000" dirty="0">
               <a:solidFill>

--- a/figures/Presentation1.pptx
+++ b/figures/Presentation1.pptx
@@ -24,6 +24,10 @@
     <p:sldId id="273" r:id="rId18"/>
     <p:sldId id="274" r:id="rId19"/>
     <p:sldId id="275" r:id="rId20"/>
+    <p:sldId id="276" r:id="rId21"/>
+    <p:sldId id="277" r:id="rId22"/>
+    <p:sldId id="278" r:id="rId23"/>
+    <p:sldId id="279" r:id="rId24"/>
   </p:sldIdLst>
   <p:sldSz cx="9144000" cy="6858000" type="screen4x3"/>
   <p:notesSz cx="6858000" cy="9144000"/>
@@ -25523,6 +25527,2612 @@
 </p:sld>
 </file>
 
+<file path=ppt/slides/slide20.xml><?xml version="1.0" encoding="utf-8"?>
+<p:sld xmlns:a="http://schemas.openxmlformats.org/drawingml/2006/main" xmlns:r="http://schemas.openxmlformats.org/officeDocument/2006/relationships" xmlns:p="http://schemas.openxmlformats.org/presentationml/2006/main">
+  <p:cSld>
+    <p:spTree>
+      <p:nvGrpSpPr>
+        <p:cNvPr id="1" name=""/>
+        <p:cNvGrpSpPr/>
+        <p:nvPr/>
+      </p:nvGrpSpPr>
+      <p:grpSpPr>
+        <a:xfrm>
+          <a:off x="0" y="0"/>
+          <a:ext cx="0" cy="0"/>
+          <a:chOff x="0" y="0"/>
+          <a:chExt cx="0" cy="0"/>
+        </a:xfrm>
+      </p:grpSpPr>
+      <p:sp>
+        <p:nvSpPr>
+          <p:cNvPr id="4" name="Rectangle 3"/>
+          <p:cNvSpPr/>
+          <p:nvPr/>
+        </p:nvSpPr>
+        <p:spPr>
+          <a:xfrm>
+            <a:off x="2054392" y="2605962"/>
+            <a:ext cx="1006230" cy="48847"/>
+          </a:xfrm>
+          <a:prstGeom prst="rect">
+            <a:avLst/>
+          </a:prstGeom>
+        </p:spPr>
+        <p:style>
+          <a:lnRef idx="1">
+            <a:schemeClr val="accent1"/>
+          </a:lnRef>
+          <a:fillRef idx="3">
+            <a:schemeClr val="accent1"/>
+          </a:fillRef>
+          <a:effectRef idx="2">
+            <a:schemeClr val="accent1"/>
+          </a:effectRef>
+          <a:fontRef idx="minor">
+            <a:schemeClr val="lt1"/>
+          </a:fontRef>
+        </p:style>
+        <p:txBody>
+          <a:bodyPr rtlCol="0" anchor="ctr"/>
+          <a:lstStyle/>
+          <a:p>
+            <a:pPr algn="ctr"/>
+            <a:endParaRPr lang="en-US"/>
+          </a:p>
+        </p:txBody>
+      </p:sp>
+      <p:sp>
+        <p:nvSpPr>
+          <p:cNvPr id="5" name="Rectangle 4"/>
+          <p:cNvSpPr/>
+          <p:nvPr/>
+        </p:nvSpPr>
+        <p:spPr>
+          <a:xfrm>
+            <a:off x="2054392" y="2914670"/>
+            <a:ext cx="1006230" cy="48847"/>
+          </a:xfrm>
+          <a:prstGeom prst="rect">
+            <a:avLst/>
+          </a:prstGeom>
+        </p:spPr>
+        <p:style>
+          <a:lnRef idx="1">
+            <a:schemeClr val="accent1"/>
+          </a:lnRef>
+          <a:fillRef idx="3">
+            <a:schemeClr val="accent1"/>
+          </a:fillRef>
+          <a:effectRef idx="2">
+            <a:schemeClr val="accent1"/>
+          </a:effectRef>
+          <a:fontRef idx="minor">
+            <a:schemeClr val="lt1"/>
+          </a:fontRef>
+        </p:style>
+        <p:txBody>
+          <a:bodyPr rtlCol="0" anchor="ctr"/>
+          <a:lstStyle/>
+          <a:p>
+            <a:pPr algn="ctr"/>
+            <a:endParaRPr lang="en-US"/>
+          </a:p>
+        </p:txBody>
+      </p:sp>
+      <p:cxnSp>
+        <p:nvCxnSpPr>
+          <p:cNvPr id="20" name="Straight Connector 19"/>
+          <p:cNvCxnSpPr>
+            <a:endCxn id="4" idx="0"/>
+          </p:cNvCxnSpPr>
+          <p:nvPr/>
+        </p:nvCxnSpPr>
+        <p:spPr>
+          <a:xfrm>
+            <a:off x="2555731" y="1137344"/>
+            <a:ext cx="1776" cy="1468618"/>
+          </a:xfrm>
+          <a:prstGeom prst="line">
+            <a:avLst/>
+          </a:prstGeom>
+        </p:spPr>
+        <p:style>
+          <a:lnRef idx="2">
+            <a:schemeClr val="dk1"/>
+          </a:lnRef>
+          <a:fillRef idx="0">
+            <a:schemeClr val="dk1"/>
+          </a:fillRef>
+          <a:effectRef idx="1">
+            <a:schemeClr val="dk1"/>
+          </a:effectRef>
+          <a:fontRef idx="minor">
+            <a:schemeClr val="tx1"/>
+          </a:fontRef>
+        </p:style>
+      </p:cxnSp>
+      <p:cxnSp>
+        <p:nvCxnSpPr>
+          <p:cNvPr id="21" name="Straight Connector 20"/>
+          <p:cNvCxnSpPr/>
+          <p:nvPr/>
+        </p:nvCxnSpPr>
+        <p:spPr>
+          <a:xfrm>
+            <a:off x="768856" y="1137344"/>
+            <a:ext cx="0" cy="1449812"/>
+          </a:xfrm>
+          <a:prstGeom prst="line">
+            <a:avLst/>
+          </a:prstGeom>
+        </p:spPr>
+        <p:style>
+          <a:lnRef idx="2">
+            <a:schemeClr val="dk1"/>
+          </a:lnRef>
+          <a:fillRef idx="0">
+            <a:schemeClr val="dk1"/>
+          </a:fillRef>
+          <a:effectRef idx="1">
+            <a:schemeClr val="dk1"/>
+          </a:effectRef>
+          <a:fontRef idx="minor">
+            <a:schemeClr val="tx1"/>
+          </a:fontRef>
+        </p:style>
+      </p:cxnSp>
+      <p:cxnSp>
+        <p:nvCxnSpPr>
+          <p:cNvPr id="22" name="Straight Connector 21"/>
+          <p:cNvCxnSpPr/>
+          <p:nvPr/>
+        </p:nvCxnSpPr>
+        <p:spPr>
+          <a:xfrm flipV="1">
+            <a:off x="2575270" y="2967827"/>
+            <a:ext cx="0" cy="1256594"/>
+          </a:xfrm>
+          <a:prstGeom prst="line">
+            <a:avLst/>
+          </a:prstGeom>
+        </p:spPr>
+        <p:style>
+          <a:lnRef idx="2">
+            <a:schemeClr val="dk1"/>
+          </a:lnRef>
+          <a:fillRef idx="0">
+            <a:schemeClr val="dk1"/>
+          </a:fillRef>
+          <a:effectRef idx="1">
+            <a:schemeClr val="dk1"/>
+          </a:effectRef>
+          <a:fontRef idx="minor">
+            <a:schemeClr val="tx1"/>
+          </a:fontRef>
+        </p:style>
+      </p:cxnSp>
+      <p:cxnSp>
+        <p:nvCxnSpPr>
+          <p:cNvPr id="23" name="Straight Connector 22"/>
+          <p:cNvCxnSpPr/>
+          <p:nvPr/>
+        </p:nvCxnSpPr>
+        <p:spPr>
+          <a:xfrm flipV="1">
+            <a:off x="778625" y="2765323"/>
+            <a:ext cx="0" cy="1459098"/>
+          </a:xfrm>
+          <a:prstGeom prst="line">
+            <a:avLst/>
+          </a:prstGeom>
+        </p:spPr>
+        <p:style>
+          <a:lnRef idx="2">
+            <a:schemeClr val="dk1"/>
+          </a:lnRef>
+          <a:fillRef idx="0">
+            <a:schemeClr val="dk1"/>
+          </a:fillRef>
+          <a:effectRef idx="1">
+            <a:schemeClr val="dk1"/>
+          </a:effectRef>
+          <a:fontRef idx="minor">
+            <a:schemeClr val="tx1"/>
+          </a:fontRef>
+        </p:style>
+      </p:cxnSp>
+      <p:cxnSp>
+        <p:nvCxnSpPr>
+          <p:cNvPr id="29" name="Straight Connector 28"/>
+          <p:cNvCxnSpPr/>
+          <p:nvPr/>
+        </p:nvCxnSpPr>
+        <p:spPr>
+          <a:xfrm flipH="1" flipV="1">
+            <a:off x="768858" y="4224421"/>
+            <a:ext cx="1806412" cy="5016"/>
+          </a:xfrm>
+          <a:prstGeom prst="line">
+            <a:avLst/>
+          </a:prstGeom>
+        </p:spPr>
+        <p:style>
+          <a:lnRef idx="2">
+            <a:schemeClr val="dk1"/>
+          </a:lnRef>
+          <a:fillRef idx="0">
+            <a:schemeClr val="dk1"/>
+          </a:fillRef>
+          <a:effectRef idx="1">
+            <a:schemeClr val="dk1"/>
+          </a:effectRef>
+          <a:fontRef idx="minor">
+            <a:schemeClr val="tx1"/>
+          </a:fontRef>
+        </p:style>
+      </p:cxnSp>
+      <p:cxnSp>
+        <p:nvCxnSpPr>
+          <p:cNvPr id="30" name="Straight Connector 29"/>
+          <p:cNvCxnSpPr/>
+          <p:nvPr/>
+        </p:nvCxnSpPr>
+        <p:spPr>
+          <a:xfrm flipH="1">
+            <a:off x="761518" y="1142360"/>
+            <a:ext cx="1813752" cy="0"/>
+          </a:xfrm>
+          <a:prstGeom prst="line">
+            <a:avLst/>
+          </a:prstGeom>
+        </p:spPr>
+        <p:style>
+          <a:lnRef idx="2">
+            <a:schemeClr val="dk1"/>
+          </a:lnRef>
+          <a:fillRef idx="0">
+            <a:schemeClr val="dk1"/>
+          </a:fillRef>
+          <a:effectRef idx="1">
+            <a:schemeClr val="dk1"/>
+          </a:effectRef>
+          <a:fontRef idx="minor">
+            <a:schemeClr val="tx1"/>
+          </a:fontRef>
+        </p:style>
+      </p:cxnSp>
+      <p:cxnSp>
+        <p:nvCxnSpPr>
+          <p:cNvPr id="39" name="Straight Connector 38"/>
+          <p:cNvCxnSpPr/>
+          <p:nvPr/>
+        </p:nvCxnSpPr>
+        <p:spPr>
+          <a:xfrm>
+            <a:off x="360941" y="2587156"/>
+            <a:ext cx="815474" cy="0"/>
+          </a:xfrm>
+          <a:prstGeom prst="line">
+            <a:avLst/>
+          </a:prstGeom>
+          <a:ln w="38100" cmpd="sng">
+            <a:solidFill>
+              <a:srgbClr val="000000"/>
+            </a:solidFill>
+          </a:ln>
+        </p:spPr>
+        <p:style>
+          <a:lnRef idx="2">
+            <a:schemeClr val="accent1"/>
+          </a:lnRef>
+          <a:fillRef idx="0">
+            <a:schemeClr val="accent1"/>
+          </a:fillRef>
+          <a:effectRef idx="1">
+            <a:schemeClr val="accent1"/>
+          </a:effectRef>
+          <a:fontRef idx="minor">
+            <a:schemeClr val="tx1"/>
+          </a:fontRef>
+        </p:style>
+      </p:cxnSp>
+      <p:cxnSp>
+        <p:nvCxnSpPr>
+          <p:cNvPr id="40" name="Straight Connector 39"/>
+          <p:cNvCxnSpPr/>
+          <p:nvPr/>
+        </p:nvCxnSpPr>
+        <p:spPr>
+          <a:xfrm>
+            <a:off x="587456" y="2765323"/>
+            <a:ext cx="382337" cy="0"/>
+          </a:xfrm>
+          <a:prstGeom prst="line">
+            <a:avLst/>
+          </a:prstGeom>
+          <a:ln w="38100" cmpd="sng">
+            <a:solidFill>
+              <a:srgbClr val="000000"/>
+            </a:solidFill>
+          </a:ln>
+        </p:spPr>
+        <p:style>
+          <a:lnRef idx="2">
+            <a:schemeClr val="accent1"/>
+          </a:lnRef>
+          <a:fillRef idx="0">
+            <a:schemeClr val="accent1"/>
+          </a:fillRef>
+          <a:effectRef idx="1">
+            <a:schemeClr val="accent1"/>
+          </a:effectRef>
+          <a:fontRef idx="minor">
+            <a:schemeClr val="tx1"/>
+          </a:fontRef>
+        </p:style>
+      </p:cxnSp>
+      <p:pic>
+        <p:nvPicPr>
+          <p:cNvPr id="44" name="Picture 43" descr="latex-image-1.pdf"/>
+          <p:cNvPicPr>
+            <a:picLocks noChangeAspect="1"/>
+          </p:cNvPicPr>
+          <p:nvPr/>
+        </p:nvPicPr>
+        <p:blipFill>
+          <a:blip r:embed="rId2">
+            <a:extLst>
+              <a:ext uri="{28A0092B-C50C-407E-A947-70E740481C1C}">
+                <a14:useLocalDpi xmlns:a14="http://schemas.microsoft.com/office/drawing/2010/main" val="0"/>
+              </a:ext>
+            </a:extLst>
+          </a:blip>
+          <a:stretch>
+            <a:fillRect/>
+          </a:stretch>
+        </p:blipFill>
+        <p:spPr>
+          <a:xfrm>
+            <a:off x="8689" y="2594476"/>
+            <a:ext cx="330200" cy="292100"/>
+          </a:xfrm>
+          <a:prstGeom prst="rect">
+            <a:avLst/>
+          </a:prstGeom>
+        </p:spPr>
+      </p:pic>
+      <p:pic>
+        <p:nvPicPr>
+          <p:cNvPr id="45" name="Picture 44" descr="latex-image-1.pdf"/>
+          <p:cNvPicPr>
+            <a:picLocks noChangeAspect="1"/>
+          </p:cNvPicPr>
+          <p:nvPr/>
+        </p:nvPicPr>
+        <p:blipFill>
+          <a:blip r:embed="rId3">
+            <a:extLst>
+              <a:ext uri="{28A0092B-C50C-407E-A947-70E740481C1C}">
+                <a14:useLocalDpi xmlns:a14="http://schemas.microsoft.com/office/drawing/2010/main" val="0"/>
+              </a:ext>
+            </a:extLst>
+          </a:blip>
+          <a:stretch>
+            <a:fillRect/>
+          </a:stretch>
+        </p:blipFill>
+        <p:spPr>
+          <a:xfrm>
+            <a:off x="2776955" y="2146965"/>
+            <a:ext cx="622300" cy="304800"/>
+          </a:xfrm>
+          <a:prstGeom prst="rect">
+            <a:avLst/>
+          </a:prstGeom>
+        </p:spPr>
+      </p:pic>
+      <p:pic>
+        <p:nvPicPr>
+          <p:cNvPr id="46" name="Picture 45" descr="latex-image-1.pdf"/>
+          <p:cNvPicPr>
+            <a:picLocks noChangeAspect="1"/>
+          </p:cNvPicPr>
+          <p:nvPr/>
+        </p:nvPicPr>
+        <p:blipFill>
+          <a:blip r:embed="rId4">
+            <a:extLst>
+              <a:ext uri="{28A0092B-C50C-407E-A947-70E740481C1C}">
+                <a14:useLocalDpi xmlns:a14="http://schemas.microsoft.com/office/drawing/2010/main" val="0"/>
+              </a:ext>
+            </a:extLst>
+          </a:blip>
+          <a:stretch>
+            <a:fillRect/>
+          </a:stretch>
+        </p:blipFill>
+        <p:spPr>
+          <a:xfrm>
+            <a:off x="2803693" y="2975811"/>
+            <a:ext cx="622300" cy="304800"/>
+          </a:xfrm>
+          <a:prstGeom prst="rect">
+            <a:avLst/>
+          </a:prstGeom>
+        </p:spPr>
+      </p:pic>
+      <p:pic>
+        <p:nvPicPr>
+          <p:cNvPr id="47" name="Picture 46" descr="latex-image-1.pdf"/>
+          <p:cNvPicPr>
+            <a:picLocks noChangeAspect="1"/>
+          </p:cNvPicPr>
+          <p:nvPr/>
+        </p:nvPicPr>
+        <p:blipFill>
+          <a:blip r:embed="rId5">
+            <a:extLst>
+              <a:ext uri="{28A0092B-C50C-407E-A947-70E740481C1C}">
+                <a14:useLocalDpi xmlns:a14="http://schemas.microsoft.com/office/drawing/2010/main" val="0"/>
+              </a:ext>
+            </a:extLst>
+          </a:blip>
+          <a:stretch>
+            <a:fillRect/>
+          </a:stretch>
+        </p:blipFill>
+        <p:spPr>
+          <a:xfrm>
+            <a:off x="3255219" y="2419351"/>
+            <a:ext cx="1270000" cy="749300"/>
+          </a:xfrm>
+          <a:prstGeom prst="rect">
+            <a:avLst/>
+          </a:prstGeom>
+        </p:spPr>
+      </p:pic>
+      <p:sp>
+        <p:nvSpPr>
+          <p:cNvPr id="48" name="Rectangle 47"/>
+          <p:cNvSpPr/>
+          <p:nvPr/>
+        </p:nvSpPr>
+        <p:spPr>
+          <a:xfrm>
+            <a:off x="6872371" y="2610978"/>
+            <a:ext cx="1006230" cy="48847"/>
+          </a:xfrm>
+          <a:prstGeom prst="rect">
+            <a:avLst/>
+          </a:prstGeom>
+        </p:spPr>
+        <p:style>
+          <a:lnRef idx="1">
+            <a:schemeClr val="accent1"/>
+          </a:lnRef>
+          <a:fillRef idx="3">
+            <a:schemeClr val="accent1"/>
+          </a:fillRef>
+          <a:effectRef idx="2">
+            <a:schemeClr val="accent1"/>
+          </a:effectRef>
+          <a:fontRef idx="minor">
+            <a:schemeClr val="lt1"/>
+          </a:fontRef>
+        </p:style>
+        <p:txBody>
+          <a:bodyPr rtlCol="0" anchor="ctr"/>
+          <a:lstStyle/>
+          <a:p>
+            <a:pPr algn="ctr"/>
+            <a:endParaRPr lang="en-US"/>
+          </a:p>
+        </p:txBody>
+      </p:sp>
+      <p:sp>
+        <p:nvSpPr>
+          <p:cNvPr id="49" name="Rectangle 48"/>
+          <p:cNvSpPr/>
+          <p:nvPr/>
+        </p:nvSpPr>
+        <p:spPr>
+          <a:xfrm>
+            <a:off x="6872371" y="2919686"/>
+            <a:ext cx="1006230" cy="48847"/>
+          </a:xfrm>
+          <a:prstGeom prst="rect">
+            <a:avLst/>
+          </a:prstGeom>
+        </p:spPr>
+        <p:style>
+          <a:lnRef idx="1">
+            <a:schemeClr val="accent1"/>
+          </a:lnRef>
+          <a:fillRef idx="3">
+            <a:schemeClr val="accent1"/>
+          </a:fillRef>
+          <a:effectRef idx="2">
+            <a:schemeClr val="accent1"/>
+          </a:effectRef>
+          <a:fontRef idx="minor">
+            <a:schemeClr val="lt1"/>
+          </a:fontRef>
+        </p:style>
+        <p:txBody>
+          <a:bodyPr rtlCol="0" anchor="ctr"/>
+          <a:lstStyle/>
+          <a:p>
+            <a:pPr algn="ctr"/>
+            <a:endParaRPr lang="en-US"/>
+          </a:p>
+        </p:txBody>
+      </p:sp>
+      <p:cxnSp>
+        <p:nvCxnSpPr>
+          <p:cNvPr id="50" name="Straight Connector 49"/>
+          <p:cNvCxnSpPr>
+            <a:endCxn id="48" idx="0"/>
+          </p:cNvCxnSpPr>
+          <p:nvPr/>
+        </p:nvCxnSpPr>
+        <p:spPr>
+          <a:xfrm>
+            <a:off x="7373710" y="1142360"/>
+            <a:ext cx="1776" cy="1468618"/>
+          </a:xfrm>
+          <a:prstGeom prst="line">
+            <a:avLst/>
+          </a:prstGeom>
+        </p:spPr>
+        <p:style>
+          <a:lnRef idx="2">
+            <a:schemeClr val="dk1"/>
+          </a:lnRef>
+          <a:fillRef idx="0">
+            <a:schemeClr val="dk1"/>
+          </a:fillRef>
+          <a:effectRef idx="1">
+            <a:schemeClr val="dk1"/>
+          </a:effectRef>
+          <a:fontRef idx="minor">
+            <a:schemeClr val="tx1"/>
+          </a:fontRef>
+        </p:style>
+      </p:cxnSp>
+      <p:cxnSp>
+        <p:nvCxnSpPr>
+          <p:cNvPr id="51" name="Straight Connector 50"/>
+          <p:cNvCxnSpPr/>
+          <p:nvPr/>
+        </p:nvCxnSpPr>
+        <p:spPr>
+          <a:xfrm>
+            <a:off x="5586835" y="1142360"/>
+            <a:ext cx="0" cy="1449812"/>
+          </a:xfrm>
+          <a:prstGeom prst="line">
+            <a:avLst/>
+          </a:prstGeom>
+        </p:spPr>
+        <p:style>
+          <a:lnRef idx="2">
+            <a:schemeClr val="dk1"/>
+          </a:lnRef>
+          <a:fillRef idx="0">
+            <a:schemeClr val="dk1"/>
+          </a:fillRef>
+          <a:effectRef idx="1">
+            <a:schemeClr val="dk1"/>
+          </a:effectRef>
+          <a:fontRef idx="minor">
+            <a:schemeClr val="tx1"/>
+          </a:fontRef>
+        </p:style>
+      </p:cxnSp>
+      <p:cxnSp>
+        <p:nvCxnSpPr>
+          <p:cNvPr id="52" name="Straight Connector 51"/>
+          <p:cNvCxnSpPr/>
+          <p:nvPr/>
+        </p:nvCxnSpPr>
+        <p:spPr>
+          <a:xfrm flipV="1">
+            <a:off x="7393249" y="2972843"/>
+            <a:ext cx="0" cy="1256594"/>
+          </a:xfrm>
+          <a:prstGeom prst="line">
+            <a:avLst/>
+          </a:prstGeom>
+        </p:spPr>
+        <p:style>
+          <a:lnRef idx="2">
+            <a:schemeClr val="dk1"/>
+          </a:lnRef>
+          <a:fillRef idx="0">
+            <a:schemeClr val="dk1"/>
+          </a:fillRef>
+          <a:effectRef idx="1">
+            <a:schemeClr val="dk1"/>
+          </a:effectRef>
+          <a:fontRef idx="minor">
+            <a:schemeClr val="tx1"/>
+          </a:fontRef>
+        </p:style>
+      </p:cxnSp>
+      <p:cxnSp>
+        <p:nvCxnSpPr>
+          <p:cNvPr id="53" name="Straight Connector 52"/>
+          <p:cNvCxnSpPr/>
+          <p:nvPr/>
+        </p:nvCxnSpPr>
+        <p:spPr>
+          <a:xfrm flipV="1">
+            <a:off x="5596604" y="2770339"/>
+            <a:ext cx="0" cy="1459098"/>
+          </a:xfrm>
+          <a:prstGeom prst="line">
+            <a:avLst/>
+          </a:prstGeom>
+        </p:spPr>
+        <p:style>
+          <a:lnRef idx="2">
+            <a:schemeClr val="dk1"/>
+          </a:lnRef>
+          <a:fillRef idx="0">
+            <a:schemeClr val="dk1"/>
+          </a:fillRef>
+          <a:effectRef idx="1">
+            <a:schemeClr val="dk1"/>
+          </a:effectRef>
+          <a:fontRef idx="minor">
+            <a:schemeClr val="tx1"/>
+          </a:fontRef>
+        </p:style>
+      </p:cxnSp>
+      <p:cxnSp>
+        <p:nvCxnSpPr>
+          <p:cNvPr id="54" name="Straight Connector 53"/>
+          <p:cNvCxnSpPr/>
+          <p:nvPr/>
+        </p:nvCxnSpPr>
+        <p:spPr>
+          <a:xfrm flipH="1" flipV="1">
+            <a:off x="5586837" y="4229437"/>
+            <a:ext cx="1806412" cy="5016"/>
+          </a:xfrm>
+          <a:prstGeom prst="line">
+            <a:avLst/>
+          </a:prstGeom>
+        </p:spPr>
+        <p:style>
+          <a:lnRef idx="2">
+            <a:schemeClr val="dk1"/>
+          </a:lnRef>
+          <a:fillRef idx="0">
+            <a:schemeClr val="dk1"/>
+          </a:fillRef>
+          <a:effectRef idx="1">
+            <a:schemeClr val="dk1"/>
+          </a:effectRef>
+          <a:fontRef idx="minor">
+            <a:schemeClr val="tx1"/>
+          </a:fontRef>
+        </p:style>
+      </p:cxnSp>
+      <p:cxnSp>
+        <p:nvCxnSpPr>
+          <p:cNvPr id="55" name="Straight Connector 54"/>
+          <p:cNvCxnSpPr/>
+          <p:nvPr/>
+        </p:nvCxnSpPr>
+        <p:spPr>
+          <a:xfrm flipH="1">
+            <a:off x="5579497" y="1147376"/>
+            <a:ext cx="1813752" cy="0"/>
+          </a:xfrm>
+          <a:prstGeom prst="line">
+            <a:avLst/>
+          </a:prstGeom>
+        </p:spPr>
+        <p:style>
+          <a:lnRef idx="2">
+            <a:schemeClr val="dk1"/>
+          </a:lnRef>
+          <a:fillRef idx="0">
+            <a:schemeClr val="dk1"/>
+          </a:fillRef>
+          <a:effectRef idx="1">
+            <a:schemeClr val="dk1"/>
+          </a:effectRef>
+          <a:fontRef idx="minor">
+            <a:schemeClr val="tx1"/>
+          </a:fontRef>
+        </p:style>
+      </p:cxnSp>
+      <p:cxnSp>
+        <p:nvCxnSpPr>
+          <p:cNvPr id="56" name="Straight Connector 55"/>
+          <p:cNvCxnSpPr/>
+          <p:nvPr/>
+        </p:nvCxnSpPr>
+        <p:spPr>
+          <a:xfrm>
+            <a:off x="5178920" y="2592172"/>
+            <a:ext cx="815474" cy="0"/>
+          </a:xfrm>
+          <a:prstGeom prst="line">
+            <a:avLst/>
+          </a:prstGeom>
+          <a:ln w="38100" cmpd="sng">
+            <a:solidFill>
+              <a:srgbClr val="000000"/>
+            </a:solidFill>
+          </a:ln>
+        </p:spPr>
+        <p:style>
+          <a:lnRef idx="2">
+            <a:schemeClr val="accent1"/>
+          </a:lnRef>
+          <a:fillRef idx="0">
+            <a:schemeClr val="accent1"/>
+          </a:fillRef>
+          <a:effectRef idx="1">
+            <a:schemeClr val="accent1"/>
+          </a:effectRef>
+          <a:fontRef idx="minor">
+            <a:schemeClr val="tx1"/>
+          </a:fontRef>
+        </p:style>
+      </p:cxnSp>
+      <p:cxnSp>
+        <p:nvCxnSpPr>
+          <p:cNvPr id="57" name="Straight Connector 56"/>
+          <p:cNvCxnSpPr/>
+          <p:nvPr/>
+        </p:nvCxnSpPr>
+        <p:spPr>
+          <a:xfrm>
+            <a:off x="5405435" y="2770339"/>
+            <a:ext cx="382337" cy="0"/>
+          </a:xfrm>
+          <a:prstGeom prst="line">
+            <a:avLst/>
+          </a:prstGeom>
+          <a:ln w="38100" cmpd="sng">
+            <a:solidFill>
+              <a:srgbClr val="000000"/>
+            </a:solidFill>
+          </a:ln>
+        </p:spPr>
+        <p:style>
+          <a:lnRef idx="2">
+            <a:schemeClr val="accent1"/>
+          </a:lnRef>
+          <a:fillRef idx="0">
+            <a:schemeClr val="accent1"/>
+          </a:fillRef>
+          <a:effectRef idx="1">
+            <a:schemeClr val="accent1"/>
+          </a:effectRef>
+          <a:fontRef idx="minor">
+            <a:schemeClr val="tx1"/>
+          </a:fontRef>
+        </p:style>
+      </p:cxnSp>
+      <p:pic>
+        <p:nvPicPr>
+          <p:cNvPr id="58" name="Picture 57" descr="latex-image-1.pdf"/>
+          <p:cNvPicPr>
+            <a:picLocks noChangeAspect="1"/>
+          </p:cNvPicPr>
+          <p:nvPr/>
+        </p:nvPicPr>
+        <p:blipFill>
+          <a:blip r:embed="rId2">
+            <a:extLst>
+              <a:ext uri="{28A0092B-C50C-407E-A947-70E740481C1C}">
+                <a14:useLocalDpi xmlns:a14="http://schemas.microsoft.com/office/drawing/2010/main" val="0"/>
+              </a:ext>
+            </a:extLst>
+          </a:blip>
+          <a:stretch>
+            <a:fillRect/>
+          </a:stretch>
+        </p:blipFill>
+        <p:spPr>
+          <a:xfrm>
+            <a:off x="4826668" y="2599492"/>
+            <a:ext cx="330200" cy="292100"/>
+          </a:xfrm>
+          <a:prstGeom prst="rect">
+            <a:avLst/>
+          </a:prstGeom>
+        </p:spPr>
+      </p:pic>
+      <p:sp>
+        <p:nvSpPr>
+          <p:cNvPr id="62" name="Rectangle 61"/>
+          <p:cNvSpPr/>
+          <p:nvPr/>
+        </p:nvSpPr>
+        <p:spPr>
+          <a:xfrm>
+            <a:off x="6772177" y="2705339"/>
+            <a:ext cx="1203066" cy="165830"/>
+          </a:xfrm>
+          <a:custGeom>
+            <a:avLst/>
+            <a:gdLst>
+              <a:gd name="connsiteX0" fmla="*/ 0 w 1070220"/>
+              <a:gd name="connsiteY0" fmla="*/ 0 h 360947"/>
+              <a:gd name="connsiteX1" fmla="*/ 1070220 w 1070220"/>
+              <a:gd name="connsiteY1" fmla="*/ 0 h 360947"/>
+              <a:gd name="connsiteX2" fmla="*/ 1070220 w 1070220"/>
+              <a:gd name="connsiteY2" fmla="*/ 360947 h 360947"/>
+              <a:gd name="connsiteX3" fmla="*/ 0 w 1070220"/>
+              <a:gd name="connsiteY3" fmla="*/ 360947 h 360947"/>
+              <a:gd name="connsiteX4" fmla="*/ 0 w 1070220"/>
+              <a:gd name="connsiteY4" fmla="*/ 0 h 360947"/>
+              <a:gd name="connsiteX0" fmla="*/ 267 w 1070487"/>
+              <a:gd name="connsiteY0" fmla="*/ 0 h 360947"/>
+              <a:gd name="connsiteX1" fmla="*/ 1070487 w 1070487"/>
+              <a:gd name="connsiteY1" fmla="*/ 0 h 360947"/>
+              <a:gd name="connsiteX2" fmla="*/ 1070487 w 1070487"/>
+              <a:gd name="connsiteY2" fmla="*/ 360947 h 360947"/>
+              <a:gd name="connsiteX3" fmla="*/ 267 w 1070487"/>
+              <a:gd name="connsiteY3" fmla="*/ 360947 h 360947"/>
+              <a:gd name="connsiteX4" fmla="*/ 0 w 1070487"/>
+              <a:gd name="connsiteY4" fmla="*/ 189841 h 360947"/>
+              <a:gd name="connsiteX5" fmla="*/ 267 w 1070487"/>
+              <a:gd name="connsiteY5" fmla="*/ 0 h 360947"/>
+              <a:gd name="connsiteX0" fmla="*/ 267 w 1070487"/>
+              <a:gd name="connsiteY0" fmla="*/ 0 h 360947"/>
+              <a:gd name="connsiteX1" fmla="*/ 1070487 w 1070487"/>
+              <a:gd name="connsiteY1" fmla="*/ 0 h 360947"/>
+              <a:gd name="connsiteX2" fmla="*/ 1068608 w 1070487"/>
+              <a:gd name="connsiteY2" fmla="*/ 184246 h 360947"/>
+              <a:gd name="connsiteX3" fmla="*/ 1070487 w 1070487"/>
+              <a:gd name="connsiteY3" fmla="*/ 360947 h 360947"/>
+              <a:gd name="connsiteX4" fmla="*/ 267 w 1070487"/>
+              <a:gd name="connsiteY4" fmla="*/ 360947 h 360947"/>
+              <a:gd name="connsiteX5" fmla="*/ 0 w 1070487"/>
+              <a:gd name="connsiteY5" fmla="*/ 189841 h 360947"/>
+              <a:gd name="connsiteX6" fmla="*/ 267 w 1070487"/>
+              <a:gd name="connsiteY6" fmla="*/ 0 h 360947"/>
+              <a:gd name="connsiteX0" fmla="*/ 72999 w 1143219"/>
+              <a:gd name="connsiteY0" fmla="*/ 0 h 360947"/>
+              <a:gd name="connsiteX1" fmla="*/ 1143219 w 1143219"/>
+              <a:gd name="connsiteY1" fmla="*/ 0 h 360947"/>
+              <a:gd name="connsiteX2" fmla="*/ 1141340 w 1143219"/>
+              <a:gd name="connsiteY2" fmla="*/ 184246 h 360947"/>
+              <a:gd name="connsiteX3" fmla="*/ 1143219 w 1143219"/>
+              <a:gd name="connsiteY3" fmla="*/ 360947 h 360947"/>
+              <a:gd name="connsiteX4" fmla="*/ 72999 w 1143219"/>
+              <a:gd name="connsiteY4" fmla="*/ 360947 h 360947"/>
+              <a:gd name="connsiteX5" fmla="*/ 0 w 1143219"/>
+              <a:gd name="connsiteY5" fmla="*/ 189841 h 360947"/>
+              <a:gd name="connsiteX6" fmla="*/ 72999 w 1143219"/>
+              <a:gd name="connsiteY6" fmla="*/ 0 h 360947"/>
+              <a:gd name="connsiteX0" fmla="*/ 72999 w 1202886"/>
+              <a:gd name="connsiteY0" fmla="*/ 0 h 360947"/>
+              <a:gd name="connsiteX1" fmla="*/ 1143219 w 1202886"/>
+              <a:gd name="connsiteY1" fmla="*/ 0 h 360947"/>
+              <a:gd name="connsiteX2" fmla="*/ 1202882 w 1202886"/>
+              <a:gd name="connsiteY2" fmla="*/ 184246 h 360947"/>
+              <a:gd name="connsiteX3" fmla="*/ 1143219 w 1202886"/>
+              <a:gd name="connsiteY3" fmla="*/ 360947 h 360947"/>
+              <a:gd name="connsiteX4" fmla="*/ 72999 w 1202886"/>
+              <a:gd name="connsiteY4" fmla="*/ 360947 h 360947"/>
+              <a:gd name="connsiteX5" fmla="*/ 0 w 1202886"/>
+              <a:gd name="connsiteY5" fmla="*/ 189841 h 360947"/>
+              <a:gd name="connsiteX6" fmla="*/ 72999 w 1202886"/>
+              <a:gd name="connsiteY6" fmla="*/ 0 h 360947"/>
+              <a:gd name="connsiteX0" fmla="*/ 72999 w 1202886"/>
+              <a:gd name="connsiteY0" fmla="*/ 0 h 360947"/>
+              <a:gd name="connsiteX1" fmla="*/ 1143219 w 1202886"/>
+              <a:gd name="connsiteY1" fmla="*/ 0 h 360947"/>
+              <a:gd name="connsiteX2" fmla="*/ 1202882 w 1202886"/>
+              <a:gd name="connsiteY2" fmla="*/ 184246 h 360947"/>
+              <a:gd name="connsiteX3" fmla="*/ 1143219 w 1202886"/>
+              <a:gd name="connsiteY3" fmla="*/ 360947 h 360947"/>
+              <a:gd name="connsiteX4" fmla="*/ 72999 w 1202886"/>
+              <a:gd name="connsiteY4" fmla="*/ 360947 h 360947"/>
+              <a:gd name="connsiteX5" fmla="*/ 0 w 1202886"/>
+              <a:gd name="connsiteY5" fmla="*/ 189841 h 360947"/>
+              <a:gd name="connsiteX6" fmla="*/ 72999 w 1202886"/>
+              <a:gd name="connsiteY6" fmla="*/ 0 h 360947"/>
+              <a:gd name="connsiteX0" fmla="*/ 73179 w 1203066"/>
+              <a:gd name="connsiteY0" fmla="*/ 0 h 360947"/>
+              <a:gd name="connsiteX1" fmla="*/ 1143399 w 1203066"/>
+              <a:gd name="connsiteY1" fmla="*/ 0 h 360947"/>
+              <a:gd name="connsiteX2" fmla="*/ 1203062 w 1203066"/>
+              <a:gd name="connsiteY2" fmla="*/ 184246 h 360947"/>
+              <a:gd name="connsiteX3" fmla="*/ 1143399 w 1203066"/>
+              <a:gd name="connsiteY3" fmla="*/ 360947 h 360947"/>
+              <a:gd name="connsiteX4" fmla="*/ 73179 w 1203066"/>
+              <a:gd name="connsiteY4" fmla="*/ 360947 h 360947"/>
+              <a:gd name="connsiteX5" fmla="*/ 180 w 1203066"/>
+              <a:gd name="connsiteY5" fmla="*/ 189841 h 360947"/>
+              <a:gd name="connsiteX6" fmla="*/ 73179 w 1203066"/>
+              <a:gd name="connsiteY6" fmla="*/ 0 h 360947"/>
+            </a:gdLst>
+            <a:ahLst/>
+            <a:cxnLst>
+              <a:cxn ang="0">
+                <a:pos x="connsiteX0" y="connsiteY0"/>
+              </a:cxn>
+              <a:cxn ang="0">
+                <a:pos x="connsiteX1" y="connsiteY1"/>
+              </a:cxn>
+              <a:cxn ang="0">
+                <a:pos x="connsiteX2" y="connsiteY2"/>
+              </a:cxn>
+              <a:cxn ang="0">
+                <a:pos x="connsiteX3" y="connsiteY3"/>
+              </a:cxn>
+              <a:cxn ang="0">
+                <a:pos x="connsiteX4" y="connsiteY4"/>
+              </a:cxn>
+              <a:cxn ang="0">
+                <a:pos x="connsiteX5" y="connsiteY5"/>
+              </a:cxn>
+              <a:cxn ang="0">
+                <a:pos x="connsiteX6" y="connsiteY6"/>
+              </a:cxn>
+            </a:cxnLst>
+            <a:rect l="l" t="t" r="r" b="b"/>
+            <a:pathLst>
+              <a:path w="1203066" h="360947">
+                <a:moveTo>
+                  <a:pt x="73179" y="0"/>
+                </a:moveTo>
+                <a:lnTo>
+                  <a:pt x="1143399" y="0"/>
+                </a:lnTo>
+                <a:cubicBezTo>
+                  <a:pt x="1142773" y="61415"/>
+                  <a:pt x="1203688" y="122831"/>
+                  <a:pt x="1203062" y="184246"/>
+                </a:cubicBezTo>
+                <a:cubicBezTo>
+                  <a:pt x="1203688" y="243146"/>
+                  <a:pt x="1142773" y="302047"/>
+                  <a:pt x="1143399" y="360947"/>
+                </a:cubicBezTo>
+                <a:lnTo>
+                  <a:pt x="73179" y="360947"/>
+                </a:lnTo>
+                <a:cubicBezTo>
+                  <a:pt x="48846" y="303912"/>
+                  <a:pt x="-3461" y="246876"/>
+                  <a:pt x="180" y="189841"/>
+                </a:cubicBezTo>
+                <a:cubicBezTo>
+                  <a:pt x="2134" y="109777"/>
+                  <a:pt x="48846" y="63280"/>
+                  <a:pt x="73179" y="0"/>
+                </a:cubicBezTo>
+                <a:close/>
+              </a:path>
+            </a:pathLst>
+          </a:custGeom>
+          <a:solidFill>
+            <a:schemeClr val="accent6"/>
+          </a:solidFill>
+        </p:spPr>
+        <p:style>
+          <a:lnRef idx="1">
+            <a:schemeClr val="accent1"/>
+          </a:lnRef>
+          <a:fillRef idx="3">
+            <a:schemeClr val="accent1"/>
+          </a:fillRef>
+          <a:effectRef idx="2">
+            <a:schemeClr val="accent1"/>
+          </a:effectRef>
+          <a:fontRef idx="minor">
+            <a:schemeClr val="lt1"/>
+          </a:fontRef>
+        </p:style>
+        <p:txBody>
+          <a:bodyPr rtlCol="0" anchor="ctr"/>
+          <a:lstStyle/>
+          <a:p>
+            <a:pPr algn="ctr"/>
+            <a:endParaRPr lang="en-US"/>
+          </a:p>
+        </p:txBody>
+      </p:sp>
+      <p:pic>
+        <p:nvPicPr>
+          <p:cNvPr id="63" name="Picture 62" descr="latex-image-1.pdf"/>
+          <p:cNvPicPr>
+            <a:picLocks noChangeAspect="1"/>
+          </p:cNvPicPr>
+          <p:nvPr/>
+        </p:nvPicPr>
+        <p:blipFill>
+          <a:blip r:embed="rId6">
+            <a:extLst>
+              <a:ext uri="{28A0092B-C50C-407E-A947-70E740481C1C}">
+                <a14:useLocalDpi xmlns:a14="http://schemas.microsoft.com/office/drawing/2010/main" val="0"/>
+              </a:ext>
+            </a:extLst>
+          </a:blip>
+          <a:stretch>
+            <a:fillRect/>
+          </a:stretch>
+        </p:blipFill>
+        <p:spPr>
+          <a:xfrm>
+            <a:off x="7454415" y="1994565"/>
+            <a:ext cx="1917700" cy="304800"/>
+          </a:xfrm>
+          <a:prstGeom prst="rect">
+            <a:avLst/>
+          </a:prstGeom>
+        </p:spPr>
+      </p:pic>
+      <p:pic>
+        <p:nvPicPr>
+          <p:cNvPr id="64" name="Picture 63" descr="latex-image-1.pdf"/>
+          <p:cNvPicPr>
+            <a:picLocks noChangeAspect="1"/>
+          </p:cNvPicPr>
+          <p:nvPr/>
+        </p:nvPicPr>
+        <p:blipFill>
+          <a:blip r:embed="rId7">
+            <a:extLst>
+              <a:ext uri="{28A0092B-C50C-407E-A947-70E740481C1C}">
+                <a14:useLocalDpi xmlns:a14="http://schemas.microsoft.com/office/drawing/2010/main" val="0"/>
+              </a:ext>
+            </a:extLst>
+          </a:blip>
+          <a:stretch>
+            <a:fillRect/>
+          </a:stretch>
+        </p:blipFill>
+        <p:spPr>
+          <a:xfrm>
+            <a:off x="7467115" y="3128211"/>
+            <a:ext cx="1905000" cy="304800"/>
+          </a:xfrm>
+          <a:prstGeom prst="rect">
+            <a:avLst/>
+          </a:prstGeom>
+        </p:spPr>
+      </p:pic>
+      <p:pic>
+        <p:nvPicPr>
+          <p:cNvPr id="65" name="Picture 64" descr="latex-image-1.pdf"/>
+          <p:cNvPicPr>
+            <a:picLocks noChangeAspect="1"/>
+          </p:cNvPicPr>
+          <p:nvPr/>
+        </p:nvPicPr>
+        <p:blipFill>
+          <a:blip r:embed="rId8">
+            <a:extLst>
+              <a:ext uri="{28A0092B-C50C-407E-A947-70E740481C1C}">
+                <a14:useLocalDpi xmlns:a14="http://schemas.microsoft.com/office/drawing/2010/main" val="0"/>
+              </a:ext>
+            </a:extLst>
+          </a:blip>
+          <a:stretch>
+            <a:fillRect/>
+          </a:stretch>
+        </p:blipFill>
+        <p:spPr>
+          <a:xfrm>
+            <a:off x="8260865" y="2395689"/>
+            <a:ext cx="2222500" cy="749300"/>
+          </a:xfrm>
+          <a:prstGeom prst="rect">
+            <a:avLst/>
+          </a:prstGeom>
+        </p:spPr>
+      </p:pic>
+      <p:sp>
+        <p:nvSpPr>
+          <p:cNvPr id="66" name="TextBox 65"/>
+          <p:cNvSpPr txBox="1"/>
+          <p:nvPr/>
+        </p:nvSpPr>
+        <p:spPr>
+          <a:xfrm>
+            <a:off x="778625" y="4456845"/>
+            <a:ext cx="2147343" cy="400110"/>
+          </a:xfrm>
+          <a:prstGeom prst="rect">
+            <a:avLst/>
+          </a:prstGeom>
+          <a:noFill/>
+        </p:spPr>
+        <p:txBody>
+          <a:bodyPr wrap="none" rtlCol="0">
+            <a:spAutoFit/>
+          </a:bodyPr>
+          <a:lstStyle/>
+          <a:p>
+            <a:r>
+              <a:rPr lang="en-US" sz="2000" dirty="0" err="1" smtClean="0"/>
+              <a:t>Ohne</a:t>
+            </a:r>
+            <a:r>
+              <a:rPr lang="en-US" sz="2000" dirty="0" smtClean="0"/>
+              <a:t> </a:t>
+            </a:r>
+            <a:r>
+              <a:rPr lang="en-US" sz="2000" dirty="0" err="1" smtClean="0"/>
+              <a:t>Dielektrikum</a:t>
+            </a:r>
+            <a:endParaRPr lang="en-US" sz="2000" dirty="0"/>
+          </a:p>
+        </p:txBody>
+      </p:sp>
+      <p:sp>
+        <p:nvSpPr>
+          <p:cNvPr id="67" name="TextBox 66"/>
+          <p:cNvSpPr txBox="1"/>
+          <p:nvPr/>
+        </p:nvSpPr>
+        <p:spPr>
+          <a:xfrm>
+            <a:off x="5596604" y="4456845"/>
+            <a:ext cx="1944463" cy="400110"/>
+          </a:xfrm>
+          <a:prstGeom prst="rect">
+            <a:avLst/>
+          </a:prstGeom>
+          <a:noFill/>
+        </p:spPr>
+        <p:txBody>
+          <a:bodyPr wrap="none" rtlCol="0">
+            <a:spAutoFit/>
+          </a:bodyPr>
+          <a:lstStyle/>
+          <a:p>
+            <a:r>
+              <a:rPr lang="en-US" sz="2000" dirty="0" err="1" smtClean="0"/>
+              <a:t>Mit</a:t>
+            </a:r>
+            <a:r>
+              <a:rPr lang="en-US" sz="2000" dirty="0" smtClean="0"/>
+              <a:t> </a:t>
+            </a:r>
+            <a:r>
+              <a:rPr lang="en-US" sz="2000" dirty="0" err="1" smtClean="0"/>
+              <a:t>Dielektrikum</a:t>
+            </a:r>
+            <a:endParaRPr lang="en-US" sz="2000" dirty="0"/>
+          </a:p>
+        </p:txBody>
+      </p:sp>
+    </p:spTree>
+    <p:extLst>
+      <p:ext uri="{BB962C8B-B14F-4D97-AF65-F5344CB8AC3E}">
+        <p14:creationId xmlns:p14="http://schemas.microsoft.com/office/powerpoint/2010/main" val="1171263701"/>
+      </p:ext>
+    </p:extLst>
+  </p:cSld>
+  <p:clrMapOvr>
+    <a:masterClrMapping/>
+  </p:clrMapOvr>
+</p:sld>
+</file>
+
+<file path=ppt/slides/slide21.xml><?xml version="1.0" encoding="utf-8"?>
+<p:sld xmlns:a="http://schemas.openxmlformats.org/drawingml/2006/main" xmlns:r="http://schemas.openxmlformats.org/officeDocument/2006/relationships" xmlns:p="http://schemas.openxmlformats.org/presentationml/2006/main">
+  <p:cSld>
+    <p:spTree>
+      <p:nvGrpSpPr>
+        <p:cNvPr id="1" name=""/>
+        <p:cNvGrpSpPr/>
+        <p:nvPr/>
+      </p:nvGrpSpPr>
+      <p:grpSpPr>
+        <a:xfrm>
+          <a:off x="0" y="0"/>
+          <a:ext cx="0" cy="0"/>
+          <a:chOff x="0" y="0"/>
+          <a:chExt cx="0" cy="0"/>
+        </a:xfrm>
+      </p:grpSpPr>
+      <p:sp>
+        <p:nvSpPr>
+          <p:cNvPr id="4" name="Rectangle 3"/>
+          <p:cNvSpPr/>
+          <p:nvPr/>
+        </p:nvSpPr>
+        <p:spPr>
+          <a:xfrm>
+            <a:off x="2054392" y="2605962"/>
+            <a:ext cx="1006230" cy="48847"/>
+          </a:xfrm>
+          <a:prstGeom prst="rect">
+            <a:avLst/>
+          </a:prstGeom>
+        </p:spPr>
+        <p:style>
+          <a:lnRef idx="1">
+            <a:schemeClr val="accent1"/>
+          </a:lnRef>
+          <a:fillRef idx="3">
+            <a:schemeClr val="accent1"/>
+          </a:fillRef>
+          <a:effectRef idx="2">
+            <a:schemeClr val="accent1"/>
+          </a:effectRef>
+          <a:fontRef idx="minor">
+            <a:schemeClr val="lt1"/>
+          </a:fontRef>
+        </p:style>
+        <p:txBody>
+          <a:bodyPr rtlCol="0" anchor="ctr"/>
+          <a:lstStyle/>
+          <a:p>
+            <a:pPr algn="ctr"/>
+            <a:endParaRPr lang="en-US"/>
+          </a:p>
+        </p:txBody>
+      </p:sp>
+      <p:sp>
+        <p:nvSpPr>
+          <p:cNvPr id="5" name="Rectangle 4"/>
+          <p:cNvSpPr/>
+          <p:nvPr/>
+        </p:nvSpPr>
+        <p:spPr>
+          <a:xfrm>
+            <a:off x="2054392" y="2914670"/>
+            <a:ext cx="1006230" cy="48847"/>
+          </a:xfrm>
+          <a:prstGeom prst="rect">
+            <a:avLst/>
+          </a:prstGeom>
+        </p:spPr>
+        <p:style>
+          <a:lnRef idx="1">
+            <a:schemeClr val="accent1"/>
+          </a:lnRef>
+          <a:fillRef idx="3">
+            <a:schemeClr val="accent1"/>
+          </a:fillRef>
+          <a:effectRef idx="2">
+            <a:schemeClr val="accent1"/>
+          </a:effectRef>
+          <a:fontRef idx="minor">
+            <a:schemeClr val="lt1"/>
+          </a:fontRef>
+        </p:style>
+        <p:txBody>
+          <a:bodyPr rtlCol="0" anchor="ctr"/>
+          <a:lstStyle/>
+          <a:p>
+            <a:pPr algn="ctr"/>
+            <a:endParaRPr lang="en-US"/>
+          </a:p>
+        </p:txBody>
+      </p:sp>
+      <p:cxnSp>
+        <p:nvCxnSpPr>
+          <p:cNvPr id="6" name="Straight Connector 5"/>
+          <p:cNvCxnSpPr>
+            <a:endCxn id="4" idx="0"/>
+          </p:cNvCxnSpPr>
+          <p:nvPr/>
+        </p:nvCxnSpPr>
+        <p:spPr>
+          <a:xfrm>
+            <a:off x="2555731" y="1137344"/>
+            <a:ext cx="1776" cy="1468618"/>
+          </a:xfrm>
+          <a:prstGeom prst="line">
+            <a:avLst/>
+          </a:prstGeom>
+        </p:spPr>
+        <p:style>
+          <a:lnRef idx="2">
+            <a:schemeClr val="dk1"/>
+          </a:lnRef>
+          <a:fillRef idx="0">
+            <a:schemeClr val="dk1"/>
+          </a:fillRef>
+          <a:effectRef idx="1">
+            <a:schemeClr val="dk1"/>
+          </a:effectRef>
+          <a:fontRef idx="minor">
+            <a:schemeClr val="tx1"/>
+          </a:fontRef>
+        </p:style>
+      </p:cxnSp>
+      <p:cxnSp>
+        <p:nvCxnSpPr>
+          <p:cNvPr id="7" name="Straight Connector 6"/>
+          <p:cNvCxnSpPr/>
+          <p:nvPr/>
+        </p:nvCxnSpPr>
+        <p:spPr>
+          <a:xfrm>
+            <a:off x="768856" y="1137344"/>
+            <a:ext cx="0" cy="1449812"/>
+          </a:xfrm>
+          <a:prstGeom prst="line">
+            <a:avLst/>
+          </a:prstGeom>
+        </p:spPr>
+        <p:style>
+          <a:lnRef idx="2">
+            <a:schemeClr val="dk1"/>
+          </a:lnRef>
+          <a:fillRef idx="0">
+            <a:schemeClr val="dk1"/>
+          </a:fillRef>
+          <a:effectRef idx="1">
+            <a:schemeClr val="dk1"/>
+          </a:effectRef>
+          <a:fontRef idx="minor">
+            <a:schemeClr val="tx1"/>
+          </a:fontRef>
+        </p:style>
+      </p:cxnSp>
+      <p:cxnSp>
+        <p:nvCxnSpPr>
+          <p:cNvPr id="8" name="Straight Connector 7"/>
+          <p:cNvCxnSpPr/>
+          <p:nvPr/>
+        </p:nvCxnSpPr>
+        <p:spPr>
+          <a:xfrm flipV="1">
+            <a:off x="2575270" y="2967827"/>
+            <a:ext cx="0" cy="1256594"/>
+          </a:xfrm>
+          <a:prstGeom prst="line">
+            <a:avLst/>
+          </a:prstGeom>
+        </p:spPr>
+        <p:style>
+          <a:lnRef idx="2">
+            <a:schemeClr val="dk1"/>
+          </a:lnRef>
+          <a:fillRef idx="0">
+            <a:schemeClr val="dk1"/>
+          </a:fillRef>
+          <a:effectRef idx="1">
+            <a:schemeClr val="dk1"/>
+          </a:effectRef>
+          <a:fontRef idx="minor">
+            <a:schemeClr val="tx1"/>
+          </a:fontRef>
+        </p:style>
+      </p:cxnSp>
+      <p:cxnSp>
+        <p:nvCxnSpPr>
+          <p:cNvPr id="9" name="Straight Connector 8"/>
+          <p:cNvCxnSpPr/>
+          <p:nvPr/>
+        </p:nvCxnSpPr>
+        <p:spPr>
+          <a:xfrm flipV="1">
+            <a:off x="778625" y="2765323"/>
+            <a:ext cx="0" cy="1459098"/>
+          </a:xfrm>
+          <a:prstGeom prst="line">
+            <a:avLst/>
+          </a:prstGeom>
+        </p:spPr>
+        <p:style>
+          <a:lnRef idx="2">
+            <a:schemeClr val="dk1"/>
+          </a:lnRef>
+          <a:fillRef idx="0">
+            <a:schemeClr val="dk1"/>
+          </a:fillRef>
+          <a:effectRef idx="1">
+            <a:schemeClr val="dk1"/>
+          </a:effectRef>
+          <a:fontRef idx="minor">
+            <a:schemeClr val="tx1"/>
+          </a:fontRef>
+        </p:style>
+      </p:cxnSp>
+      <p:cxnSp>
+        <p:nvCxnSpPr>
+          <p:cNvPr id="10" name="Straight Connector 9"/>
+          <p:cNvCxnSpPr/>
+          <p:nvPr/>
+        </p:nvCxnSpPr>
+        <p:spPr>
+          <a:xfrm flipH="1" flipV="1">
+            <a:off x="768858" y="4224421"/>
+            <a:ext cx="1806412" cy="5016"/>
+          </a:xfrm>
+          <a:prstGeom prst="line">
+            <a:avLst/>
+          </a:prstGeom>
+        </p:spPr>
+        <p:style>
+          <a:lnRef idx="2">
+            <a:schemeClr val="dk1"/>
+          </a:lnRef>
+          <a:fillRef idx="0">
+            <a:schemeClr val="dk1"/>
+          </a:fillRef>
+          <a:effectRef idx="1">
+            <a:schemeClr val="dk1"/>
+          </a:effectRef>
+          <a:fontRef idx="minor">
+            <a:schemeClr val="tx1"/>
+          </a:fontRef>
+        </p:style>
+      </p:cxnSp>
+      <p:cxnSp>
+        <p:nvCxnSpPr>
+          <p:cNvPr id="11" name="Straight Connector 10"/>
+          <p:cNvCxnSpPr/>
+          <p:nvPr/>
+        </p:nvCxnSpPr>
+        <p:spPr>
+          <a:xfrm flipH="1">
+            <a:off x="761518" y="1142360"/>
+            <a:ext cx="1813752" cy="0"/>
+          </a:xfrm>
+          <a:prstGeom prst="line">
+            <a:avLst/>
+          </a:prstGeom>
+        </p:spPr>
+        <p:style>
+          <a:lnRef idx="2">
+            <a:schemeClr val="dk1"/>
+          </a:lnRef>
+          <a:fillRef idx="0">
+            <a:schemeClr val="dk1"/>
+          </a:fillRef>
+          <a:effectRef idx="1">
+            <a:schemeClr val="dk1"/>
+          </a:effectRef>
+          <a:fontRef idx="minor">
+            <a:schemeClr val="tx1"/>
+          </a:fontRef>
+        </p:style>
+      </p:cxnSp>
+      <p:cxnSp>
+        <p:nvCxnSpPr>
+          <p:cNvPr id="12" name="Straight Connector 11"/>
+          <p:cNvCxnSpPr/>
+          <p:nvPr/>
+        </p:nvCxnSpPr>
+        <p:spPr>
+          <a:xfrm>
+            <a:off x="360941" y="2587156"/>
+            <a:ext cx="815474" cy="0"/>
+          </a:xfrm>
+          <a:prstGeom prst="line">
+            <a:avLst/>
+          </a:prstGeom>
+          <a:ln w="38100" cmpd="sng">
+            <a:solidFill>
+              <a:srgbClr val="000000"/>
+            </a:solidFill>
+          </a:ln>
+        </p:spPr>
+        <p:style>
+          <a:lnRef idx="2">
+            <a:schemeClr val="accent1"/>
+          </a:lnRef>
+          <a:fillRef idx="0">
+            <a:schemeClr val="accent1"/>
+          </a:fillRef>
+          <a:effectRef idx="1">
+            <a:schemeClr val="accent1"/>
+          </a:effectRef>
+          <a:fontRef idx="minor">
+            <a:schemeClr val="tx1"/>
+          </a:fontRef>
+        </p:style>
+      </p:cxnSp>
+      <p:cxnSp>
+        <p:nvCxnSpPr>
+          <p:cNvPr id="13" name="Straight Connector 12"/>
+          <p:cNvCxnSpPr/>
+          <p:nvPr/>
+        </p:nvCxnSpPr>
+        <p:spPr>
+          <a:xfrm>
+            <a:off x="587456" y="2765323"/>
+            <a:ext cx="382337" cy="0"/>
+          </a:xfrm>
+          <a:prstGeom prst="line">
+            <a:avLst/>
+          </a:prstGeom>
+          <a:ln w="38100" cmpd="sng">
+            <a:solidFill>
+              <a:srgbClr val="000000"/>
+            </a:solidFill>
+          </a:ln>
+        </p:spPr>
+        <p:style>
+          <a:lnRef idx="2">
+            <a:schemeClr val="accent1"/>
+          </a:lnRef>
+          <a:fillRef idx="0">
+            <a:schemeClr val="accent1"/>
+          </a:fillRef>
+          <a:effectRef idx="1">
+            <a:schemeClr val="accent1"/>
+          </a:effectRef>
+          <a:fontRef idx="minor">
+            <a:schemeClr val="tx1"/>
+          </a:fontRef>
+        </p:style>
+      </p:cxnSp>
+      <p:pic>
+        <p:nvPicPr>
+          <p:cNvPr id="14" name="Picture 13" descr="latex-image-1.pdf"/>
+          <p:cNvPicPr>
+            <a:picLocks noChangeAspect="1"/>
+          </p:cNvPicPr>
+          <p:nvPr/>
+        </p:nvPicPr>
+        <p:blipFill>
+          <a:blip r:embed="rId2">
+            <a:extLst>
+              <a:ext uri="{28A0092B-C50C-407E-A947-70E740481C1C}">
+                <a14:useLocalDpi xmlns:a14="http://schemas.microsoft.com/office/drawing/2010/main" val="0"/>
+              </a:ext>
+            </a:extLst>
+          </a:blip>
+          <a:stretch>
+            <a:fillRect/>
+          </a:stretch>
+        </p:blipFill>
+        <p:spPr>
+          <a:xfrm>
+            <a:off x="8689" y="2594476"/>
+            <a:ext cx="330200" cy="292100"/>
+          </a:xfrm>
+          <a:prstGeom prst="rect">
+            <a:avLst/>
+          </a:prstGeom>
+        </p:spPr>
+      </p:pic>
+      <p:pic>
+        <p:nvPicPr>
+          <p:cNvPr id="15" name="Picture 14" descr="latex-image-1.pdf"/>
+          <p:cNvPicPr>
+            <a:picLocks noChangeAspect="1"/>
+          </p:cNvPicPr>
+          <p:nvPr/>
+        </p:nvPicPr>
+        <p:blipFill>
+          <a:blip r:embed="rId3">
+            <a:extLst>
+              <a:ext uri="{28A0092B-C50C-407E-A947-70E740481C1C}">
+                <a14:useLocalDpi xmlns:a14="http://schemas.microsoft.com/office/drawing/2010/main" val="0"/>
+              </a:ext>
+            </a:extLst>
+          </a:blip>
+          <a:stretch>
+            <a:fillRect/>
+          </a:stretch>
+        </p:blipFill>
+        <p:spPr>
+          <a:xfrm>
+            <a:off x="1716504" y="2216318"/>
+            <a:ext cx="622300" cy="304800"/>
+          </a:xfrm>
+          <a:prstGeom prst="rect">
+            <a:avLst/>
+          </a:prstGeom>
+        </p:spPr>
+      </p:pic>
+      <p:pic>
+        <p:nvPicPr>
+          <p:cNvPr id="16" name="Picture 15" descr="latex-image-1.pdf"/>
+          <p:cNvPicPr>
+            <a:picLocks noChangeAspect="1"/>
+          </p:cNvPicPr>
+          <p:nvPr/>
+        </p:nvPicPr>
+        <p:blipFill>
+          <a:blip r:embed="rId4">
+            <a:extLst>
+              <a:ext uri="{28A0092B-C50C-407E-A947-70E740481C1C}">
+                <a14:useLocalDpi xmlns:a14="http://schemas.microsoft.com/office/drawing/2010/main" val="0"/>
+              </a:ext>
+            </a:extLst>
+          </a:blip>
+          <a:stretch>
+            <a:fillRect/>
+          </a:stretch>
+        </p:blipFill>
+        <p:spPr>
+          <a:xfrm>
+            <a:off x="1743242" y="3045164"/>
+            <a:ext cx="622300" cy="304800"/>
+          </a:xfrm>
+          <a:prstGeom prst="rect">
+            <a:avLst/>
+          </a:prstGeom>
+        </p:spPr>
+      </p:pic>
+      <p:pic>
+        <p:nvPicPr>
+          <p:cNvPr id="17" name="Picture 16" descr="latex-image-1.pdf"/>
+          <p:cNvPicPr>
+            <a:picLocks noChangeAspect="1"/>
+          </p:cNvPicPr>
+          <p:nvPr/>
+        </p:nvPicPr>
+        <p:blipFill>
+          <a:blip r:embed="rId5">
+            <a:extLst>
+              <a:ext uri="{28A0092B-C50C-407E-A947-70E740481C1C}">
+                <a14:useLocalDpi xmlns:a14="http://schemas.microsoft.com/office/drawing/2010/main" val="0"/>
+              </a:ext>
+            </a:extLst>
+          </a:blip>
+          <a:stretch>
+            <a:fillRect/>
+          </a:stretch>
+        </p:blipFill>
+        <p:spPr>
+          <a:xfrm>
+            <a:off x="2761307" y="2878447"/>
+            <a:ext cx="1270000" cy="749300"/>
+          </a:xfrm>
+          <a:prstGeom prst="rect">
+            <a:avLst/>
+          </a:prstGeom>
+        </p:spPr>
+      </p:pic>
+      <p:sp>
+        <p:nvSpPr>
+          <p:cNvPr id="18" name="Rectangle 17"/>
+          <p:cNvSpPr/>
+          <p:nvPr/>
+        </p:nvSpPr>
+        <p:spPr>
+          <a:xfrm>
+            <a:off x="5075726" y="2610978"/>
+            <a:ext cx="1006230" cy="48847"/>
+          </a:xfrm>
+          <a:prstGeom prst="rect">
+            <a:avLst/>
+          </a:prstGeom>
+        </p:spPr>
+        <p:style>
+          <a:lnRef idx="1">
+            <a:schemeClr val="accent1"/>
+          </a:lnRef>
+          <a:fillRef idx="3">
+            <a:schemeClr val="accent1"/>
+          </a:fillRef>
+          <a:effectRef idx="2">
+            <a:schemeClr val="accent1"/>
+          </a:effectRef>
+          <a:fontRef idx="minor">
+            <a:schemeClr val="lt1"/>
+          </a:fontRef>
+        </p:style>
+        <p:txBody>
+          <a:bodyPr rtlCol="0" anchor="ctr"/>
+          <a:lstStyle/>
+          <a:p>
+            <a:pPr algn="ctr"/>
+            <a:endParaRPr lang="en-US"/>
+          </a:p>
+        </p:txBody>
+      </p:sp>
+      <p:sp>
+        <p:nvSpPr>
+          <p:cNvPr id="19" name="Rectangle 18"/>
+          <p:cNvSpPr/>
+          <p:nvPr/>
+        </p:nvSpPr>
+        <p:spPr>
+          <a:xfrm>
+            <a:off x="5075726" y="2919686"/>
+            <a:ext cx="1006230" cy="48847"/>
+          </a:xfrm>
+          <a:prstGeom prst="rect">
+            <a:avLst/>
+          </a:prstGeom>
+        </p:spPr>
+        <p:style>
+          <a:lnRef idx="1">
+            <a:schemeClr val="accent1"/>
+          </a:lnRef>
+          <a:fillRef idx="3">
+            <a:schemeClr val="accent1"/>
+          </a:fillRef>
+          <a:effectRef idx="2">
+            <a:schemeClr val="accent1"/>
+          </a:effectRef>
+          <a:fontRef idx="minor">
+            <a:schemeClr val="lt1"/>
+          </a:fontRef>
+        </p:style>
+        <p:txBody>
+          <a:bodyPr rtlCol="0" anchor="ctr"/>
+          <a:lstStyle/>
+          <a:p>
+            <a:pPr algn="ctr"/>
+            <a:endParaRPr lang="en-US"/>
+          </a:p>
+        </p:txBody>
+      </p:sp>
+      <p:cxnSp>
+        <p:nvCxnSpPr>
+          <p:cNvPr id="20" name="Straight Connector 19"/>
+          <p:cNvCxnSpPr>
+            <a:endCxn id="18" idx="0"/>
+          </p:cNvCxnSpPr>
+          <p:nvPr/>
+        </p:nvCxnSpPr>
+        <p:spPr>
+          <a:xfrm>
+            <a:off x="5577065" y="1142360"/>
+            <a:ext cx="1776" cy="1468618"/>
+          </a:xfrm>
+          <a:prstGeom prst="line">
+            <a:avLst/>
+          </a:prstGeom>
+        </p:spPr>
+        <p:style>
+          <a:lnRef idx="2">
+            <a:schemeClr val="dk1"/>
+          </a:lnRef>
+          <a:fillRef idx="0">
+            <a:schemeClr val="dk1"/>
+          </a:fillRef>
+          <a:effectRef idx="1">
+            <a:schemeClr val="dk1"/>
+          </a:effectRef>
+          <a:fontRef idx="minor">
+            <a:schemeClr val="tx1"/>
+          </a:fontRef>
+        </p:style>
+      </p:cxnSp>
+      <p:cxnSp>
+        <p:nvCxnSpPr>
+          <p:cNvPr id="22" name="Straight Connector 21"/>
+          <p:cNvCxnSpPr/>
+          <p:nvPr/>
+        </p:nvCxnSpPr>
+        <p:spPr>
+          <a:xfrm flipV="1">
+            <a:off x="5596604" y="2972843"/>
+            <a:ext cx="0" cy="1256594"/>
+          </a:xfrm>
+          <a:prstGeom prst="line">
+            <a:avLst/>
+          </a:prstGeom>
+        </p:spPr>
+        <p:style>
+          <a:lnRef idx="2">
+            <a:schemeClr val="dk1"/>
+          </a:lnRef>
+          <a:fillRef idx="0">
+            <a:schemeClr val="dk1"/>
+          </a:fillRef>
+          <a:effectRef idx="1">
+            <a:schemeClr val="dk1"/>
+          </a:effectRef>
+          <a:fontRef idx="minor">
+            <a:schemeClr val="tx1"/>
+          </a:fontRef>
+        </p:style>
+      </p:cxnSp>
+      <p:sp>
+        <p:nvSpPr>
+          <p:cNvPr id="33" name="TextBox 32"/>
+          <p:cNvSpPr txBox="1"/>
+          <p:nvPr/>
+        </p:nvSpPr>
+        <p:spPr>
+          <a:xfrm>
+            <a:off x="778625" y="4376520"/>
+            <a:ext cx="2147343" cy="400110"/>
+          </a:xfrm>
+          <a:prstGeom prst="rect">
+            <a:avLst/>
+          </a:prstGeom>
+          <a:noFill/>
+        </p:spPr>
+        <p:txBody>
+          <a:bodyPr wrap="none" rtlCol="0">
+            <a:spAutoFit/>
+          </a:bodyPr>
+          <a:lstStyle/>
+          <a:p>
+            <a:r>
+              <a:rPr lang="en-US" sz="2000" dirty="0" err="1" smtClean="0"/>
+              <a:t>Ohne</a:t>
+            </a:r>
+            <a:r>
+              <a:rPr lang="en-US" sz="2000" dirty="0" smtClean="0"/>
+              <a:t> </a:t>
+            </a:r>
+            <a:r>
+              <a:rPr lang="en-US" sz="2000" dirty="0" err="1" smtClean="0"/>
+              <a:t>Dielektrikum</a:t>
+            </a:r>
+            <a:endParaRPr lang="en-US" sz="2000" dirty="0"/>
+          </a:p>
+        </p:txBody>
+      </p:sp>
+      <p:sp>
+        <p:nvSpPr>
+          <p:cNvPr id="34" name="TextBox 33"/>
+          <p:cNvSpPr txBox="1"/>
+          <p:nvPr/>
+        </p:nvSpPr>
+        <p:spPr>
+          <a:xfrm>
+            <a:off x="7693457" y="4376520"/>
+            <a:ext cx="1944463" cy="400110"/>
+          </a:xfrm>
+          <a:prstGeom prst="rect">
+            <a:avLst/>
+          </a:prstGeom>
+          <a:noFill/>
+        </p:spPr>
+        <p:txBody>
+          <a:bodyPr wrap="none" rtlCol="0">
+            <a:spAutoFit/>
+          </a:bodyPr>
+          <a:lstStyle/>
+          <a:p>
+            <a:r>
+              <a:rPr lang="en-US" sz="2000" dirty="0" err="1" smtClean="0"/>
+              <a:t>Mit</a:t>
+            </a:r>
+            <a:r>
+              <a:rPr lang="en-US" sz="2000" dirty="0" smtClean="0"/>
+              <a:t> </a:t>
+            </a:r>
+            <a:r>
+              <a:rPr lang="en-US" sz="2000" dirty="0" err="1" smtClean="0"/>
+              <a:t>Dielektrikum</a:t>
+            </a:r>
+            <a:endParaRPr lang="en-US" sz="2000" dirty="0"/>
+          </a:p>
+        </p:txBody>
+      </p:sp>
+      <p:sp>
+        <p:nvSpPr>
+          <p:cNvPr id="35" name="TextBox 34"/>
+          <p:cNvSpPr txBox="1"/>
+          <p:nvPr/>
+        </p:nvSpPr>
+        <p:spPr>
+          <a:xfrm>
+            <a:off x="4342132" y="4376520"/>
+            <a:ext cx="2508645" cy="400110"/>
+          </a:xfrm>
+          <a:prstGeom prst="rect">
+            <a:avLst/>
+          </a:prstGeom>
+          <a:noFill/>
+        </p:spPr>
+        <p:txBody>
+          <a:bodyPr wrap="none" rtlCol="0">
+            <a:spAutoFit/>
+          </a:bodyPr>
+          <a:lstStyle/>
+          <a:p>
+            <a:r>
+              <a:rPr lang="en-US" sz="2000" dirty="0" err="1" smtClean="0"/>
+              <a:t>Batterie</a:t>
+            </a:r>
+            <a:r>
+              <a:rPr lang="en-US" sz="2000" dirty="0" smtClean="0"/>
+              <a:t> </a:t>
+            </a:r>
+            <a:r>
+              <a:rPr lang="en-US" sz="2000" dirty="0" err="1" smtClean="0"/>
+              <a:t>unterbrochen</a:t>
+            </a:r>
+            <a:endParaRPr lang="en-US" sz="2000" dirty="0"/>
+          </a:p>
+        </p:txBody>
+      </p:sp>
+      <p:sp>
+        <p:nvSpPr>
+          <p:cNvPr id="36" name="Rectangle 35"/>
+          <p:cNvSpPr/>
+          <p:nvPr/>
+        </p:nvSpPr>
+        <p:spPr>
+          <a:xfrm>
+            <a:off x="8068131" y="2618256"/>
+            <a:ext cx="1006230" cy="48847"/>
+          </a:xfrm>
+          <a:prstGeom prst="rect">
+            <a:avLst/>
+          </a:prstGeom>
+        </p:spPr>
+        <p:style>
+          <a:lnRef idx="1">
+            <a:schemeClr val="accent1"/>
+          </a:lnRef>
+          <a:fillRef idx="3">
+            <a:schemeClr val="accent1"/>
+          </a:fillRef>
+          <a:effectRef idx="2">
+            <a:schemeClr val="accent1"/>
+          </a:effectRef>
+          <a:fontRef idx="minor">
+            <a:schemeClr val="lt1"/>
+          </a:fontRef>
+        </p:style>
+        <p:txBody>
+          <a:bodyPr rtlCol="0" anchor="ctr"/>
+          <a:lstStyle/>
+          <a:p>
+            <a:pPr algn="ctr"/>
+            <a:endParaRPr lang="en-US"/>
+          </a:p>
+        </p:txBody>
+      </p:sp>
+      <p:sp>
+        <p:nvSpPr>
+          <p:cNvPr id="37" name="Rectangle 36"/>
+          <p:cNvSpPr/>
+          <p:nvPr/>
+        </p:nvSpPr>
+        <p:spPr>
+          <a:xfrm>
+            <a:off x="8068131" y="2926964"/>
+            <a:ext cx="1006230" cy="48847"/>
+          </a:xfrm>
+          <a:prstGeom prst="rect">
+            <a:avLst/>
+          </a:prstGeom>
+        </p:spPr>
+        <p:style>
+          <a:lnRef idx="1">
+            <a:schemeClr val="accent1"/>
+          </a:lnRef>
+          <a:fillRef idx="3">
+            <a:schemeClr val="accent1"/>
+          </a:fillRef>
+          <a:effectRef idx="2">
+            <a:schemeClr val="accent1"/>
+          </a:effectRef>
+          <a:fontRef idx="minor">
+            <a:schemeClr val="lt1"/>
+          </a:fontRef>
+        </p:style>
+        <p:txBody>
+          <a:bodyPr rtlCol="0" anchor="ctr"/>
+          <a:lstStyle/>
+          <a:p>
+            <a:pPr algn="ctr"/>
+            <a:endParaRPr lang="en-US"/>
+          </a:p>
+        </p:txBody>
+      </p:sp>
+      <p:cxnSp>
+        <p:nvCxnSpPr>
+          <p:cNvPr id="38" name="Straight Connector 37"/>
+          <p:cNvCxnSpPr>
+            <a:endCxn id="36" idx="0"/>
+          </p:cNvCxnSpPr>
+          <p:nvPr/>
+        </p:nvCxnSpPr>
+        <p:spPr>
+          <a:xfrm>
+            <a:off x="8569470" y="1149638"/>
+            <a:ext cx="1776" cy="1468618"/>
+          </a:xfrm>
+          <a:prstGeom prst="line">
+            <a:avLst/>
+          </a:prstGeom>
+        </p:spPr>
+        <p:style>
+          <a:lnRef idx="2">
+            <a:schemeClr val="dk1"/>
+          </a:lnRef>
+          <a:fillRef idx="0">
+            <a:schemeClr val="dk1"/>
+          </a:fillRef>
+          <a:effectRef idx="1">
+            <a:schemeClr val="dk1"/>
+          </a:effectRef>
+          <a:fontRef idx="minor">
+            <a:schemeClr val="tx1"/>
+          </a:fontRef>
+        </p:style>
+      </p:cxnSp>
+      <p:cxnSp>
+        <p:nvCxnSpPr>
+          <p:cNvPr id="39" name="Straight Connector 38"/>
+          <p:cNvCxnSpPr/>
+          <p:nvPr/>
+        </p:nvCxnSpPr>
+        <p:spPr>
+          <a:xfrm flipV="1">
+            <a:off x="8589009" y="2980121"/>
+            <a:ext cx="0" cy="1256594"/>
+          </a:xfrm>
+          <a:prstGeom prst="line">
+            <a:avLst/>
+          </a:prstGeom>
+        </p:spPr>
+        <p:style>
+          <a:lnRef idx="2">
+            <a:schemeClr val="dk1"/>
+          </a:lnRef>
+          <a:fillRef idx="0">
+            <a:schemeClr val="dk1"/>
+          </a:fillRef>
+          <a:effectRef idx="1">
+            <a:schemeClr val="dk1"/>
+          </a:effectRef>
+          <a:fontRef idx="minor">
+            <a:schemeClr val="tx1"/>
+          </a:fontRef>
+        </p:style>
+      </p:cxnSp>
+      <p:sp>
+        <p:nvSpPr>
+          <p:cNvPr id="40" name="Rectangle 61"/>
+          <p:cNvSpPr/>
+          <p:nvPr/>
+        </p:nvSpPr>
+        <p:spPr>
+          <a:xfrm>
+            <a:off x="7967937" y="2712617"/>
+            <a:ext cx="1203066" cy="165830"/>
+          </a:xfrm>
+          <a:custGeom>
+            <a:avLst/>
+            <a:gdLst>
+              <a:gd name="connsiteX0" fmla="*/ 0 w 1070220"/>
+              <a:gd name="connsiteY0" fmla="*/ 0 h 360947"/>
+              <a:gd name="connsiteX1" fmla="*/ 1070220 w 1070220"/>
+              <a:gd name="connsiteY1" fmla="*/ 0 h 360947"/>
+              <a:gd name="connsiteX2" fmla="*/ 1070220 w 1070220"/>
+              <a:gd name="connsiteY2" fmla="*/ 360947 h 360947"/>
+              <a:gd name="connsiteX3" fmla="*/ 0 w 1070220"/>
+              <a:gd name="connsiteY3" fmla="*/ 360947 h 360947"/>
+              <a:gd name="connsiteX4" fmla="*/ 0 w 1070220"/>
+              <a:gd name="connsiteY4" fmla="*/ 0 h 360947"/>
+              <a:gd name="connsiteX0" fmla="*/ 267 w 1070487"/>
+              <a:gd name="connsiteY0" fmla="*/ 0 h 360947"/>
+              <a:gd name="connsiteX1" fmla="*/ 1070487 w 1070487"/>
+              <a:gd name="connsiteY1" fmla="*/ 0 h 360947"/>
+              <a:gd name="connsiteX2" fmla="*/ 1070487 w 1070487"/>
+              <a:gd name="connsiteY2" fmla="*/ 360947 h 360947"/>
+              <a:gd name="connsiteX3" fmla="*/ 267 w 1070487"/>
+              <a:gd name="connsiteY3" fmla="*/ 360947 h 360947"/>
+              <a:gd name="connsiteX4" fmla="*/ 0 w 1070487"/>
+              <a:gd name="connsiteY4" fmla="*/ 189841 h 360947"/>
+              <a:gd name="connsiteX5" fmla="*/ 267 w 1070487"/>
+              <a:gd name="connsiteY5" fmla="*/ 0 h 360947"/>
+              <a:gd name="connsiteX0" fmla="*/ 267 w 1070487"/>
+              <a:gd name="connsiteY0" fmla="*/ 0 h 360947"/>
+              <a:gd name="connsiteX1" fmla="*/ 1070487 w 1070487"/>
+              <a:gd name="connsiteY1" fmla="*/ 0 h 360947"/>
+              <a:gd name="connsiteX2" fmla="*/ 1068608 w 1070487"/>
+              <a:gd name="connsiteY2" fmla="*/ 184246 h 360947"/>
+              <a:gd name="connsiteX3" fmla="*/ 1070487 w 1070487"/>
+              <a:gd name="connsiteY3" fmla="*/ 360947 h 360947"/>
+              <a:gd name="connsiteX4" fmla="*/ 267 w 1070487"/>
+              <a:gd name="connsiteY4" fmla="*/ 360947 h 360947"/>
+              <a:gd name="connsiteX5" fmla="*/ 0 w 1070487"/>
+              <a:gd name="connsiteY5" fmla="*/ 189841 h 360947"/>
+              <a:gd name="connsiteX6" fmla="*/ 267 w 1070487"/>
+              <a:gd name="connsiteY6" fmla="*/ 0 h 360947"/>
+              <a:gd name="connsiteX0" fmla="*/ 72999 w 1143219"/>
+              <a:gd name="connsiteY0" fmla="*/ 0 h 360947"/>
+              <a:gd name="connsiteX1" fmla="*/ 1143219 w 1143219"/>
+              <a:gd name="connsiteY1" fmla="*/ 0 h 360947"/>
+              <a:gd name="connsiteX2" fmla="*/ 1141340 w 1143219"/>
+              <a:gd name="connsiteY2" fmla="*/ 184246 h 360947"/>
+              <a:gd name="connsiteX3" fmla="*/ 1143219 w 1143219"/>
+              <a:gd name="connsiteY3" fmla="*/ 360947 h 360947"/>
+              <a:gd name="connsiteX4" fmla="*/ 72999 w 1143219"/>
+              <a:gd name="connsiteY4" fmla="*/ 360947 h 360947"/>
+              <a:gd name="connsiteX5" fmla="*/ 0 w 1143219"/>
+              <a:gd name="connsiteY5" fmla="*/ 189841 h 360947"/>
+              <a:gd name="connsiteX6" fmla="*/ 72999 w 1143219"/>
+              <a:gd name="connsiteY6" fmla="*/ 0 h 360947"/>
+              <a:gd name="connsiteX0" fmla="*/ 72999 w 1202886"/>
+              <a:gd name="connsiteY0" fmla="*/ 0 h 360947"/>
+              <a:gd name="connsiteX1" fmla="*/ 1143219 w 1202886"/>
+              <a:gd name="connsiteY1" fmla="*/ 0 h 360947"/>
+              <a:gd name="connsiteX2" fmla="*/ 1202882 w 1202886"/>
+              <a:gd name="connsiteY2" fmla="*/ 184246 h 360947"/>
+              <a:gd name="connsiteX3" fmla="*/ 1143219 w 1202886"/>
+              <a:gd name="connsiteY3" fmla="*/ 360947 h 360947"/>
+              <a:gd name="connsiteX4" fmla="*/ 72999 w 1202886"/>
+              <a:gd name="connsiteY4" fmla="*/ 360947 h 360947"/>
+              <a:gd name="connsiteX5" fmla="*/ 0 w 1202886"/>
+              <a:gd name="connsiteY5" fmla="*/ 189841 h 360947"/>
+              <a:gd name="connsiteX6" fmla="*/ 72999 w 1202886"/>
+              <a:gd name="connsiteY6" fmla="*/ 0 h 360947"/>
+              <a:gd name="connsiteX0" fmla="*/ 72999 w 1202886"/>
+              <a:gd name="connsiteY0" fmla="*/ 0 h 360947"/>
+              <a:gd name="connsiteX1" fmla="*/ 1143219 w 1202886"/>
+              <a:gd name="connsiteY1" fmla="*/ 0 h 360947"/>
+              <a:gd name="connsiteX2" fmla="*/ 1202882 w 1202886"/>
+              <a:gd name="connsiteY2" fmla="*/ 184246 h 360947"/>
+              <a:gd name="connsiteX3" fmla="*/ 1143219 w 1202886"/>
+              <a:gd name="connsiteY3" fmla="*/ 360947 h 360947"/>
+              <a:gd name="connsiteX4" fmla="*/ 72999 w 1202886"/>
+              <a:gd name="connsiteY4" fmla="*/ 360947 h 360947"/>
+              <a:gd name="connsiteX5" fmla="*/ 0 w 1202886"/>
+              <a:gd name="connsiteY5" fmla="*/ 189841 h 360947"/>
+              <a:gd name="connsiteX6" fmla="*/ 72999 w 1202886"/>
+              <a:gd name="connsiteY6" fmla="*/ 0 h 360947"/>
+              <a:gd name="connsiteX0" fmla="*/ 73179 w 1203066"/>
+              <a:gd name="connsiteY0" fmla="*/ 0 h 360947"/>
+              <a:gd name="connsiteX1" fmla="*/ 1143399 w 1203066"/>
+              <a:gd name="connsiteY1" fmla="*/ 0 h 360947"/>
+              <a:gd name="connsiteX2" fmla="*/ 1203062 w 1203066"/>
+              <a:gd name="connsiteY2" fmla="*/ 184246 h 360947"/>
+              <a:gd name="connsiteX3" fmla="*/ 1143399 w 1203066"/>
+              <a:gd name="connsiteY3" fmla="*/ 360947 h 360947"/>
+              <a:gd name="connsiteX4" fmla="*/ 73179 w 1203066"/>
+              <a:gd name="connsiteY4" fmla="*/ 360947 h 360947"/>
+              <a:gd name="connsiteX5" fmla="*/ 180 w 1203066"/>
+              <a:gd name="connsiteY5" fmla="*/ 189841 h 360947"/>
+              <a:gd name="connsiteX6" fmla="*/ 73179 w 1203066"/>
+              <a:gd name="connsiteY6" fmla="*/ 0 h 360947"/>
+            </a:gdLst>
+            <a:ahLst/>
+            <a:cxnLst>
+              <a:cxn ang="0">
+                <a:pos x="connsiteX0" y="connsiteY0"/>
+              </a:cxn>
+              <a:cxn ang="0">
+                <a:pos x="connsiteX1" y="connsiteY1"/>
+              </a:cxn>
+              <a:cxn ang="0">
+                <a:pos x="connsiteX2" y="connsiteY2"/>
+              </a:cxn>
+              <a:cxn ang="0">
+                <a:pos x="connsiteX3" y="connsiteY3"/>
+              </a:cxn>
+              <a:cxn ang="0">
+                <a:pos x="connsiteX4" y="connsiteY4"/>
+              </a:cxn>
+              <a:cxn ang="0">
+                <a:pos x="connsiteX5" y="connsiteY5"/>
+              </a:cxn>
+              <a:cxn ang="0">
+                <a:pos x="connsiteX6" y="connsiteY6"/>
+              </a:cxn>
+            </a:cxnLst>
+            <a:rect l="l" t="t" r="r" b="b"/>
+            <a:pathLst>
+              <a:path w="1203066" h="360947">
+                <a:moveTo>
+                  <a:pt x="73179" y="0"/>
+                </a:moveTo>
+                <a:lnTo>
+                  <a:pt x="1143399" y="0"/>
+                </a:lnTo>
+                <a:cubicBezTo>
+                  <a:pt x="1142773" y="61415"/>
+                  <a:pt x="1203688" y="122831"/>
+                  <a:pt x="1203062" y="184246"/>
+                </a:cubicBezTo>
+                <a:cubicBezTo>
+                  <a:pt x="1203688" y="243146"/>
+                  <a:pt x="1142773" y="302047"/>
+                  <a:pt x="1143399" y="360947"/>
+                </a:cubicBezTo>
+                <a:lnTo>
+                  <a:pt x="73179" y="360947"/>
+                </a:lnTo>
+                <a:cubicBezTo>
+                  <a:pt x="48846" y="303912"/>
+                  <a:pt x="-3461" y="246876"/>
+                  <a:pt x="180" y="189841"/>
+                </a:cubicBezTo>
+                <a:cubicBezTo>
+                  <a:pt x="2134" y="109777"/>
+                  <a:pt x="48846" y="63280"/>
+                  <a:pt x="73179" y="0"/>
+                </a:cubicBezTo>
+                <a:close/>
+              </a:path>
+            </a:pathLst>
+          </a:custGeom>
+          <a:solidFill>
+            <a:schemeClr val="accent6"/>
+          </a:solidFill>
+        </p:spPr>
+        <p:style>
+          <a:lnRef idx="1">
+            <a:schemeClr val="accent1"/>
+          </a:lnRef>
+          <a:fillRef idx="3">
+            <a:schemeClr val="accent1"/>
+          </a:fillRef>
+          <a:effectRef idx="2">
+            <a:schemeClr val="accent1"/>
+          </a:effectRef>
+          <a:fontRef idx="minor">
+            <a:schemeClr val="lt1"/>
+          </a:fontRef>
+        </p:style>
+        <p:txBody>
+          <a:bodyPr rtlCol="0" anchor="ctr"/>
+          <a:lstStyle/>
+          <a:p>
+            <a:pPr algn="ctr"/>
+            <a:endParaRPr lang="en-US"/>
+          </a:p>
+        </p:txBody>
+      </p:sp>
+      <p:pic>
+        <p:nvPicPr>
+          <p:cNvPr id="41" name="Picture 40" descr="latex-image-1.pdf"/>
+          <p:cNvPicPr>
+            <a:picLocks noChangeAspect="1"/>
+          </p:cNvPicPr>
+          <p:nvPr/>
+        </p:nvPicPr>
+        <p:blipFill>
+          <a:blip r:embed="rId3">
+            <a:extLst>
+              <a:ext uri="{28A0092B-C50C-407E-A947-70E740481C1C}">
+                <a14:useLocalDpi xmlns:a14="http://schemas.microsoft.com/office/drawing/2010/main" val="0"/>
+              </a:ext>
+            </a:extLst>
+          </a:blip>
+          <a:stretch>
+            <a:fillRect/>
+          </a:stretch>
+        </p:blipFill>
+        <p:spPr>
+          <a:xfrm>
+            <a:off x="7812416" y="2182247"/>
+            <a:ext cx="622300" cy="304800"/>
+          </a:xfrm>
+          <a:prstGeom prst="rect">
+            <a:avLst/>
+          </a:prstGeom>
+        </p:spPr>
+      </p:pic>
+      <p:pic>
+        <p:nvPicPr>
+          <p:cNvPr id="42" name="Picture 41" descr="latex-image-1.pdf"/>
+          <p:cNvPicPr>
+            <a:picLocks noChangeAspect="1"/>
+          </p:cNvPicPr>
+          <p:nvPr/>
+        </p:nvPicPr>
+        <p:blipFill>
+          <a:blip r:embed="rId4">
+            <a:extLst>
+              <a:ext uri="{28A0092B-C50C-407E-A947-70E740481C1C}">
+                <a14:useLocalDpi xmlns:a14="http://schemas.microsoft.com/office/drawing/2010/main" val="0"/>
+              </a:ext>
+            </a:extLst>
+          </a:blip>
+          <a:stretch>
+            <a:fillRect/>
+          </a:stretch>
+        </p:blipFill>
+        <p:spPr>
+          <a:xfrm>
+            <a:off x="7842552" y="3080446"/>
+            <a:ext cx="622300" cy="304800"/>
+          </a:xfrm>
+          <a:prstGeom prst="rect">
+            <a:avLst/>
+          </a:prstGeom>
+        </p:spPr>
+      </p:pic>
+      <p:pic>
+        <p:nvPicPr>
+          <p:cNvPr id="43" name="Picture 42" descr="latex-image-1.pdf"/>
+          <p:cNvPicPr>
+            <a:picLocks noChangeAspect="1"/>
+          </p:cNvPicPr>
+          <p:nvPr/>
+        </p:nvPicPr>
+        <p:blipFill>
+          <a:blip r:embed="rId5">
+            <a:extLst>
+              <a:ext uri="{28A0092B-C50C-407E-A947-70E740481C1C}">
+                <a14:useLocalDpi xmlns:a14="http://schemas.microsoft.com/office/drawing/2010/main" val="0"/>
+              </a:ext>
+            </a:extLst>
+          </a:blip>
+          <a:stretch>
+            <a:fillRect/>
+          </a:stretch>
+        </p:blipFill>
+        <p:spPr>
+          <a:xfrm>
+            <a:off x="5787757" y="2878447"/>
+            <a:ext cx="1270000" cy="749300"/>
+          </a:xfrm>
+          <a:prstGeom prst="rect">
+            <a:avLst/>
+          </a:prstGeom>
+        </p:spPr>
+      </p:pic>
+      <p:pic>
+        <p:nvPicPr>
+          <p:cNvPr id="44" name="Picture 43" descr="latex-image-1.pdf"/>
+          <p:cNvPicPr>
+            <a:picLocks noChangeAspect="1"/>
+          </p:cNvPicPr>
+          <p:nvPr/>
+        </p:nvPicPr>
+        <p:blipFill>
+          <a:blip r:embed="rId2">
+            <a:extLst>
+              <a:ext uri="{28A0092B-C50C-407E-A947-70E740481C1C}">
+                <a14:useLocalDpi xmlns:a14="http://schemas.microsoft.com/office/drawing/2010/main" val="0"/>
+              </a:ext>
+            </a:extLst>
+          </a:blip>
+          <a:stretch>
+            <a:fillRect/>
+          </a:stretch>
+        </p:blipFill>
+        <p:spPr>
+          <a:xfrm>
+            <a:off x="5751756" y="2127251"/>
+            <a:ext cx="330200" cy="292100"/>
+          </a:xfrm>
+          <a:prstGeom prst="rect">
+            <a:avLst/>
+          </a:prstGeom>
+        </p:spPr>
+      </p:pic>
+      <p:pic>
+        <p:nvPicPr>
+          <p:cNvPr id="45" name="Picture 44" descr="latex-image-1.pdf"/>
+          <p:cNvPicPr>
+            <a:picLocks noChangeAspect="1"/>
+          </p:cNvPicPr>
+          <p:nvPr/>
+        </p:nvPicPr>
+        <p:blipFill>
+          <a:blip r:embed="rId6">
+            <a:extLst>
+              <a:ext uri="{28A0092B-C50C-407E-A947-70E740481C1C}">
+                <a14:useLocalDpi xmlns:a14="http://schemas.microsoft.com/office/drawing/2010/main" val="0"/>
+              </a:ext>
+            </a:extLst>
+          </a:blip>
+          <a:stretch>
+            <a:fillRect/>
+          </a:stretch>
+        </p:blipFill>
+        <p:spPr>
+          <a:xfrm>
+            <a:off x="8812872" y="3168651"/>
+            <a:ext cx="1320800" cy="304800"/>
+          </a:xfrm>
+          <a:prstGeom prst="rect">
+            <a:avLst/>
+          </a:prstGeom>
+        </p:spPr>
+      </p:pic>
+      <p:pic>
+        <p:nvPicPr>
+          <p:cNvPr id="46" name="Picture 45" descr="latex-image-1.pdf"/>
+          <p:cNvPicPr>
+            <a:picLocks noChangeAspect="1"/>
+          </p:cNvPicPr>
+          <p:nvPr/>
+        </p:nvPicPr>
+        <p:blipFill>
+          <a:blip r:embed="rId7">
+            <a:extLst>
+              <a:ext uri="{28A0092B-C50C-407E-A947-70E740481C1C}">
+                <a14:useLocalDpi xmlns:a14="http://schemas.microsoft.com/office/drawing/2010/main" val="0"/>
+              </a:ext>
+            </a:extLst>
+          </a:blip>
+          <a:stretch>
+            <a:fillRect/>
+          </a:stretch>
+        </p:blipFill>
+        <p:spPr>
+          <a:xfrm>
+            <a:off x="8812872" y="1893396"/>
+            <a:ext cx="1092200" cy="736600"/>
+          </a:xfrm>
+          <a:prstGeom prst="rect">
+            <a:avLst/>
+          </a:prstGeom>
+        </p:spPr>
+      </p:pic>
+      <p:pic>
+        <p:nvPicPr>
+          <p:cNvPr id="49" name="Picture 48" descr="latex-image-1.pdf"/>
+          <p:cNvPicPr>
+            <a:picLocks noChangeAspect="1"/>
+          </p:cNvPicPr>
+          <p:nvPr/>
+        </p:nvPicPr>
+        <p:blipFill>
+          <a:blip r:embed="rId3">
+            <a:extLst>
+              <a:ext uri="{28A0092B-C50C-407E-A947-70E740481C1C}">
+                <a14:useLocalDpi xmlns:a14="http://schemas.microsoft.com/office/drawing/2010/main" val="0"/>
+              </a:ext>
+            </a:extLst>
+          </a:blip>
+          <a:stretch>
+            <a:fillRect/>
+          </a:stretch>
+        </p:blipFill>
+        <p:spPr>
+          <a:xfrm>
+            <a:off x="4734440" y="2182247"/>
+            <a:ext cx="622300" cy="304800"/>
+          </a:xfrm>
+          <a:prstGeom prst="rect">
+            <a:avLst/>
+          </a:prstGeom>
+        </p:spPr>
+      </p:pic>
+      <p:pic>
+        <p:nvPicPr>
+          <p:cNvPr id="50" name="Picture 49" descr="latex-image-1.pdf"/>
+          <p:cNvPicPr>
+            <a:picLocks noChangeAspect="1"/>
+          </p:cNvPicPr>
+          <p:nvPr/>
+        </p:nvPicPr>
+        <p:blipFill>
+          <a:blip r:embed="rId4">
+            <a:extLst>
+              <a:ext uri="{28A0092B-C50C-407E-A947-70E740481C1C}">
+                <a14:useLocalDpi xmlns:a14="http://schemas.microsoft.com/office/drawing/2010/main" val="0"/>
+              </a:ext>
+            </a:extLst>
+          </a:blip>
+          <a:stretch>
+            <a:fillRect/>
+          </a:stretch>
+        </p:blipFill>
+        <p:spPr>
+          <a:xfrm>
+            <a:off x="4764576" y="3080446"/>
+            <a:ext cx="622300" cy="304800"/>
+          </a:xfrm>
+          <a:prstGeom prst="rect">
+            <a:avLst/>
+          </a:prstGeom>
+        </p:spPr>
+      </p:pic>
+    </p:spTree>
+    <p:extLst>
+      <p:ext uri="{BB962C8B-B14F-4D97-AF65-F5344CB8AC3E}">
+        <p14:creationId xmlns:p14="http://schemas.microsoft.com/office/powerpoint/2010/main" val="2532297043"/>
+      </p:ext>
+    </p:extLst>
+  </p:cSld>
+  <p:clrMapOvr>
+    <a:masterClrMapping/>
+  </p:clrMapOvr>
+</p:sld>
+</file>
+
+<file path=ppt/slides/slide22.xml><?xml version="1.0" encoding="utf-8"?>
+<p:sld xmlns:a="http://schemas.openxmlformats.org/drawingml/2006/main" xmlns:r="http://schemas.openxmlformats.org/officeDocument/2006/relationships" xmlns:p="http://schemas.openxmlformats.org/presentationml/2006/main">
+  <p:cSld>
+    <p:spTree>
+      <p:nvGrpSpPr>
+        <p:cNvPr id="1" name=""/>
+        <p:cNvGrpSpPr/>
+        <p:nvPr/>
+      </p:nvGrpSpPr>
+      <p:grpSpPr>
+        <a:xfrm>
+          <a:off x="0" y="0"/>
+          <a:ext cx="0" cy="0"/>
+          <a:chOff x="0" y="0"/>
+          <a:chExt cx="0" cy="0"/>
+        </a:xfrm>
+      </p:grpSpPr>
+      <p:pic>
+        <p:nvPicPr>
+          <p:cNvPr id="5" name="Picture 4"/>
+          <p:cNvPicPr>
+            <a:picLocks noChangeAspect="1"/>
+          </p:cNvPicPr>
+          <p:nvPr/>
+        </p:nvPicPr>
+        <p:blipFill>
+          <a:blip r:embed="rId2"/>
+          <a:stretch>
+            <a:fillRect/>
+          </a:stretch>
+        </p:blipFill>
+        <p:spPr>
+          <a:xfrm>
+            <a:off x="529192" y="224399"/>
+            <a:ext cx="8011595" cy="6633601"/>
+          </a:xfrm>
+          <a:prstGeom prst="rect">
+            <a:avLst/>
+          </a:prstGeom>
+        </p:spPr>
+      </p:pic>
+    </p:spTree>
+    <p:extLst>
+      <p:ext uri="{BB962C8B-B14F-4D97-AF65-F5344CB8AC3E}">
+        <p14:creationId xmlns:p14="http://schemas.microsoft.com/office/powerpoint/2010/main" val="1793519384"/>
+      </p:ext>
+    </p:extLst>
+  </p:cSld>
+  <p:clrMapOvr>
+    <a:masterClrMapping/>
+  </p:clrMapOvr>
+</p:sld>
+</file>
+
+<file path=ppt/slides/slide23.xml><?xml version="1.0" encoding="utf-8"?>
+<p:sld xmlns:a="http://schemas.openxmlformats.org/drawingml/2006/main" xmlns:r="http://schemas.openxmlformats.org/officeDocument/2006/relationships" xmlns:p="http://schemas.openxmlformats.org/presentationml/2006/main">
+  <p:cSld>
+    <p:spTree>
+      <p:nvGrpSpPr>
+        <p:cNvPr id="1" name=""/>
+        <p:cNvGrpSpPr/>
+        <p:nvPr/>
+      </p:nvGrpSpPr>
+      <p:grpSpPr>
+        <a:xfrm>
+          <a:off x="0" y="0"/>
+          <a:ext cx="0" cy="0"/>
+          <a:chOff x="0" y="0"/>
+          <a:chExt cx="0" cy="0"/>
+        </a:xfrm>
+      </p:grpSpPr>
+      <p:pic>
+        <p:nvPicPr>
+          <p:cNvPr id="5" name="Picture 4"/>
+          <p:cNvPicPr>
+            <a:picLocks noChangeAspect="1"/>
+          </p:cNvPicPr>
+          <p:nvPr/>
+        </p:nvPicPr>
+        <p:blipFill>
+          <a:blip r:embed="rId2"/>
+          <a:stretch>
+            <a:fillRect/>
+          </a:stretch>
+        </p:blipFill>
+        <p:spPr>
+          <a:xfrm>
+            <a:off x="458633" y="529235"/>
+            <a:ext cx="7894925" cy="6030581"/>
+          </a:xfrm>
+          <a:prstGeom prst="rect">
+            <a:avLst/>
+          </a:prstGeom>
+        </p:spPr>
+      </p:pic>
+    </p:spTree>
+    <p:extLst>
+      <p:ext uri="{BB962C8B-B14F-4D97-AF65-F5344CB8AC3E}">
+        <p14:creationId xmlns:p14="http://schemas.microsoft.com/office/powerpoint/2010/main" val="3023812179"/>
+      </p:ext>
+    </p:extLst>
+  </p:cSld>
+  <p:clrMapOvr>
+    <a:masterClrMapping/>
+  </p:clrMapOvr>
+</p:sld>
+</file>
+
 <file path=ppt/slides/slide3.xml><?xml version="1.0" encoding="utf-8"?>
 <p:sld xmlns:a="http://schemas.openxmlformats.org/drawingml/2006/main" xmlns:r="http://schemas.openxmlformats.org/officeDocument/2006/relationships" xmlns:p="http://schemas.openxmlformats.org/presentationml/2006/main">
   <p:cSld>

--- a/figures/Presentation1.pptx
+++ b/figures/Presentation1.pptx
@@ -28,6 +28,7 @@
     <p:sldId id="277" r:id="rId22"/>
     <p:sldId id="278" r:id="rId23"/>
     <p:sldId id="279" r:id="rId24"/>
+    <p:sldId id="280" r:id="rId25"/>
   </p:sldIdLst>
   <p:sldSz cx="9144000" cy="6858000" type="screen4x3"/>
   <p:notesSz cx="6858000" cy="9144000"/>
@@ -310,7 +311,7 @@
           <a:p>
             <a:fld id="{72DE86F5-D0C9-5448-802F-684C9422712B}" type="datetimeFigureOut">
               <a:rPr lang="en-US" smtClean="0"/>
-              <a:t>10/4/18</a:t>
+              <a:t>22/4/18</a:t>
             </a:fld>
             <a:endParaRPr lang="en-US"/>
           </a:p>
@@ -480,7 +481,7 @@
           <a:p>
             <a:fld id="{72DE86F5-D0C9-5448-802F-684C9422712B}" type="datetimeFigureOut">
               <a:rPr lang="en-US" smtClean="0"/>
-              <a:t>10/4/18</a:t>
+              <a:t>22/4/18</a:t>
             </a:fld>
             <a:endParaRPr lang="en-US"/>
           </a:p>
@@ -660,7 +661,7 @@
           <a:p>
             <a:fld id="{72DE86F5-D0C9-5448-802F-684C9422712B}" type="datetimeFigureOut">
               <a:rPr lang="en-US" smtClean="0"/>
-              <a:t>10/4/18</a:t>
+              <a:t>22/4/18</a:t>
             </a:fld>
             <a:endParaRPr lang="en-US"/>
           </a:p>
@@ -830,7 +831,7 @@
           <a:p>
             <a:fld id="{72DE86F5-D0C9-5448-802F-684C9422712B}" type="datetimeFigureOut">
               <a:rPr lang="en-US" smtClean="0"/>
-              <a:t>10/4/18</a:t>
+              <a:t>22/4/18</a:t>
             </a:fld>
             <a:endParaRPr lang="en-US"/>
           </a:p>
@@ -1076,7 +1077,7 @@
           <a:p>
             <a:fld id="{72DE86F5-D0C9-5448-802F-684C9422712B}" type="datetimeFigureOut">
               <a:rPr lang="en-US" smtClean="0"/>
-              <a:t>10/4/18</a:t>
+              <a:t>22/4/18</a:t>
             </a:fld>
             <a:endParaRPr lang="en-US"/>
           </a:p>
@@ -1364,7 +1365,7 @@
           <a:p>
             <a:fld id="{72DE86F5-D0C9-5448-802F-684C9422712B}" type="datetimeFigureOut">
               <a:rPr lang="en-US" smtClean="0"/>
-              <a:t>10/4/18</a:t>
+              <a:t>22/4/18</a:t>
             </a:fld>
             <a:endParaRPr lang="en-US"/>
           </a:p>
@@ -1786,7 +1787,7 @@
           <a:p>
             <a:fld id="{72DE86F5-D0C9-5448-802F-684C9422712B}" type="datetimeFigureOut">
               <a:rPr lang="en-US" smtClean="0"/>
-              <a:t>10/4/18</a:t>
+              <a:t>22/4/18</a:t>
             </a:fld>
             <a:endParaRPr lang="en-US"/>
           </a:p>
@@ -1904,7 +1905,7 @@
           <a:p>
             <a:fld id="{72DE86F5-D0C9-5448-802F-684C9422712B}" type="datetimeFigureOut">
               <a:rPr lang="en-US" smtClean="0"/>
-              <a:t>10/4/18</a:t>
+              <a:t>22/4/18</a:t>
             </a:fld>
             <a:endParaRPr lang="en-US"/>
           </a:p>
@@ -1999,7 +2000,7 @@
           <a:p>
             <a:fld id="{72DE86F5-D0C9-5448-802F-684C9422712B}" type="datetimeFigureOut">
               <a:rPr lang="en-US" smtClean="0"/>
-              <a:t>10/4/18</a:t>
+              <a:t>22/4/18</a:t>
             </a:fld>
             <a:endParaRPr lang="en-US"/>
           </a:p>
@@ -2276,7 +2277,7 @@
           <a:p>
             <a:fld id="{72DE86F5-D0C9-5448-802F-684C9422712B}" type="datetimeFigureOut">
               <a:rPr lang="en-US" smtClean="0"/>
-              <a:t>10/4/18</a:t>
+              <a:t>22/4/18</a:t>
             </a:fld>
             <a:endParaRPr lang="en-US"/>
           </a:p>
@@ -2529,7 +2530,7 @@
           <a:p>
             <a:fld id="{72DE86F5-D0C9-5448-802F-684C9422712B}" type="datetimeFigureOut">
               <a:rPr lang="en-US" smtClean="0"/>
-              <a:t>10/4/18</a:t>
+              <a:t>22/4/18</a:t>
             </a:fld>
             <a:endParaRPr lang="en-US"/>
           </a:p>
@@ -2742,7 +2743,7 @@
           <a:p>
             <a:fld id="{72DE86F5-D0C9-5448-802F-684C9422712B}" type="datetimeFigureOut">
               <a:rPr lang="en-US" smtClean="0"/>
-              <a:t>10/4/18</a:t>
+              <a:t>22/4/18</a:t>
             </a:fld>
             <a:endParaRPr lang="en-US"/>
           </a:p>
@@ -28124,6 +28125,890 @@
     <p:extLst>
       <p:ext uri="{BB962C8B-B14F-4D97-AF65-F5344CB8AC3E}">
         <p14:creationId xmlns:p14="http://schemas.microsoft.com/office/powerpoint/2010/main" val="3023812179"/>
+      </p:ext>
+    </p:extLst>
+  </p:cSld>
+  <p:clrMapOvr>
+    <a:masterClrMapping/>
+  </p:clrMapOvr>
+</p:sld>
+</file>
+
+<file path=ppt/slides/slide24.xml><?xml version="1.0" encoding="utf-8"?>
+<p:sld xmlns:a="http://schemas.openxmlformats.org/drawingml/2006/main" xmlns:r="http://schemas.openxmlformats.org/officeDocument/2006/relationships" xmlns:p="http://schemas.openxmlformats.org/presentationml/2006/main">
+  <p:cSld>
+    <p:spTree>
+      <p:nvGrpSpPr>
+        <p:cNvPr id="1" name=""/>
+        <p:cNvGrpSpPr/>
+        <p:nvPr/>
+      </p:nvGrpSpPr>
+      <p:grpSpPr>
+        <a:xfrm>
+          <a:off x="0" y="0"/>
+          <a:ext cx="0" cy="0"/>
+          <a:chOff x="0" y="0"/>
+          <a:chExt cx="0" cy="0"/>
+        </a:xfrm>
+      </p:grpSpPr>
+      <p:sp>
+        <p:nvSpPr>
+          <p:cNvPr id="4" name="Rectangle 3"/>
+          <p:cNvSpPr/>
+          <p:nvPr/>
+        </p:nvSpPr>
+        <p:spPr>
+          <a:xfrm>
+            <a:off x="3797881" y="2101516"/>
+            <a:ext cx="1006230" cy="48847"/>
+          </a:xfrm>
+          <a:prstGeom prst="rect">
+            <a:avLst/>
+          </a:prstGeom>
+        </p:spPr>
+        <p:style>
+          <a:lnRef idx="2">
+            <a:schemeClr val="dk1">
+              <a:shade val="50000"/>
+            </a:schemeClr>
+          </a:lnRef>
+          <a:fillRef idx="1">
+            <a:schemeClr val="dk1"/>
+          </a:fillRef>
+          <a:effectRef idx="0">
+            <a:schemeClr val="dk1"/>
+          </a:effectRef>
+          <a:fontRef idx="minor">
+            <a:schemeClr val="lt1"/>
+          </a:fontRef>
+        </p:style>
+        <p:txBody>
+          <a:bodyPr rtlCol="0" anchor="ctr"/>
+          <a:lstStyle/>
+          <a:p>
+            <a:pPr algn="ctr"/>
+            <a:endParaRPr lang="en-US"/>
+          </a:p>
+        </p:txBody>
+      </p:sp>
+      <p:sp>
+        <p:nvSpPr>
+          <p:cNvPr id="5" name="Rectangle 4"/>
+          <p:cNvSpPr/>
+          <p:nvPr/>
+        </p:nvSpPr>
+        <p:spPr>
+          <a:xfrm>
+            <a:off x="3797881" y="2269096"/>
+            <a:ext cx="1006230" cy="48847"/>
+          </a:xfrm>
+          <a:prstGeom prst="rect">
+            <a:avLst/>
+          </a:prstGeom>
+        </p:spPr>
+        <p:style>
+          <a:lnRef idx="2">
+            <a:schemeClr val="dk1">
+              <a:shade val="50000"/>
+            </a:schemeClr>
+          </a:lnRef>
+          <a:fillRef idx="1">
+            <a:schemeClr val="dk1"/>
+          </a:fillRef>
+          <a:effectRef idx="0">
+            <a:schemeClr val="dk1"/>
+          </a:effectRef>
+          <a:fontRef idx="minor">
+            <a:schemeClr val="lt1"/>
+          </a:fontRef>
+        </p:style>
+        <p:txBody>
+          <a:bodyPr rtlCol="0" anchor="ctr"/>
+          <a:lstStyle/>
+          <a:p>
+            <a:pPr algn="ctr"/>
+            <a:endParaRPr lang="en-US"/>
+          </a:p>
+        </p:txBody>
+      </p:sp>
+      <p:cxnSp>
+        <p:nvCxnSpPr>
+          <p:cNvPr id="6" name="Straight Connector 5"/>
+          <p:cNvCxnSpPr>
+            <a:endCxn id="4" idx="0"/>
+          </p:cNvCxnSpPr>
+          <p:nvPr/>
+        </p:nvCxnSpPr>
+        <p:spPr>
+          <a:xfrm>
+            <a:off x="4299220" y="632898"/>
+            <a:ext cx="1776" cy="1468618"/>
+          </a:xfrm>
+          <a:prstGeom prst="line">
+            <a:avLst/>
+          </a:prstGeom>
+        </p:spPr>
+        <p:style>
+          <a:lnRef idx="2">
+            <a:schemeClr val="dk1"/>
+          </a:lnRef>
+          <a:fillRef idx="0">
+            <a:schemeClr val="dk1"/>
+          </a:fillRef>
+          <a:effectRef idx="1">
+            <a:schemeClr val="dk1"/>
+          </a:effectRef>
+          <a:fontRef idx="minor">
+            <a:schemeClr val="tx1"/>
+          </a:fontRef>
+        </p:style>
+      </p:cxnSp>
+      <p:cxnSp>
+        <p:nvCxnSpPr>
+          <p:cNvPr id="7" name="Straight Connector 6"/>
+          <p:cNvCxnSpPr/>
+          <p:nvPr/>
+        </p:nvCxnSpPr>
+        <p:spPr>
+          <a:xfrm>
+            <a:off x="1207516" y="632898"/>
+            <a:ext cx="0" cy="1449812"/>
+          </a:xfrm>
+          <a:prstGeom prst="line">
+            <a:avLst/>
+          </a:prstGeom>
+        </p:spPr>
+        <p:style>
+          <a:lnRef idx="2">
+            <a:schemeClr val="dk1"/>
+          </a:lnRef>
+          <a:fillRef idx="0">
+            <a:schemeClr val="dk1"/>
+          </a:fillRef>
+          <a:effectRef idx="1">
+            <a:schemeClr val="dk1"/>
+          </a:effectRef>
+          <a:fontRef idx="minor">
+            <a:schemeClr val="tx1"/>
+          </a:fontRef>
+        </p:style>
+      </p:cxnSp>
+      <p:cxnSp>
+        <p:nvCxnSpPr>
+          <p:cNvPr id="8" name="Straight Connector 7"/>
+          <p:cNvCxnSpPr>
+            <a:endCxn id="5" idx="2"/>
+          </p:cNvCxnSpPr>
+          <p:nvPr/>
+        </p:nvCxnSpPr>
+        <p:spPr>
+          <a:xfrm flipH="1" flipV="1">
+            <a:off x="4300996" y="2317943"/>
+            <a:ext cx="17763" cy="1402032"/>
+          </a:xfrm>
+          <a:prstGeom prst="line">
+            <a:avLst/>
+          </a:prstGeom>
+        </p:spPr>
+        <p:style>
+          <a:lnRef idx="2">
+            <a:schemeClr val="dk1"/>
+          </a:lnRef>
+          <a:fillRef idx="0">
+            <a:schemeClr val="dk1"/>
+          </a:fillRef>
+          <a:effectRef idx="1">
+            <a:schemeClr val="dk1"/>
+          </a:effectRef>
+          <a:fontRef idx="minor">
+            <a:schemeClr val="tx1"/>
+          </a:fontRef>
+        </p:style>
+      </p:cxnSp>
+      <p:cxnSp>
+        <p:nvCxnSpPr>
+          <p:cNvPr id="9" name="Straight Connector 8"/>
+          <p:cNvCxnSpPr/>
+          <p:nvPr/>
+        </p:nvCxnSpPr>
+        <p:spPr>
+          <a:xfrm flipV="1">
+            <a:off x="1217285" y="2260877"/>
+            <a:ext cx="0" cy="1459098"/>
+          </a:xfrm>
+          <a:prstGeom prst="line">
+            <a:avLst/>
+          </a:prstGeom>
+        </p:spPr>
+        <p:style>
+          <a:lnRef idx="2">
+            <a:schemeClr val="dk1"/>
+          </a:lnRef>
+          <a:fillRef idx="0">
+            <a:schemeClr val="dk1"/>
+          </a:fillRef>
+          <a:effectRef idx="1">
+            <a:schemeClr val="dk1"/>
+          </a:effectRef>
+          <a:fontRef idx="minor">
+            <a:schemeClr val="tx1"/>
+          </a:fontRef>
+        </p:style>
+      </p:cxnSp>
+      <p:cxnSp>
+        <p:nvCxnSpPr>
+          <p:cNvPr id="10" name="Straight Connector 9"/>
+          <p:cNvCxnSpPr/>
+          <p:nvPr/>
+        </p:nvCxnSpPr>
+        <p:spPr>
+          <a:xfrm flipH="1">
+            <a:off x="2794948" y="3719975"/>
+            <a:ext cx="1523812" cy="0"/>
+          </a:xfrm>
+          <a:prstGeom prst="line">
+            <a:avLst/>
+          </a:prstGeom>
+        </p:spPr>
+        <p:style>
+          <a:lnRef idx="2">
+            <a:schemeClr val="dk1"/>
+          </a:lnRef>
+          <a:fillRef idx="0">
+            <a:schemeClr val="dk1"/>
+          </a:fillRef>
+          <a:effectRef idx="1">
+            <a:schemeClr val="dk1"/>
+          </a:effectRef>
+          <a:fontRef idx="minor">
+            <a:schemeClr val="tx1"/>
+          </a:fontRef>
+        </p:style>
+      </p:cxnSp>
+      <p:cxnSp>
+        <p:nvCxnSpPr>
+          <p:cNvPr id="12" name="Straight Connector 11"/>
+          <p:cNvCxnSpPr/>
+          <p:nvPr/>
+        </p:nvCxnSpPr>
+        <p:spPr>
+          <a:xfrm>
+            <a:off x="799601" y="2082710"/>
+            <a:ext cx="815474" cy="0"/>
+          </a:xfrm>
+          <a:prstGeom prst="line">
+            <a:avLst/>
+          </a:prstGeom>
+          <a:ln w="38100" cmpd="sng">
+            <a:solidFill>
+              <a:srgbClr val="000000"/>
+            </a:solidFill>
+          </a:ln>
+        </p:spPr>
+        <p:style>
+          <a:lnRef idx="2">
+            <a:schemeClr val="accent1"/>
+          </a:lnRef>
+          <a:fillRef idx="0">
+            <a:schemeClr val="accent1"/>
+          </a:fillRef>
+          <a:effectRef idx="1">
+            <a:schemeClr val="accent1"/>
+          </a:effectRef>
+          <a:fontRef idx="minor">
+            <a:schemeClr val="tx1"/>
+          </a:fontRef>
+        </p:style>
+      </p:cxnSp>
+      <p:cxnSp>
+        <p:nvCxnSpPr>
+          <p:cNvPr id="13" name="Straight Connector 12"/>
+          <p:cNvCxnSpPr/>
+          <p:nvPr/>
+        </p:nvCxnSpPr>
+        <p:spPr>
+          <a:xfrm>
+            <a:off x="1026116" y="2260877"/>
+            <a:ext cx="382337" cy="0"/>
+          </a:xfrm>
+          <a:prstGeom prst="line">
+            <a:avLst/>
+          </a:prstGeom>
+          <a:ln w="38100" cmpd="sng">
+            <a:solidFill>
+              <a:srgbClr val="000000"/>
+            </a:solidFill>
+          </a:ln>
+        </p:spPr>
+        <p:style>
+          <a:lnRef idx="2">
+            <a:schemeClr val="accent1"/>
+          </a:lnRef>
+          <a:fillRef idx="0">
+            <a:schemeClr val="accent1"/>
+          </a:fillRef>
+          <a:effectRef idx="1">
+            <a:schemeClr val="accent1"/>
+          </a:effectRef>
+          <a:fontRef idx="minor">
+            <a:schemeClr val="tx1"/>
+          </a:fontRef>
+        </p:style>
+      </p:cxnSp>
+      <p:grpSp>
+        <p:nvGrpSpPr>
+          <p:cNvPr id="20" name="Group 19"/>
+          <p:cNvGrpSpPr/>
+          <p:nvPr/>
+        </p:nvGrpSpPr>
+        <p:grpSpPr>
+          <a:xfrm>
+            <a:off x="1217285" y="479161"/>
+            <a:ext cx="3101474" cy="307474"/>
+            <a:chOff x="2834105" y="2232526"/>
+            <a:chExt cx="3101474" cy="307474"/>
+          </a:xfrm>
+        </p:grpSpPr>
+        <p:cxnSp>
+          <p:nvCxnSpPr>
+            <p:cNvPr id="21" name="Straight Connector 20"/>
+            <p:cNvCxnSpPr/>
+            <p:nvPr/>
+          </p:nvCxnSpPr>
+          <p:spPr>
+            <a:xfrm>
+              <a:off x="2834105" y="2379579"/>
+              <a:ext cx="1082842" cy="0"/>
+            </a:xfrm>
+            <a:prstGeom prst="line">
+              <a:avLst/>
+            </a:prstGeom>
+            <a:ln>
+              <a:solidFill>
+                <a:srgbClr val="000000"/>
+              </a:solidFill>
+            </a:ln>
+          </p:spPr>
+          <p:style>
+            <a:lnRef idx="2">
+              <a:schemeClr val="accent1"/>
+            </a:lnRef>
+            <a:fillRef idx="0">
+              <a:schemeClr val="accent1"/>
+            </a:fillRef>
+            <a:effectRef idx="1">
+              <a:schemeClr val="accent1"/>
+            </a:effectRef>
+            <a:fontRef idx="minor">
+              <a:schemeClr val="tx1"/>
+            </a:fontRef>
+          </p:style>
+        </p:cxnSp>
+        <p:sp>
+          <p:nvSpPr>
+            <p:cNvPr id="22" name="Rectangle 21"/>
+            <p:cNvSpPr/>
+            <p:nvPr/>
+          </p:nvSpPr>
+          <p:spPr>
+            <a:xfrm>
+              <a:off x="3916947" y="2232526"/>
+              <a:ext cx="935790" cy="307474"/>
+            </a:xfrm>
+            <a:prstGeom prst="rect">
+              <a:avLst/>
+            </a:prstGeom>
+            <a:noFill/>
+            <a:ln>
+              <a:solidFill>
+                <a:srgbClr val="000000"/>
+              </a:solidFill>
+            </a:ln>
+          </p:spPr>
+          <p:style>
+            <a:lnRef idx="1">
+              <a:schemeClr val="accent1"/>
+            </a:lnRef>
+            <a:fillRef idx="3">
+              <a:schemeClr val="accent1"/>
+            </a:fillRef>
+            <a:effectRef idx="2">
+              <a:schemeClr val="accent1"/>
+            </a:effectRef>
+            <a:fontRef idx="minor">
+              <a:schemeClr val="lt1"/>
+            </a:fontRef>
+          </p:style>
+          <p:txBody>
+            <a:bodyPr rtlCol="0" anchor="ctr"/>
+            <a:lstStyle/>
+            <a:p>
+              <a:pPr algn="ctr"/>
+              <a:endParaRPr lang="en-US"/>
+            </a:p>
+          </p:txBody>
+        </p:sp>
+        <p:cxnSp>
+          <p:nvCxnSpPr>
+            <p:cNvPr id="23" name="Straight Connector 22"/>
+            <p:cNvCxnSpPr/>
+            <p:nvPr/>
+          </p:nvCxnSpPr>
+          <p:spPr>
+            <a:xfrm>
+              <a:off x="4852737" y="2379579"/>
+              <a:ext cx="1082842" cy="0"/>
+            </a:xfrm>
+            <a:prstGeom prst="line">
+              <a:avLst/>
+            </a:prstGeom>
+            <a:ln>
+              <a:solidFill>
+                <a:srgbClr val="000000"/>
+              </a:solidFill>
+            </a:ln>
+          </p:spPr>
+          <p:style>
+            <a:lnRef idx="2">
+              <a:schemeClr val="accent1"/>
+            </a:lnRef>
+            <a:fillRef idx="0">
+              <a:schemeClr val="accent1"/>
+            </a:fillRef>
+            <a:effectRef idx="1">
+              <a:schemeClr val="accent1"/>
+            </a:effectRef>
+            <a:fontRef idx="minor">
+              <a:schemeClr val="tx1"/>
+            </a:fontRef>
+          </p:style>
+        </p:cxnSp>
+      </p:grpSp>
+      <p:pic>
+        <p:nvPicPr>
+          <p:cNvPr id="26" name="Picture 25" descr="latex-image-1.pdf"/>
+          <p:cNvPicPr>
+            <a:picLocks noChangeAspect="1"/>
+          </p:cNvPicPr>
+          <p:nvPr/>
+        </p:nvPicPr>
+        <p:blipFill>
+          <a:blip r:embed="rId2">
+            <a:extLst>
+              <a:ext uri="{28A0092B-C50C-407E-A947-70E740481C1C}">
+                <a14:useLocalDpi xmlns:a14="http://schemas.microsoft.com/office/drawing/2010/main" val="0"/>
+              </a:ext>
+            </a:extLst>
+          </a:blip>
+          <a:stretch>
+            <a:fillRect/>
+          </a:stretch>
+        </p:blipFill>
+        <p:spPr>
+          <a:xfrm>
+            <a:off x="2502384" y="67850"/>
+            <a:ext cx="330200" cy="266700"/>
+          </a:xfrm>
+          <a:prstGeom prst="rect">
+            <a:avLst/>
+          </a:prstGeom>
+        </p:spPr>
+      </p:pic>
+      <p:pic>
+        <p:nvPicPr>
+          <p:cNvPr id="27" name="Picture 26" descr="latex-image-1.pdf"/>
+          <p:cNvPicPr>
+            <a:picLocks noChangeAspect="1"/>
+          </p:cNvPicPr>
+          <p:nvPr/>
+        </p:nvPicPr>
+        <p:blipFill>
+          <a:blip r:embed="rId3">
+            <a:extLst>
+              <a:ext uri="{28A0092B-C50C-407E-A947-70E740481C1C}">
+                <a14:useLocalDpi xmlns:a14="http://schemas.microsoft.com/office/drawing/2010/main" val="0"/>
+              </a:ext>
+            </a:extLst>
+          </a:blip>
+          <a:stretch>
+            <a:fillRect/>
+          </a:stretch>
+        </p:blipFill>
+        <p:spPr>
+          <a:xfrm>
+            <a:off x="2680184" y="1039812"/>
+            <a:ext cx="304800" cy="266700"/>
+          </a:xfrm>
+          <a:prstGeom prst="rect">
+            <a:avLst/>
+          </a:prstGeom>
+        </p:spPr>
+      </p:pic>
+      <p:pic>
+        <p:nvPicPr>
+          <p:cNvPr id="28" name="Picture 27" descr="latex-image-1.pdf"/>
+          <p:cNvPicPr>
+            <a:picLocks noChangeAspect="1"/>
+          </p:cNvPicPr>
+          <p:nvPr/>
+        </p:nvPicPr>
+        <p:blipFill>
+          <a:blip r:embed="rId4">
+            <a:extLst>
+              <a:ext uri="{28A0092B-C50C-407E-A947-70E740481C1C}">
+                <a14:useLocalDpi xmlns:a14="http://schemas.microsoft.com/office/drawing/2010/main" val="0"/>
+              </a:ext>
+            </a:extLst>
+          </a:blip>
+          <a:stretch>
+            <a:fillRect/>
+          </a:stretch>
+        </p:blipFill>
+        <p:spPr>
+          <a:xfrm>
+            <a:off x="5172327" y="2051243"/>
+            <a:ext cx="381000" cy="266700"/>
+          </a:xfrm>
+          <a:prstGeom prst="rect">
+            <a:avLst/>
+          </a:prstGeom>
+        </p:spPr>
+      </p:pic>
+      <p:pic>
+        <p:nvPicPr>
+          <p:cNvPr id="29" name="Picture 28" descr="latex-image-1.pdf"/>
+          <p:cNvPicPr>
+            <a:picLocks noChangeAspect="1"/>
+          </p:cNvPicPr>
+          <p:nvPr/>
+        </p:nvPicPr>
+        <p:blipFill>
+          <a:blip r:embed="rId5">
+            <a:extLst>
+              <a:ext uri="{28A0092B-C50C-407E-A947-70E740481C1C}">
+                <a14:useLocalDpi xmlns:a14="http://schemas.microsoft.com/office/drawing/2010/main" val="0"/>
+              </a:ext>
+            </a:extLst>
+          </a:blip>
+          <a:stretch>
+            <a:fillRect/>
+          </a:stretch>
+        </p:blipFill>
+        <p:spPr>
+          <a:xfrm>
+            <a:off x="1900896" y="4162459"/>
+            <a:ext cx="660400" cy="215900"/>
+          </a:xfrm>
+          <a:prstGeom prst="rect">
+            <a:avLst/>
+          </a:prstGeom>
+        </p:spPr>
+      </p:pic>
+      <p:pic>
+        <p:nvPicPr>
+          <p:cNvPr id="30" name="Picture 29" descr="latex-image-1.pdf"/>
+          <p:cNvPicPr>
+            <a:picLocks noChangeAspect="1"/>
+          </p:cNvPicPr>
+          <p:nvPr/>
+        </p:nvPicPr>
+        <p:blipFill>
+          <a:blip r:embed="rId6">
+            <a:extLst>
+              <a:ext uri="{28A0092B-C50C-407E-A947-70E740481C1C}">
+                <a14:useLocalDpi xmlns:a14="http://schemas.microsoft.com/office/drawing/2010/main" val="0"/>
+              </a:ext>
+            </a:extLst>
+          </a:blip>
+          <a:stretch>
+            <a:fillRect/>
+          </a:stretch>
+        </p:blipFill>
+        <p:spPr>
+          <a:xfrm>
+            <a:off x="108312" y="2047539"/>
+            <a:ext cx="419100" cy="266700"/>
+          </a:xfrm>
+          <a:prstGeom prst="rect">
+            <a:avLst/>
+          </a:prstGeom>
+        </p:spPr>
+      </p:pic>
+      <p:cxnSp>
+        <p:nvCxnSpPr>
+          <p:cNvPr id="32" name="Straight Connector 31"/>
+          <p:cNvCxnSpPr/>
+          <p:nvPr/>
+        </p:nvCxnSpPr>
+        <p:spPr>
+          <a:xfrm flipH="1">
+            <a:off x="1207516" y="3739430"/>
+            <a:ext cx="693380" cy="0"/>
+          </a:xfrm>
+          <a:prstGeom prst="line">
+            <a:avLst/>
+          </a:prstGeom>
+        </p:spPr>
+        <p:style>
+          <a:lnRef idx="2">
+            <a:schemeClr val="dk1"/>
+          </a:lnRef>
+          <a:fillRef idx="0">
+            <a:schemeClr val="dk1"/>
+          </a:fillRef>
+          <a:effectRef idx="1">
+            <a:schemeClr val="dk1"/>
+          </a:effectRef>
+          <a:fontRef idx="minor">
+            <a:schemeClr val="tx1"/>
+          </a:fontRef>
+        </p:style>
+      </p:cxnSp>
+      <p:cxnSp>
+        <p:nvCxnSpPr>
+          <p:cNvPr id="35" name="Straight Connector 34"/>
+          <p:cNvCxnSpPr/>
+          <p:nvPr/>
+        </p:nvCxnSpPr>
+        <p:spPr>
+          <a:xfrm flipH="1" flipV="1">
+            <a:off x="1940801" y="3739430"/>
+            <a:ext cx="759867" cy="379273"/>
+          </a:xfrm>
+          <a:prstGeom prst="line">
+            <a:avLst/>
+          </a:prstGeom>
+        </p:spPr>
+        <p:style>
+          <a:lnRef idx="2">
+            <a:schemeClr val="dk1"/>
+          </a:lnRef>
+          <a:fillRef idx="0">
+            <a:schemeClr val="dk1"/>
+          </a:fillRef>
+          <a:effectRef idx="1">
+            <a:schemeClr val="dk1"/>
+          </a:effectRef>
+          <a:fontRef idx="minor">
+            <a:schemeClr val="tx1"/>
+          </a:fontRef>
+        </p:style>
+      </p:cxnSp>
+      <p:sp>
+        <p:nvSpPr>
+          <p:cNvPr id="36" name="Oval 35"/>
+          <p:cNvSpPr/>
+          <p:nvPr/>
+        </p:nvSpPr>
+        <p:spPr>
+          <a:xfrm>
+            <a:off x="1862615" y="3684244"/>
+            <a:ext cx="105839" cy="105839"/>
+          </a:xfrm>
+          <a:prstGeom prst="ellipse">
+            <a:avLst/>
+          </a:prstGeom>
+        </p:spPr>
+        <p:style>
+          <a:lnRef idx="2">
+            <a:schemeClr val="dk1">
+              <a:shade val="50000"/>
+            </a:schemeClr>
+          </a:lnRef>
+          <a:fillRef idx="1">
+            <a:schemeClr val="dk1"/>
+          </a:fillRef>
+          <a:effectRef idx="0">
+            <a:schemeClr val="dk1"/>
+          </a:effectRef>
+          <a:fontRef idx="minor">
+            <a:schemeClr val="lt1"/>
+          </a:fontRef>
+        </p:style>
+        <p:txBody>
+          <a:bodyPr rtlCol="0" anchor="ctr"/>
+          <a:lstStyle/>
+          <a:p>
+            <a:pPr algn="ctr"/>
+            <a:endParaRPr lang="en-US"/>
+          </a:p>
+        </p:txBody>
+      </p:sp>
+      <p:sp>
+        <p:nvSpPr>
+          <p:cNvPr id="39" name="Freeform 38"/>
+          <p:cNvSpPr/>
+          <p:nvPr/>
+        </p:nvSpPr>
+        <p:spPr>
+          <a:xfrm>
+            <a:off x="2068849" y="3714316"/>
+            <a:ext cx="309591" cy="334883"/>
+          </a:xfrm>
+          <a:custGeom>
+            <a:avLst/>
+            <a:gdLst>
+              <a:gd name="connsiteX0" fmla="*/ 0 w 309591"/>
+              <a:gd name="connsiteY0" fmla="*/ 334883 h 334883"/>
+              <a:gd name="connsiteX1" fmla="*/ 265364 w 309591"/>
+              <a:gd name="connsiteY1" fmla="*/ 195875 h 334883"/>
+              <a:gd name="connsiteX2" fmla="*/ 265364 w 309591"/>
+              <a:gd name="connsiteY2" fmla="*/ 195875 h 334883"/>
+              <a:gd name="connsiteX3" fmla="*/ 309591 w 309591"/>
+              <a:gd name="connsiteY3" fmla="*/ 0 h 334883"/>
+              <a:gd name="connsiteX0" fmla="*/ 0 w 309591"/>
+              <a:gd name="connsiteY0" fmla="*/ 334883 h 334883"/>
+              <a:gd name="connsiteX1" fmla="*/ 265364 w 309591"/>
+              <a:gd name="connsiteY1" fmla="*/ 195875 h 334883"/>
+              <a:gd name="connsiteX2" fmla="*/ 265364 w 309591"/>
+              <a:gd name="connsiteY2" fmla="*/ 195875 h 334883"/>
+              <a:gd name="connsiteX3" fmla="*/ 309591 w 309591"/>
+              <a:gd name="connsiteY3" fmla="*/ 0 h 334883"/>
+              <a:gd name="connsiteX0" fmla="*/ 0 w 309591"/>
+              <a:gd name="connsiteY0" fmla="*/ 334883 h 334883"/>
+              <a:gd name="connsiteX1" fmla="*/ 265364 w 309591"/>
+              <a:gd name="connsiteY1" fmla="*/ 195875 h 334883"/>
+              <a:gd name="connsiteX2" fmla="*/ 265364 w 309591"/>
+              <a:gd name="connsiteY2" fmla="*/ 195875 h 334883"/>
+              <a:gd name="connsiteX3" fmla="*/ 309591 w 309591"/>
+              <a:gd name="connsiteY3" fmla="*/ 0 h 334883"/>
+            </a:gdLst>
+            <a:ahLst/>
+            <a:cxnLst>
+              <a:cxn ang="0">
+                <a:pos x="connsiteX0" y="connsiteY0"/>
+              </a:cxn>
+              <a:cxn ang="0">
+                <a:pos x="connsiteX1" y="connsiteY1"/>
+              </a:cxn>
+              <a:cxn ang="0">
+                <a:pos x="connsiteX2" y="connsiteY2"/>
+              </a:cxn>
+              <a:cxn ang="0">
+                <a:pos x="connsiteX3" y="connsiteY3"/>
+              </a:cxn>
+            </a:cxnLst>
+            <a:rect l="l" t="t" r="r" b="b"/>
+            <a:pathLst>
+              <a:path w="309591" h="334883">
+                <a:moveTo>
+                  <a:pt x="0" y="334883"/>
+                </a:moveTo>
+                <a:cubicBezTo>
+                  <a:pt x="88455" y="288547"/>
+                  <a:pt x="157954" y="305396"/>
+                  <a:pt x="265364" y="195875"/>
+                </a:cubicBezTo>
+                <a:lnTo>
+                  <a:pt x="265364" y="195875"/>
+                </a:lnTo>
+                <a:lnTo>
+                  <a:pt x="309591" y="0"/>
+                </a:lnTo>
+              </a:path>
+            </a:pathLst>
+          </a:custGeom>
+          <a:ln w="12700" cmpd="sng">
+            <a:solidFill>
+              <a:schemeClr val="tx1"/>
+            </a:solidFill>
+            <a:headEnd type="none"/>
+            <a:tailEnd type="triangle"/>
+          </a:ln>
+        </p:spPr>
+        <p:style>
+          <a:lnRef idx="2">
+            <a:schemeClr val="accent1"/>
+          </a:lnRef>
+          <a:fillRef idx="0">
+            <a:schemeClr val="accent1"/>
+          </a:fillRef>
+          <a:effectRef idx="1">
+            <a:schemeClr val="accent1"/>
+          </a:effectRef>
+          <a:fontRef idx="minor">
+            <a:schemeClr val="tx1"/>
+          </a:fontRef>
+        </p:style>
+        <p:txBody>
+          <a:bodyPr rtlCol="0" anchor="ctr"/>
+          <a:lstStyle/>
+          <a:p>
+            <a:pPr algn="ctr"/>
+            <a:endParaRPr lang="en-US"/>
+          </a:p>
+        </p:txBody>
+      </p:sp>
+      <p:cxnSp>
+        <p:nvCxnSpPr>
+          <p:cNvPr id="41" name="Straight Arrow Connector 40"/>
+          <p:cNvCxnSpPr/>
+          <p:nvPr/>
+        </p:nvCxnSpPr>
+        <p:spPr>
+          <a:xfrm>
+            <a:off x="2196778" y="912400"/>
+            <a:ext cx="1229360" cy="10160"/>
+          </a:xfrm>
+          <a:prstGeom prst="straightConnector1">
+            <a:avLst/>
+          </a:prstGeom>
+          <a:ln>
+            <a:tailEnd type="arrow"/>
+          </a:ln>
+        </p:spPr>
+        <p:style>
+          <a:lnRef idx="2">
+            <a:schemeClr val="accent1"/>
+          </a:lnRef>
+          <a:fillRef idx="0">
+            <a:schemeClr val="accent1"/>
+          </a:fillRef>
+          <a:effectRef idx="1">
+            <a:schemeClr val="accent1"/>
+          </a:effectRef>
+          <a:fontRef idx="minor">
+            <a:schemeClr val="tx1"/>
+          </a:fontRef>
+        </p:style>
+      </p:cxnSp>
+      <p:cxnSp>
+        <p:nvCxnSpPr>
+          <p:cNvPr id="42" name="Straight Arrow Connector 41"/>
+          <p:cNvCxnSpPr/>
+          <p:nvPr/>
+        </p:nvCxnSpPr>
+        <p:spPr>
+          <a:xfrm>
+            <a:off x="5045327" y="1571243"/>
+            <a:ext cx="0" cy="1158240"/>
+          </a:xfrm>
+          <a:prstGeom prst="straightConnector1">
+            <a:avLst/>
+          </a:prstGeom>
+          <a:ln>
+            <a:tailEnd type="arrow"/>
+          </a:ln>
+        </p:spPr>
+        <p:style>
+          <a:lnRef idx="2">
+            <a:schemeClr val="accent1"/>
+          </a:lnRef>
+          <a:fillRef idx="0">
+            <a:schemeClr val="accent1"/>
+          </a:fillRef>
+          <a:effectRef idx="1">
+            <a:schemeClr val="accent1"/>
+          </a:effectRef>
+          <a:fontRef idx="minor">
+            <a:schemeClr val="tx1"/>
+          </a:fontRef>
+        </p:style>
+      </p:cxnSp>
+    </p:spTree>
+    <p:extLst>
+      <p:ext uri="{BB962C8B-B14F-4D97-AF65-F5344CB8AC3E}">
+        <p14:creationId xmlns:p14="http://schemas.microsoft.com/office/powerpoint/2010/main" val="1830413384"/>
       </p:ext>
     </p:extLst>
   </p:cSld>
